--- a/Spring/Spring源码分析.pptx
+++ b/Spring/Spring源码分析.pptx
@@ -8,7 +8,7 @@
     <p:notesMasterId r:id="rId4"/>
   </p:notesMasterIdLst>
   <p:handoutMasterIdLst>
-    <p:handoutMasterId r:id="rId35"/>
+    <p:handoutMasterId r:id="rId36"/>
   </p:handoutMasterIdLst>
   <p:sldIdLst>
     <p:sldId id="256" r:id="rId3"/>
@@ -18,30 +18,31 @@
     <p:sldId id="258" r:id="rId8"/>
     <p:sldId id="359" r:id="rId9"/>
     <p:sldId id="360" r:id="rId10"/>
-    <p:sldId id="282" r:id="rId11"/>
-    <p:sldId id="283" r:id="rId12"/>
-    <p:sldId id="280" r:id="rId13"/>
-    <p:sldId id="265" r:id="rId14"/>
-    <p:sldId id="264" r:id="rId15"/>
-    <p:sldId id="263" r:id="rId16"/>
-    <p:sldId id="262" r:id="rId17"/>
-    <p:sldId id="260" r:id="rId18"/>
-    <p:sldId id="261" r:id="rId19"/>
-    <p:sldId id="270" r:id="rId20"/>
-    <p:sldId id="269" r:id="rId21"/>
-    <p:sldId id="268" r:id="rId22"/>
-    <p:sldId id="267" r:id="rId23"/>
-    <p:sldId id="266" r:id="rId24"/>
-    <p:sldId id="259" r:id="rId25"/>
-    <p:sldId id="276" r:id="rId26"/>
-    <p:sldId id="275" r:id="rId27"/>
-    <p:sldId id="274" r:id="rId28"/>
-    <p:sldId id="273" r:id="rId29"/>
-    <p:sldId id="272" r:id="rId30"/>
-    <p:sldId id="271" r:id="rId31"/>
-    <p:sldId id="277" r:id="rId32"/>
-    <p:sldId id="278" r:id="rId33"/>
-    <p:sldId id="279" r:id="rId34"/>
+    <p:sldId id="385" r:id="rId11"/>
+    <p:sldId id="282" r:id="rId12"/>
+    <p:sldId id="283" r:id="rId13"/>
+    <p:sldId id="280" r:id="rId14"/>
+    <p:sldId id="265" r:id="rId15"/>
+    <p:sldId id="264" r:id="rId16"/>
+    <p:sldId id="263" r:id="rId17"/>
+    <p:sldId id="262" r:id="rId18"/>
+    <p:sldId id="260" r:id="rId19"/>
+    <p:sldId id="261" r:id="rId20"/>
+    <p:sldId id="270" r:id="rId21"/>
+    <p:sldId id="269" r:id="rId22"/>
+    <p:sldId id="268" r:id="rId23"/>
+    <p:sldId id="267" r:id="rId24"/>
+    <p:sldId id="266" r:id="rId25"/>
+    <p:sldId id="259" r:id="rId26"/>
+    <p:sldId id="276" r:id="rId27"/>
+    <p:sldId id="275" r:id="rId28"/>
+    <p:sldId id="274" r:id="rId29"/>
+    <p:sldId id="273" r:id="rId30"/>
+    <p:sldId id="272" r:id="rId31"/>
+    <p:sldId id="271" r:id="rId32"/>
+    <p:sldId id="277" r:id="rId33"/>
+    <p:sldId id="278" r:id="rId34"/>
+    <p:sldId id="279" r:id="rId35"/>
   </p:sldIdLst>
   <p:sldSz cx="12192000" cy="6858000"/>
   <p:notesSz cx="6858000" cy="9144000"/>
@@ -753,12 +754,7 @@
             <p:ph type="sldImg"/>
           </p:nvPr>
         </p:nvSpPr>
-        <p:spPr>
-          <a:xfrm>
-            <a:off x="685800" y="1143000"/>
-            <a:ext cx="5486400" cy="3086100"/>
-          </a:xfrm>
-        </p:spPr>
+        <p:spPr/>
       </p:sp>
       <p:sp>
         <p:nvSpPr>
@@ -794,7 +790,7 @@
           <a:bodyPr/>
           <a:lstStyle/>
           <a:p>
-            <a:fld id="{980D20C2-CF7C-4C05-8C6C-7949320A47BC}" type="slidenum">
+            <a:fld id="{64E73910-F208-4636-A090-B1B04B1D62DC}" type="slidenum">
               <a:rPr lang="zh-CN" altLang="en-US" smtClean="0"/>
             </a:fld>
             <a:endParaRPr lang="zh-CN" altLang="en-US"/>
@@ -1251,7 +1247,12 @@
             <p:ph type="sldImg"/>
           </p:nvPr>
         </p:nvSpPr>
-        <p:spPr/>
+        <p:spPr>
+          <a:xfrm>
+            <a:off x="685800" y="1143000"/>
+            <a:ext cx="5486400" cy="3086100"/>
+          </a:xfrm>
+        </p:spPr>
       </p:sp>
       <p:sp>
         <p:nvSpPr>
@@ -1287,7 +1288,7 @@
           <a:bodyPr/>
           <a:lstStyle/>
           <a:p>
-            <a:fld id="{A0BBB305-4CFE-4DAA-B474-7A63966335B9}" type="slidenum">
+            <a:fld id="{980D20C2-CF7C-4C05-8C6C-7949320A47BC}" type="slidenum">
               <a:rPr lang="zh-CN" altLang="en-US" smtClean="0"/>
             </a:fld>
             <a:endParaRPr lang="zh-CN" altLang="en-US"/>
@@ -2551,6 +2552,84 @@
 </file>
 
 <file path=ppt/notesSlides/notesSlide31.xml><?xml version="1.0" encoding="utf-8"?>
+<p:notes xmlns:a="http://schemas.openxmlformats.org/drawingml/2006/main" xmlns:r="http://schemas.openxmlformats.org/officeDocument/2006/relationships" xmlns:p="http://schemas.openxmlformats.org/presentationml/2006/main">
+  <p:cSld>
+    <p:spTree>
+      <p:nvGrpSpPr>
+        <p:cNvPr id="1" name=""/>
+        <p:cNvGrpSpPr/>
+        <p:nvPr/>
+      </p:nvGrpSpPr>
+      <p:grpSpPr>
+        <a:xfrm>
+          <a:off x="0" y="0"/>
+          <a:ext cx="0" cy="0"/>
+          <a:chOff x="0" y="0"/>
+          <a:chExt cx="0" cy="0"/>
+        </a:xfrm>
+      </p:grpSpPr>
+      <p:sp>
+        <p:nvSpPr>
+          <p:cNvPr id="2" name="幻灯片图像占位符 1"/>
+          <p:cNvSpPr>
+            <a:spLocks noGrp="1" noRot="1" noChangeAspect="1"/>
+          </p:cNvSpPr>
+          <p:nvPr>
+            <p:ph type="sldImg"/>
+          </p:nvPr>
+        </p:nvSpPr>
+        <p:spPr/>
+      </p:sp>
+      <p:sp>
+        <p:nvSpPr>
+          <p:cNvPr id="3" name="备注占位符 2"/>
+          <p:cNvSpPr>
+            <a:spLocks noGrp="1"/>
+          </p:cNvSpPr>
+          <p:nvPr>
+            <p:ph type="body" idx="1"/>
+          </p:nvPr>
+        </p:nvSpPr>
+        <p:spPr/>
+        <p:txBody>
+          <a:bodyPr/>
+          <a:lstStyle/>
+          <a:p>
+            <a:endParaRPr lang="zh-CN" altLang="en-US"/>
+          </a:p>
+        </p:txBody>
+      </p:sp>
+      <p:sp>
+        <p:nvSpPr>
+          <p:cNvPr id="4" name="灯片编号占位符 3"/>
+          <p:cNvSpPr>
+            <a:spLocks noGrp="1"/>
+          </p:cNvSpPr>
+          <p:nvPr>
+            <p:ph type="sldNum" sz="quarter" idx="10"/>
+          </p:nvPr>
+        </p:nvSpPr>
+        <p:spPr/>
+        <p:txBody>
+          <a:bodyPr/>
+          <a:lstStyle/>
+          <a:p>
+            <a:fld id="{A0BBB305-4CFE-4DAA-B474-7A63966335B9}" type="slidenum">
+              <a:rPr lang="zh-CN" altLang="en-US" smtClean="0"/>
+            </a:fld>
+            <a:endParaRPr lang="zh-CN" altLang="en-US"/>
+          </a:p>
+        </p:txBody>
+      </p:sp>
+    </p:spTree>
+  </p:cSld>
+  <p:clrMapOvr>
+    <a:masterClrMapping/>
+  </p:clrMapOvr>
+</p:notes>
+</file>
+
+<file path=ppt/notesSlides/notesSlide32.xml><?xml version="1.0" encoding="utf-8"?>
 <p:notes xmlns:a="http://schemas.openxmlformats.org/drawingml/2006/main" xmlns:r="http://schemas.openxmlformats.org/officeDocument/2006/relationships" xmlns:p="http://schemas.openxmlformats.org/presentationml/2006/main">
   <p:cSld>
     <p:spTree>
@@ -3187,7 +3266,7 @@
           <a:bodyPr/>
           <a:lstStyle/>
           <a:p>
-            <a:fld id="{575769E8-19F7-47D4-AFC6-D17EEAD4A98C}" type="slidenum">
+            <a:fld id="{A0BBB305-4CFE-4DAA-B474-7A63966335B9}" type="slidenum">
               <a:rPr lang="zh-CN" altLang="en-US" smtClean="0"/>
             </a:fld>
             <a:endParaRPr lang="zh-CN" altLang="en-US"/>
@@ -3265,7 +3344,7 @@
           <a:bodyPr/>
           <a:lstStyle/>
           <a:p>
-            <a:fld id="{64E73910-F208-4636-A090-B1B04B1D62DC}" type="slidenum">
+            <a:fld id="{575769E8-19F7-47D4-AFC6-D17EEAD4A98C}" type="slidenum">
               <a:rPr lang="zh-CN" altLang="en-US" smtClean="0"/>
             </a:fld>
             <a:endParaRPr lang="zh-CN" altLang="en-US"/>
@@ -6482,6 +6561,329 @@
           <a:chExt cx="0" cy="0"/>
         </a:xfrm>
       </p:grpSpPr>
+      <p:pic>
+        <p:nvPicPr>
+          <p:cNvPr id="3" name="图片 2"/>
+          <p:cNvPicPr>
+            <a:picLocks noChangeAspect="1"/>
+          </p:cNvPicPr>
+          <p:nvPr>
+            <p:custDataLst>
+              <p:tags r:id="rId1"/>
+            </p:custDataLst>
+          </p:nvPr>
+        </p:nvPicPr>
+        <p:blipFill rotWithShape="1">
+          <a:blip r:embed="rId2">
+            <a:extLst>
+              <a:ext uri="{28A0092B-C50C-407E-A947-70E740481C1C}">
+                <a14:useLocalDpi xmlns:a14="http://schemas.microsoft.com/office/drawing/2010/main" val="0"/>
+              </a:ext>
+            </a:extLst>
+          </a:blip>
+          <a:srcRect b="26083"/>
+          <a:stretch>
+            <a:fillRect/>
+          </a:stretch>
+        </p:blipFill>
+        <p:spPr>
+          <a:xfrm>
+            <a:off x="1554600" y="1317684"/>
+            <a:ext cx="9081665" cy="4543200"/>
+          </a:xfrm>
+          <a:prstGeom prst="rect">
+            <a:avLst/>
+          </a:prstGeom>
+        </p:spPr>
+      </p:pic>
+      <p:sp>
+        <p:nvSpPr>
+          <p:cNvPr id="8" name="文本框 7"/>
+          <p:cNvSpPr txBox="1"/>
+          <p:nvPr>
+            <p:custDataLst>
+              <p:tags r:id="rId3"/>
+            </p:custDataLst>
+          </p:nvPr>
+        </p:nvSpPr>
+        <p:spPr>
+          <a:xfrm>
+            <a:off x="1554600" y="211048"/>
+            <a:ext cx="9082800" cy="939600"/>
+          </a:xfrm>
+          <a:prstGeom prst="rect">
+            <a:avLst/>
+          </a:prstGeom>
+        </p:spPr>
+        <p:txBody>
+          <a:bodyPr vert="horz" lIns="91440" tIns="45720" rIns="91440" bIns="45720" rtlCol="0" anchor="ctr">
+            <a:normAutofit/>
+          </a:bodyPr>
+          <a:lstStyle>
+            <a:lvl1pPr defTabSz="685800">
+              <a:lnSpc>
+                <a:spcPct val="100000"/>
+              </a:lnSpc>
+              <a:spcBef>
+                <a:spcPct val="0"/>
+              </a:spcBef>
+              <a:buNone/>
+              <a:defRPr sz="3600" b="1" i="0" baseline="0">
+                <a:solidFill>
+                  <a:schemeClr val="accent1"/>
+                </a:solidFill>
+                <a:effectLst/>
+                <a:latin typeface="+mj-lt"/>
+                <a:ea typeface="+mj-ea"/>
+                <a:cs typeface="+mj-cs"/>
+              </a:defRPr>
+            </a:lvl1pPr>
+          </a:lstStyle>
+          <a:p>
+            <a:r>
+              <a:rPr lang="en-US" altLang="zh-CN" dirty="0" smtClean="0">
+                <a:solidFill>
+                  <a:schemeClr val="accent1">
+                    <a:lumMod val="75000"/>
+                  </a:schemeClr>
+                </a:solidFill>
+              </a:rPr>
+              <a:t>LOREM IPSUM DOLOR</a:t>
+            </a:r>
+            <a:endParaRPr lang="zh-CN" altLang="en-US" dirty="0">
+              <a:solidFill>
+                <a:schemeClr val="accent1">
+                  <a:lumMod val="75000"/>
+                </a:schemeClr>
+              </a:solidFill>
+            </a:endParaRPr>
+          </a:p>
+        </p:txBody>
+      </p:sp>
+      <p:sp>
+        <p:nvSpPr>
+          <p:cNvPr id="9" name="文本框 8"/>
+          <p:cNvSpPr txBox="1"/>
+          <p:nvPr>
+            <p:custDataLst>
+              <p:tags r:id="rId4"/>
+            </p:custDataLst>
+          </p:nvPr>
+        </p:nvSpPr>
+        <p:spPr>
+          <a:xfrm>
+            <a:off x="1554600" y="6032336"/>
+            <a:ext cx="9082800" cy="597600"/>
+          </a:xfrm>
+          <a:prstGeom prst="rect">
+            <a:avLst/>
+          </a:prstGeom>
+        </p:spPr>
+        <p:txBody>
+          <a:bodyPr vert="horz" lIns="91440" tIns="45720" rIns="91440" bIns="45720" rtlCol="0" anchor="t">
+            <a:normAutofit/>
+          </a:bodyPr>
+          <a:lstStyle>
+            <a:lvl1pPr indent="0" defTabSz="685800">
+              <a:lnSpc>
+                <a:spcPct val="100000"/>
+              </a:lnSpc>
+              <a:spcBef>
+                <a:spcPts val="0"/>
+              </a:spcBef>
+              <a:spcAft>
+                <a:spcPts val="0"/>
+              </a:spcAft>
+              <a:buClr>
+                <a:schemeClr val="accent1"/>
+              </a:buClr>
+              <a:buSzPct val="70000"/>
+              <a:buFont typeface="Wingdings 2" panose="05020102010507070707" pitchFamily="18" charset="2"/>
+              <a:buNone/>
+              <a:defRPr baseline="0"/>
+            </a:lvl1pPr>
+            <a:lvl2pPr marL="342900" indent="0" algn="just" defTabSz="685800">
+              <a:lnSpc>
+                <a:spcPct val="130000"/>
+              </a:lnSpc>
+              <a:spcBef>
+                <a:spcPts val="0"/>
+              </a:spcBef>
+              <a:spcAft>
+                <a:spcPts val="450"/>
+              </a:spcAft>
+              <a:buClr>
+                <a:schemeClr val="accent2">
+                  <a:lumMod val="60000"/>
+                  <a:lumOff val="40000"/>
+                </a:schemeClr>
+              </a:buClr>
+              <a:buFont typeface="幼圆" panose="02010509060101010101" pitchFamily="49" charset="-122"/>
+              <a:buNone/>
+              <a:defRPr sz="1050" baseline="0">
+                <a:latin typeface="Arial" panose="020B0604020202020204" pitchFamily="34" charset="0"/>
+                <a:ea typeface="黑体" panose="02010609060101010101" pitchFamily="49" charset="-122"/>
+              </a:defRPr>
+            </a:lvl2pPr>
+            <a:lvl3pPr marL="685800" indent="0" defTabSz="685800">
+              <a:lnSpc>
+                <a:spcPct val="90000"/>
+              </a:lnSpc>
+              <a:spcBef>
+                <a:spcPts val="375"/>
+              </a:spcBef>
+              <a:buFont typeface="Arial" panose="020B0604020202020204" pitchFamily="34" charset="0"/>
+              <a:buNone/>
+              <a:defRPr sz="900"/>
+            </a:lvl3pPr>
+            <a:lvl4pPr marL="1028700" indent="0" defTabSz="685800">
+              <a:lnSpc>
+                <a:spcPct val="90000"/>
+              </a:lnSpc>
+              <a:spcBef>
+                <a:spcPts val="375"/>
+              </a:spcBef>
+              <a:buFont typeface="Arial" panose="020B0604020202020204" pitchFamily="34" charset="0"/>
+              <a:buNone/>
+              <a:defRPr sz="750"/>
+            </a:lvl4pPr>
+            <a:lvl5pPr marL="1371600" indent="0" defTabSz="685800">
+              <a:lnSpc>
+                <a:spcPct val="90000"/>
+              </a:lnSpc>
+              <a:spcBef>
+                <a:spcPts val="375"/>
+              </a:spcBef>
+              <a:buFont typeface="Arial" panose="020B0604020202020204" pitchFamily="34" charset="0"/>
+              <a:buNone/>
+              <a:defRPr sz="750"/>
+            </a:lvl5pPr>
+            <a:lvl6pPr marL="1714500" indent="0" defTabSz="685800">
+              <a:lnSpc>
+                <a:spcPct val="90000"/>
+              </a:lnSpc>
+              <a:spcBef>
+                <a:spcPts val="375"/>
+              </a:spcBef>
+              <a:buFont typeface="Arial" panose="020B0604020202020204" pitchFamily="34" charset="0"/>
+              <a:buNone/>
+              <a:defRPr sz="750"/>
+            </a:lvl6pPr>
+            <a:lvl7pPr marL="2057400" indent="0" defTabSz="685800">
+              <a:lnSpc>
+                <a:spcPct val="90000"/>
+              </a:lnSpc>
+              <a:spcBef>
+                <a:spcPts val="375"/>
+              </a:spcBef>
+              <a:buFont typeface="Arial" panose="020B0604020202020204" pitchFamily="34" charset="0"/>
+              <a:buNone/>
+              <a:defRPr sz="750"/>
+            </a:lvl7pPr>
+            <a:lvl8pPr marL="2400300" indent="0" defTabSz="685800">
+              <a:lnSpc>
+                <a:spcPct val="90000"/>
+              </a:lnSpc>
+              <a:spcBef>
+                <a:spcPts val="375"/>
+              </a:spcBef>
+              <a:buFont typeface="Arial" panose="020B0604020202020204" pitchFamily="34" charset="0"/>
+              <a:buNone/>
+              <a:defRPr sz="750"/>
+            </a:lvl8pPr>
+            <a:lvl9pPr marL="2743200" indent="0" defTabSz="685800">
+              <a:lnSpc>
+                <a:spcPct val="90000"/>
+              </a:lnSpc>
+              <a:spcBef>
+                <a:spcPts val="375"/>
+              </a:spcBef>
+              <a:buFont typeface="Arial" panose="020B0604020202020204" pitchFamily="34" charset="0"/>
+              <a:buNone/>
+              <a:defRPr sz="750"/>
+            </a:lvl9pPr>
+          </a:lstStyle>
+          <a:p>
+            <a:r>
+              <a:rPr lang="en-US" altLang="zh-CN" dirty="0" err="1" smtClean="0"/>
+              <a:t>Lorem</a:t>
+            </a:r>
+            <a:r>
+              <a:rPr lang="en-US" altLang="zh-CN" dirty="0" smtClean="0"/>
+              <a:t> </a:t>
+            </a:r>
+            <a:r>
+              <a:rPr lang="en-US" altLang="zh-CN" dirty="0" err="1" smtClean="0"/>
+              <a:t>ipsum</a:t>
+            </a:r>
+            <a:r>
+              <a:rPr lang="en-US" altLang="zh-CN" dirty="0" smtClean="0"/>
+              <a:t> dolor sit </a:t>
+            </a:r>
+            <a:r>
+              <a:rPr lang="en-US" altLang="zh-CN" dirty="0" err="1" smtClean="0"/>
+              <a:t>amet</a:t>
+            </a:r>
+            <a:r>
+              <a:rPr lang="en-US" altLang="zh-CN" dirty="0" smtClean="0"/>
+              <a:t>, </a:t>
+            </a:r>
+            <a:r>
+              <a:rPr lang="en-US" altLang="zh-CN" dirty="0" err="1" smtClean="0"/>
+              <a:t>consectetur</a:t>
+            </a:r>
+            <a:r>
+              <a:rPr lang="en-US" altLang="zh-CN" dirty="0" smtClean="0"/>
+              <a:t> </a:t>
+            </a:r>
+            <a:r>
+              <a:rPr lang="en-US" altLang="zh-CN" dirty="0" err="1" smtClean="0"/>
+              <a:t>adipisicing</a:t>
+            </a:r>
+            <a:r>
+              <a:rPr lang="en-US" altLang="zh-CN" dirty="0" smtClean="0"/>
+              <a:t> </a:t>
+            </a:r>
+            <a:r>
+              <a:rPr lang="en-US" altLang="zh-CN" dirty="0" err="1" smtClean="0"/>
+              <a:t>elit</a:t>
+            </a:r>
+            <a:r>
+              <a:rPr lang="en-US" altLang="zh-CN" dirty="0" smtClean="0"/>
+              <a:t>.</a:t>
+            </a:r>
+            <a:endParaRPr lang="zh-CN" altLang="en-US" dirty="0"/>
+          </a:p>
+        </p:txBody>
+      </p:sp>
+    </p:spTree>
+    <p:custDataLst>
+      <p:tags r:id="rId5"/>
+    </p:custDataLst>
+  </p:cSld>
+  <p:clrMapOvr>
+    <a:masterClrMapping/>
+  </p:clrMapOvr>
+</p:sld>
+</file>
+
+<file path=ppt/slides/slide11.xml><?xml version="1.0" encoding="utf-8"?>
+<p:sld xmlns:a="http://schemas.openxmlformats.org/drawingml/2006/main" xmlns:r="http://schemas.openxmlformats.org/officeDocument/2006/relationships" xmlns:p="http://schemas.openxmlformats.org/presentationml/2006/main">
+  <p:cSld>
+    <p:spTree>
+      <p:nvGrpSpPr>
+        <p:cNvPr id="1" name=""/>
+        <p:cNvGrpSpPr/>
+        <p:nvPr/>
+      </p:nvGrpSpPr>
+      <p:grpSpPr>
+        <a:xfrm>
+          <a:off x="0" y="0"/>
+          <a:ext cx="0" cy="0"/>
+          <a:chOff x="0" y="0"/>
+          <a:chExt cx="0" cy="0"/>
+        </a:xfrm>
+      </p:grpSpPr>
       <p:grpSp>
         <p:nvGrpSpPr>
           <p:cNvPr id="8" name="组合 7"/>
@@ -6835,7 +7237,7 @@
 </p:sld>
 </file>
 
-<file path=ppt/slides/slide11.xml><?xml version="1.0" encoding="utf-8"?>
+<file path=ppt/slides/slide12.xml><?xml version="1.0" encoding="utf-8"?>
 <p:sld xmlns:a="http://schemas.openxmlformats.org/drawingml/2006/main" xmlns:r="http://schemas.openxmlformats.org/officeDocument/2006/relationships" xmlns:p="http://schemas.openxmlformats.org/presentationml/2006/main">
   <p:cSld>
     <p:spTree>
@@ -7430,7 +7832,7 @@
 </p:sld>
 </file>
 
-<file path=ppt/slides/slide12.xml><?xml version="1.0" encoding="utf-8"?>
+<file path=ppt/slides/slide13.xml><?xml version="1.0" encoding="utf-8"?>
 <p:sld xmlns:a="http://schemas.openxmlformats.org/drawingml/2006/main" xmlns:r="http://schemas.openxmlformats.org/officeDocument/2006/relationships" xmlns:p="http://schemas.openxmlformats.org/presentationml/2006/main">
   <p:cSld>
     <p:spTree>
@@ -8250,7 +8652,7 @@
 </p:sld>
 </file>
 
-<file path=ppt/slides/slide13.xml><?xml version="1.0" encoding="utf-8"?>
+<file path=ppt/slides/slide14.xml><?xml version="1.0" encoding="utf-8"?>
 <p:sld xmlns:a="http://schemas.openxmlformats.org/drawingml/2006/main" xmlns:r="http://schemas.openxmlformats.org/officeDocument/2006/relationships" xmlns:p="http://schemas.openxmlformats.org/presentationml/2006/main">
   <p:cSld>
     <p:spTree>
@@ -9295,7 +9697,7 @@
 </p:sld>
 </file>
 
-<file path=ppt/slides/slide14.xml><?xml version="1.0" encoding="utf-8"?>
+<file path=ppt/slides/slide15.xml><?xml version="1.0" encoding="utf-8"?>
 <p:sld xmlns:a="http://schemas.openxmlformats.org/drawingml/2006/main" xmlns:r="http://schemas.openxmlformats.org/officeDocument/2006/relationships" xmlns:p="http://schemas.openxmlformats.org/presentationml/2006/main">
   <p:cSld>
     <p:spTree>
@@ -10565,7 +10967,7 @@
 </p:sld>
 </file>
 
-<file path=ppt/slides/slide15.xml><?xml version="1.0" encoding="utf-8"?>
+<file path=ppt/slides/slide16.xml><?xml version="1.0" encoding="utf-8"?>
 <p:sld xmlns:a="http://schemas.openxmlformats.org/drawingml/2006/main" xmlns:r="http://schemas.openxmlformats.org/officeDocument/2006/relationships" xmlns:p="http://schemas.openxmlformats.org/presentationml/2006/main">
   <p:cSld>
     <p:spTree>
@@ -11946,7 +12348,7 @@
 </p:sld>
 </file>
 
-<file path=ppt/slides/slide16.xml><?xml version="1.0" encoding="utf-8"?>
+<file path=ppt/slides/slide17.xml><?xml version="1.0" encoding="utf-8"?>
 <p:sld xmlns:a="http://schemas.openxmlformats.org/drawingml/2006/main" xmlns:r="http://schemas.openxmlformats.org/officeDocument/2006/relationships" xmlns:p="http://schemas.openxmlformats.org/presentationml/2006/main">
   <p:cSld>
     <p:spTree>
@@ -12155,7 +12557,7 @@
 </p:sld>
 </file>
 
-<file path=ppt/slides/slide17.xml><?xml version="1.0" encoding="utf-8"?>
+<file path=ppt/slides/slide18.xml><?xml version="1.0" encoding="utf-8"?>
 <p:sld xmlns:a="http://schemas.openxmlformats.org/drawingml/2006/main" xmlns:r="http://schemas.openxmlformats.org/officeDocument/2006/relationships" xmlns:p="http://schemas.openxmlformats.org/presentationml/2006/main">
   <p:cSld>
     <p:spTree>
@@ -12695,7 +13097,7 @@
 </p:sld>
 </file>
 
-<file path=ppt/slides/slide18.xml><?xml version="1.0" encoding="utf-8"?>
+<file path=ppt/slides/slide19.xml><?xml version="1.0" encoding="utf-8"?>
 <p:sld xmlns:a="http://schemas.openxmlformats.org/drawingml/2006/main" xmlns:r="http://schemas.openxmlformats.org/officeDocument/2006/relationships" xmlns:p="http://schemas.openxmlformats.org/presentationml/2006/main">
   <p:cSld>
     <p:spTree>
@@ -13562,7 +13964,91 @@
 </p:sld>
 </file>
 
-<file path=ppt/slides/slide19.xml><?xml version="1.0" encoding="utf-8"?>
+<file path=ppt/slides/slide2.xml><?xml version="1.0" encoding="utf-8"?>
+<p:sld xmlns:a="http://schemas.openxmlformats.org/drawingml/2006/main" xmlns:r="http://schemas.openxmlformats.org/officeDocument/2006/relationships" xmlns:p="http://schemas.openxmlformats.org/presentationml/2006/main">
+  <p:cSld>
+    <p:spTree>
+      <p:nvGrpSpPr>
+        <p:cNvPr id="1" name=""/>
+        <p:cNvGrpSpPr/>
+        <p:nvPr/>
+      </p:nvGrpSpPr>
+      <p:grpSpPr>
+        <a:xfrm>
+          <a:off x="0" y="0"/>
+          <a:ext cx="0" cy="0"/>
+          <a:chOff x="0" y="0"/>
+          <a:chExt cx="0" cy="0"/>
+        </a:xfrm>
+      </p:grpSpPr>
+      <p:sp>
+        <p:nvSpPr>
+          <p:cNvPr id="2" name="标题 1"/>
+          <p:cNvSpPr>
+            <a:spLocks noGrp="1"/>
+          </p:cNvSpPr>
+          <p:nvPr>
+            <p:ph type="title"/>
+            <p:custDataLst>
+              <p:tags r:id="rId1"/>
+            </p:custDataLst>
+          </p:nvPr>
+        </p:nvSpPr>
+        <p:spPr/>
+        <p:txBody>
+          <a:bodyPr/>
+          <a:lstStyle/>
+          <a:p>
+            <a:r>
+              <a:rPr lang="en-US" altLang="zh-CN" dirty="0"/>
+              <a:t>Spring</a:t>
+            </a:r>
+            <a:r>
+              <a:rPr lang="zh-CN" altLang="zh-CN" dirty="0"/>
+              <a:t>是啥</a:t>
+            </a:r>
+            <a:endParaRPr lang="zh-CN" altLang="zh-CN" dirty="0"/>
+          </a:p>
+        </p:txBody>
+      </p:sp>
+      <p:pic>
+        <p:nvPicPr>
+          <p:cNvPr id="4" name="内容占位符 3"/>
+          <p:cNvPicPr>
+            <a:picLocks noChangeAspect="1"/>
+          </p:cNvPicPr>
+          <p:nvPr>
+            <p:ph idx="1"/>
+          </p:nvPr>
+        </p:nvPicPr>
+        <p:blipFill>
+          <a:blip r:embed="rId2"/>
+          <a:stretch>
+            <a:fillRect/>
+          </a:stretch>
+        </p:blipFill>
+        <p:spPr>
+          <a:xfrm>
+            <a:off x="1090295" y="1423035"/>
+            <a:ext cx="9896475" cy="4572000"/>
+          </a:xfrm>
+          <a:prstGeom prst="rect">
+            <a:avLst/>
+          </a:prstGeom>
+        </p:spPr>
+      </p:pic>
+    </p:spTree>
+    <p:custDataLst>
+      <p:tags r:id="rId3"/>
+    </p:custDataLst>
+  </p:cSld>
+  <p:clrMapOvr>
+    <a:masterClrMapping/>
+  </p:clrMapOvr>
+</p:sld>
+</file>
+
+<file path=ppt/slides/slide20.xml><?xml version="1.0" encoding="utf-8"?>
 <p:sld xmlns:a="http://schemas.openxmlformats.org/drawingml/2006/main" xmlns:r="http://schemas.openxmlformats.org/officeDocument/2006/relationships" xmlns:p="http://schemas.openxmlformats.org/presentationml/2006/main">
   <p:cSld>
     <p:spTree>
@@ -14756,91 +15242,7 @@
 </p:sld>
 </file>
 
-<file path=ppt/slides/slide2.xml><?xml version="1.0" encoding="utf-8"?>
-<p:sld xmlns:a="http://schemas.openxmlformats.org/drawingml/2006/main" xmlns:r="http://schemas.openxmlformats.org/officeDocument/2006/relationships" xmlns:p="http://schemas.openxmlformats.org/presentationml/2006/main">
-  <p:cSld>
-    <p:spTree>
-      <p:nvGrpSpPr>
-        <p:cNvPr id="1" name=""/>
-        <p:cNvGrpSpPr/>
-        <p:nvPr/>
-      </p:nvGrpSpPr>
-      <p:grpSpPr>
-        <a:xfrm>
-          <a:off x="0" y="0"/>
-          <a:ext cx="0" cy="0"/>
-          <a:chOff x="0" y="0"/>
-          <a:chExt cx="0" cy="0"/>
-        </a:xfrm>
-      </p:grpSpPr>
-      <p:sp>
-        <p:nvSpPr>
-          <p:cNvPr id="2" name="标题 1"/>
-          <p:cNvSpPr>
-            <a:spLocks noGrp="1"/>
-          </p:cNvSpPr>
-          <p:nvPr>
-            <p:ph type="title"/>
-            <p:custDataLst>
-              <p:tags r:id="rId1"/>
-            </p:custDataLst>
-          </p:nvPr>
-        </p:nvSpPr>
-        <p:spPr/>
-        <p:txBody>
-          <a:bodyPr/>
-          <a:lstStyle/>
-          <a:p>
-            <a:r>
-              <a:rPr lang="en-US" altLang="zh-CN" dirty="0"/>
-              <a:t>Spring</a:t>
-            </a:r>
-            <a:r>
-              <a:rPr lang="zh-CN" altLang="zh-CN" dirty="0"/>
-              <a:t>是啥</a:t>
-            </a:r>
-            <a:endParaRPr lang="zh-CN" altLang="zh-CN" dirty="0"/>
-          </a:p>
-        </p:txBody>
-      </p:sp>
-      <p:pic>
-        <p:nvPicPr>
-          <p:cNvPr id="4" name="内容占位符 3"/>
-          <p:cNvPicPr>
-            <a:picLocks noChangeAspect="1"/>
-          </p:cNvPicPr>
-          <p:nvPr>
-            <p:ph idx="1"/>
-          </p:nvPr>
-        </p:nvPicPr>
-        <p:blipFill>
-          <a:blip r:embed="rId2"/>
-          <a:stretch>
-            <a:fillRect/>
-          </a:stretch>
-        </p:blipFill>
-        <p:spPr>
-          <a:xfrm>
-            <a:off x="1090295" y="1423035"/>
-            <a:ext cx="9896475" cy="4572000"/>
-          </a:xfrm>
-          <a:prstGeom prst="rect">
-            <a:avLst/>
-          </a:prstGeom>
-        </p:spPr>
-      </p:pic>
-    </p:spTree>
-    <p:custDataLst>
-      <p:tags r:id="rId3"/>
-    </p:custDataLst>
-  </p:cSld>
-  <p:clrMapOvr>
-    <a:masterClrMapping/>
-  </p:clrMapOvr>
-</p:sld>
-</file>
-
-<file path=ppt/slides/slide20.xml><?xml version="1.0" encoding="utf-8"?>
+<file path=ppt/slides/slide21.xml><?xml version="1.0" encoding="utf-8"?>
 <p:sld xmlns:a="http://schemas.openxmlformats.org/drawingml/2006/main" xmlns:r="http://schemas.openxmlformats.org/officeDocument/2006/relationships" xmlns:p="http://schemas.openxmlformats.org/presentationml/2006/main">
   <p:cSld>
     <p:spTree>
@@ -16281,7 +16683,7 @@
 </p:sld>
 </file>
 
-<file path=ppt/slides/slide21.xml><?xml version="1.0" encoding="utf-8"?>
+<file path=ppt/slides/slide22.xml><?xml version="1.0" encoding="utf-8"?>
 <p:sld xmlns:a="http://schemas.openxmlformats.org/drawingml/2006/main" xmlns:r="http://schemas.openxmlformats.org/officeDocument/2006/relationships" xmlns:p="http://schemas.openxmlformats.org/presentationml/2006/main">
   <p:cSld>
     <p:spTree>
@@ -18049,7 +18451,7 @@
 </p:sld>
 </file>
 
-<file path=ppt/slides/slide22.xml><?xml version="1.0" encoding="utf-8"?>
+<file path=ppt/slides/slide23.xml><?xml version="1.0" encoding="utf-8"?>
 <p:sld xmlns:a="http://schemas.openxmlformats.org/drawingml/2006/main" xmlns:r="http://schemas.openxmlformats.org/officeDocument/2006/relationships" xmlns:p="http://schemas.openxmlformats.org/presentationml/2006/main">
   <p:cSld>
     <p:spTree>
@@ -20224,7 +20626,7 @@
 </p:sld>
 </file>
 
-<file path=ppt/slides/slide23.xml><?xml version="1.0" encoding="utf-8"?>
+<file path=ppt/slides/slide24.xml><?xml version="1.0" encoding="utf-8"?>
 <p:sld xmlns:a="http://schemas.openxmlformats.org/drawingml/2006/main" xmlns:r="http://schemas.openxmlformats.org/officeDocument/2006/relationships" xmlns:p="http://schemas.openxmlformats.org/presentationml/2006/main">
   <p:cSld>
     <p:spTree>
@@ -20754,7 +21156,7 @@
 </p:sld>
 </file>
 
-<file path=ppt/slides/slide24.xml><?xml version="1.0" encoding="utf-8"?>
+<file path=ppt/slides/slide25.xml><?xml version="1.0" encoding="utf-8"?>
 <p:sld xmlns:a="http://schemas.openxmlformats.org/drawingml/2006/main" xmlns:r="http://schemas.openxmlformats.org/officeDocument/2006/relationships" xmlns:p="http://schemas.openxmlformats.org/presentationml/2006/main">
   <p:cSld>
     <p:spTree>
@@ -21878,7 +22280,7 @@
 </p:sld>
 </file>
 
-<file path=ppt/slides/slide25.xml><?xml version="1.0" encoding="utf-8"?>
+<file path=ppt/slides/slide26.xml><?xml version="1.0" encoding="utf-8"?>
 <p:sld xmlns:a="http://schemas.openxmlformats.org/drawingml/2006/main" xmlns:r="http://schemas.openxmlformats.org/officeDocument/2006/relationships" xmlns:p="http://schemas.openxmlformats.org/presentationml/2006/main">
   <p:cSld>
     <p:spTree>
@@ -23519,7 +23921,7 @@
 </p:sld>
 </file>
 
-<file path=ppt/slides/slide26.xml><?xml version="1.0" encoding="utf-8"?>
+<file path=ppt/slides/slide27.xml><?xml version="1.0" encoding="utf-8"?>
 <p:sld xmlns:a="http://schemas.openxmlformats.org/drawingml/2006/main" xmlns:r="http://schemas.openxmlformats.org/officeDocument/2006/relationships" xmlns:p="http://schemas.openxmlformats.org/presentationml/2006/main">
   <p:cSld>
     <p:spTree>
@@ -25677,7 +26079,7 @@
 </p:sld>
 </file>
 
-<file path=ppt/slides/slide27.xml><?xml version="1.0" encoding="utf-8"?>
+<file path=ppt/slides/slide28.xml><?xml version="1.0" encoding="utf-8"?>
 <p:sld xmlns:a="http://schemas.openxmlformats.org/drawingml/2006/main" xmlns:r="http://schemas.openxmlformats.org/officeDocument/2006/relationships" xmlns:p="http://schemas.openxmlformats.org/presentationml/2006/main">
   <p:cSld>
     <p:spTree>
@@ -28352,7 +28754,7 @@
 </p:sld>
 </file>
 
-<file path=ppt/slides/slide28.xml><?xml version="1.0" encoding="utf-8"?>
+<file path=ppt/slides/slide29.xml><?xml version="1.0" encoding="utf-8"?>
 <p:sld xmlns:a="http://schemas.openxmlformats.org/drawingml/2006/main" xmlns:r="http://schemas.openxmlformats.org/officeDocument/2006/relationships" xmlns:p="http://schemas.openxmlformats.org/presentationml/2006/main">
   <p:cSld>
     <p:spTree>
@@ -31544,7 +31946,145 @@
 </p:sld>
 </file>
 
-<file path=ppt/slides/slide29.xml><?xml version="1.0" encoding="utf-8"?>
+<file path=ppt/slides/slide3.xml><?xml version="1.0" encoding="utf-8"?>
+<p:sld xmlns:a="http://schemas.openxmlformats.org/drawingml/2006/main" xmlns:r="http://schemas.openxmlformats.org/officeDocument/2006/relationships" xmlns:p="http://schemas.openxmlformats.org/presentationml/2006/main">
+  <p:cSld>
+    <p:spTree>
+      <p:nvGrpSpPr>
+        <p:cNvPr id="1" name=""/>
+        <p:cNvGrpSpPr/>
+        <p:nvPr/>
+      </p:nvGrpSpPr>
+      <p:grpSpPr>
+        <a:xfrm>
+          <a:off x="0" y="0"/>
+          <a:ext cx="0" cy="0"/>
+          <a:chOff x="0" y="0"/>
+          <a:chExt cx="0" cy="0"/>
+        </a:xfrm>
+      </p:grpSpPr>
+      <p:sp>
+        <p:nvSpPr>
+          <p:cNvPr id="2" name="标题 1"/>
+          <p:cNvSpPr>
+            <a:spLocks noGrp="1"/>
+          </p:cNvSpPr>
+          <p:nvPr>
+            <p:ph type="title"/>
+            <p:custDataLst>
+              <p:tags r:id="rId1"/>
+            </p:custDataLst>
+          </p:nvPr>
+        </p:nvSpPr>
+        <p:spPr/>
+        <p:txBody>
+          <a:bodyPr/>
+          <a:lstStyle/>
+          <a:p>
+            <a:r>
+              <a:rPr lang="en-US" altLang="zh-CN" dirty="0"/>
+              <a:t>Spring</a:t>
+            </a:r>
+            <a:r>
+              <a:rPr lang="zh-CN" altLang="zh-CN" dirty="0"/>
+              <a:t>涉及的设计模式</a:t>
+            </a:r>
+            <a:endParaRPr lang="zh-CN" altLang="zh-CN" dirty="0"/>
+          </a:p>
+        </p:txBody>
+      </p:sp>
+      <p:sp>
+        <p:nvSpPr>
+          <p:cNvPr id="3" name="内容占位符 2"/>
+          <p:cNvSpPr/>
+          <p:nvPr>
+            <p:ph idx="1"/>
+          </p:nvPr>
+        </p:nvSpPr>
+        <p:spPr/>
+        <p:txBody>
+          <a:bodyPr/>
+          <a:p>
+            <a:r>
+              <a:rPr lang="zh-CN" altLang="en-US"/>
+              <a:t>代理模式：事情给它做，被它持有自己的对象</a:t>
+            </a:r>
+            <a:endParaRPr lang="zh-CN" altLang="en-US"/>
+          </a:p>
+          <a:p>
+            <a:r>
+              <a:rPr lang="zh-CN" altLang="en-US"/>
+              <a:t>工厂模式：隐藏复杂实现，只暴露结果</a:t>
+            </a:r>
+            <a:endParaRPr lang="zh-CN" altLang="en-US"/>
+          </a:p>
+          <a:p>
+            <a:r>
+              <a:rPr lang="zh-CN" altLang="en-US"/>
+              <a:t>单例模式：系统生命期间，该实例有且仅有一个</a:t>
+            </a:r>
+            <a:endParaRPr lang="zh-CN" altLang="en-US"/>
+          </a:p>
+          <a:p>
+            <a:r>
+              <a:rPr lang="zh-CN" altLang="en-US"/>
+              <a:t>委托模式：自己不干事，交由它人干</a:t>
+            </a:r>
+            <a:endParaRPr lang="zh-CN" altLang="en-US"/>
+          </a:p>
+          <a:p>
+            <a:r>
+              <a:rPr lang="zh-CN" altLang="en-US"/>
+              <a:t>策略模式：不同的方式，相同的预期结果</a:t>
+            </a:r>
+            <a:endParaRPr lang="zh-CN" altLang="en-US"/>
+          </a:p>
+          <a:p>
+            <a:r>
+              <a:rPr lang="zh-CN" altLang="en-US"/>
+              <a:t>原型模式：（模板模式）不是</a:t>
+            </a:r>
+            <a:r>
+              <a:rPr lang="en-US" altLang="zh-CN"/>
+              <a:t>new</a:t>
+            </a:r>
+            <a:r>
+              <a:t>，而是从</a:t>
+            </a:r>
+            <a:r>
+              <a:rPr lang="en-US" altLang="zh-CN"/>
+              <a:t>prototype</a:t>
+            </a:r>
+            <a:r>
+              <a:t>拷贝生成</a:t>
+            </a:r>
+          </a:p>
+          <a:p>
+            <a:r>
+              <a:t>模板模式：流程标准化，具体步骤自己实现（例</a:t>
+            </a:r>
+            <a:r>
+              <a:rPr lang="en-US" altLang="zh-CN"/>
+              <a:t>JDBC</a:t>
+            </a:r>
+            <a:r>
+              <a:t>）</a:t>
+            </a:r>
+          </a:p>
+        </p:txBody>
+      </p:sp>
+    </p:spTree>
+    <p:custDataLst>
+      <p:tags r:id="rId2"/>
+    </p:custDataLst>
+  </p:cSld>
+  <p:clrMapOvr>
+    <a:masterClrMapping/>
+  </p:clrMapOvr>
+</p:sld>
+</file>
+
+<file path=ppt/slides/slide30.xml><?xml version="1.0" encoding="utf-8"?>
 <p:sld xmlns:a="http://schemas.openxmlformats.org/drawingml/2006/main" xmlns:r="http://schemas.openxmlformats.org/officeDocument/2006/relationships" xmlns:p="http://schemas.openxmlformats.org/presentationml/2006/main">
   <p:cSld>
     <p:spTree>
@@ -31734,145 +32274,7 @@
 </p:sld>
 </file>
 
-<file path=ppt/slides/slide3.xml><?xml version="1.0" encoding="utf-8"?>
-<p:sld xmlns:a="http://schemas.openxmlformats.org/drawingml/2006/main" xmlns:r="http://schemas.openxmlformats.org/officeDocument/2006/relationships" xmlns:p="http://schemas.openxmlformats.org/presentationml/2006/main">
-  <p:cSld>
-    <p:spTree>
-      <p:nvGrpSpPr>
-        <p:cNvPr id="1" name=""/>
-        <p:cNvGrpSpPr/>
-        <p:nvPr/>
-      </p:nvGrpSpPr>
-      <p:grpSpPr>
-        <a:xfrm>
-          <a:off x="0" y="0"/>
-          <a:ext cx="0" cy="0"/>
-          <a:chOff x="0" y="0"/>
-          <a:chExt cx="0" cy="0"/>
-        </a:xfrm>
-      </p:grpSpPr>
-      <p:sp>
-        <p:nvSpPr>
-          <p:cNvPr id="2" name="标题 1"/>
-          <p:cNvSpPr>
-            <a:spLocks noGrp="1"/>
-          </p:cNvSpPr>
-          <p:nvPr>
-            <p:ph type="title"/>
-            <p:custDataLst>
-              <p:tags r:id="rId1"/>
-            </p:custDataLst>
-          </p:nvPr>
-        </p:nvSpPr>
-        <p:spPr/>
-        <p:txBody>
-          <a:bodyPr/>
-          <a:lstStyle/>
-          <a:p>
-            <a:r>
-              <a:rPr lang="en-US" altLang="zh-CN" dirty="0"/>
-              <a:t>Spring</a:t>
-            </a:r>
-            <a:r>
-              <a:rPr lang="zh-CN" altLang="zh-CN" dirty="0"/>
-              <a:t>涉及的设计模式</a:t>
-            </a:r>
-            <a:endParaRPr lang="zh-CN" altLang="zh-CN" dirty="0"/>
-          </a:p>
-        </p:txBody>
-      </p:sp>
-      <p:sp>
-        <p:nvSpPr>
-          <p:cNvPr id="3" name="内容占位符 2"/>
-          <p:cNvSpPr/>
-          <p:nvPr>
-            <p:ph idx="1"/>
-          </p:nvPr>
-        </p:nvSpPr>
-        <p:spPr/>
-        <p:txBody>
-          <a:bodyPr/>
-          <a:p>
-            <a:r>
-              <a:rPr lang="zh-CN" altLang="en-US"/>
-              <a:t>代理模式：事情给它做，被它持有自己的对象</a:t>
-            </a:r>
-            <a:endParaRPr lang="zh-CN" altLang="en-US"/>
-          </a:p>
-          <a:p>
-            <a:r>
-              <a:rPr lang="zh-CN" altLang="en-US"/>
-              <a:t>工厂模式：隐藏复杂实现，只暴露结果</a:t>
-            </a:r>
-            <a:endParaRPr lang="zh-CN" altLang="en-US"/>
-          </a:p>
-          <a:p>
-            <a:r>
-              <a:rPr lang="zh-CN" altLang="en-US"/>
-              <a:t>单例模式：系统生命期间，该实例有且仅有一个</a:t>
-            </a:r>
-            <a:endParaRPr lang="zh-CN" altLang="en-US"/>
-          </a:p>
-          <a:p>
-            <a:r>
-              <a:rPr lang="zh-CN" altLang="en-US"/>
-              <a:t>委托模式：自己不干事，交由它人干</a:t>
-            </a:r>
-            <a:endParaRPr lang="zh-CN" altLang="en-US"/>
-          </a:p>
-          <a:p>
-            <a:r>
-              <a:rPr lang="zh-CN" altLang="en-US"/>
-              <a:t>策略模式：不同的方式，相同的预期结果</a:t>
-            </a:r>
-            <a:endParaRPr lang="zh-CN" altLang="en-US"/>
-          </a:p>
-          <a:p>
-            <a:r>
-              <a:rPr lang="zh-CN" altLang="en-US"/>
-              <a:t>原型模式：（模板模式）不是</a:t>
-            </a:r>
-            <a:r>
-              <a:rPr lang="en-US" altLang="zh-CN"/>
-              <a:t>new</a:t>
-            </a:r>
-            <a:r>
-              <a:t>，而是从</a:t>
-            </a:r>
-            <a:r>
-              <a:rPr lang="en-US" altLang="zh-CN"/>
-              <a:t>prototype</a:t>
-            </a:r>
-            <a:r>
-              <a:t>拷贝生成</a:t>
-            </a:r>
-          </a:p>
-          <a:p>
-            <a:r>
-              <a:t>模板模式：流程标准化，具体步骤自己实现（例</a:t>
-            </a:r>
-            <a:r>
-              <a:rPr lang="en-US" altLang="zh-CN"/>
-              <a:t>JDBC</a:t>
-            </a:r>
-            <a:r>
-              <a:t>）</a:t>
-            </a:r>
-          </a:p>
-        </p:txBody>
-      </p:sp>
-    </p:spTree>
-    <p:custDataLst>
-      <p:tags r:id="rId2"/>
-    </p:custDataLst>
-  </p:cSld>
-  <p:clrMapOvr>
-    <a:masterClrMapping/>
-  </p:clrMapOvr>
-</p:sld>
-</file>
-
-<file path=ppt/slides/slide30.xml><?xml version="1.0" encoding="utf-8"?>
+<file path=ppt/slides/slide31.xml><?xml version="1.0" encoding="utf-8"?>
 <p:sld xmlns:a="http://schemas.openxmlformats.org/drawingml/2006/main" xmlns:r="http://schemas.openxmlformats.org/officeDocument/2006/relationships" xmlns:p="http://schemas.openxmlformats.org/presentationml/2006/main">
   <p:cSld>
     <p:spTree>
@@ -32370,7 +32772,7 @@
 </p:sld>
 </file>
 
-<file path=ppt/slides/slide31.xml><?xml version="1.0" encoding="utf-8"?>
+<file path=ppt/slides/slide32.xml><?xml version="1.0" encoding="utf-8"?>
 <p:sld xmlns:a="http://schemas.openxmlformats.org/drawingml/2006/main" xmlns:r="http://schemas.openxmlformats.org/officeDocument/2006/relationships" xmlns:p="http://schemas.openxmlformats.org/presentationml/2006/main">
   <p:cSld>
     <p:spTree>
@@ -33259,13 +33661,7 @@
               <a:rPr sz="1800">
                 <a:sym typeface="+mn-ea"/>
               </a:rPr>
-              <a:t>接口</a:t>
-            </a:r>
-            <a:r>
-              <a:rPr sz="1800">
-                <a:sym typeface="+mn-ea"/>
-              </a:rPr>
-              <a:t>）</a:t>
+              <a:t>接口）</a:t>
             </a:r>
             <a:endParaRPr lang="en-US" altLang="zh-CN" sz="1800" dirty="0">
               <a:sym typeface="+mn-ea"/>
@@ -33418,9 +33814,33 @@
           </a:prstGeom>
         </p:spPr>
       </p:pic>
+      <p:pic>
+        <p:nvPicPr>
+          <p:cNvPr id="3" name="图片 2"/>
+          <p:cNvPicPr>
+            <a:picLocks noChangeAspect="1"/>
+          </p:cNvPicPr>
+          <p:nvPr/>
+        </p:nvPicPr>
+        <p:blipFill>
+          <a:blip r:embed="rId4"/>
+          <a:stretch>
+            <a:fillRect/>
+          </a:stretch>
+        </p:blipFill>
+        <p:spPr>
+          <a:xfrm>
+            <a:off x="6785610" y="1244600"/>
+            <a:ext cx="4996180" cy="3211830"/>
+          </a:xfrm>
+          <a:prstGeom prst="rect">
+            <a:avLst/>
+          </a:prstGeom>
+        </p:spPr>
+      </p:pic>
     </p:spTree>
     <p:custDataLst>
-      <p:tags r:id="rId4"/>
+      <p:tags r:id="rId5"/>
     </p:custDataLst>
   </p:cSld>
   <p:clrMapOvr>
@@ -33518,6 +33938,94 @@
 </file>
 
 <file path=ppt/slides/slide8.xml><?xml version="1.0" encoding="utf-8"?>
+<p:sld xmlns:a="http://schemas.openxmlformats.org/drawingml/2006/main" xmlns:r="http://schemas.openxmlformats.org/officeDocument/2006/relationships" xmlns:p="http://schemas.openxmlformats.org/presentationml/2006/main">
+  <p:cSld>
+    <p:spTree>
+      <p:nvGrpSpPr>
+        <p:cNvPr id="1" name=""/>
+        <p:cNvGrpSpPr/>
+        <p:nvPr/>
+      </p:nvGrpSpPr>
+      <p:grpSpPr>
+        <a:xfrm>
+          <a:off x="0" y="0"/>
+          <a:ext cx="0" cy="0"/>
+          <a:chOff x="0" y="0"/>
+          <a:chExt cx="0" cy="0"/>
+        </a:xfrm>
+      </p:grpSpPr>
+      <p:sp>
+        <p:nvSpPr>
+          <p:cNvPr id="2" name="标题 1"/>
+          <p:cNvSpPr>
+            <a:spLocks noGrp="1"/>
+          </p:cNvSpPr>
+          <p:nvPr>
+            <p:ph type="title"/>
+            <p:custDataLst>
+              <p:tags r:id="rId1"/>
+            </p:custDataLst>
+          </p:nvPr>
+        </p:nvSpPr>
+        <p:spPr/>
+        <p:txBody>
+          <a:bodyPr/>
+          <a:lstStyle/>
+          <a:p>
+            <a:r>
+              <a:rPr lang="en-US" altLang="zh-CN" dirty="0"/>
+              <a:t>Spring</a:t>
+            </a:r>
+            <a:r>
+              <a:rPr lang="zh-CN" altLang="en-US" dirty="0"/>
+              <a:t>容器初始化核心入口之</a:t>
+            </a:r>
+            <a:r>
+              <a:rPr lang="en-US" altLang="zh-CN" dirty="0"/>
+              <a:t>refresh()</a:t>
+            </a:r>
+            <a:endParaRPr lang="en-US" altLang="zh-CN" dirty="0"/>
+          </a:p>
+        </p:txBody>
+      </p:sp>
+      <p:pic>
+        <p:nvPicPr>
+          <p:cNvPr id="5" name="内容占位符 4"/>
+          <p:cNvPicPr>
+            <a:picLocks noChangeAspect="1"/>
+          </p:cNvPicPr>
+          <p:nvPr>
+            <p:ph idx="1"/>
+          </p:nvPr>
+        </p:nvPicPr>
+        <p:blipFill>
+          <a:blip r:embed="rId2"/>
+          <a:stretch>
+            <a:fillRect/>
+          </a:stretch>
+        </p:blipFill>
+        <p:spPr>
+          <a:xfrm>
+            <a:off x="2942590" y="695960"/>
+            <a:ext cx="5367020" cy="6132830"/>
+          </a:xfrm>
+          <a:prstGeom prst="rect">
+            <a:avLst/>
+          </a:prstGeom>
+        </p:spPr>
+      </p:pic>
+    </p:spTree>
+    <p:custDataLst>
+      <p:tags r:id="rId3"/>
+    </p:custDataLst>
+  </p:cSld>
+  <p:clrMapOvr>
+    <a:masterClrMapping/>
+  </p:clrMapOvr>
+</p:sld>
+</file>
+
+<file path=ppt/slides/slide9.xml><?xml version="1.0" encoding="utf-8"?>
 <p:sld xmlns:a="http://schemas.openxmlformats.org/drawingml/2006/main" xmlns:r="http://schemas.openxmlformats.org/officeDocument/2006/relationships" xmlns:p="http://schemas.openxmlformats.org/presentationml/2006/main">
   <p:cSld>
     <p:spTree>
@@ -33777,329 +34285,6 @@
 </p:sld>
 </file>
 
-<file path=ppt/slides/slide9.xml><?xml version="1.0" encoding="utf-8"?>
-<p:sld xmlns:a="http://schemas.openxmlformats.org/drawingml/2006/main" xmlns:r="http://schemas.openxmlformats.org/officeDocument/2006/relationships" xmlns:p="http://schemas.openxmlformats.org/presentationml/2006/main">
-  <p:cSld>
-    <p:spTree>
-      <p:nvGrpSpPr>
-        <p:cNvPr id="1" name=""/>
-        <p:cNvGrpSpPr/>
-        <p:nvPr/>
-      </p:nvGrpSpPr>
-      <p:grpSpPr>
-        <a:xfrm>
-          <a:off x="0" y="0"/>
-          <a:ext cx="0" cy="0"/>
-          <a:chOff x="0" y="0"/>
-          <a:chExt cx="0" cy="0"/>
-        </a:xfrm>
-      </p:grpSpPr>
-      <p:pic>
-        <p:nvPicPr>
-          <p:cNvPr id="3" name="图片 2"/>
-          <p:cNvPicPr>
-            <a:picLocks noChangeAspect="1"/>
-          </p:cNvPicPr>
-          <p:nvPr>
-            <p:custDataLst>
-              <p:tags r:id="rId1"/>
-            </p:custDataLst>
-          </p:nvPr>
-        </p:nvPicPr>
-        <p:blipFill rotWithShape="1">
-          <a:blip r:embed="rId2">
-            <a:extLst>
-              <a:ext uri="{28A0092B-C50C-407E-A947-70E740481C1C}">
-                <a14:useLocalDpi xmlns:a14="http://schemas.microsoft.com/office/drawing/2010/main" val="0"/>
-              </a:ext>
-            </a:extLst>
-          </a:blip>
-          <a:srcRect b="26083"/>
-          <a:stretch>
-            <a:fillRect/>
-          </a:stretch>
-        </p:blipFill>
-        <p:spPr>
-          <a:xfrm>
-            <a:off x="1554600" y="1317684"/>
-            <a:ext cx="9081665" cy="4543200"/>
-          </a:xfrm>
-          <a:prstGeom prst="rect">
-            <a:avLst/>
-          </a:prstGeom>
-        </p:spPr>
-      </p:pic>
-      <p:sp>
-        <p:nvSpPr>
-          <p:cNvPr id="8" name="文本框 7"/>
-          <p:cNvSpPr txBox="1"/>
-          <p:nvPr>
-            <p:custDataLst>
-              <p:tags r:id="rId3"/>
-            </p:custDataLst>
-          </p:nvPr>
-        </p:nvSpPr>
-        <p:spPr>
-          <a:xfrm>
-            <a:off x="1554600" y="211048"/>
-            <a:ext cx="9082800" cy="939600"/>
-          </a:xfrm>
-          <a:prstGeom prst="rect">
-            <a:avLst/>
-          </a:prstGeom>
-        </p:spPr>
-        <p:txBody>
-          <a:bodyPr vert="horz" lIns="91440" tIns="45720" rIns="91440" bIns="45720" rtlCol="0" anchor="ctr">
-            <a:normAutofit/>
-          </a:bodyPr>
-          <a:lstStyle>
-            <a:lvl1pPr defTabSz="685800">
-              <a:lnSpc>
-                <a:spcPct val="100000"/>
-              </a:lnSpc>
-              <a:spcBef>
-                <a:spcPct val="0"/>
-              </a:spcBef>
-              <a:buNone/>
-              <a:defRPr sz="3600" b="1" i="0" baseline="0">
-                <a:solidFill>
-                  <a:schemeClr val="accent1"/>
-                </a:solidFill>
-                <a:effectLst/>
-                <a:latin typeface="+mj-lt"/>
-                <a:ea typeface="+mj-ea"/>
-                <a:cs typeface="+mj-cs"/>
-              </a:defRPr>
-            </a:lvl1pPr>
-          </a:lstStyle>
-          <a:p>
-            <a:r>
-              <a:rPr lang="en-US" altLang="zh-CN" dirty="0" smtClean="0">
-                <a:solidFill>
-                  <a:schemeClr val="accent1">
-                    <a:lumMod val="75000"/>
-                  </a:schemeClr>
-                </a:solidFill>
-              </a:rPr>
-              <a:t>LOREM IPSUM DOLOR</a:t>
-            </a:r>
-            <a:endParaRPr lang="zh-CN" altLang="en-US" dirty="0">
-              <a:solidFill>
-                <a:schemeClr val="accent1">
-                  <a:lumMod val="75000"/>
-                </a:schemeClr>
-              </a:solidFill>
-            </a:endParaRPr>
-          </a:p>
-        </p:txBody>
-      </p:sp>
-      <p:sp>
-        <p:nvSpPr>
-          <p:cNvPr id="9" name="文本框 8"/>
-          <p:cNvSpPr txBox="1"/>
-          <p:nvPr>
-            <p:custDataLst>
-              <p:tags r:id="rId4"/>
-            </p:custDataLst>
-          </p:nvPr>
-        </p:nvSpPr>
-        <p:spPr>
-          <a:xfrm>
-            <a:off x="1554600" y="6032336"/>
-            <a:ext cx="9082800" cy="597600"/>
-          </a:xfrm>
-          <a:prstGeom prst="rect">
-            <a:avLst/>
-          </a:prstGeom>
-        </p:spPr>
-        <p:txBody>
-          <a:bodyPr vert="horz" lIns="91440" tIns="45720" rIns="91440" bIns="45720" rtlCol="0" anchor="t">
-            <a:normAutofit/>
-          </a:bodyPr>
-          <a:lstStyle>
-            <a:lvl1pPr indent="0" defTabSz="685800">
-              <a:lnSpc>
-                <a:spcPct val="100000"/>
-              </a:lnSpc>
-              <a:spcBef>
-                <a:spcPts val="0"/>
-              </a:spcBef>
-              <a:spcAft>
-                <a:spcPts val="0"/>
-              </a:spcAft>
-              <a:buClr>
-                <a:schemeClr val="accent1"/>
-              </a:buClr>
-              <a:buSzPct val="70000"/>
-              <a:buFont typeface="Wingdings 2" panose="05020102010507070707" pitchFamily="18" charset="2"/>
-              <a:buNone/>
-              <a:defRPr baseline="0"/>
-            </a:lvl1pPr>
-            <a:lvl2pPr marL="342900" indent="0" algn="just" defTabSz="685800">
-              <a:lnSpc>
-                <a:spcPct val="130000"/>
-              </a:lnSpc>
-              <a:spcBef>
-                <a:spcPts val="0"/>
-              </a:spcBef>
-              <a:spcAft>
-                <a:spcPts val="450"/>
-              </a:spcAft>
-              <a:buClr>
-                <a:schemeClr val="accent2">
-                  <a:lumMod val="60000"/>
-                  <a:lumOff val="40000"/>
-                </a:schemeClr>
-              </a:buClr>
-              <a:buFont typeface="幼圆" panose="02010509060101010101" pitchFamily="49" charset="-122"/>
-              <a:buNone/>
-              <a:defRPr sz="1050" baseline="0">
-                <a:latin typeface="Arial" panose="020B0604020202020204" pitchFamily="34" charset="0"/>
-                <a:ea typeface="黑体" panose="02010609060101010101" pitchFamily="49" charset="-122"/>
-              </a:defRPr>
-            </a:lvl2pPr>
-            <a:lvl3pPr marL="685800" indent="0" defTabSz="685800">
-              <a:lnSpc>
-                <a:spcPct val="90000"/>
-              </a:lnSpc>
-              <a:spcBef>
-                <a:spcPts val="375"/>
-              </a:spcBef>
-              <a:buFont typeface="Arial" panose="020B0604020202020204" pitchFamily="34" charset="0"/>
-              <a:buNone/>
-              <a:defRPr sz="900"/>
-            </a:lvl3pPr>
-            <a:lvl4pPr marL="1028700" indent="0" defTabSz="685800">
-              <a:lnSpc>
-                <a:spcPct val="90000"/>
-              </a:lnSpc>
-              <a:spcBef>
-                <a:spcPts val="375"/>
-              </a:spcBef>
-              <a:buFont typeface="Arial" panose="020B0604020202020204" pitchFamily="34" charset="0"/>
-              <a:buNone/>
-              <a:defRPr sz="750"/>
-            </a:lvl4pPr>
-            <a:lvl5pPr marL="1371600" indent="0" defTabSz="685800">
-              <a:lnSpc>
-                <a:spcPct val="90000"/>
-              </a:lnSpc>
-              <a:spcBef>
-                <a:spcPts val="375"/>
-              </a:spcBef>
-              <a:buFont typeface="Arial" panose="020B0604020202020204" pitchFamily="34" charset="0"/>
-              <a:buNone/>
-              <a:defRPr sz="750"/>
-            </a:lvl5pPr>
-            <a:lvl6pPr marL="1714500" indent="0" defTabSz="685800">
-              <a:lnSpc>
-                <a:spcPct val="90000"/>
-              </a:lnSpc>
-              <a:spcBef>
-                <a:spcPts val="375"/>
-              </a:spcBef>
-              <a:buFont typeface="Arial" panose="020B0604020202020204" pitchFamily="34" charset="0"/>
-              <a:buNone/>
-              <a:defRPr sz="750"/>
-            </a:lvl6pPr>
-            <a:lvl7pPr marL="2057400" indent="0" defTabSz="685800">
-              <a:lnSpc>
-                <a:spcPct val="90000"/>
-              </a:lnSpc>
-              <a:spcBef>
-                <a:spcPts val="375"/>
-              </a:spcBef>
-              <a:buFont typeface="Arial" panose="020B0604020202020204" pitchFamily="34" charset="0"/>
-              <a:buNone/>
-              <a:defRPr sz="750"/>
-            </a:lvl7pPr>
-            <a:lvl8pPr marL="2400300" indent="0" defTabSz="685800">
-              <a:lnSpc>
-                <a:spcPct val="90000"/>
-              </a:lnSpc>
-              <a:spcBef>
-                <a:spcPts val="375"/>
-              </a:spcBef>
-              <a:buFont typeface="Arial" panose="020B0604020202020204" pitchFamily="34" charset="0"/>
-              <a:buNone/>
-              <a:defRPr sz="750"/>
-            </a:lvl8pPr>
-            <a:lvl9pPr marL="2743200" indent="0" defTabSz="685800">
-              <a:lnSpc>
-                <a:spcPct val="90000"/>
-              </a:lnSpc>
-              <a:spcBef>
-                <a:spcPts val="375"/>
-              </a:spcBef>
-              <a:buFont typeface="Arial" panose="020B0604020202020204" pitchFamily="34" charset="0"/>
-              <a:buNone/>
-              <a:defRPr sz="750"/>
-            </a:lvl9pPr>
-          </a:lstStyle>
-          <a:p>
-            <a:r>
-              <a:rPr lang="en-US" altLang="zh-CN" dirty="0" err="1" smtClean="0"/>
-              <a:t>Lorem</a:t>
-            </a:r>
-            <a:r>
-              <a:rPr lang="en-US" altLang="zh-CN" dirty="0" smtClean="0"/>
-              <a:t> </a:t>
-            </a:r>
-            <a:r>
-              <a:rPr lang="en-US" altLang="zh-CN" dirty="0" err="1" smtClean="0"/>
-              <a:t>ipsum</a:t>
-            </a:r>
-            <a:r>
-              <a:rPr lang="en-US" altLang="zh-CN" dirty="0" smtClean="0"/>
-              <a:t> dolor sit </a:t>
-            </a:r>
-            <a:r>
-              <a:rPr lang="en-US" altLang="zh-CN" dirty="0" err="1" smtClean="0"/>
-              <a:t>amet</a:t>
-            </a:r>
-            <a:r>
-              <a:rPr lang="en-US" altLang="zh-CN" dirty="0" smtClean="0"/>
-              <a:t>, </a:t>
-            </a:r>
-            <a:r>
-              <a:rPr lang="en-US" altLang="zh-CN" dirty="0" err="1" smtClean="0"/>
-              <a:t>consectetur</a:t>
-            </a:r>
-            <a:r>
-              <a:rPr lang="en-US" altLang="zh-CN" dirty="0" smtClean="0"/>
-              <a:t> </a:t>
-            </a:r>
-            <a:r>
-              <a:rPr lang="en-US" altLang="zh-CN" dirty="0" err="1" smtClean="0"/>
-              <a:t>adipisicing</a:t>
-            </a:r>
-            <a:r>
-              <a:rPr lang="en-US" altLang="zh-CN" dirty="0" smtClean="0"/>
-              <a:t> </a:t>
-            </a:r>
-            <a:r>
-              <a:rPr lang="en-US" altLang="zh-CN" dirty="0" err="1" smtClean="0"/>
-              <a:t>elit</a:t>
-            </a:r>
-            <a:r>
-              <a:rPr lang="en-US" altLang="zh-CN" dirty="0" smtClean="0"/>
-              <a:t>.</a:t>
-            </a:r>
-            <a:endParaRPr lang="zh-CN" altLang="en-US" dirty="0"/>
-          </a:p>
-        </p:txBody>
-      </p:sp>
-    </p:spTree>
-    <p:custDataLst>
-      <p:tags r:id="rId5"/>
-    </p:custDataLst>
-  </p:cSld>
-  <p:clrMapOvr>
-    <a:masterClrMapping/>
-  </p:clrMapOvr>
-</p:sld>
-</file>
-
 <file path=ppt/tags/tag1.xml><?xml version="1.0" encoding="utf-8"?>
 <p:tagLst xmlns:p="http://schemas.openxmlformats.org/presentationml/2006/main">
   <p:tag name="MH" val="20151013150709"/>
@@ -34133,6 +34318,45 @@
 <p:tagLst xmlns:p="http://schemas.openxmlformats.org/presentationml/2006/main">
   <p:tag name="KSO_WM_TAG_VERSION" val="1.0"/>
   <p:tag name="KSO_WM_BEAUTIFY_FLAG" val="#wm#"/>
+  <p:tag name="KSO_WM_TEMPLATE_CATEGORY" val="custom"/>
+  <p:tag name="KSO_WM_TEMPLATE_INDEX" val="160147"/>
+  <p:tag name="MH" val="20151013150709"/>
+  <p:tag name="MH_LIBRARY" val="CONTENTS"/>
+  <p:tag name="MH_TYPE" val="NUMBER"/>
+  <p:tag name="ID" val="553516"/>
+  <p:tag name="MH_ORDER" val="4"/>
+  <p:tag name="KSO_WM_UNIT_TYPE" val="l_i"/>
+  <p:tag name="KSO_WM_UNIT_INDEX" val="1_7"/>
+  <p:tag name="KSO_WM_UNIT_ID" val="custom160147_10*l_i*1_7"/>
+  <p:tag name="KSO_WM_UNIT_CLEAR" val="1"/>
+  <p:tag name="KSO_WM_UNIT_LAYERLEVEL" val="1_1"/>
+  <p:tag name="KSO_WM_DIAGRAM_GROUP_CODE" val="l1-1"/>
+</p:tagLst>
+</file>
+
+<file path=ppt/tags/tag101.xml><?xml version="1.0" encoding="utf-8"?>
+<p:tagLst xmlns:p="http://schemas.openxmlformats.org/presentationml/2006/main">
+  <p:tag name="KSO_WM_TAG_VERSION" val="1.0"/>
+  <p:tag name="KSO_WM_BEAUTIFY_FLAG" val="#wm#"/>
+  <p:tag name="KSO_WM_TEMPLATE_CATEGORY" val="custom"/>
+  <p:tag name="KSO_WM_TEMPLATE_INDEX" val="160147"/>
+  <p:tag name="MH" val="20151013150709"/>
+  <p:tag name="MH_LIBRARY" val="CONTENTS"/>
+  <p:tag name="MH_TYPE" val="OTHERS"/>
+  <p:tag name="ID" val="553516"/>
+  <p:tag name="KSO_WM_UNIT_TYPE" val="l_i"/>
+  <p:tag name="KSO_WM_UNIT_INDEX" val="1_8"/>
+  <p:tag name="KSO_WM_UNIT_ID" val="custom160147_10*l_i*1_8"/>
+  <p:tag name="KSO_WM_UNIT_CLEAR" val="1"/>
+  <p:tag name="KSO_WM_UNIT_LAYERLEVEL" val="1_1"/>
+  <p:tag name="KSO_WM_DIAGRAM_GROUP_CODE" val="l1-1"/>
+</p:tagLst>
+</file>
+
+<file path=ppt/tags/tag102.xml><?xml version="1.0" encoding="utf-8"?>
+<p:tagLst xmlns:p="http://schemas.openxmlformats.org/presentationml/2006/main">
+  <p:tag name="KSO_WM_TAG_VERSION" val="1.0"/>
+  <p:tag name="KSO_WM_BEAUTIFY_FLAG" val="#wm#"/>
   <p:tag name="KSO_WM_UNIT_TYPE" val="i"/>
   <p:tag name="KSO_WM_UNIT_ID" val="custom160147_10*i*28"/>
   <p:tag name="KSO_WM_TEMPLATE_CATEGORY" val="custom"/>
@@ -34141,7 +34365,7 @@
 </p:tagLst>
 </file>
 
-<file path=ppt/tags/tag101.xml><?xml version="1.0" encoding="utf-8"?>
+<file path=ppt/tags/tag103.xml><?xml version="1.0" encoding="utf-8"?>
 <p:tagLst xmlns:p="http://schemas.openxmlformats.org/presentationml/2006/main">
   <p:tag name="KSO_WM_TAG_VERSION" val="1.0"/>
   <p:tag name="KSO_WM_BEAUTIFY_FLAG" val="#wm#"/>
@@ -34166,7 +34390,7 @@
 </p:tagLst>
 </file>
 
-<file path=ppt/tags/tag102.xml><?xml version="1.0" encoding="utf-8"?>
+<file path=ppt/tags/tag104.xml><?xml version="1.0" encoding="utf-8"?>
 <p:tagLst xmlns:p="http://schemas.openxmlformats.org/presentationml/2006/main">
   <p:tag name="KSO_WM_TAG_VERSION" val="1.0"/>
   <p:tag name="KSO_WM_BEAUTIFY_FLAG" val="#wm#"/>
@@ -34186,7 +34410,7 @@
 </p:tagLst>
 </file>
 
-<file path=ppt/tags/tag103.xml><?xml version="1.0" encoding="utf-8"?>
+<file path=ppt/tags/tag105.xml><?xml version="1.0" encoding="utf-8"?>
 <p:tagLst xmlns:p="http://schemas.openxmlformats.org/presentationml/2006/main">
   <p:tag name="KSO_WM_TAG_VERSION" val="1.0"/>
   <p:tag name="KSO_WM_BEAUTIFY_FLAG" val="#wm#"/>
@@ -34205,7 +34429,7 @@
 </p:tagLst>
 </file>
 
-<file path=ppt/tags/tag104.xml><?xml version="1.0" encoding="utf-8"?>
+<file path=ppt/tags/tag106.xml><?xml version="1.0" encoding="utf-8"?>
 <p:tagLst xmlns:p="http://schemas.openxmlformats.org/presentationml/2006/main">
   <p:tag name="KSO_WM_TAG_VERSION" val="1.0"/>
   <p:tag name="KSO_WM_BEAUTIFY_FLAG" val="#wm#"/>
@@ -34229,7 +34453,7 @@
 </p:tagLst>
 </file>
 
-<file path=ppt/tags/tag105.xml><?xml version="1.0" encoding="utf-8"?>
+<file path=ppt/tags/tag107.xml><?xml version="1.0" encoding="utf-8"?>
 <p:tagLst xmlns:p="http://schemas.openxmlformats.org/presentationml/2006/main">
   <p:tag name="MH" val="20151013150709"/>
   <p:tag name="MH_LIBRARY" val="CONTENTS"/>
@@ -34245,7 +34469,7 @@
 </p:tagLst>
 </file>
 
-<file path=ppt/tags/tag106.xml><?xml version="1.0" encoding="utf-8"?>
+<file path=ppt/tags/tag108.xml><?xml version="1.0" encoding="utf-8"?>
 <p:tagLst xmlns:p="http://schemas.openxmlformats.org/presentationml/2006/main">
   <p:tag name="MH" val="20151013150709"/>
   <p:tag name="MH_LIBRARY" val="CONTENTS"/>
@@ -34266,7 +34490,7 @@
 </p:tagLst>
 </file>
 
-<file path=ppt/tags/tag107.xml><?xml version="1.0" encoding="utf-8"?>
+<file path=ppt/tags/tag109.xml><?xml version="1.0" encoding="utf-8"?>
 <p:tagLst xmlns:p="http://schemas.openxmlformats.org/presentationml/2006/main">
   <p:tag name="KSO_WM_TAG_VERSION" val="1.0"/>
   <p:tag name="KSO_WM_BEAUTIFY_FLAG" val="#wm#"/>
@@ -34291,7 +34515,24 @@
 </p:tagLst>
 </file>
 
-<file path=ppt/tags/tag108.xml><?xml version="1.0" encoding="utf-8"?>
+<file path=ppt/tags/tag11.xml><?xml version="1.0" encoding="utf-8"?>
+<p:tagLst xmlns:p="http://schemas.openxmlformats.org/presentationml/2006/main">
+  <p:tag name="KSO_WM_TEMPLATE_CATEGORY" val="custom"/>
+  <p:tag name="KSO_WM_TEMPLATE_INDEX" val="160147"/>
+  <p:tag name="KSO_WM_TAG_VERSION" val="1.0"/>
+  <p:tag name="KSO_WM_SLIDE_ID" val="custom160147_2"/>
+  <p:tag name="KSO_WM_SLIDE_INDEX" val="2"/>
+  <p:tag name="KSO_WM_SLIDE_ITEM_CNT" val="1"/>
+  <p:tag name="KSO_WM_SLIDE_LAYOUT" val="a_f"/>
+  <p:tag name="KSO_WM_SLIDE_LAYOUT_CNT" val="1_1"/>
+  <p:tag name="KSO_WM_SLIDE_TYPE" val="text"/>
+  <p:tag name="KSO_WM_BEAUTIFY_FLAG" val="#wm#"/>
+  <p:tag name="KSO_WM_SLIDE_POSITION" val="45*88"/>
+  <p:tag name="KSO_WM_SLIDE_SIZE" val="861*408"/>
+</p:tagLst>
+</file>
+
+<file path=ppt/tags/tag110.xml><?xml version="1.0" encoding="utf-8"?>
 <p:tagLst xmlns:p="http://schemas.openxmlformats.org/presentationml/2006/main">
   <p:tag name="KSO_WM_TAG_VERSION" val="1.0"/>
   <p:tag name="KSO_WM_BEAUTIFY_FLAG" val="#wm#"/>
@@ -34311,7 +34552,7 @@
 </p:tagLst>
 </file>
 
-<file path=ppt/tags/tag109.xml><?xml version="1.0" encoding="utf-8"?>
+<file path=ppt/tags/tag111.xml><?xml version="1.0" encoding="utf-8"?>
 <p:tagLst xmlns:p="http://schemas.openxmlformats.org/presentationml/2006/main">
   <p:tag name="KSO_WM_TAG_VERSION" val="1.0"/>
   <p:tag name="KSO_WM_BEAUTIFY_FLAG" val="#wm#"/>
@@ -34330,24 +34571,7 @@
 </p:tagLst>
 </file>
 
-<file path=ppt/tags/tag11.xml><?xml version="1.0" encoding="utf-8"?>
-<p:tagLst xmlns:p="http://schemas.openxmlformats.org/presentationml/2006/main">
-  <p:tag name="KSO_WM_TEMPLATE_CATEGORY" val="custom"/>
-  <p:tag name="KSO_WM_TEMPLATE_INDEX" val="160147"/>
-  <p:tag name="KSO_WM_TAG_VERSION" val="1.0"/>
-  <p:tag name="KSO_WM_SLIDE_ID" val="custom160147_2"/>
-  <p:tag name="KSO_WM_SLIDE_INDEX" val="2"/>
-  <p:tag name="KSO_WM_SLIDE_ITEM_CNT" val="1"/>
-  <p:tag name="KSO_WM_SLIDE_LAYOUT" val="a_f"/>
-  <p:tag name="KSO_WM_SLIDE_LAYOUT_CNT" val="1_1"/>
-  <p:tag name="KSO_WM_SLIDE_TYPE" val="text"/>
-  <p:tag name="KSO_WM_BEAUTIFY_FLAG" val="#wm#"/>
-  <p:tag name="KSO_WM_SLIDE_POSITION" val="45*88"/>
-  <p:tag name="KSO_WM_SLIDE_SIZE" val="861*408"/>
-</p:tagLst>
-</file>
-
-<file path=ppt/tags/tag110.xml><?xml version="1.0" encoding="utf-8"?>
+<file path=ppt/tags/tag112.xml><?xml version="1.0" encoding="utf-8"?>
 <p:tagLst xmlns:p="http://schemas.openxmlformats.org/presentationml/2006/main">
   <p:tag name="KSO_WM_TAG_VERSION" val="1.0"/>
   <p:tag name="KSO_WM_BEAUTIFY_FLAG" val="#wm#"/>
@@ -34372,7 +34596,7 @@
 </p:tagLst>
 </file>
 
-<file path=ppt/tags/tag111.xml><?xml version="1.0" encoding="utf-8"?>
+<file path=ppt/tags/tag113.xml><?xml version="1.0" encoding="utf-8"?>
 <p:tagLst xmlns:p="http://schemas.openxmlformats.org/presentationml/2006/main">
   <p:tag name="KSO_WM_TAG_VERSION" val="1.0"/>
   <p:tag name="KSO_WM_BEAUTIFY_FLAG" val="#wm#"/>
@@ -34392,7 +34616,7 @@
 </p:tagLst>
 </file>
 
-<file path=ppt/tags/tag112.xml><?xml version="1.0" encoding="utf-8"?>
+<file path=ppt/tags/tag114.xml><?xml version="1.0" encoding="utf-8"?>
 <p:tagLst xmlns:p="http://schemas.openxmlformats.org/presentationml/2006/main">
   <p:tag name="KSO_WM_TAG_VERSION" val="1.0"/>
   <p:tag name="KSO_WM_BEAUTIFY_FLAG" val="#wm#"/>
@@ -34411,7 +34635,7 @@
 </p:tagLst>
 </file>
 
-<file path=ppt/tags/tag113.xml><?xml version="1.0" encoding="utf-8"?>
+<file path=ppt/tags/tag115.xml><?xml version="1.0" encoding="utf-8"?>
 <p:tagLst xmlns:p="http://schemas.openxmlformats.org/presentationml/2006/main">
   <p:tag name="KSO_WM_TAG_VERSION" val="1.0"/>
   <p:tag name="KSO_WM_BEAUTIFY_FLAG" val="#wm#"/>
@@ -34436,7 +34660,7 @@
 </p:tagLst>
 </file>
 
-<file path=ppt/tags/tag114.xml><?xml version="1.0" encoding="utf-8"?>
+<file path=ppt/tags/tag116.xml><?xml version="1.0" encoding="utf-8"?>
 <p:tagLst xmlns:p="http://schemas.openxmlformats.org/presentationml/2006/main">
   <p:tag name="KSO_WM_TAG_VERSION" val="1.0"/>
   <p:tag name="KSO_WM_BEAUTIFY_FLAG" val="#wm#"/>
@@ -34456,7 +34680,7 @@
 </p:tagLst>
 </file>
 
-<file path=ppt/tags/tag115.xml><?xml version="1.0" encoding="utf-8"?>
+<file path=ppt/tags/tag117.xml><?xml version="1.0" encoding="utf-8"?>
 <p:tagLst xmlns:p="http://schemas.openxmlformats.org/presentationml/2006/main">
   <p:tag name="KSO_WM_TAG_VERSION" val="1.0"/>
   <p:tag name="KSO_WM_BEAUTIFY_FLAG" val="#wm#"/>
@@ -34475,7 +34699,7 @@
 </p:tagLst>
 </file>
 
-<file path=ppt/tags/tag116.xml><?xml version="1.0" encoding="utf-8"?>
+<file path=ppt/tags/tag118.xml><?xml version="1.0" encoding="utf-8"?>
 <p:tagLst xmlns:p="http://schemas.openxmlformats.org/presentationml/2006/main">
   <p:tag name="KSO_WM_TAG_VERSION" val="1.0"/>
   <p:tag name="KSO_WM_BEAUTIFY_FLAG" val="#wm#"/>
@@ -34500,7 +34724,7 @@
 </p:tagLst>
 </file>
 
-<file path=ppt/tags/tag117.xml><?xml version="1.0" encoding="utf-8"?>
+<file path=ppt/tags/tag119.xml><?xml version="1.0" encoding="utf-8"?>
 <p:tagLst xmlns:p="http://schemas.openxmlformats.org/presentationml/2006/main">
   <p:tag name="KSO_WM_TAG_VERSION" val="1.0"/>
   <p:tag name="KSO_WM_BEAUTIFY_FLAG" val="#wm#"/>
@@ -34520,7 +34744,27 @@
 </p:tagLst>
 </file>
 
-<file path=ppt/tags/tag118.xml><?xml version="1.0" encoding="utf-8"?>
+<file path=ppt/tags/tag12.xml><?xml version="1.0" encoding="utf-8"?>
+<p:tagLst xmlns:p="http://schemas.openxmlformats.org/presentationml/2006/main">
+  <p:tag name="KSO_WM_TAG_VERSION" val="1.0"/>
+  <p:tag name="KSO_WM_BEAUTIFY_FLAG" val="#wm#"/>
+  <p:tag name="KSO_WM_TEMPLATE_CATEGORY" val="custom"/>
+  <p:tag name="KSO_WM_TEMPLATE_INDEX" val="160147"/>
+  <p:tag name="KSO_WM_UNIT_TYPE" val="a"/>
+  <p:tag name="KSO_WM_UNIT_INDEX" val="1"/>
+  <p:tag name="KSO_WM_UNIT_ID" val="custom160147_2*a*1"/>
+  <p:tag name="KSO_WM_UNIT_CLEAR" val="1"/>
+  <p:tag name="KSO_WM_UNIT_LAYERLEVEL" val="1"/>
+  <p:tag name="KSO_WM_UNIT_VALUE" val="30"/>
+  <p:tag name="KSO_WM_UNIT_ISCONTENTSTITLE" val="0"/>
+  <p:tag name="KSO_WM_UNIT_HIGHLIGHT" val="0"/>
+  <p:tag name="KSO_WM_UNIT_COMPATIBLE" val="0"/>
+  <p:tag name="KSO_WM_UNIT_PRESET_TEXT_INDEX" val="3"/>
+  <p:tag name="KSO_WM_UNIT_PRESET_TEXT_LEN" val="24"/>
+</p:tagLst>
+</file>
+
+<file path=ppt/tags/tag120.xml><?xml version="1.0" encoding="utf-8"?>
 <p:tagLst xmlns:p="http://schemas.openxmlformats.org/presentationml/2006/main">
   <p:tag name="KSO_WM_TAG_VERSION" val="1.0"/>
   <p:tag name="KSO_WM_BEAUTIFY_FLAG" val="#wm#"/>
@@ -34539,7 +34783,7 @@
 </p:tagLst>
 </file>
 
-<file path=ppt/tags/tag119.xml><?xml version="1.0" encoding="utf-8"?>
+<file path=ppt/tags/tag121.xml><?xml version="1.0" encoding="utf-8"?>
 <p:tagLst xmlns:p="http://schemas.openxmlformats.org/presentationml/2006/main">
   <p:tag name="KSO_WM_TAG_VERSION" val="1.0"/>
   <p:tag name="KSO_WM_BEAUTIFY_FLAG" val="#wm#"/>
@@ -34564,27 +34808,7 @@
 </p:tagLst>
 </file>
 
-<file path=ppt/tags/tag12.xml><?xml version="1.0" encoding="utf-8"?>
-<p:tagLst xmlns:p="http://schemas.openxmlformats.org/presentationml/2006/main">
-  <p:tag name="KSO_WM_TAG_VERSION" val="1.0"/>
-  <p:tag name="KSO_WM_BEAUTIFY_FLAG" val="#wm#"/>
-  <p:tag name="KSO_WM_TEMPLATE_CATEGORY" val="custom"/>
-  <p:tag name="KSO_WM_TEMPLATE_INDEX" val="160147"/>
-  <p:tag name="KSO_WM_UNIT_TYPE" val="a"/>
-  <p:tag name="KSO_WM_UNIT_INDEX" val="1"/>
-  <p:tag name="KSO_WM_UNIT_ID" val="custom160147_2*a*1"/>
-  <p:tag name="KSO_WM_UNIT_CLEAR" val="1"/>
-  <p:tag name="KSO_WM_UNIT_LAYERLEVEL" val="1"/>
-  <p:tag name="KSO_WM_UNIT_VALUE" val="30"/>
-  <p:tag name="KSO_WM_UNIT_ISCONTENTSTITLE" val="0"/>
-  <p:tag name="KSO_WM_UNIT_HIGHLIGHT" val="0"/>
-  <p:tag name="KSO_WM_UNIT_COMPATIBLE" val="0"/>
-  <p:tag name="KSO_WM_UNIT_PRESET_TEXT_INDEX" val="3"/>
-  <p:tag name="KSO_WM_UNIT_PRESET_TEXT_LEN" val="24"/>
-</p:tagLst>
-</file>
-
-<file path=ppt/tags/tag120.xml><?xml version="1.0" encoding="utf-8"?>
+<file path=ppt/tags/tag122.xml><?xml version="1.0" encoding="utf-8"?>
 <p:tagLst xmlns:p="http://schemas.openxmlformats.org/presentationml/2006/main">
   <p:tag name="KSO_WM_TAG_VERSION" val="1.0"/>
   <p:tag name="KSO_WM_BEAUTIFY_FLAG" val="#wm#"/>
@@ -34604,7 +34828,7 @@
 </p:tagLst>
 </file>
 
-<file path=ppt/tags/tag121.xml><?xml version="1.0" encoding="utf-8"?>
+<file path=ppt/tags/tag123.xml><?xml version="1.0" encoding="utf-8"?>
 <p:tagLst xmlns:p="http://schemas.openxmlformats.org/presentationml/2006/main">
   <p:tag name="KSO_WM_TAG_VERSION" val="1.0"/>
   <p:tag name="KSO_WM_BEAUTIFY_FLAG" val="#wm#"/>
@@ -34623,7 +34847,7 @@
 </p:tagLst>
 </file>
 
-<file path=ppt/tags/tag122.xml><?xml version="1.0" encoding="utf-8"?>
+<file path=ppt/tags/tag124.xml><?xml version="1.0" encoding="utf-8"?>
 <p:tagLst xmlns:p="http://schemas.openxmlformats.org/presentationml/2006/main">
   <p:tag name="KSO_WM_TAG_VERSION" val="1.0"/>
   <p:tag name="KSO_WM_BEAUTIFY_FLAG" val="#wm#"/>
@@ -34648,7 +34872,7 @@
 </p:tagLst>
 </file>
 
-<file path=ppt/tags/tag123.xml><?xml version="1.0" encoding="utf-8"?>
+<file path=ppt/tags/tag125.xml><?xml version="1.0" encoding="utf-8"?>
 <p:tagLst xmlns:p="http://schemas.openxmlformats.org/presentationml/2006/main">
   <p:tag name="KSO_WM_TAG_VERSION" val="1.0"/>
   <p:tag name="KSO_WM_BEAUTIFY_FLAG" val="#wm#"/>
@@ -34668,7 +34892,7 @@
 </p:tagLst>
 </file>
 
-<file path=ppt/tags/tag124.xml><?xml version="1.0" encoding="utf-8"?>
+<file path=ppt/tags/tag126.xml><?xml version="1.0" encoding="utf-8"?>
 <p:tagLst xmlns:p="http://schemas.openxmlformats.org/presentationml/2006/main">
   <p:tag name="KSO_WM_TAG_VERSION" val="1.0"/>
   <p:tag name="KSO_WM_BEAUTIFY_FLAG" val="#wm#"/>
@@ -34687,7 +34911,7 @@
 </p:tagLst>
 </file>
 
-<file path=ppt/tags/tag125.xml><?xml version="1.0" encoding="utf-8"?>
+<file path=ppt/tags/tag127.xml><?xml version="1.0" encoding="utf-8"?>
 <p:tagLst xmlns:p="http://schemas.openxmlformats.org/presentationml/2006/main">
   <p:tag name="KSO_WM_TAG_VERSION" val="1.0"/>
   <p:tag name="KSO_WM_BEAUTIFY_FLAG" val="#wm#"/>
@@ -34711,7 +34935,7 @@
 </p:tagLst>
 </file>
 
-<file path=ppt/tags/tag126.xml><?xml version="1.0" encoding="utf-8"?>
+<file path=ppt/tags/tag128.xml><?xml version="1.0" encoding="utf-8"?>
 <p:tagLst xmlns:p="http://schemas.openxmlformats.org/presentationml/2006/main">
   <p:tag name="MH" val="20151013150709"/>
   <p:tag name="MH_LIBRARY" val="CONTENTS"/>
@@ -34727,7 +34951,7 @@
 </p:tagLst>
 </file>
 
-<file path=ppt/tags/tag127.xml><?xml version="1.0" encoding="utf-8"?>
+<file path=ppt/tags/tag129.xml><?xml version="1.0" encoding="utf-8"?>
 <p:tagLst xmlns:p="http://schemas.openxmlformats.org/presentationml/2006/main">
   <p:tag name="MH" val="20151013150709"/>
   <p:tag name="MH_LIBRARY" val="CONTENTS"/>
@@ -34748,7 +34972,24 @@
 </p:tagLst>
 </file>
 
-<file path=ppt/tags/tag128.xml><?xml version="1.0" encoding="utf-8"?>
+<file path=ppt/tags/tag13.xml><?xml version="1.0" encoding="utf-8"?>
+<p:tagLst xmlns:p="http://schemas.openxmlformats.org/presentationml/2006/main">
+  <p:tag name="KSO_WM_TEMPLATE_CATEGORY" val="custom"/>
+  <p:tag name="KSO_WM_TEMPLATE_INDEX" val="160147"/>
+  <p:tag name="KSO_WM_TAG_VERSION" val="1.0"/>
+  <p:tag name="KSO_WM_SLIDE_ID" val="custom160147_2"/>
+  <p:tag name="KSO_WM_SLIDE_INDEX" val="2"/>
+  <p:tag name="KSO_WM_SLIDE_ITEM_CNT" val="1"/>
+  <p:tag name="KSO_WM_SLIDE_LAYOUT" val="a_f"/>
+  <p:tag name="KSO_WM_SLIDE_LAYOUT_CNT" val="1_1"/>
+  <p:tag name="KSO_WM_SLIDE_TYPE" val="text"/>
+  <p:tag name="KSO_WM_BEAUTIFY_FLAG" val="#wm#"/>
+  <p:tag name="KSO_WM_SLIDE_POSITION" val="45*88"/>
+  <p:tag name="KSO_WM_SLIDE_SIZE" val="861*408"/>
+</p:tagLst>
+</file>
+
+<file path=ppt/tags/tag130.xml><?xml version="1.0" encoding="utf-8"?>
 <p:tagLst xmlns:p="http://schemas.openxmlformats.org/presentationml/2006/main">
   <p:tag name="KSO_WM_TAG_VERSION" val="1.0"/>
   <p:tag name="KSO_WM_BEAUTIFY_FLAG" val="#wm#"/>
@@ -34771,7 +35012,7 @@
 </p:tagLst>
 </file>
 
-<file path=ppt/tags/tag129.xml><?xml version="1.0" encoding="utf-8"?>
+<file path=ppt/tags/tag131.xml><?xml version="1.0" encoding="utf-8"?>
 <p:tagLst xmlns:p="http://schemas.openxmlformats.org/presentationml/2006/main">
   <p:tag name="MH" val="20151013150709"/>
   <p:tag name="MH_LIBRARY" val="CONTENTS"/>
@@ -34788,24 +35029,7 @@
 </p:tagLst>
 </file>
 
-<file path=ppt/tags/tag13.xml><?xml version="1.0" encoding="utf-8"?>
-<p:tagLst xmlns:p="http://schemas.openxmlformats.org/presentationml/2006/main">
-  <p:tag name="KSO_WM_TEMPLATE_CATEGORY" val="custom"/>
-  <p:tag name="KSO_WM_TEMPLATE_INDEX" val="160147"/>
-  <p:tag name="KSO_WM_TAG_VERSION" val="1.0"/>
-  <p:tag name="KSO_WM_SLIDE_ID" val="custom160147_2"/>
-  <p:tag name="KSO_WM_SLIDE_INDEX" val="2"/>
-  <p:tag name="KSO_WM_SLIDE_ITEM_CNT" val="1"/>
-  <p:tag name="KSO_WM_SLIDE_LAYOUT" val="a_f"/>
-  <p:tag name="KSO_WM_SLIDE_LAYOUT_CNT" val="1_1"/>
-  <p:tag name="KSO_WM_SLIDE_TYPE" val="text"/>
-  <p:tag name="KSO_WM_BEAUTIFY_FLAG" val="#wm#"/>
-  <p:tag name="KSO_WM_SLIDE_POSITION" val="45*88"/>
-  <p:tag name="KSO_WM_SLIDE_SIZE" val="861*408"/>
-</p:tagLst>
-</file>
-
-<file path=ppt/tags/tag130.xml><?xml version="1.0" encoding="utf-8"?>
+<file path=ppt/tags/tag132.xml><?xml version="1.0" encoding="utf-8"?>
 <p:tagLst xmlns:p="http://schemas.openxmlformats.org/presentationml/2006/main">
   <p:tag name="MH" val="20151013150709"/>
   <p:tag name="MH_LIBRARY" val="CONTENTS"/>
@@ -34822,7 +35046,7 @@
 </p:tagLst>
 </file>
 
-<file path=ppt/tags/tag131.xml><?xml version="1.0" encoding="utf-8"?>
+<file path=ppt/tags/tag133.xml><?xml version="1.0" encoding="utf-8"?>
 <p:tagLst xmlns:p="http://schemas.openxmlformats.org/presentationml/2006/main">
   <p:tag name="KSO_WM_TAG_VERSION" val="1.0"/>
   <p:tag name="KSO_WM_BEAUTIFY_FLAG" val="#wm#"/>
@@ -34842,7 +35066,7 @@
 </p:tagLst>
 </file>
 
-<file path=ppt/tags/tag132.xml><?xml version="1.0" encoding="utf-8"?>
+<file path=ppt/tags/tag134.xml><?xml version="1.0" encoding="utf-8"?>
 <p:tagLst xmlns:p="http://schemas.openxmlformats.org/presentationml/2006/main">
   <p:tag name="MH" val="20151013150709"/>
   <p:tag name="MH_LIBRARY" val="CONTENTS"/>
@@ -34862,7 +35086,7 @@
 </p:tagLst>
 </file>
 
-<file path=ppt/tags/tag133.xml><?xml version="1.0" encoding="utf-8"?>
+<file path=ppt/tags/tag135.xml><?xml version="1.0" encoding="utf-8"?>
 <p:tagLst xmlns:p="http://schemas.openxmlformats.org/presentationml/2006/main">
   <p:tag name="KSO_WM_TAG_VERSION" val="1.0"/>
   <p:tag name="KSO_WM_BEAUTIFY_FLAG" val="#wm#"/>
@@ -34877,7 +35101,7 @@
 </p:tagLst>
 </file>
 
-<file path=ppt/tags/tag134.xml><?xml version="1.0" encoding="utf-8"?>
+<file path=ppt/tags/tag136.xml><?xml version="1.0" encoding="utf-8"?>
 <p:tagLst xmlns:p="http://schemas.openxmlformats.org/presentationml/2006/main">
   <p:tag name="KSO_WM_TAG_VERSION" val="1.0"/>
   <p:tag name="KSO_WM_BEAUTIFY_FLAG" val="#wm#"/>
@@ -34889,7 +35113,7 @@
 </p:tagLst>
 </file>
 
-<file path=ppt/tags/tag135.xml><?xml version="1.0" encoding="utf-8"?>
+<file path=ppt/tags/tag137.xml><?xml version="1.0" encoding="utf-8"?>
 <p:tagLst xmlns:p="http://schemas.openxmlformats.org/presentationml/2006/main">
   <p:tag name="KSO_WM_TAG_VERSION" val="1.0"/>
   <p:tag name="KSO_WM_BEAUTIFY_FLAG" val="#wm#"/>
@@ -34904,7 +35128,7 @@
 </p:tagLst>
 </file>
 
-<file path=ppt/tags/tag136.xml><?xml version="1.0" encoding="utf-8"?>
+<file path=ppt/tags/tag138.xml><?xml version="1.0" encoding="utf-8"?>
 <p:tagLst xmlns:p="http://schemas.openxmlformats.org/presentationml/2006/main">
   <p:tag name="KSO_WM_TAG_VERSION" val="1.0"/>
   <p:tag name="KSO_WM_BEAUTIFY_FLAG" val="#wm#"/>
@@ -34924,7 +35148,7 @@
 </p:tagLst>
 </file>
 
-<file path=ppt/tags/tag137.xml><?xml version="1.0" encoding="utf-8"?>
+<file path=ppt/tags/tag139.xml><?xml version="1.0" encoding="utf-8"?>
 <p:tagLst xmlns:p="http://schemas.openxmlformats.org/presentationml/2006/main">
   <p:tag name="KSO_WM_TAG_VERSION" val="1.0"/>
   <p:tag name="KSO_WM_BEAUTIFY_FLAG" val="#wm#"/>
@@ -34940,44 +35164,6 @@
   <p:tag name="KSO_WM_UNIT_COMPATIBLE" val="0"/>
   <p:tag name="KSO_WM_UNIT_PRESET_TEXT_INDEX" val="4"/>
   <p:tag name="KSO_WM_UNIT_PRESET_TEXT_LEN" val="57"/>
-  <p:tag name="KSO_WM_DIAGRAM_GROUP_CODE" val="m1-1"/>
-</p:tagLst>
-</file>
-
-<file path=ppt/tags/tag138.xml><?xml version="1.0" encoding="utf-8"?>
-<p:tagLst xmlns:p="http://schemas.openxmlformats.org/presentationml/2006/main">
-  <p:tag name="KSO_WM_TAG_VERSION" val="1.0"/>
-  <p:tag name="KSO_WM_BEAUTIFY_FLAG" val="#wm#"/>
-  <p:tag name="KSO_WM_TEMPLATE_CATEGORY" val="custom"/>
-  <p:tag name="KSO_WM_TEMPLATE_INDEX" val="160147"/>
-  <p:tag name="KSO_WM_UNIT_TYPE" val="a"/>
-  <p:tag name="KSO_WM_UNIT_INDEX" val="1"/>
-  <p:tag name="KSO_WM_UNIT_ID" val="custom160147_13*a*1"/>
-  <p:tag name="KSO_WM_UNIT_CLEAR" val="1"/>
-  <p:tag name="KSO_WM_UNIT_LAYERLEVEL" val="1"/>
-  <p:tag name="KSO_WM_UNIT_VALUE" val="30"/>
-  <p:tag name="KSO_WM_UNIT_ISCONTENTSTITLE" val="0"/>
-  <p:tag name="KSO_WM_UNIT_HIGHLIGHT" val="0"/>
-  <p:tag name="KSO_WM_UNIT_COMPATIBLE" val="0"/>
-  <p:tag name="KSO_WM_UNIT_PRESET_TEXT_INDEX" val="3"/>
-  <p:tag name="KSO_WM_UNIT_PRESET_TEXT_LEN" val="24"/>
-</p:tagLst>
-</file>
-
-<file path=ppt/tags/tag139.xml><?xml version="1.0" encoding="utf-8"?>
-<p:tagLst xmlns:p="http://schemas.openxmlformats.org/presentationml/2006/main">
-  <p:tag name="KSO_WM_TEMPLATE_CATEGORY" val="custom"/>
-  <p:tag name="KSO_WM_TEMPLATE_INDEX" val="160147"/>
-  <p:tag name="KSO_WM_TAG_VERSION" val="1.0"/>
-  <p:tag name="KSO_WM_SLIDE_ID" val="custom160147_13"/>
-  <p:tag name="KSO_WM_SLIDE_INDEX" val="13"/>
-  <p:tag name="KSO_WM_SLIDE_ITEM_CNT" val="1"/>
-  <p:tag name="KSO_WM_SLIDE_LAYOUT" val="a_m"/>
-  <p:tag name="KSO_WM_SLIDE_LAYOUT_CNT" val="1_1"/>
-  <p:tag name="KSO_WM_SLIDE_TYPE" val="text"/>
-  <p:tag name="KSO_WM_BEAUTIFY_FLAG" val="#wm#"/>
-  <p:tag name="KSO_WM_SLIDE_POSITION" val="252*181"/>
-  <p:tag name="KSO_WM_SLIDE_SIZE" val="455*297"/>
   <p:tag name="KSO_WM_DIAGRAM_GROUP_CODE" val="m1-1"/>
 </p:tagLst>
 </file>
@@ -35008,6 +35194,44 @@
   <p:tag name="KSO_WM_BEAUTIFY_FLAG" val="#wm#"/>
   <p:tag name="KSO_WM_TEMPLATE_CATEGORY" val="custom"/>
   <p:tag name="KSO_WM_TEMPLATE_INDEX" val="160147"/>
+  <p:tag name="KSO_WM_UNIT_TYPE" val="a"/>
+  <p:tag name="KSO_WM_UNIT_INDEX" val="1"/>
+  <p:tag name="KSO_WM_UNIT_ID" val="custom160147_13*a*1"/>
+  <p:tag name="KSO_WM_UNIT_CLEAR" val="1"/>
+  <p:tag name="KSO_WM_UNIT_LAYERLEVEL" val="1"/>
+  <p:tag name="KSO_WM_UNIT_VALUE" val="30"/>
+  <p:tag name="KSO_WM_UNIT_ISCONTENTSTITLE" val="0"/>
+  <p:tag name="KSO_WM_UNIT_HIGHLIGHT" val="0"/>
+  <p:tag name="KSO_WM_UNIT_COMPATIBLE" val="0"/>
+  <p:tag name="KSO_WM_UNIT_PRESET_TEXT_INDEX" val="3"/>
+  <p:tag name="KSO_WM_UNIT_PRESET_TEXT_LEN" val="24"/>
+</p:tagLst>
+</file>
+
+<file path=ppt/tags/tag141.xml><?xml version="1.0" encoding="utf-8"?>
+<p:tagLst xmlns:p="http://schemas.openxmlformats.org/presentationml/2006/main">
+  <p:tag name="KSO_WM_TEMPLATE_CATEGORY" val="custom"/>
+  <p:tag name="KSO_WM_TEMPLATE_INDEX" val="160147"/>
+  <p:tag name="KSO_WM_TAG_VERSION" val="1.0"/>
+  <p:tag name="KSO_WM_SLIDE_ID" val="custom160147_13"/>
+  <p:tag name="KSO_WM_SLIDE_INDEX" val="13"/>
+  <p:tag name="KSO_WM_SLIDE_ITEM_CNT" val="1"/>
+  <p:tag name="KSO_WM_SLIDE_LAYOUT" val="a_m"/>
+  <p:tag name="KSO_WM_SLIDE_LAYOUT_CNT" val="1_1"/>
+  <p:tag name="KSO_WM_SLIDE_TYPE" val="text"/>
+  <p:tag name="KSO_WM_BEAUTIFY_FLAG" val="#wm#"/>
+  <p:tag name="KSO_WM_SLIDE_POSITION" val="252*181"/>
+  <p:tag name="KSO_WM_SLIDE_SIZE" val="455*297"/>
+  <p:tag name="KSO_WM_DIAGRAM_GROUP_CODE" val="m1-1"/>
+</p:tagLst>
+</file>
+
+<file path=ppt/tags/tag142.xml><?xml version="1.0" encoding="utf-8"?>
+<p:tagLst xmlns:p="http://schemas.openxmlformats.org/presentationml/2006/main">
+  <p:tag name="KSO_WM_TAG_VERSION" val="1.0"/>
+  <p:tag name="KSO_WM_BEAUTIFY_FLAG" val="#wm#"/>
+  <p:tag name="KSO_WM_TEMPLATE_CATEGORY" val="custom"/>
+  <p:tag name="KSO_WM_TEMPLATE_INDEX" val="160147"/>
   <p:tag name="KSO_WM_UNIT_TYPE" val="m_i"/>
   <p:tag name="KSO_WM_UNIT_INDEX" val="1_1"/>
   <p:tag name="KSO_WM_UNIT_ID" val="custom160147_14*m_i*1_1"/>
@@ -35017,7 +35241,7 @@
 </p:tagLst>
 </file>
 
-<file path=ppt/tags/tag141.xml><?xml version="1.0" encoding="utf-8"?>
+<file path=ppt/tags/tag143.xml><?xml version="1.0" encoding="utf-8"?>
 <p:tagLst xmlns:p="http://schemas.openxmlformats.org/presentationml/2006/main">
   <p:tag name="KSO_WM_TAG_VERSION" val="1.0"/>
   <p:tag name="KSO_WM_BEAUTIFY_FLAG" val="#wm#"/>
@@ -35029,7 +35253,7 @@
 </p:tagLst>
 </file>
 
-<file path=ppt/tags/tag142.xml><?xml version="1.0" encoding="utf-8"?>
+<file path=ppt/tags/tag144.xml><?xml version="1.0" encoding="utf-8"?>
 <p:tagLst xmlns:p="http://schemas.openxmlformats.org/presentationml/2006/main">
   <p:tag name="KSO_WM_TAG_VERSION" val="1.0"/>
   <p:tag name="KSO_WM_BEAUTIFY_FLAG" val="#wm#"/>
@@ -35044,7 +35268,7 @@
 </p:tagLst>
 </file>
 
-<file path=ppt/tags/tag143.xml><?xml version="1.0" encoding="utf-8"?>
+<file path=ppt/tags/tag145.xml><?xml version="1.0" encoding="utf-8"?>
 <p:tagLst xmlns:p="http://schemas.openxmlformats.org/presentationml/2006/main">
   <p:tag name="KSO_WM_TAG_VERSION" val="1.0"/>
   <p:tag name="KSO_WM_BEAUTIFY_FLAG" val="#wm#"/>
@@ -35064,7 +35288,7 @@
 </p:tagLst>
 </file>
 
-<file path=ppt/tags/tag144.xml><?xml version="1.0" encoding="utf-8"?>
+<file path=ppt/tags/tag146.xml><?xml version="1.0" encoding="utf-8"?>
 <p:tagLst xmlns:p="http://schemas.openxmlformats.org/presentationml/2006/main">
   <p:tag name="KSO_WM_TAG_VERSION" val="1.0"/>
   <p:tag name="KSO_WM_BEAUTIFY_FLAG" val="#wm#"/>
@@ -35084,7 +35308,7 @@
 </p:tagLst>
 </file>
 
-<file path=ppt/tags/tag145.xml><?xml version="1.0" encoding="utf-8"?>
+<file path=ppt/tags/tag147.xml><?xml version="1.0" encoding="utf-8"?>
 <p:tagLst xmlns:p="http://schemas.openxmlformats.org/presentationml/2006/main">
   <p:tag name="KSO_WM_TAG_VERSION" val="1.0"/>
   <p:tag name="KSO_WM_BEAUTIFY_FLAG" val="#wm#"/>
@@ -35096,7 +35320,7 @@
 </p:tagLst>
 </file>
 
-<file path=ppt/tags/tag146.xml><?xml version="1.0" encoding="utf-8"?>
+<file path=ppt/tags/tag148.xml><?xml version="1.0" encoding="utf-8"?>
 <p:tagLst xmlns:p="http://schemas.openxmlformats.org/presentationml/2006/main">
   <p:tag name="KSO_WM_TAG_VERSION" val="1.0"/>
   <p:tag name="KSO_WM_BEAUTIFY_FLAG" val="#wm#"/>
@@ -35111,7 +35335,7 @@
 </p:tagLst>
 </file>
 
-<file path=ppt/tags/tag147.xml><?xml version="1.0" encoding="utf-8"?>
+<file path=ppt/tags/tag149.xml><?xml version="1.0" encoding="utf-8"?>
 <p:tagLst xmlns:p="http://schemas.openxmlformats.org/presentationml/2006/main">
   <p:tag name="KSO_WM_TAG_VERSION" val="1.0"/>
   <p:tag name="KSO_WM_BEAUTIFY_FLAG" val="#wm#"/>
@@ -35131,7 +35355,24 @@
 </p:tagLst>
 </file>
 
-<file path=ppt/tags/tag148.xml><?xml version="1.0" encoding="utf-8"?>
+<file path=ppt/tags/tag15.xml><?xml version="1.0" encoding="utf-8"?>
+<p:tagLst xmlns:p="http://schemas.openxmlformats.org/presentationml/2006/main">
+  <p:tag name="KSO_WM_TEMPLATE_CATEGORY" val="custom"/>
+  <p:tag name="KSO_WM_TEMPLATE_INDEX" val="160147"/>
+  <p:tag name="KSO_WM_TAG_VERSION" val="1.0"/>
+  <p:tag name="KSO_WM_SLIDE_ID" val="custom160147_2"/>
+  <p:tag name="KSO_WM_SLIDE_INDEX" val="2"/>
+  <p:tag name="KSO_WM_SLIDE_ITEM_CNT" val="1"/>
+  <p:tag name="KSO_WM_SLIDE_LAYOUT" val="a_f"/>
+  <p:tag name="KSO_WM_SLIDE_LAYOUT_CNT" val="1_1"/>
+  <p:tag name="KSO_WM_SLIDE_TYPE" val="text"/>
+  <p:tag name="KSO_WM_BEAUTIFY_FLAG" val="#wm#"/>
+  <p:tag name="KSO_WM_SLIDE_POSITION" val="45*88"/>
+  <p:tag name="KSO_WM_SLIDE_SIZE" val="861*408"/>
+</p:tagLst>
+</file>
+
+<file path=ppt/tags/tag150.xml><?xml version="1.0" encoding="utf-8"?>
 <p:tagLst xmlns:p="http://schemas.openxmlformats.org/presentationml/2006/main">
   <p:tag name="KSO_WM_TAG_VERSION" val="1.0"/>
   <p:tag name="KSO_WM_BEAUTIFY_FLAG" val="#wm#"/>
@@ -35151,7 +35392,7 @@
 </p:tagLst>
 </file>
 
-<file path=ppt/tags/tag149.xml><?xml version="1.0" encoding="utf-8"?>
+<file path=ppt/tags/tag151.xml><?xml version="1.0" encoding="utf-8"?>
 <p:tagLst xmlns:p="http://schemas.openxmlformats.org/presentationml/2006/main">
   <p:tag name="KSO_WM_TAG_VERSION" val="1.0"/>
   <p:tag name="KSO_WM_BEAUTIFY_FLAG" val="#wm#"/>
@@ -35171,24 +35412,7 @@
 </p:tagLst>
 </file>
 
-<file path=ppt/tags/tag15.xml><?xml version="1.0" encoding="utf-8"?>
-<p:tagLst xmlns:p="http://schemas.openxmlformats.org/presentationml/2006/main">
-  <p:tag name="KSO_WM_TEMPLATE_CATEGORY" val="custom"/>
-  <p:tag name="KSO_WM_TEMPLATE_INDEX" val="160147"/>
-  <p:tag name="KSO_WM_TAG_VERSION" val="1.0"/>
-  <p:tag name="KSO_WM_SLIDE_ID" val="custom160147_2"/>
-  <p:tag name="KSO_WM_SLIDE_INDEX" val="2"/>
-  <p:tag name="KSO_WM_SLIDE_ITEM_CNT" val="1"/>
-  <p:tag name="KSO_WM_SLIDE_LAYOUT" val="a_f"/>
-  <p:tag name="KSO_WM_SLIDE_LAYOUT_CNT" val="1_1"/>
-  <p:tag name="KSO_WM_SLIDE_TYPE" val="text"/>
-  <p:tag name="KSO_WM_BEAUTIFY_FLAG" val="#wm#"/>
-  <p:tag name="KSO_WM_SLIDE_POSITION" val="45*88"/>
-  <p:tag name="KSO_WM_SLIDE_SIZE" val="861*408"/>
-</p:tagLst>
-</file>
-
-<file path=ppt/tags/tag150.xml><?xml version="1.0" encoding="utf-8"?>
+<file path=ppt/tags/tag152.xml><?xml version="1.0" encoding="utf-8"?>
 <p:tagLst xmlns:p="http://schemas.openxmlformats.org/presentationml/2006/main">
   <p:tag name="KSO_WM_TEMPLATE_CATEGORY" val="custom"/>
   <p:tag name="KSO_WM_TEMPLATE_INDEX" val="160147"/>
@@ -35206,7 +35430,7 @@
 </p:tagLst>
 </file>
 
-<file path=ppt/tags/tag151.xml><?xml version="1.0" encoding="utf-8"?>
+<file path=ppt/tags/tag153.xml><?xml version="1.0" encoding="utf-8"?>
 <p:tagLst xmlns:p="http://schemas.openxmlformats.org/presentationml/2006/main">
   <p:tag name="KSO_WM_TAG_VERSION" val="1.0"/>
   <p:tag name="KSO_WM_BEAUTIFY_FLAG" val="#wm#"/>
@@ -35221,7 +35445,7 @@
 </p:tagLst>
 </file>
 
-<file path=ppt/tags/tag152.xml><?xml version="1.0" encoding="utf-8"?>
+<file path=ppt/tags/tag154.xml><?xml version="1.0" encoding="utf-8"?>
 <p:tagLst xmlns:p="http://schemas.openxmlformats.org/presentationml/2006/main">
   <p:tag name="KSO_WM_TAG_VERSION" val="1.0"/>
   <p:tag name="KSO_WM_BEAUTIFY_FLAG" val="#wm#"/>
@@ -35233,7 +35457,7 @@
 </p:tagLst>
 </file>
 
-<file path=ppt/tags/tag153.xml><?xml version="1.0" encoding="utf-8"?>
+<file path=ppt/tags/tag155.xml><?xml version="1.0" encoding="utf-8"?>
 <p:tagLst xmlns:p="http://schemas.openxmlformats.org/presentationml/2006/main">
   <p:tag name="KSO_WM_TAG_VERSION" val="1.0"/>
   <p:tag name="KSO_WM_BEAUTIFY_FLAG" val="#wm#"/>
@@ -35248,7 +35472,7 @@
 </p:tagLst>
 </file>
 
-<file path=ppt/tags/tag154.xml><?xml version="1.0" encoding="utf-8"?>
+<file path=ppt/tags/tag156.xml><?xml version="1.0" encoding="utf-8"?>
 <p:tagLst xmlns:p="http://schemas.openxmlformats.org/presentationml/2006/main">
   <p:tag name="KSO_WM_TAG_VERSION" val="1.0"/>
   <p:tag name="KSO_WM_BEAUTIFY_FLAG" val="#wm#"/>
@@ -35268,7 +35492,7 @@
 </p:tagLst>
 </file>
 
-<file path=ppt/tags/tag155.xml><?xml version="1.0" encoding="utf-8"?>
+<file path=ppt/tags/tag157.xml><?xml version="1.0" encoding="utf-8"?>
 <p:tagLst xmlns:p="http://schemas.openxmlformats.org/presentationml/2006/main">
   <p:tag name="KSO_WM_TAG_VERSION" val="1.0"/>
   <p:tag name="KSO_WM_BEAUTIFY_FLAG" val="#wm#"/>
@@ -35288,7 +35512,7 @@
 </p:tagLst>
 </file>
 
-<file path=ppt/tags/tag156.xml><?xml version="1.0" encoding="utf-8"?>
+<file path=ppt/tags/tag158.xml><?xml version="1.0" encoding="utf-8"?>
 <p:tagLst xmlns:p="http://schemas.openxmlformats.org/presentationml/2006/main">
   <p:tag name="KSO_WM_TAG_VERSION" val="1.0"/>
   <p:tag name="KSO_WM_BEAUTIFY_FLAG" val="#wm#"/>
@@ -35300,7 +35524,7 @@
 </p:tagLst>
 </file>
 
-<file path=ppt/tags/tag157.xml><?xml version="1.0" encoding="utf-8"?>
+<file path=ppt/tags/tag159.xml><?xml version="1.0" encoding="utf-8"?>
 <p:tagLst xmlns:p="http://schemas.openxmlformats.org/presentationml/2006/main">
   <p:tag name="KSO_WM_TAG_VERSION" val="1.0"/>
   <p:tag name="KSO_WM_BEAUTIFY_FLAG" val="#wm#"/>
@@ -35311,46 +35535,6 @@
   <p:tag name="KSO_WM_UNIT_ID" val="custom160147_15*m_i*1_3"/>
   <p:tag name="KSO_WM_UNIT_CLEAR" val="1"/>
   <p:tag name="KSO_WM_UNIT_LAYERLEVEL" val="1_1"/>
-  <p:tag name="KSO_WM_DIAGRAM_GROUP_CODE" val="m1-1"/>
-</p:tagLst>
-</file>
-
-<file path=ppt/tags/tag158.xml><?xml version="1.0" encoding="utf-8"?>
-<p:tagLst xmlns:p="http://schemas.openxmlformats.org/presentationml/2006/main">
-  <p:tag name="KSO_WM_TAG_VERSION" val="1.0"/>
-  <p:tag name="KSO_WM_BEAUTIFY_FLAG" val="#wm#"/>
-  <p:tag name="KSO_WM_TEMPLATE_CATEGORY" val="custom"/>
-  <p:tag name="KSO_WM_TEMPLATE_INDEX" val="160147"/>
-  <p:tag name="KSO_WM_UNIT_TYPE" val="m_h_a"/>
-  <p:tag name="KSO_WM_UNIT_INDEX" val="1_2_1"/>
-  <p:tag name="KSO_WM_UNIT_ID" val="custom160147_15*m_h_a*1_2_1"/>
-  <p:tag name="KSO_WM_UNIT_CLEAR" val="1"/>
-  <p:tag name="KSO_WM_UNIT_LAYERLEVEL" val="1_1_1"/>
-  <p:tag name="KSO_WM_UNIT_VALUE" val="11"/>
-  <p:tag name="KSO_WM_UNIT_HIGHLIGHT" val="0"/>
-  <p:tag name="KSO_WM_UNIT_COMPATIBLE" val="0"/>
-  <p:tag name="KSO_WM_UNIT_PRESET_TEXT_INDEX" val="3"/>
-  <p:tag name="KSO_WM_UNIT_PRESET_TEXT_LEN" val="5"/>
-  <p:tag name="KSO_WM_DIAGRAM_GROUP_CODE" val="m1-1"/>
-</p:tagLst>
-</file>
-
-<file path=ppt/tags/tag159.xml><?xml version="1.0" encoding="utf-8"?>
-<p:tagLst xmlns:p="http://schemas.openxmlformats.org/presentationml/2006/main">
-  <p:tag name="KSO_WM_TAG_VERSION" val="1.0"/>
-  <p:tag name="KSO_WM_BEAUTIFY_FLAG" val="#wm#"/>
-  <p:tag name="KSO_WM_TEMPLATE_CATEGORY" val="custom"/>
-  <p:tag name="KSO_WM_TEMPLATE_INDEX" val="160147"/>
-  <p:tag name="KSO_WM_UNIT_TYPE" val="m_h_f"/>
-  <p:tag name="KSO_WM_UNIT_INDEX" val="1_2_1"/>
-  <p:tag name="KSO_WM_UNIT_ID" val="custom160147_15*m_h_f*1_2_1"/>
-  <p:tag name="KSO_WM_UNIT_CLEAR" val="1"/>
-  <p:tag name="KSO_WM_UNIT_LAYERLEVEL" val="1_1_1"/>
-  <p:tag name="KSO_WM_UNIT_VALUE" val="55"/>
-  <p:tag name="KSO_WM_UNIT_HIGHLIGHT" val="0"/>
-  <p:tag name="KSO_WM_UNIT_COMPATIBLE" val="0"/>
-  <p:tag name="KSO_WM_UNIT_PRESET_TEXT_INDEX" val="4"/>
-  <p:tag name="KSO_WM_UNIT_PRESET_TEXT_LEN" val="57"/>
   <p:tag name="KSO_WM_DIAGRAM_GROUP_CODE" val="m1-1"/>
 </p:tagLst>
 </file>
@@ -35379,6 +35563,46 @@
 <p:tagLst xmlns:p="http://schemas.openxmlformats.org/presentationml/2006/main">
   <p:tag name="KSO_WM_TAG_VERSION" val="1.0"/>
   <p:tag name="KSO_WM_BEAUTIFY_FLAG" val="#wm#"/>
+  <p:tag name="KSO_WM_TEMPLATE_CATEGORY" val="custom"/>
+  <p:tag name="KSO_WM_TEMPLATE_INDEX" val="160147"/>
+  <p:tag name="KSO_WM_UNIT_TYPE" val="m_h_a"/>
+  <p:tag name="KSO_WM_UNIT_INDEX" val="1_2_1"/>
+  <p:tag name="KSO_WM_UNIT_ID" val="custom160147_15*m_h_a*1_2_1"/>
+  <p:tag name="KSO_WM_UNIT_CLEAR" val="1"/>
+  <p:tag name="KSO_WM_UNIT_LAYERLEVEL" val="1_1_1"/>
+  <p:tag name="KSO_WM_UNIT_VALUE" val="11"/>
+  <p:tag name="KSO_WM_UNIT_HIGHLIGHT" val="0"/>
+  <p:tag name="KSO_WM_UNIT_COMPATIBLE" val="0"/>
+  <p:tag name="KSO_WM_UNIT_PRESET_TEXT_INDEX" val="3"/>
+  <p:tag name="KSO_WM_UNIT_PRESET_TEXT_LEN" val="5"/>
+  <p:tag name="KSO_WM_DIAGRAM_GROUP_CODE" val="m1-1"/>
+</p:tagLst>
+</file>
+
+<file path=ppt/tags/tag161.xml><?xml version="1.0" encoding="utf-8"?>
+<p:tagLst xmlns:p="http://schemas.openxmlformats.org/presentationml/2006/main">
+  <p:tag name="KSO_WM_TAG_VERSION" val="1.0"/>
+  <p:tag name="KSO_WM_BEAUTIFY_FLAG" val="#wm#"/>
+  <p:tag name="KSO_WM_TEMPLATE_CATEGORY" val="custom"/>
+  <p:tag name="KSO_WM_TEMPLATE_INDEX" val="160147"/>
+  <p:tag name="KSO_WM_UNIT_TYPE" val="m_h_f"/>
+  <p:tag name="KSO_WM_UNIT_INDEX" val="1_2_1"/>
+  <p:tag name="KSO_WM_UNIT_ID" val="custom160147_15*m_h_f*1_2_1"/>
+  <p:tag name="KSO_WM_UNIT_CLEAR" val="1"/>
+  <p:tag name="KSO_WM_UNIT_LAYERLEVEL" val="1_1_1"/>
+  <p:tag name="KSO_WM_UNIT_VALUE" val="55"/>
+  <p:tag name="KSO_WM_UNIT_HIGHLIGHT" val="0"/>
+  <p:tag name="KSO_WM_UNIT_COMPATIBLE" val="0"/>
+  <p:tag name="KSO_WM_UNIT_PRESET_TEXT_INDEX" val="4"/>
+  <p:tag name="KSO_WM_UNIT_PRESET_TEXT_LEN" val="57"/>
+  <p:tag name="KSO_WM_DIAGRAM_GROUP_CODE" val="m1-1"/>
+</p:tagLst>
+</file>
+
+<file path=ppt/tags/tag162.xml><?xml version="1.0" encoding="utf-8"?>
+<p:tagLst xmlns:p="http://schemas.openxmlformats.org/presentationml/2006/main">
+  <p:tag name="KSO_WM_TAG_VERSION" val="1.0"/>
+  <p:tag name="KSO_WM_BEAUTIFY_FLAG" val="#wm#"/>
   <p:tag name="KSO_WM_UNIT_TYPE" val="i"/>
   <p:tag name="KSO_WM_UNIT_ID" val="custom160147_15*i*15"/>
   <p:tag name="KSO_WM_TEMPLATE_CATEGORY" val="custom"/>
@@ -35387,7 +35611,7 @@
 </p:tagLst>
 </file>
 
-<file path=ppt/tags/tag161.xml><?xml version="1.0" encoding="utf-8"?>
+<file path=ppt/tags/tag163.xml><?xml version="1.0" encoding="utf-8"?>
 <p:tagLst xmlns:p="http://schemas.openxmlformats.org/presentationml/2006/main">
   <p:tag name="KSO_WM_TAG_VERSION" val="1.0"/>
   <p:tag name="KSO_WM_BEAUTIFY_FLAG" val="#wm#"/>
@@ -35402,7 +35626,7 @@
 </p:tagLst>
 </file>
 
-<file path=ppt/tags/tag162.xml><?xml version="1.0" encoding="utf-8"?>
+<file path=ppt/tags/tag164.xml><?xml version="1.0" encoding="utf-8"?>
 <p:tagLst xmlns:p="http://schemas.openxmlformats.org/presentationml/2006/main">
   <p:tag name="KSO_WM_TAG_VERSION" val="1.0"/>
   <p:tag name="KSO_WM_BEAUTIFY_FLAG" val="#wm#"/>
@@ -35422,7 +35646,7 @@
 </p:tagLst>
 </file>
 
-<file path=ppt/tags/tag163.xml><?xml version="1.0" encoding="utf-8"?>
+<file path=ppt/tags/tag165.xml><?xml version="1.0" encoding="utf-8"?>
 <p:tagLst xmlns:p="http://schemas.openxmlformats.org/presentationml/2006/main">
   <p:tag name="KSO_WM_TAG_VERSION" val="1.0"/>
   <p:tag name="KSO_WM_BEAUTIFY_FLAG" val="#wm#"/>
@@ -35442,7 +35666,7 @@
 </p:tagLst>
 </file>
 
-<file path=ppt/tags/tag164.xml><?xml version="1.0" encoding="utf-8"?>
+<file path=ppt/tags/tag166.xml><?xml version="1.0" encoding="utf-8"?>
 <p:tagLst xmlns:p="http://schemas.openxmlformats.org/presentationml/2006/main">
   <p:tag name="KSO_WM_TAG_VERSION" val="1.0"/>
   <p:tag name="KSO_WM_BEAUTIFY_FLAG" val="#wm#"/>
@@ -35462,7 +35686,7 @@
 </p:tagLst>
 </file>
 
-<file path=ppt/tags/tag165.xml><?xml version="1.0" encoding="utf-8"?>
+<file path=ppt/tags/tag167.xml><?xml version="1.0" encoding="utf-8"?>
 <p:tagLst xmlns:p="http://schemas.openxmlformats.org/presentationml/2006/main">
   <p:tag name="KSO_WM_TEMPLATE_CATEGORY" val="custom"/>
   <p:tag name="KSO_WM_TEMPLATE_INDEX" val="160147"/>
@@ -35480,7 +35704,7 @@
 </p:tagLst>
 </file>
 
-<file path=ppt/tags/tag166.xml><?xml version="1.0" encoding="utf-8"?>
+<file path=ppt/tags/tag168.xml><?xml version="1.0" encoding="utf-8"?>
 <p:tagLst xmlns:p="http://schemas.openxmlformats.org/presentationml/2006/main">
   <p:tag name="KSO_WM_TAG_VERSION" val="1.0"/>
   <p:tag name="KSO_WM_BEAUTIFY_FLAG" val="#wm#"/>
@@ -35495,7 +35719,7 @@
 </p:tagLst>
 </file>
 
-<file path=ppt/tags/tag167.xml><?xml version="1.0" encoding="utf-8"?>
+<file path=ppt/tags/tag169.xml><?xml version="1.0" encoding="utf-8"?>
 <p:tagLst xmlns:p="http://schemas.openxmlformats.org/presentationml/2006/main">
   <p:tag name="KSO_WM_TAG_VERSION" val="1.0"/>
   <p:tag name="KSO_WM_BEAUTIFY_FLAG" val="#wm#"/>
@@ -35507,7 +35731,26 @@
 </p:tagLst>
 </file>
 
-<file path=ppt/tags/tag168.xml><?xml version="1.0" encoding="utf-8"?>
+<file path=ppt/tags/tag17.xml><?xml version="1.0" encoding="utf-8"?>
+<p:tagLst xmlns:p="http://schemas.openxmlformats.org/presentationml/2006/main">
+  <p:tag name="KSO_WM_TAG_VERSION" val="1.0"/>
+  <p:tag name="KSO_WM_BEAUTIFY_FLAG" val="#wm#"/>
+  <p:tag name="KSO_WM_TEMPLATE_CATEGORY" val="custom"/>
+  <p:tag name="KSO_WM_TEMPLATE_INDEX" val="160147"/>
+  <p:tag name="KSO_WM_UNIT_TYPE" val="f"/>
+  <p:tag name="KSO_WM_UNIT_INDEX" val="2"/>
+  <p:tag name="KSO_WM_UNIT_ID" val="custom160147_3*f*2"/>
+  <p:tag name="KSO_WM_UNIT_CLEAR" val="1"/>
+  <p:tag name="KSO_WM_UNIT_LAYERLEVEL" val="1"/>
+  <p:tag name="KSO_WM_UNIT_VALUE" val="192"/>
+  <p:tag name="KSO_WM_UNIT_HIGHLIGHT" val="0"/>
+  <p:tag name="KSO_WM_UNIT_COMPATIBLE" val="0"/>
+  <p:tag name="KSO_WM_UNIT_PRESET_TEXT_INDEX" val="5"/>
+  <p:tag name="KSO_WM_UNIT_PRESET_TEXT_LEN" val="232"/>
+</p:tagLst>
+</file>
+
+<file path=ppt/tags/tag170.xml><?xml version="1.0" encoding="utf-8"?>
 <p:tagLst xmlns:p="http://schemas.openxmlformats.org/presentationml/2006/main">
   <p:tag name="KSO_WM_TAG_VERSION" val="1.0"/>
   <p:tag name="KSO_WM_BEAUTIFY_FLAG" val="#wm#"/>
@@ -35522,7 +35765,7 @@
 </p:tagLst>
 </file>
 
-<file path=ppt/tags/tag169.xml><?xml version="1.0" encoding="utf-8"?>
+<file path=ppt/tags/tag171.xml><?xml version="1.0" encoding="utf-8"?>
 <p:tagLst xmlns:p="http://schemas.openxmlformats.org/presentationml/2006/main">
   <p:tag name="KSO_WM_TAG_VERSION" val="1.0"/>
   <p:tag name="KSO_WM_BEAUTIFY_FLAG" val="#wm#"/>
@@ -35542,26 +35785,7 @@
 </p:tagLst>
 </file>
 
-<file path=ppt/tags/tag17.xml><?xml version="1.0" encoding="utf-8"?>
-<p:tagLst xmlns:p="http://schemas.openxmlformats.org/presentationml/2006/main">
-  <p:tag name="KSO_WM_TAG_VERSION" val="1.0"/>
-  <p:tag name="KSO_WM_BEAUTIFY_FLAG" val="#wm#"/>
-  <p:tag name="KSO_WM_TEMPLATE_CATEGORY" val="custom"/>
-  <p:tag name="KSO_WM_TEMPLATE_INDEX" val="160147"/>
-  <p:tag name="KSO_WM_UNIT_TYPE" val="f"/>
-  <p:tag name="KSO_WM_UNIT_INDEX" val="2"/>
-  <p:tag name="KSO_WM_UNIT_ID" val="custom160147_3*f*2"/>
-  <p:tag name="KSO_WM_UNIT_CLEAR" val="1"/>
-  <p:tag name="KSO_WM_UNIT_LAYERLEVEL" val="1"/>
-  <p:tag name="KSO_WM_UNIT_VALUE" val="192"/>
-  <p:tag name="KSO_WM_UNIT_HIGHLIGHT" val="0"/>
-  <p:tag name="KSO_WM_UNIT_COMPATIBLE" val="0"/>
-  <p:tag name="KSO_WM_UNIT_PRESET_TEXT_INDEX" val="5"/>
-  <p:tag name="KSO_WM_UNIT_PRESET_TEXT_LEN" val="232"/>
-</p:tagLst>
-</file>
-
-<file path=ppt/tags/tag170.xml><?xml version="1.0" encoding="utf-8"?>
+<file path=ppt/tags/tag172.xml><?xml version="1.0" encoding="utf-8"?>
 <p:tagLst xmlns:p="http://schemas.openxmlformats.org/presentationml/2006/main">
   <p:tag name="KSO_WM_TAG_VERSION" val="1.0"/>
   <p:tag name="KSO_WM_BEAUTIFY_FLAG" val="#wm#"/>
@@ -35581,7 +35805,7 @@
 </p:tagLst>
 </file>
 
-<file path=ppt/tags/tag171.xml><?xml version="1.0" encoding="utf-8"?>
+<file path=ppt/tags/tag173.xml><?xml version="1.0" encoding="utf-8"?>
 <p:tagLst xmlns:p="http://schemas.openxmlformats.org/presentationml/2006/main">
   <p:tag name="KSO_WM_TAG_VERSION" val="1.0"/>
   <p:tag name="KSO_WM_BEAUTIFY_FLAG" val="#wm#"/>
@@ -35593,7 +35817,7 @@
 </p:tagLst>
 </file>
 
-<file path=ppt/tags/tag172.xml><?xml version="1.0" encoding="utf-8"?>
+<file path=ppt/tags/tag174.xml><?xml version="1.0" encoding="utf-8"?>
 <p:tagLst xmlns:p="http://schemas.openxmlformats.org/presentationml/2006/main">
   <p:tag name="KSO_WM_TAG_VERSION" val="1.0"/>
   <p:tag name="KSO_WM_BEAUTIFY_FLAG" val="#wm#"/>
@@ -35608,7 +35832,7 @@
 </p:tagLst>
 </file>
 
-<file path=ppt/tags/tag173.xml><?xml version="1.0" encoding="utf-8"?>
+<file path=ppt/tags/tag175.xml><?xml version="1.0" encoding="utf-8"?>
 <p:tagLst xmlns:p="http://schemas.openxmlformats.org/presentationml/2006/main">
   <p:tag name="KSO_WM_TAG_VERSION" val="1.0"/>
   <p:tag name="KSO_WM_BEAUTIFY_FLAG" val="#wm#"/>
@@ -35628,7 +35852,7 @@
 </p:tagLst>
 </file>
 
-<file path=ppt/tags/tag174.xml><?xml version="1.0" encoding="utf-8"?>
+<file path=ppt/tags/tag176.xml><?xml version="1.0" encoding="utf-8"?>
 <p:tagLst xmlns:p="http://schemas.openxmlformats.org/presentationml/2006/main">
   <p:tag name="KSO_WM_TAG_VERSION" val="1.0"/>
   <p:tag name="KSO_WM_BEAUTIFY_FLAG" val="#wm#"/>
@@ -35648,7 +35872,7 @@
 </p:tagLst>
 </file>
 
-<file path=ppt/tags/tag175.xml><?xml version="1.0" encoding="utf-8"?>
+<file path=ppt/tags/tag177.xml><?xml version="1.0" encoding="utf-8"?>
 <p:tagLst xmlns:p="http://schemas.openxmlformats.org/presentationml/2006/main">
   <p:tag name="KSO_WM_TAG_VERSION" val="1.0"/>
   <p:tag name="KSO_WM_BEAUTIFY_FLAG" val="#wm#"/>
@@ -35660,7 +35884,7 @@
 </p:tagLst>
 </file>
 
-<file path=ppt/tags/tag176.xml><?xml version="1.0" encoding="utf-8"?>
+<file path=ppt/tags/tag178.xml><?xml version="1.0" encoding="utf-8"?>
 <p:tagLst xmlns:p="http://schemas.openxmlformats.org/presentationml/2006/main">
   <p:tag name="KSO_WM_TAG_VERSION" val="1.0"/>
   <p:tag name="KSO_WM_BEAUTIFY_FLAG" val="#wm#"/>
@@ -35675,7 +35899,7 @@
 </p:tagLst>
 </file>
 
-<file path=ppt/tags/tag177.xml><?xml version="1.0" encoding="utf-8"?>
+<file path=ppt/tags/tag179.xml><?xml version="1.0" encoding="utf-8"?>
 <p:tagLst xmlns:p="http://schemas.openxmlformats.org/presentationml/2006/main">
   <p:tag name="KSO_WM_TAG_VERSION" val="1.0"/>
   <p:tag name="KSO_WM_BEAUTIFY_FLAG" val="#wm#"/>
@@ -35695,7 +35919,24 @@
 </p:tagLst>
 </file>
 
-<file path=ppt/tags/tag178.xml><?xml version="1.0" encoding="utf-8"?>
+<file path=ppt/tags/tag18.xml><?xml version="1.0" encoding="utf-8"?>
+<p:tagLst xmlns:p="http://schemas.openxmlformats.org/presentationml/2006/main">
+  <p:tag name="KSO_WM_TEMPLATE_CATEGORY" val="custom"/>
+  <p:tag name="KSO_WM_TEMPLATE_INDEX" val="160147"/>
+  <p:tag name="KSO_WM_TAG_VERSION" val="1.0"/>
+  <p:tag name="KSO_WM_SLIDE_ID" val="custom160147_3"/>
+  <p:tag name="KSO_WM_SLIDE_INDEX" val="3"/>
+  <p:tag name="KSO_WM_SLIDE_ITEM_CNT" val="2"/>
+  <p:tag name="KSO_WM_SLIDE_LAYOUT" val="a_f"/>
+  <p:tag name="KSO_WM_SLIDE_LAYOUT_CNT" val="1_2"/>
+  <p:tag name="KSO_WM_SLIDE_TYPE" val="text"/>
+  <p:tag name="KSO_WM_BEAUTIFY_FLAG" val="#wm#"/>
+  <p:tag name="KSO_WM_SLIDE_POSITION" val="45*98"/>
+  <p:tag name="KSO_WM_SLIDE_SIZE" val="861*388"/>
+</p:tagLst>
+</file>
+
+<file path=ppt/tags/tag180.xml><?xml version="1.0" encoding="utf-8"?>
 <p:tagLst xmlns:p="http://schemas.openxmlformats.org/presentationml/2006/main">
   <p:tag name="KSO_WM_TAG_VERSION" val="1.0"/>
   <p:tag name="KSO_WM_BEAUTIFY_FLAG" val="#wm#"/>
@@ -35715,7 +35956,7 @@
 </p:tagLst>
 </file>
 
-<file path=ppt/tags/tag179.xml><?xml version="1.0" encoding="utf-8"?>
+<file path=ppt/tags/tag181.xml><?xml version="1.0" encoding="utf-8"?>
 <p:tagLst xmlns:p="http://schemas.openxmlformats.org/presentationml/2006/main">
   <p:tag name="KSO_WM_TAG_VERSION" val="1.0"/>
   <p:tag name="KSO_WM_BEAUTIFY_FLAG" val="#wm#"/>
@@ -35727,24 +35968,7 @@
 </p:tagLst>
 </file>
 
-<file path=ppt/tags/tag18.xml><?xml version="1.0" encoding="utf-8"?>
-<p:tagLst xmlns:p="http://schemas.openxmlformats.org/presentationml/2006/main">
-  <p:tag name="KSO_WM_TEMPLATE_CATEGORY" val="custom"/>
-  <p:tag name="KSO_WM_TEMPLATE_INDEX" val="160147"/>
-  <p:tag name="KSO_WM_TAG_VERSION" val="1.0"/>
-  <p:tag name="KSO_WM_SLIDE_ID" val="custom160147_3"/>
-  <p:tag name="KSO_WM_SLIDE_INDEX" val="3"/>
-  <p:tag name="KSO_WM_SLIDE_ITEM_CNT" val="2"/>
-  <p:tag name="KSO_WM_SLIDE_LAYOUT" val="a_f"/>
-  <p:tag name="KSO_WM_SLIDE_LAYOUT_CNT" val="1_2"/>
-  <p:tag name="KSO_WM_SLIDE_TYPE" val="text"/>
-  <p:tag name="KSO_WM_BEAUTIFY_FLAG" val="#wm#"/>
-  <p:tag name="KSO_WM_SLIDE_POSITION" val="45*98"/>
-  <p:tag name="KSO_WM_SLIDE_SIZE" val="861*388"/>
-</p:tagLst>
-</file>
-
-<file path=ppt/tags/tag180.xml><?xml version="1.0" encoding="utf-8"?>
+<file path=ppt/tags/tag182.xml><?xml version="1.0" encoding="utf-8"?>
 <p:tagLst xmlns:p="http://schemas.openxmlformats.org/presentationml/2006/main">
   <p:tag name="KSO_WM_TAG_VERSION" val="1.0"/>
   <p:tag name="KSO_WM_BEAUTIFY_FLAG" val="#wm#"/>
@@ -35759,7 +35983,7 @@
 </p:tagLst>
 </file>
 
-<file path=ppt/tags/tag181.xml><?xml version="1.0" encoding="utf-8"?>
+<file path=ppt/tags/tag183.xml><?xml version="1.0" encoding="utf-8"?>
 <p:tagLst xmlns:p="http://schemas.openxmlformats.org/presentationml/2006/main">
   <p:tag name="KSO_WM_TAG_VERSION" val="1.0"/>
   <p:tag name="KSO_WM_BEAUTIFY_FLAG" val="#wm#"/>
@@ -35779,7 +36003,7 @@
 </p:tagLst>
 </file>
 
-<file path=ppt/tags/tag182.xml><?xml version="1.0" encoding="utf-8"?>
+<file path=ppt/tags/tag184.xml><?xml version="1.0" encoding="utf-8"?>
 <p:tagLst xmlns:p="http://schemas.openxmlformats.org/presentationml/2006/main">
   <p:tag name="KSO_WM_TAG_VERSION" val="1.0"/>
   <p:tag name="KSO_WM_BEAUTIFY_FLAG" val="#wm#"/>
@@ -35799,7 +36023,7 @@
 </p:tagLst>
 </file>
 
-<file path=ppt/tags/tag183.xml><?xml version="1.0" encoding="utf-8"?>
+<file path=ppt/tags/tag185.xml><?xml version="1.0" encoding="utf-8"?>
 <p:tagLst xmlns:p="http://schemas.openxmlformats.org/presentationml/2006/main">
   <p:tag name="KSO_WM_TAG_VERSION" val="1.0"/>
   <p:tag name="KSO_WM_BEAUTIFY_FLAG" val="#wm#"/>
@@ -35819,7 +36043,7 @@
 </p:tagLst>
 </file>
 
-<file path=ppt/tags/tag184.xml><?xml version="1.0" encoding="utf-8"?>
+<file path=ppt/tags/tag186.xml><?xml version="1.0" encoding="utf-8"?>
 <p:tagLst xmlns:p="http://schemas.openxmlformats.org/presentationml/2006/main">
   <p:tag name="KSO_WM_TEMPLATE_CATEGORY" val="custom"/>
   <p:tag name="KSO_WM_TEMPLATE_INDEX" val="160147"/>
@@ -35837,7 +36061,7 @@
 </p:tagLst>
 </file>
 
-<file path=ppt/tags/tag185.xml><?xml version="1.0" encoding="utf-8"?>
+<file path=ppt/tags/tag187.xml><?xml version="1.0" encoding="utf-8"?>
 <p:tagLst xmlns:p="http://schemas.openxmlformats.org/presentationml/2006/main">
   <p:tag name="KSO_WM_TAG_VERSION" val="1.0"/>
   <p:tag name="KSO_WM_BEAUTIFY_FLAG" val="#wm#"/>
@@ -35852,7 +36076,7 @@
 </p:tagLst>
 </file>
 
-<file path=ppt/tags/tag186.xml><?xml version="1.0" encoding="utf-8"?>
+<file path=ppt/tags/tag188.xml><?xml version="1.0" encoding="utf-8"?>
 <p:tagLst xmlns:p="http://schemas.openxmlformats.org/presentationml/2006/main">
   <p:tag name="KSO_WM_TAG_VERSION" val="1.0"/>
   <p:tag name="KSO_WM_BEAUTIFY_FLAG" val="#wm#"/>
@@ -35864,7 +36088,7 @@
 </p:tagLst>
 </file>
 
-<file path=ppt/tags/tag187.xml><?xml version="1.0" encoding="utf-8"?>
+<file path=ppt/tags/tag189.xml><?xml version="1.0" encoding="utf-8"?>
 <p:tagLst xmlns:p="http://schemas.openxmlformats.org/presentationml/2006/main">
   <p:tag name="KSO_WM_TAG_VERSION" val="1.0"/>
   <p:tag name="KSO_WM_BEAUTIFY_FLAG" val="#wm#"/>
@@ -35875,46 +36099,6 @@
   <p:tag name="KSO_WM_UNIT_ID" val="custom160147_17*m_i*1_2"/>
   <p:tag name="KSO_WM_UNIT_CLEAR" val="1"/>
   <p:tag name="KSO_WM_UNIT_LAYERLEVEL" val="1_1"/>
-  <p:tag name="KSO_WM_DIAGRAM_GROUP_CODE" val="m1-1"/>
-</p:tagLst>
-</file>
-
-<file path=ppt/tags/tag188.xml><?xml version="1.0" encoding="utf-8"?>
-<p:tagLst xmlns:p="http://schemas.openxmlformats.org/presentationml/2006/main">
-  <p:tag name="KSO_WM_TAG_VERSION" val="1.0"/>
-  <p:tag name="KSO_WM_BEAUTIFY_FLAG" val="#wm#"/>
-  <p:tag name="KSO_WM_TEMPLATE_CATEGORY" val="custom"/>
-  <p:tag name="KSO_WM_TEMPLATE_INDEX" val="160147"/>
-  <p:tag name="KSO_WM_UNIT_TYPE" val="m_h_a"/>
-  <p:tag name="KSO_WM_UNIT_INDEX" val="1_1_1"/>
-  <p:tag name="KSO_WM_UNIT_ID" val="custom160147_17*m_h_a*1_1_1"/>
-  <p:tag name="KSO_WM_UNIT_CLEAR" val="1"/>
-  <p:tag name="KSO_WM_UNIT_LAYERLEVEL" val="1_1_1"/>
-  <p:tag name="KSO_WM_UNIT_VALUE" val="5"/>
-  <p:tag name="KSO_WM_UNIT_HIGHLIGHT" val="0"/>
-  <p:tag name="KSO_WM_UNIT_COMPATIBLE" val="0"/>
-  <p:tag name="KSO_WM_UNIT_PRESET_TEXT_INDEX" val="3"/>
-  <p:tag name="KSO_WM_UNIT_PRESET_TEXT_LEN" val="5"/>
-  <p:tag name="KSO_WM_DIAGRAM_GROUP_CODE" val="m1-1"/>
-</p:tagLst>
-</file>
-
-<file path=ppt/tags/tag189.xml><?xml version="1.0" encoding="utf-8"?>
-<p:tagLst xmlns:p="http://schemas.openxmlformats.org/presentationml/2006/main">
-  <p:tag name="KSO_WM_TAG_VERSION" val="1.0"/>
-  <p:tag name="KSO_WM_BEAUTIFY_FLAG" val="#wm#"/>
-  <p:tag name="KSO_WM_TEMPLATE_CATEGORY" val="custom"/>
-  <p:tag name="KSO_WM_TEMPLATE_INDEX" val="160147"/>
-  <p:tag name="KSO_WM_UNIT_TYPE" val="m_h_f"/>
-  <p:tag name="KSO_WM_UNIT_INDEX" val="1_1_1"/>
-  <p:tag name="KSO_WM_UNIT_ID" val="custom160147_17*m_h_f*1_1_1"/>
-  <p:tag name="KSO_WM_UNIT_CLEAR" val="1"/>
-  <p:tag name="KSO_WM_UNIT_LAYERLEVEL" val="1_1_1"/>
-  <p:tag name="KSO_WM_UNIT_VALUE" val="40"/>
-  <p:tag name="KSO_WM_UNIT_HIGHLIGHT" val="0"/>
-  <p:tag name="KSO_WM_UNIT_COMPATIBLE" val="0"/>
-  <p:tag name="KSO_WM_UNIT_PRESET_TEXT_INDEX" val="4"/>
-  <p:tag name="KSO_WM_UNIT_PRESET_TEXT_LEN" val="57"/>
   <p:tag name="KSO_WM_DIAGRAM_GROUP_CODE" val="m1-1"/>
 </p:tagLst>
 </file>
@@ -35943,6 +36127,46 @@
 <p:tagLst xmlns:p="http://schemas.openxmlformats.org/presentationml/2006/main">
   <p:tag name="KSO_WM_TAG_VERSION" val="1.0"/>
   <p:tag name="KSO_WM_BEAUTIFY_FLAG" val="#wm#"/>
+  <p:tag name="KSO_WM_TEMPLATE_CATEGORY" val="custom"/>
+  <p:tag name="KSO_WM_TEMPLATE_INDEX" val="160147"/>
+  <p:tag name="KSO_WM_UNIT_TYPE" val="m_h_a"/>
+  <p:tag name="KSO_WM_UNIT_INDEX" val="1_1_1"/>
+  <p:tag name="KSO_WM_UNIT_ID" val="custom160147_17*m_h_a*1_1_1"/>
+  <p:tag name="KSO_WM_UNIT_CLEAR" val="1"/>
+  <p:tag name="KSO_WM_UNIT_LAYERLEVEL" val="1_1_1"/>
+  <p:tag name="KSO_WM_UNIT_VALUE" val="5"/>
+  <p:tag name="KSO_WM_UNIT_HIGHLIGHT" val="0"/>
+  <p:tag name="KSO_WM_UNIT_COMPATIBLE" val="0"/>
+  <p:tag name="KSO_WM_UNIT_PRESET_TEXT_INDEX" val="3"/>
+  <p:tag name="KSO_WM_UNIT_PRESET_TEXT_LEN" val="5"/>
+  <p:tag name="KSO_WM_DIAGRAM_GROUP_CODE" val="m1-1"/>
+</p:tagLst>
+</file>
+
+<file path=ppt/tags/tag191.xml><?xml version="1.0" encoding="utf-8"?>
+<p:tagLst xmlns:p="http://schemas.openxmlformats.org/presentationml/2006/main">
+  <p:tag name="KSO_WM_TAG_VERSION" val="1.0"/>
+  <p:tag name="KSO_WM_BEAUTIFY_FLAG" val="#wm#"/>
+  <p:tag name="KSO_WM_TEMPLATE_CATEGORY" val="custom"/>
+  <p:tag name="KSO_WM_TEMPLATE_INDEX" val="160147"/>
+  <p:tag name="KSO_WM_UNIT_TYPE" val="m_h_f"/>
+  <p:tag name="KSO_WM_UNIT_INDEX" val="1_1_1"/>
+  <p:tag name="KSO_WM_UNIT_ID" val="custom160147_17*m_h_f*1_1_1"/>
+  <p:tag name="KSO_WM_UNIT_CLEAR" val="1"/>
+  <p:tag name="KSO_WM_UNIT_LAYERLEVEL" val="1_1_1"/>
+  <p:tag name="KSO_WM_UNIT_VALUE" val="40"/>
+  <p:tag name="KSO_WM_UNIT_HIGHLIGHT" val="0"/>
+  <p:tag name="KSO_WM_UNIT_COMPATIBLE" val="0"/>
+  <p:tag name="KSO_WM_UNIT_PRESET_TEXT_INDEX" val="4"/>
+  <p:tag name="KSO_WM_UNIT_PRESET_TEXT_LEN" val="57"/>
+  <p:tag name="KSO_WM_DIAGRAM_GROUP_CODE" val="m1-1"/>
+</p:tagLst>
+</file>
+
+<file path=ppt/tags/tag192.xml><?xml version="1.0" encoding="utf-8"?>
+<p:tagLst xmlns:p="http://schemas.openxmlformats.org/presentationml/2006/main">
+  <p:tag name="KSO_WM_TAG_VERSION" val="1.0"/>
+  <p:tag name="KSO_WM_BEAUTIFY_FLAG" val="#wm#"/>
   <p:tag name="KSO_WM_UNIT_TYPE" val="i"/>
   <p:tag name="KSO_WM_UNIT_ID" val="custom160147_17*i*8"/>
   <p:tag name="KSO_WM_TEMPLATE_CATEGORY" val="custom"/>
@@ -35951,7 +36175,7 @@
 </p:tagLst>
 </file>
 
-<file path=ppt/tags/tag191.xml><?xml version="1.0" encoding="utf-8"?>
+<file path=ppt/tags/tag193.xml><?xml version="1.0" encoding="utf-8"?>
 <p:tagLst xmlns:p="http://schemas.openxmlformats.org/presentationml/2006/main">
   <p:tag name="KSO_WM_TAG_VERSION" val="1.0"/>
   <p:tag name="KSO_WM_BEAUTIFY_FLAG" val="#wm#"/>
@@ -35966,7 +36190,7 @@
 </p:tagLst>
 </file>
 
-<file path=ppt/tags/tag192.xml><?xml version="1.0" encoding="utf-8"?>
+<file path=ppt/tags/tag194.xml><?xml version="1.0" encoding="utf-8"?>
 <p:tagLst xmlns:p="http://schemas.openxmlformats.org/presentationml/2006/main">
   <p:tag name="KSO_WM_TAG_VERSION" val="1.0"/>
   <p:tag name="KSO_WM_BEAUTIFY_FLAG" val="#wm#"/>
@@ -35986,7 +36210,7 @@
 </p:tagLst>
 </file>
 
-<file path=ppt/tags/tag193.xml><?xml version="1.0" encoding="utf-8"?>
+<file path=ppt/tags/tag195.xml><?xml version="1.0" encoding="utf-8"?>
 <p:tagLst xmlns:p="http://schemas.openxmlformats.org/presentationml/2006/main">
   <p:tag name="KSO_WM_TAG_VERSION" val="1.0"/>
   <p:tag name="KSO_WM_BEAUTIFY_FLAG" val="#wm#"/>
@@ -36006,7 +36230,7 @@
 </p:tagLst>
 </file>
 
-<file path=ppt/tags/tag194.xml><?xml version="1.0" encoding="utf-8"?>
+<file path=ppt/tags/tag196.xml><?xml version="1.0" encoding="utf-8"?>
 <p:tagLst xmlns:p="http://schemas.openxmlformats.org/presentationml/2006/main">
   <p:tag name="KSO_WM_TAG_VERSION" val="1.0"/>
   <p:tag name="KSO_WM_BEAUTIFY_FLAG" val="#wm#"/>
@@ -36018,7 +36242,7 @@
 </p:tagLst>
 </file>
 
-<file path=ppt/tags/tag195.xml><?xml version="1.0" encoding="utf-8"?>
+<file path=ppt/tags/tag197.xml><?xml version="1.0" encoding="utf-8"?>
 <p:tagLst xmlns:p="http://schemas.openxmlformats.org/presentationml/2006/main">
   <p:tag name="KSO_WM_TAG_VERSION" val="1.0"/>
   <p:tag name="KSO_WM_BEAUTIFY_FLAG" val="#wm#"/>
@@ -36033,7 +36257,7 @@
 </p:tagLst>
 </file>
 
-<file path=ppt/tags/tag196.xml><?xml version="1.0" encoding="utf-8"?>
+<file path=ppt/tags/tag198.xml><?xml version="1.0" encoding="utf-8"?>
 <p:tagLst xmlns:p="http://schemas.openxmlformats.org/presentationml/2006/main">
   <p:tag name="KSO_WM_TAG_VERSION" val="1.0"/>
   <p:tag name="KSO_WM_BEAUTIFY_FLAG" val="#wm#"/>
@@ -36053,7 +36277,7 @@
 </p:tagLst>
 </file>
 
-<file path=ppt/tags/tag197.xml><?xml version="1.0" encoding="utf-8"?>
+<file path=ppt/tags/tag199.xml><?xml version="1.0" encoding="utf-8"?>
 <p:tagLst xmlns:p="http://schemas.openxmlformats.org/presentationml/2006/main">
   <p:tag name="KSO_WM_TAG_VERSION" val="1.0"/>
   <p:tag name="KSO_WM_BEAUTIFY_FLAG" val="#wm#"/>
@@ -36073,33 +36297,6 @@
 </p:tagLst>
 </file>
 
-<file path=ppt/tags/tag198.xml><?xml version="1.0" encoding="utf-8"?>
-<p:tagLst xmlns:p="http://schemas.openxmlformats.org/presentationml/2006/main">
-  <p:tag name="KSO_WM_TAG_VERSION" val="1.0"/>
-  <p:tag name="KSO_WM_BEAUTIFY_FLAG" val="#wm#"/>
-  <p:tag name="KSO_WM_UNIT_TYPE" val="i"/>
-  <p:tag name="KSO_WM_UNIT_ID" val="custom160147_17*i*22"/>
-  <p:tag name="KSO_WM_TEMPLATE_CATEGORY" val="custom"/>
-  <p:tag name="KSO_WM_TEMPLATE_INDEX" val="160147"/>
-  <p:tag name="KSO_WM_UNIT_INDEX" val="22"/>
-</p:tagLst>
-</file>
-
-<file path=ppt/tags/tag199.xml><?xml version="1.0" encoding="utf-8"?>
-<p:tagLst xmlns:p="http://schemas.openxmlformats.org/presentationml/2006/main">
-  <p:tag name="KSO_WM_TAG_VERSION" val="1.0"/>
-  <p:tag name="KSO_WM_BEAUTIFY_FLAG" val="#wm#"/>
-  <p:tag name="KSO_WM_TEMPLATE_CATEGORY" val="custom"/>
-  <p:tag name="KSO_WM_TEMPLATE_INDEX" val="160147"/>
-  <p:tag name="KSO_WM_UNIT_TYPE" val="m_i"/>
-  <p:tag name="KSO_WM_UNIT_INDEX" val="1_5"/>
-  <p:tag name="KSO_WM_UNIT_ID" val="custom160147_17*m_i*1_5"/>
-  <p:tag name="KSO_WM_UNIT_CLEAR" val="1"/>
-  <p:tag name="KSO_WM_UNIT_LAYERLEVEL" val="1_1"/>
-  <p:tag name="KSO_WM_DIAGRAM_GROUP_CODE" val="m1-1"/>
-</p:tagLst>
-</file>
-
 <file path=ppt/tags/tag2.xml><?xml version="1.0" encoding="utf-8"?>
 <p:tagLst xmlns:p="http://schemas.openxmlformats.org/presentationml/2006/main">
   <p:tag name="MH" val="20151013150709"/>
@@ -36132,6 +36329,33 @@
 <p:tagLst xmlns:p="http://schemas.openxmlformats.org/presentationml/2006/main">
   <p:tag name="KSO_WM_TAG_VERSION" val="1.0"/>
   <p:tag name="KSO_WM_BEAUTIFY_FLAG" val="#wm#"/>
+  <p:tag name="KSO_WM_UNIT_TYPE" val="i"/>
+  <p:tag name="KSO_WM_UNIT_ID" val="custom160147_17*i*22"/>
+  <p:tag name="KSO_WM_TEMPLATE_CATEGORY" val="custom"/>
+  <p:tag name="KSO_WM_TEMPLATE_INDEX" val="160147"/>
+  <p:tag name="KSO_WM_UNIT_INDEX" val="22"/>
+</p:tagLst>
+</file>
+
+<file path=ppt/tags/tag201.xml><?xml version="1.0" encoding="utf-8"?>
+<p:tagLst xmlns:p="http://schemas.openxmlformats.org/presentationml/2006/main">
+  <p:tag name="KSO_WM_TAG_VERSION" val="1.0"/>
+  <p:tag name="KSO_WM_BEAUTIFY_FLAG" val="#wm#"/>
+  <p:tag name="KSO_WM_TEMPLATE_CATEGORY" val="custom"/>
+  <p:tag name="KSO_WM_TEMPLATE_INDEX" val="160147"/>
+  <p:tag name="KSO_WM_UNIT_TYPE" val="m_i"/>
+  <p:tag name="KSO_WM_UNIT_INDEX" val="1_5"/>
+  <p:tag name="KSO_WM_UNIT_ID" val="custom160147_17*m_i*1_5"/>
+  <p:tag name="KSO_WM_UNIT_CLEAR" val="1"/>
+  <p:tag name="KSO_WM_UNIT_LAYERLEVEL" val="1_1"/>
+  <p:tag name="KSO_WM_DIAGRAM_GROUP_CODE" val="m1-1"/>
+</p:tagLst>
+</file>
+
+<file path=ppt/tags/tag202.xml><?xml version="1.0" encoding="utf-8"?>
+<p:tagLst xmlns:p="http://schemas.openxmlformats.org/presentationml/2006/main">
+  <p:tag name="KSO_WM_TAG_VERSION" val="1.0"/>
+  <p:tag name="KSO_WM_BEAUTIFY_FLAG" val="#wm#"/>
   <p:tag name="KSO_WM_TEMPLATE_CATEGORY" val="custom"/>
   <p:tag name="KSO_WM_TEMPLATE_INDEX" val="160147"/>
   <p:tag name="KSO_WM_UNIT_TYPE" val="m_h_a"/>
@@ -36148,7 +36372,7 @@
 </p:tagLst>
 </file>
 
-<file path=ppt/tags/tag201.xml><?xml version="1.0" encoding="utf-8"?>
+<file path=ppt/tags/tag203.xml><?xml version="1.0" encoding="utf-8"?>
 <p:tagLst xmlns:p="http://schemas.openxmlformats.org/presentationml/2006/main">
   <p:tag name="KSO_WM_TAG_VERSION" val="1.0"/>
   <p:tag name="KSO_WM_BEAUTIFY_FLAG" val="#wm#"/>
@@ -36168,7 +36392,7 @@
 </p:tagLst>
 </file>
 
-<file path=ppt/tags/tag202.xml><?xml version="1.0" encoding="utf-8"?>
+<file path=ppt/tags/tag204.xml><?xml version="1.0" encoding="utf-8"?>
 <p:tagLst xmlns:p="http://schemas.openxmlformats.org/presentationml/2006/main">
   <p:tag name="KSO_WM_TAG_VERSION" val="1.0"/>
   <p:tag name="KSO_WM_BEAUTIFY_FLAG" val="#wm#"/>
@@ -36180,7 +36404,7 @@
 </p:tagLst>
 </file>
 
-<file path=ppt/tags/tag203.xml><?xml version="1.0" encoding="utf-8"?>
+<file path=ppt/tags/tag205.xml><?xml version="1.0" encoding="utf-8"?>
 <p:tagLst xmlns:p="http://schemas.openxmlformats.org/presentationml/2006/main">
   <p:tag name="KSO_WM_TAG_VERSION" val="1.0"/>
   <p:tag name="KSO_WM_BEAUTIFY_FLAG" val="#wm#"/>
@@ -36195,7 +36419,7 @@
 </p:tagLst>
 </file>
 
-<file path=ppt/tags/tag204.xml><?xml version="1.0" encoding="utf-8"?>
+<file path=ppt/tags/tag206.xml><?xml version="1.0" encoding="utf-8"?>
 <p:tagLst xmlns:p="http://schemas.openxmlformats.org/presentationml/2006/main">
   <p:tag name="KSO_WM_TAG_VERSION" val="1.0"/>
   <p:tag name="KSO_WM_BEAUTIFY_FLAG" val="#wm#"/>
@@ -36215,7 +36439,7 @@
 </p:tagLst>
 </file>
 
-<file path=ppt/tags/tag205.xml><?xml version="1.0" encoding="utf-8"?>
+<file path=ppt/tags/tag207.xml><?xml version="1.0" encoding="utf-8"?>
 <p:tagLst xmlns:p="http://schemas.openxmlformats.org/presentationml/2006/main">
   <p:tag name="KSO_WM_TAG_VERSION" val="1.0"/>
   <p:tag name="KSO_WM_BEAUTIFY_FLAG" val="#wm#"/>
@@ -36235,7 +36459,7 @@
 </p:tagLst>
 </file>
 
-<file path=ppt/tags/tag206.xml><?xml version="1.0" encoding="utf-8"?>
+<file path=ppt/tags/tag208.xml><?xml version="1.0" encoding="utf-8"?>
 <p:tagLst xmlns:p="http://schemas.openxmlformats.org/presentationml/2006/main">
   <p:tag name="KSO_WM_TAG_VERSION" val="1.0"/>
   <p:tag name="KSO_WM_BEAUTIFY_FLAG" val="#wm#"/>
@@ -36255,7 +36479,7 @@
 </p:tagLst>
 </file>
 
-<file path=ppt/tags/tag207.xml><?xml version="1.0" encoding="utf-8"?>
+<file path=ppt/tags/tag209.xml><?xml version="1.0" encoding="utf-8"?>
 <p:tagLst xmlns:p="http://schemas.openxmlformats.org/presentationml/2006/main">
   <p:tag name="KSO_WM_TEMPLATE_CATEGORY" val="custom"/>
   <p:tag name="KSO_WM_TEMPLATE_INDEX" val="160147"/>
@@ -36273,33 +36497,6 @@
 </p:tagLst>
 </file>
 
-<file path=ppt/tags/tag208.xml><?xml version="1.0" encoding="utf-8"?>
-<p:tagLst xmlns:p="http://schemas.openxmlformats.org/presentationml/2006/main">
-  <p:tag name="KSO_WM_TAG_VERSION" val="1.0"/>
-  <p:tag name="KSO_WM_BEAUTIFY_FLAG" val="#wm#"/>
-  <p:tag name="KSO_WM_TEMPLATE_CATEGORY" val="custom"/>
-  <p:tag name="KSO_WM_TEMPLATE_INDEX" val="160147"/>
-  <p:tag name="KSO_WM_UNIT_TYPE" val="l_i"/>
-  <p:tag name="KSO_WM_UNIT_INDEX" val="1_1"/>
-  <p:tag name="KSO_WM_UNIT_ID" val="custom160147_18*l_i*1_1"/>
-  <p:tag name="KSO_WM_UNIT_CLEAR" val="1"/>
-  <p:tag name="KSO_WM_UNIT_LAYERLEVEL" val="1_1"/>
-  <p:tag name="KSO_WM_DIAGRAM_GROUP_CODE" val="l1-2"/>
-</p:tagLst>
-</file>
-
-<file path=ppt/tags/tag209.xml><?xml version="1.0" encoding="utf-8"?>
-<p:tagLst xmlns:p="http://schemas.openxmlformats.org/presentationml/2006/main">
-  <p:tag name="KSO_WM_TAG_VERSION" val="1.0"/>
-  <p:tag name="KSO_WM_BEAUTIFY_FLAG" val="#wm#"/>
-  <p:tag name="KSO_WM_UNIT_TYPE" val="i"/>
-  <p:tag name="KSO_WM_UNIT_ID" val="custom160147_18*i*1"/>
-  <p:tag name="KSO_WM_TEMPLATE_CATEGORY" val="custom"/>
-  <p:tag name="KSO_WM_TEMPLATE_INDEX" val="160147"/>
-  <p:tag name="KSO_WM_UNIT_INDEX" val="1"/>
-</p:tagLst>
-</file>
-
 <file path=ppt/tags/tag21.xml><?xml version="1.0" encoding="utf-8"?>
 <p:tagLst xmlns:p="http://schemas.openxmlformats.org/presentationml/2006/main">
   <p:tag name="KSO_WM_TEMPLATE_CATEGORY" val="custom"/>
@@ -36324,6 +36521,33 @@
   <p:tag name="KSO_WM_TEMPLATE_CATEGORY" val="custom"/>
   <p:tag name="KSO_WM_TEMPLATE_INDEX" val="160147"/>
   <p:tag name="KSO_WM_UNIT_TYPE" val="l_i"/>
+  <p:tag name="KSO_WM_UNIT_INDEX" val="1_1"/>
+  <p:tag name="KSO_WM_UNIT_ID" val="custom160147_18*l_i*1_1"/>
+  <p:tag name="KSO_WM_UNIT_CLEAR" val="1"/>
+  <p:tag name="KSO_WM_UNIT_LAYERLEVEL" val="1_1"/>
+  <p:tag name="KSO_WM_DIAGRAM_GROUP_CODE" val="l1-2"/>
+</p:tagLst>
+</file>
+
+<file path=ppt/tags/tag211.xml><?xml version="1.0" encoding="utf-8"?>
+<p:tagLst xmlns:p="http://schemas.openxmlformats.org/presentationml/2006/main">
+  <p:tag name="KSO_WM_TAG_VERSION" val="1.0"/>
+  <p:tag name="KSO_WM_BEAUTIFY_FLAG" val="#wm#"/>
+  <p:tag name="KSO_WM_UNIT_TYPE" val="i"/>
+  <p:tag name="KSO_WM_UNIT_ID" val="custom160147_18*i*1"/>
+  <p:tag name="KSO_WM_TEMPLATE_CATEGORY" val="custom"/>
+  <p:tag name="KSO_WM_TEMPLATE_INDEX" val="160147"/>
+  <p:tag name="KSO_WM_UNIT_INDEX" val="1"/>
+</p:tagLst>
+</file>
+
+<file path=ppt/tags/tag212.xml><?xml version="1.0" encoding="utf-8"?>
+<p:tagLst xmlns:p="http://schemas.openxmlformats.org/presentationml/2006/main">
+  <p:tag name="KSO_WM_TAG_VERSION" val="1.0"/>
+  <p:tag name="KSO_WM_BEAUTIFY_FLAG" val="#wm#"/>
+  <p:tag name="KSO_WM_TEMPLATE_CATEGORY" val="custom"/>
+  <p:tag name="KSO_WM_TEMPLATE_INDEX" val="160147"/>
+  <p:tag name="KSO_WM_UNIT_TYPE" val="l_i"/>
   <p:tag name="KSO_WM_UNIT_INDEX" val="1_2"/>
   <p:tag name="KSO_WM_UNIT_ID" val="custom160147_18*l_i*1_2"/>
   <p:tag name="KSO_WM_UNIT_CLEAR" val="1"/>
@@ -36332,7 +36556,7 @@
 </p:tagLst>
 </file>
 
-<file path=ppt/tags/tag211.xml><?xml version="1.0" encoding="utf-8"?>
+<file path=ppt/tags/tag213.xml><?xml version="1.0" encoding="utf-8"?>
 <p:tagLst xmlns:p="http://schemas.openxmlformats.org/presentationml/2006/main">
   <p:tag name="KSO_WM_TAG_VERSION" val="1.0"/>
   <p:tag name="KSO_WM_BEAUTIFY_FLAG" val="#wm#"/>
@@ -36352,7 +36576,7 @@
 </p:tagLst>
 </file>
 
-<file path=ppt/tags/tag212.xml><?xml version="1.0" encoding="utf-8"?>
+<file path=ppt/tags/tag214.xml><?xml version="1.0" encoding="utf-8"?>
 <p:tagLst xmlns:p="http://schemas.openxmlformats.org/presentationml/2006/main">
   <p:tag name="KSO_WM_TAG_VERSION" val="1.0"/>
   <p:tag name="KSO_WM_BEAUTIFY_FLAG" val="#wm#"/>
@@ -36372,7 +36596,7 @@
 </p:tagLst>
 </file>
 
-<file path=ppt/tags/tag213.xml><?xml version="1.0" encoding="utf-8"?>
+<file path=ppt/tags/tag215.xml><?xml version="1.0" encoding="utf-8"?>
 <p:tagLst xmlns:p="http://schemas.openxmlformats.org/presentationml/2006/main">
   <p:tag name="KSO_WM_TAG_VERSION" val="1.0"/>
   <p:tag name="KSO_WM_BEAUTIFY_FLAG" val="#wm#"/>
@@ -36384,7 +36608,7 @@
 </p:tagLst>
 </file>
 
-<file path=ppt/tags/tag214.xml><?xml version="1.0" encoding="utf-8"?>
+<file path=ppt/tags/tag216.xml><?xml version="1.0" encoding="utf-8"?>
 <p:tagLst xmlns:p="http://schemas.openxmlformats.org/presentationml/2006/main">
   <p:tag name="KSO_WM_TAG_VERSION" val="1.0"/>
   <p:tag name="KSO_WM_BEAUTIFY_FLAG" val="#wm#"/>
@@ -36399,7 +36623,7 @@
 </p:tagLst>
 </file>
 
-<file path=ppt/tags/tag215.xml><?xml version="1.0" encoding="utf-8"?>
+<file path=ppt/tags/tag217.xml><?xml version="1.0" encoding="utf-8"?>
 <p:tagLst xmlns:p="http://schemas.openxmlformats.org/presentationml/2006/main">
   <p:tag name="KSO_WM_TAG_VERSION" val="1.0"/>
   <p:tag name="KSO_WM_BEAUTIFY_FLAG" val="#wm#"/>
@@ -36419,7 +36643,7 @@
 </p:tagLst>
 </file>
 
-<file path=ppt/tags/tag216.xml><?xml version="1.0" encoding="utf-8"?>
+<file path=ppt/tags/tag218.xml><?xml version="1.0" encoding="utf-8"?>
 <p:tagLst xmlns:p="http://schemas.openxmlformats.org/presentationml/2006/main">
   <p:tag name="KSO_WM_TAG_VERSION" val="1.0"/>
   <p:tag name="KSO_WM_BEAUTIFY_FLAG" val="#wm#"/>
@@ -36439,7 +36663,7 @@
 </p:tagLst>
 </file>
 
-<file path=ppt/tags/tag217.xml><?xml version="1.0" encoding="utf-8"?>
+<file path=ppt/tags/tag219.xml><?xml version="1.0" encoding="utf-8"?>
 <p:tagLst xmlns:p="http://schemas.openxmlformats.org/presentationml/2006/main">
   <p:tag name="KSO_WM_TAG_VERSION" val="1.0"/>
   <p:tag name="KSO_WM_BEAUTIFY_FLAG" val="#wm#"/>
@@ -36448,41 +36672,6 @@
   <p:tag name="KSO_WM_TEMPLATE_CATEGORY" val="custom"/>
   <p:tag name="KSO_WM_TEMPLATE_INDEX" val="160147"/>
   <p:tag name="KSO_WM_UNIT_INDEX" val="15"/>
-</p:tagLst>
-</file>
-
-<file path=ppt/tags/tag218.xml><?xml version="1.0" encoding="utf-8"?>
-<p:tagLst xmlns:p="http://schemas.openxmlformats.org/presentationml/2006/main">
-  <p:tag name="KSO_WM_TAG_VERSION" val="1.0"/>
-  <p:tag name="KSO_WM_BEAUTIFY_FLAG" val="#wm#"/>
-  <p:tag name="KSO_WM_TEMPLATE_CATEGORY" val="custom"/>
-  <p:tag name="KSO_WM_TEMPLATE_INDEX" val="160147"/>
-  <p:tag name="KSO_WM_UNIT_TYPE" val="l_i"/>
-  <p:tag name="KSO_WM_UNIT_INDEX" val="1_4"/>
-  <p:tag name="KSO_WM_UNIT_ID" val="custom160147_18*l_i*1_4"/>
-  <p:tag name="KSO_WM_UNIT_CLEAR" val="1"/>
-  <p:tag name="KSO_WM_UNIT_LAYERLEVEL" val="1_1"/>
-  <p:tag name="KSO_WM_DIAGRAM_GROUP_CODE" val="l1-2"/>
-</p:tagLst>
-</file>
-
-<file path=ppt/tags/tag219.xml><?xml version="1.0" encoding="utf-8"?>
-<p:tagLst xmlns:p="http://schemas.openxmlformats.org/presentationml/2006/main">
-  <p:tag name="KSO_WM_TAG_VERSION" val="1.0"/>
-  <p:tag name="KSO_WM_BEAUTIFY_FLAG" val="#wm#"/>
-  <p:tag name="KSO_WM_TEMPLATE_CATEGORY" val="custom"/>
-  <p:tag name="KSO_WM_TEMPLATE_INDEX" val="160147"/>
-  <p:tag name="KSO_WM_UNIT_TYPE" val="l_h_a"/>
-  <p:tag name="KSO_WM_UNIT_INDEX" val="1_3_1"/>
-  <p:tag name="KSO_WM_UNIT_ID" val="custom160147_18*l_h_a*1_3_1"/>
-  <p:tag name="KSO_WM_UNIT_CLEAR" val="1"/>
-  <p:tag name="KSO_WM_UNIT_LAYERLEVEL" val="1_1_1"/>
-  <p:tag name="KSO_WM_UNIT_VALUE" val="5"/>
-  <p:tag name="KSO_WM_UNIT_HIGHLIGHT" val="0"/>
-  <p:tag name="KSO_WM_UNIT_COMPATIBLE" val="0"/>
-  <p:tag name="KSO_WM_UNIT_PRESET_TEXT_INDEX" val="3"/>
-  <p:tag name="KSO_WM_UNIT_PRESET_TEXT_LEN" val="5"/>
-  <p:tag name="KSO_WM_DIAGRAM_GROUP_CODE" val="l1-2"/>
 </p:tagLst>
 </file>
 
@@ -36512,6 +36701,41 @@
   <p:tag name="KSO_WM_BEAUTIFY_FLAG" val="#wm#"/>
   <p:tag name="KSO_WM_TEMPLATE_CATEGORY" val="custom"/>
   <p:tag name="KSO_WM_TEMPLATE_INDEX" val="160147"/>
+  <p:tag name="KSO_WM_UNIT_TYPE" val="l_i"/>
+  <p:tag name="KSO_WM_UNIT_INDEX" val="1_4"/>
+  <p:tag name="KSO_WM_UNIT_ID" val="custom160147_18*l_i*1_4"/>
+  <p:tag name="KSO_WM_UNIT_CLEAR" val="1"/>
+  <p:tag name="KSO_WM_UNIT_LAYERLEVEL" val="1_1"/>
+  <p:tag name="KSO_WM_DIAGRAM_GROUP_CODE" val="l1-2"/>
+</p:tagLst>
+</file>
+
+<file path=ppt/tags/tag221.xml><?xml version="1.0" encoding="utf-8"?>
+<p:tagLst xmlns:p="http://schemas.openxmlformats.org/presentationml/2006/main">
+  <p:tag name="KSO_WM_TAG_VERSION" val="1.0"/>
+  <p:tag name="KSO_WM_BEAUTIFY_FLAG" val="#wm#"/>
+  <p:tag name="KSO_WM_TEMPLATE_CATEGORY" val="custom"/>
+  <p:tag name="KSO_WM_TEMPLATE_INDEX" val="160147"/>
+  <p:tag name="KSO_WM_UNIT_TYPE" val="l_h_a"/>
+  <p:tag name="KSO_WM_UNIT_INDEX" val="1_3_1"/>
+  <p:tag name="KSO_WM_UNIT_ID" val="custom160147_18*l_h_a*1_3_1"/>
+  <p:tag name="KSO_WM_UNIT_CLEAR" val="1"/>
+  <p:tag name="KSO_WM_UNIT_LAYERLEVEL" val="1_1_1"/>
+  <p:tag name="KSO_WM_UNIT_VALUE" val="5"/>
+  <p:tag name="KSO_WM_UNIT_HIGHLIGHT" val="0"/>
+  <p:tag name="KSO_WM_UNIT_COMPATIBLE" val="0"/>
+  <p:tag name="KSO_WM_UNIT_PRESET_TEXT_INDEX" val="3"/>
+  <p:tag name="KSO_WM_UNIT_PRESET_TEXT_LEN" val="5"/>
+  <p:tag name="KSO_WM_DIAGRAM_GROUP_CODE" val="l1-2"/>
+</p:tagLst>
+</file>
+
+<file path=ppt/tags/tag222.xml><?xml version="1.0" encoding="utf-8"?>
+<p:tagLst xmlns:p="http://schemas.openxmlformats.org/presentationml/2006/main">
+  <p:tag name="KSO_WM_TAG_VERSION" val="1.0"/>
+  <p:tag name="KSO_WM_BEAUTIFY_FLAG" val="#wm#"/>
+  <p:tag name="KSO_WM_TEMPLATE_CATEGORY" val="custom"/>
+  <p:tag name="KSO_WM_TEMPLATE_INDEX" val="160147"/>
   <p:tag name="KSO_WM_UNIT_TYPE" val="l_h_f"/>
   <p:tag name="KSO_WM_UNIT_INDEX" val="1_3_1"/>
   <p:tag name="KSO_WM_UNIT_ID" val="custom160147_18*l_h_f*1_3_1"/>
@@ -36526,7 +36750,7 @@
 </p:tagLst>
 </file>
 
-<file path=ppt/tags/tag221.xml><?xml version="1.0" encoding="utf-8"?>
+<file path=ppt/tags/tag223.xml><?xml version="1.0" encoding="utf-8"?>
 <p:tagLst xmlns:p="http://schemas.openxmlformats.org/presentationml/2006/main">
   <p:tag name="KSO_WM_TAG_VERSION" val="1.0"/>
   <p:tag name="KSO_WM_BEAUTIFY_FLAG" val="#wm#"/>
@@ -36538,7 +36762,7 @@
 </p:tagLst>
 </file>
 
-<file path=ppt/tags/tag222.xml><?xml version="1.0" encoding="utf-8"?>
+<file path=ppt/tags/tag224.xml><?xml version="1.0" encoding="utf-8"?>
 <p:tagLst xmlns:p="http://schemas.openxmlformats.org/presentationml/2006/main">
   <p:tag name="KSO_WM_TAG_VERSION" val="1.0"/>
   <p:tag name="KSO_WM_BEAUTIFY_FLAG" val="#wm#"/>
@@ -36553,7 +36777,7 @@
 </p:tagLst>
 </file>
 
-<file path=ppt/tags/tag223.xml><?xml version="1.0" encoding="utf-8"?>
+<file path=ppt/tags/tag225.xml><?xml version="1.0" encoding="utf-8"?>
 <p:tagLst xmlns:p="http://schemas.openxmlformats.org/presentationml/2006/main">
   <p:tag name="KSO_WM_TAG_VERSION" val="1.0"/>
   <p:tag name="KSO_WM_BEAUTIFY_FLAG" val="#wm#"/>
@@ -36573,7 +36797,7 @@
 </p:tagLst>
 </file>
 
-<file path=ppt/tags/tag224.xml><?xml version="1.0" encoding="utf-8"?>
+<file path=ppt/tags/tag226.xml><?xml version="1.0" encoding="utf-8"?>
 <p:tagLst xmlns:p="http://schemas.openxmlformats.org/presentationml/2006/main">
   <p:tag name="KSO_WM_TAG_VERSION" val="1.0"/>
   <p:tag name="KSO_WM_BEAUTIFY_FLAG" val="#wm#"/>
@@ -36593,7 +36817,7 @@
 </p:tagLst>
 </file>
 
-<file path=ppt/tags/tag225.xml><?xml version="1.0" encoding="utf-8"?>
+<file path=ppt/tags/tag227.xml><?xml version="1.0" encoding="utf-8"?>
 <p:tagLst xmlns:p="http://schemas.openxmlformats.org/presentationml/2006/main">
   <p:tag name="KSO_WM_TAG_VERSION" val="1.0"/>
   <p:tag name="KSO_WM_BEAUTIFY_FLAG" val="#wm#"/>
@@ -36605,7 +36829,7 @@
 </p:tagLst>
 </file>
 
-<file path=ppt/tags/tag226.xml><?xml version="1.0" encoding="utf-8"?>
+<file path=ppt/tags/tag228.xml><?xml version="1.0" encoding="utf-8"?>
 <p:tagLst xmlns:p="http://schemas.openxmlformats.org/presentationml/2006/main">
   <p:tag name="KSO_WM_TAG_VERSION" val="1.0"/>
   <p:tag name="KSO_WM_BEAUTIFY_FLAG" val="#wm#"/>
@@ -36620,7 +36844,7 @@
 </p:tagLst>
 </file>
 
-<file path=ppt/tags/tag227.xml><?xml version="1.0" encoding="utf-8"?>
+<file path=ppt/tags/tag229.xml><?xml version="1.0" encoding="utf-8"?>
 <p:tagLst xmlns:p="http://schemas.openxmlformats.org/presentationml/2006/main">
   <p:tag name="KSO_WM_TAG_VERSION" val="1.0"/>
   <p:tag name="KSO_WM_BEAUTIFY_FLAG" val="#wm#"/>
@@ -36640,7 +36864,24 @@
 </p:tagLst>
 </file>
 
-<file path=ppt/tags/tag228.xml><?xml version="1.0" encoding="utf-8"?>
+<file path=ppt/tags/tag23.xml><?xml version="1.0" encoding="utf-8"?>
+<p:tagLst xmlns:p="http://schemas.openxmlformats.org/presentationml/2006/main">
+  <p:tag name="KSO_WM_TEMPLATE_CATEGORY" val="custom"/>
+  <p:tag name="KSO_WM_TEMPLATE_INDEX" val="160147"/>
+  <p:tag name="KSO_WM_TAG_VERSION" val="1.0"/>
+  <p:tag name="KSO_WM_SLIDE_ID" val="custom160147_2"/>
+  <p:tag name="KSO_WM_SLIDE_INDEX" val="2"/>
+  <p:tag name="KSO_WM_SLIDE_ITEM_CNT" val="1"/>
+  <p:tag name="KSO_WM_SLIDE_LAYOUT" val="a_f"/>
+  <p:tag name="KSO_WM_SLIDE_LAYOUT_CNT" val="1_1"/>
+  <p:tag name="KSO_WM_SLIDE_TYPE" val="text"/>
+  <p:tag name="KSO_WM_BEAUTIFY_FLAG" val="#wm#"/>
+  <p:tag name="KSO_WM_SLIDE_POSITION" val="45*88"/>
+  <p:tag name="KSO_WM_SLIDE_SIZE" val="861*408"/>
+</p:tagLst>
+</file>
+
+<file path=ppt/tags/tag230.xml><?xml version="1.0" encoding="utf-8"?>
 <p:tagLst xmlns:p="http://schemas.openxmlformats.org/presentationml/2006/main">
   <p:tag name="KSO_WM_TAG_VERSION" val="1.0"/>
   <p:tag name="KSO_WM_BEAUTIFY_FLAG" val="#wm#"/>
@@ -36660,7 +36901,7 @@
 </p:tagLst>
 </file>
 
-<file path=ppt/tags/tag229.xml><?xml version="1.0" encoding="utf-8"?>
+<file path=ppt/tags/tag231.xml><?xml version="1.0" encoding="utf-8"?>
 <p:tagLst xmlns:p="http://schemas.openxmlformats.org/presentationml/2006/main">
   <p:tag name="KSO_WM_TAG_VERSION" val="1.0"/>
   <p:tag name="KSO_WM_BEAUTIFY_FLAG" val="#wm#"/>
@@ -36672,24 +36913,7 @@
 </p:tagLst>
 </file>
 
-<file path=ppt/tags/tag23.xml><?xml version="1.0" encoding="utf-8"?>
-<p:tagLst xmlns:p="http://schemas.openxmlformats.org/presentationml/2006/main">
-  <p:tag name="KSO_WM_TEMPLATE_CATEGORY" val="custom"/>
-  <p:tag name="KSO_WM_TEMPLATE_INDEX" val="160147"/>
-  <p:tag name="KSO_WM_TAG_VERSION" val="1.0"/>
-  <p:tag name="KSO_WM_SLIDE_ID" val="custom160147_2"/>
-  <p:tag name="KSO_WM_SLIDE_INDEX" val="2"/>
-  <p:tag name="KSO_WM_SLIDE_ITEM_CNT" val="1"/>
-  <p:tag name="KSO_WM_SLIDE_LAYOUT" val="a_f"/>
-  <p:tag name="KSO_WM_SLIDE_LAYOUT_CNT" val="1_1"/>
-  <p:tag name="KSO_WM_SLIDE_TYPE" val="text"/>
-  <p:tag name="KSO_WM_BEAUTIFY_FLAG" val="#wm#"/>
-  <p:tag name="KSO_WM_SLIDE_POSITION" val="45*88"/>
-  <p:tag name="KSO_WM_SLIDE_SIZE" val="861*408"/>
-</p:tagLst>
-</file>
-
-<file path=ppt/tags/tag230.xml><?xml version="1.0" encoding="utf-8"?>
+<file path=ppt/tags/tag232.xml><?xml version="1.0" encoding="utf-8"?>
 <p:tagLst xmlns:p="http://schemas.openxmlformats.org/presentationml/2006/main">
   <p:tag name="KSO_WM_TAG_VERSION" val="1.0"/>
   <p:tag name="KSO_WM_BEAUTIFY_FLAG" val="#wm#"/>
@@ -36704,7 +36928,7 @@
 </p:tagLst>
 </file>
 
-<file path=ppt/tags/tag231.xml><?xml version="1.0" encoding="utf-8"?>
+<file path=ppt/tags/tag233.xml><?xml version="1.0" encoding="utf-8"?>
 <p:tagLst xmlns:p="http://schemas.openxmlformats.org/presentationml/2006/main">
   <p:tag name="KSO_WM_TAG_VERSION" val="1.0"/>
   <p:tag name="KSO_WM_BEAUTIFY_FLAG" val="#wm#"/>
@@ -36724,7 +36948,7 @@
 </p:tagLst>
 </file>
 
-<file path=ppt/tags/tag232.xml><?xml version="1.0" encoding="utf-8"?>
+<file path=ppt/tags/tag234.xml><?xml version="1.0" encoding="utf-8"?>
 <p:tagLst xmlns:p="http://schemas.openxmlformats.org/presentationml/2006/main">
   <p:tag name="KSO_WM_TAG_VERSION" val="1.0"/>
   <p:tag name="KSO_WM_BEAUTIFY_FLAG" val="#wm#"/>
@@ -36744,7 +36968,7 @@
 </p:tagLst>
 </file>
 
-<file path=ppt/tags/tag233.xml><?xml version="1.0" encoding="utf-8"?>
+<file path=ppt/tags/tag235.xml><?xml version="1.0" encoding="utf-8"?>
 <p:tagLst xmlns:p="http://schemas.openxmlformats.org/presentationml/2006/main">
   <p:tag name="KSO_WM_TAG_VERSION" val="1.0"/>
   <p:tag name="KSO_WM_BEAUTIFY_FLAG" val="#wm#"/>
@@ -36764,7 +36988,7 @@
 </p:tagLst>
 </file>
 
-<file path=ppt/tags/tag234.xml><?xml version="1.0" encoding="utf-8"?>
+<file path=ppt/tags/tag236.xml><?xml version="1.0" encoding="utf-8"?>
 <p:tagLst xmlns:p="http://schemas.openxmlformats.org/presentationml/2006/main">
   <p:tag name="KSO_WM_TEMPLATE_CATEGORY" val="custom"/>
   <p:tag name="KSO_WM_TEMPLATE_INDEX" val="160147"/>
@@ -36782,7 +37006,7 @@
 </p:tagLst>
 </file>
 
-<file path=ppt/tags/tag235.xml><?xml version="1.0" encoding="utf-8"?>
+<file path=ppt/tags/tag237.xml><?xml version="1.0" encoding="utf-8"?>
 <p:tagLst xmlns:p="http://schemas.openxmlformats.org/presentationml/2006/main">
   <p:tag name="KSO_WM_TAG_VERSION" val="1.0"/>
   <p:tag name="KSO_WM_BEAUTIFY_FLAG" val="#wm#"/>
@@ -36797,7 +37021,7 @@
 </p:tagLst>
 </file>
 
-<file path=ppt/tags/tag236.xml><?xml version="1.0" encoding="utf-8"?>
+<file path=ppt/tags/tag238.xml><?xml version="1.0" encoding="utf-8"?>
 <p:tagLst xmlns:p="http://schemas.openxmlformats.org/presentationml/2006/main">
   <p:tag name="KSO_WM_TAG_VERSION" val="1.0"/>
   <p:tag name="KSO_WM_BEAUTIFY_FLAG" val="#wm#"/>
@@ -36812,7 +37036,7 @@
 </p:tagLst>
 </file>
 
-<file path=ppt/tags/tag237.xml><?xml version="1.0" encoding="utf-8"?>
+<file path=ppt/tags/tag239.xml><?xml version="1.0" encoding="utf-8"?>
 <p:tagLst xmlns:p="http://schemas.openxmlformats.org/presentationml/2006/main">
   <p:tag name="KSO_WM_TAG_VERSION" val="1.0"/>
   <p:tag name="KSO_WM_BEAUTIFY_FLAG" val="#wm#"/>
@@ -36827,7 +37051,27 @@
 </p:tagLst>
 </file>
 
-<file path=ppt/tags/tag238.xml><?xml version="1.0" encoding="utf-8"?>
+<file path=ppt/tags/tag24.xml><?xml version="1.0" encoding="utf-8"?>
+<p:tagLst xmlns:p="http://schemas.openxmlformats.org/presentationml/2006/main">
+  <p:tag name="KSO_WM_TAG_VERSION" val="1.0"/>
+  <p:tag name="KSO_WM_BEAUTIFY_FLAG" val="#wm#"/>
+  <p:tag name="KSO_WM_TEMPLATE_CATEGORY" val="custom"/>
+  <p:tag name="KSO_WM_TEMPLATE_INDEX" val="160147"/>
+  <p:tag name="KSO_WM_UNIT_TYPE" val="a"/>
+  <p:tag name="KSO_WM_UNIT_INDEX" val="1"/>
+  <p:tag name="KSO_WM_UNIT_ID" val="custom160147_2*a*1"/>
+  <p:tag name="KSO_WM_UNIT_CLEAR" val="1"/>
+  <p:tag name="KSO_WM_UNIT_LAYERLEVEL" val="1"/>
+  <p:tag name="KSO_WM_UNIT_VALUE" val="30"/>
+  <p:tag name="KSO_WM_UNIT_ISCONTENTSTITLE" val="0"/>
+  <p:tag name="KSO_WM_UNIT_HIGHLIGHT" val="0"/>
+  <p:tag name="KSO_WM_UNIT_COMPATIBLE" val="0"/>
+  <p:tag name="KSO_WM_UNIT_PRESET_TEXT_INDEX" val="3"/>
+  <p:tag name="KSO_WM_UNIT_PRESET_TEXT_LEN" val="24"/>
+</p:tagLst>
+</file>
+
+<file path=ppt/tags/tag240.xml><?xml version="1.0" encoding="utf-8"?>
 <p:tagLst xmlns:p="http://schemas.openxmlformats.org/presentationml/2006/main">
   <p:tag name="KSO_WM_TAG_VERSION" val="1.0"/>
   <p:tag name="KSO_WM_BEAUTIFY_FLAG" val="#wm#"/>
@@ -36847,7 +37091,7 @@
 </p:tagLst>
 </file>
 
-<file path=ppt/tags/tag239.xml><?xml version="1.0" encoding="utf-8"?>
+<file path=ppt/tags/tag241.xml><?xml version="1.0" encoding="utf-8"?>
 <p:tagLst xmlns:p="http://schemas.openxmlformats.org/presentationml/2006/main">
   <p:tag name="KSO_WM_TAG_VERSION" val="1.0"/>
   <p:tag name="KSO_WM_BEAUTIFY_FLAG" val="#wm#"/>
@@ -36867,24 +37111,7 @@
 </p:tagLst>
 </file>
 
-<file path=ppt/tags/tag24.xml><?xml version="1.0" encoding="utf-8"?>
-<p:tagLst xmlns:p="http://schemas.openxmlformats.org/presentationml/2006/main">
-  <p:tag name="KSO_WM_TAG_VERSION" val="1.0"/>
-  <p:tag name="KSO_WM_BEAUTIFY_FLAG" val="#wm#"/>
-  <p:tag name="KSO_WM_TEMPLATE_CATEGORY" val="custom"/>
-  <p:tag name="KSO_WM_TEMPLATE_INDEX" val="160147"/>
-  <p:tag name="KSO_WM_UNIT_TYPE" val="d"/>
-  <p:tag name="KSO_WM_UNIT_INDEX" val="1"/>
-  <p:tag name="KSO_WM_UNIT_ID" val="custom160147_4*d*1"/>
-  <p:tag name="KSO_WM_UNIT_CLEAR" val="0"/>
-  <p:tag name="KSO_WM_UNIT_LAYERLEVEL" val="1"/>
-  <p:tag name="KSO_WM_UNIT_VALUE" val="1500*1656"/>
-  <p:tag name="KSO_WM_UNIT_HIGHLIGHT" val="0"/>
-  <p:tag name="KSO_WM_UNIT_COMPATIBLE" val="0"/>
-</p:tagLst>
-</file>
-
-<file path=ppt/tags/tag240.xml><?xml version="1.0" encoding="utf-8"?>
+<file path=ppt/tags/tag242.xml><?xml version="1.0" encoding="utf-8"?>
 <p:tagLst xmlns:p="http://schemas.openxmlformats.org/presentationml/2006/main">
   <p:tag name="KSO_WM_TAG_VERSION" val="1.0"/>
   <p:tag name="KSO_WM_BEAUTIFY_FLAG" val="#wm#"/>
@@ -36904,7 +37131,7 @@
 </p:tagLst>
 </file>
 
-<file path=ppt/tags/tag241.xml><?xml version="1.0" encoding="utf-8"?>
+<file path=ppt/tags/tag243.xml><?xml version="1.0" encoding="utf-8"?>
 <p:tagLst xmlns:p="http://schemas.openxmlformats.org/presentationml/2006/main">
   <p:tag name="KSO_WM_TEMPLATE_CATEGORY" val="custom"/>
   <p:tag name="KSO_WM_TEMPLATE_INDEX" val="160147"/>
@@ -36922,7 +37149,7 @@
 </p:tagLst>
 </file>
 
-<file path=ppt/tags/tag242.xml><?xml version="1.0" encoding="utf-8"?>
+<file path=ppt/tags/tag244.xml><?xml version="1.0" encoding="utf-8"?>
 <p:tagLst xmlns:p="http://schemas.openxmlformats.org/presentationml/2006/main">
   <p:tag name="KSO_WM_TAG_VERSION" val="1.0"/>
   <p:tag name="KSO_WM_BEAUTIFY_FLAG" val="#wm#"/>
@@ -36934,7 +37161,7 @@
 </p:tagLst>
 </file>
 
-<file path=ppt/tags/tag243.xml><?xml version="1.0" encoding="utf-8"?>
+<file path=ppt/tags/tag245.xml><?xml version="1.0" encoding="utf-8"?>
 <p:tagLst xmlns:p="http://schemas.openxmlformats.org/presentationml/2006/main">
   <p:tag name="KSO_WM_TAG_VERSION" val="1.0"/>
   <p:tag name="KSO_WM_BEAUTIFY_FLAG" val="#wm#"/>
@@ -36949,7 +37176,7 @@
 </p:tagLst>
 </file>
 
-<file path=ppt/tags/tag244.xml><?xml version="1.0" encoding="utf-8"?>
+<file path=ppt/tags/tag246.xml><?xml version="1.0" encoding="utf-8"?>
 <p:tagLst xmlns:p="http://schemas.openxmlformats.org/presentationml/2006/main">
   <p:tag name="KSO_WM_TAG_VERSION" val="1.0"/>
   <p:tag name="KSO_WM_BEAUTIFY_FLAG" val="#wm#"/>
@@ -36969,7 +37196,7 @@
 </p:tagLst>
 </file>
 
-<file path=ppt/tags/tag245.xml><?xml version="1.0" encoding="utf-8"?>
+<file path=ppt/tags/tag247.xml><?xml version="1.0" encoding="utf-8"?>
 <p:tagLst xmlns:p="http://schemas.openxmlformats.org/presentationml/2006/main">
   <p:tag name="KSO_WM_TAG_VERSION" val="1.0"/>
   <p:tag name="KSO_WM_BEAUTIFY_FLAG" val="#wm#"/>
@@ -36984,7 +37211,7 @@
 </p:tagLst>
 </file>
 
-<file path=ppt/tags/tag246.xml><?xml version="1.0" encoding="utf-8"?>
+<file path=ppt/tags/tag248.xml><?xml version="1.0" encoding="utf-8"?>
 <p:tagLst xmlns:p="http://schemas.openxmlformats.org/presentationml/2006/main">
   <p:tag name="KSO_WM_TAG_VERSION" val="1.0"/>
   <p:tag name="KSO_WM_BEAUTIFY_FLAG" val="#wm#"/>
@@ -36999,7 +37226,7 @@
 </p:tagLst>
 </file>
 
-<file path=ppt/tags/tag247.xml><?xml version="1.0" encoding="utf-8"?>
+<file path=ppt/tags/tag249.xml><?xml version="1.0" encoding="utf-8"?>
 <p:tagLst xmlns:p="http://schemas.openxmlformats.org/presentationml/2006/main">
   <p:tag name="KSO_WM_TAG_VERSION" val="1.0"/>
   <p:tag name="KSO_WM_BEAUTIFY_FLAG" val="#wm#"/>
@@ -37019,7 +37246,24 @@
 </p:tagLst>
 </file>
 
-<file path=ppt/tags/tag248.xml><?xml version="1.0" encoding="utf-8"?>
+<file path=ppt/tags/tag25.xml><?xml version="1.0" encoding="utf-8"?>
+<p:tagLst xmlns:p="http://schemas.openxmlformats.org/presentationml/2006/main">
+  <p:tag name="KSO_WM_TEMPLATE_CATEGORY" val="custom"/>
+  <p:tag name="KSO_WM_TEMPLATE_INDEX" val="160147"/>
+  <p:tag name="KSO_WM_TAG_VERSION" val="1.0"/>
+  <p:tag name="KSO_WM_SLIDE_ID" val="custom160147_2"/>
+  <p:tag name="KSO_WM_SLIDE_INDEX" val="2"/>
+  <p:tag name="KSO_WM_SLIDE_ITEM_CNT" val="1"/>
+  <p:tag name="KSO_WM_SLIDE_LAYOUT" val="a_f"/>
+  <p:tag name="KSO_WM_SLIDE_LAYOUT_CNT" val="1_1"/>
+  <p:tag name="KSO_WM_SLIDE_TYPE" val="text"/>
+  <p:tag name="KSO_WM_BEAUTIFY_FLAG" val="#wm#"/>
+  <p:tag name="KSO_WM_SLIDE_POSITION" val="45*88"/>
+  <p:tag name="KSO_WM_SLIDE_SIZE" val="861*408"/>
+</p:tagLst>
+</file>
+
+<file path=ppt/tags/tag250.xml><?xml version="1.0" encoding="utf-8"?>
 <p:tagLst xmlns:p="http://schemas.openxmlformats.org/presentationml/2006/main">
   <p:tag name="KSO_WM_TAG_VERSION" val="1.0"/>
   <p:tag name="KSO_WM_BEAUTIFY_FLAG" val="#wm#"/>
@@ -37031,7 +37275,7 @@
 </p:tagLst>
 </file>
 
-<file path=ppt/tags/tag249.xml><?xml version="1.0" encoding="utf-8"?>
+<file path=ppt/tags/tag251.xml><?xml version="1.0" encoding="utf-8"?>
 <p:tagLst xmlns:p="http://schemas.openxmlformats.org/presentationml/2006/main">
   <p:tag name="KSO_WM_TAG_VERSION" val="1.0"/>
   <p:tag name="KSO_WM_BEAUTIFY_FLAG" val="#wm#"/>
@@ -37046,26 +37290,7 @@
 </p:tagLst>
 </file>
 
-<file path=ppt/tags/tag25.xml><?xml version="1.0" encoding="utf-8"?>
-<p:tagLst xmlns:p="http://schemas.openxmlformats.org/presentationml/2006/main">
-  <p:tag name="KSO_WM_TAG_VERSION" val="1.0"/>
-  <p:tag name="KSO_WM_BEAUTIFY_FLAG" val="#wm#"/>
-  <p:tag name="KSO_WM_TEMPLATE_CATEGORY" val="custom"/>
-  <p:tag name="KSO_WM_TEMPLATE_INDEX" val="160147"/>
-  <p:tag name="KSO_WM_UNIT_TYPE" val="f"/>
-  <p:tag name="KSO_WM_UNIT_INDEX" val="1"/>
-  <p:tag name="KSO_WM_UNIT_ID" val="custom160147_4*f*1"/>
-  <p:tag name="KSO_WM_UNIT_CLEAR" val="1"/>
-  <p:tag name="KSO_WM_UNIT_LAYERLEVEL" val="1"/>
-  <p:tag name="KSO_WM_UNIT_VALUE" val="99"/>
-  <p:tag name="KSO_WM_UNIT_HIGHLIGHT" val="0"/>
-  <p:tag name="KSO_WM_UNIT_COMPATIBLE" val="0"/>
-  <p:tag name="KSO_WM_UNIT_PRESET_TEXT_INDEX" val="5"/>
-  <p:tag name="KSO_WM_UNIT_PRESET_TEXT_LEN" val="150"/>
-</p:tagLst>
-</file>
-
-<file path=ppt/tags/tag250.xml><?xml version="1.0" encoding="utf-8"?>
+<file path=ppt/tags/tag252.xml><?xml version="1.0" encoding="utf-8"?>
 <p:tagLst xmlns:p="http://schemas.openxmlformats.org/presentationml/2006/main">
   <p:tag name="KSO_WM_TAG_VERSION" val="1.0"/>
   <p:tag name="KSO_WM_BEAUTIFY_FLAG" val="#wm#"/>
@@ -37085,7 +37310,7 @@
 </p:tagLst>
 </file>
 
-<file path=ppt/tags/tag251.xml><?xml version="1.0" encoding="utf-8"?>
+<file path=ppt/tags/tag253.xml><?xml version="1.0" encoding="utf-8"?>
 <p:tagLst xmlns:p="http://schemas.openxmlformats.org/presentationml/2006/main">
   <p:tag name="KSO_WM_TAG_VERSION" val="1.0"/>
   <p:tag name="KSO_WM_BEAUTIFY_FLAG" val="#wm#"/>
@@ -37100,7 +37325,7 @@
 </p:tagLst>
 </file>
 
-<file path=ppt/tags/tag252.xml><?xml version="1.0" encoding="utf-8"?>
+<file path=ppt/tags/tag254.xml><?xml version="1.0" encoding="utf-8"?>
 <p:tagLst xmlns:p="http://schemas.openxmlformats.org/presentationml/2006/main">
   <p:tag name="KSO_WM_TAG_VERSION" val="1.0"/>
   <p:tag name="KSO_WM_BEAUTIFY_FLAG" val="#wm#"/>
@@ -37115,7 +37340,7 @@
 </p:tagLst>
 </file>
 
-<file path=ppt/tags/tag253.xml><?xml version="1.0" encoding="utf-8"?>
+<file path=ppt/tags/tag255.xml><?xml version="1.0" encoding="utf-8"?>
 <p:tagLst xmlns:p="http://schemas.openxmlformats.org/presentationml/2006/main">
   <p:tag name="KSO_WM_TAG_VERSION" val="1.0"/>
   <p:tag name="KSO_WM_BEAUTIFY_FLAG" val="#wm#"/>
@@ -37135,7 +37360,7 @@
 </p:tagLst>
 </file>
 
-<file path=ppt/tags/tag254.xml><?xml version="1.0" encoding="utf-8"?>
+<file path=ppt/tags/tag256.xml><?xml version="1.0" encoding="utf-8"?>
 <p:tagLst xmlns:p="http://schemas.openxmlformats.org/presentationml/2006/main">
   <p:tag name="KSO_WM_TAG_VERSION" val="1.0"/>
   <p:tag name="KSO_WM_BEAUTIFY_FLAG" val="#wm#"/>
@@ -37155,7 +37380,7 @@
 </p:tagLst>
 </file>
 
-<file path=ppt/tags/tag255.xml><?xml version="1.0" encoding="utf-8"?>
+<file path=ppt/tags/tag257.xml><?xml version="1.0" encoding="utf-8"?>
 <p:tagLst xmlns:p="http://schemas.openxmlformats.org/presentationml/2006/main">
   <p:tag name="KSO_WM_TEMPLATE_CATEGORY" val="custom"/>
   <p:tag name="KSO_WM_TEMPLATE_INDEX" val="160147"/>
@@ -37173,7 +37398,7 @@
 </p:tagLst>
 </file>
 
-<file path=ppt/tags/tag256.xml><?xml version="1.0" encoding="utf-8"?>
+<file path=ppt/tags/tag258.xml><?xml version="1.0" encoding="utf-8"?>
 <p:tagLst xmlns:p="http://schemas.openxmlformats.org/presentationml/2006/main">
   <p:tag name="KSO_WM_TAG_VERSION" val="1.0"/>
   <p:tag name="KSO_WM_BEAUTIFY_FLAG" val="#wm#"/>
@@ -37185,7 +37410,7 @@
 </p:tagLst>
 </file>
 
-<file path=ppt/tags/tag257.xml><?xml version="1.0" encoding="utf-8"?>
+<file path=ppt/tags/tag259.xml><?xml version="1.0" encoding="utf-8"?>
 <p:tagLst xmlns:p="http://schemas.openxmlformats.org/presentationml/2006/main">
   <p:tag name="KSO_WM_TAG_VERSION" val="1.0"/>
   <p:tag name="KSO_WM_BEAUTIFY_FLAG" val="#wm#"/>
@@ -37200,7 +37425,24 @@
 </p:tagLst>
 </file>
 
-<file path=ppt/tags/tag258.xml><?xml version="1.0" encoding="utf-8"?>
+<file path=ppt/tags/tag26.xml><?xml version="1.0" encoding="utf-8"?>
+<p:tagLst xmlns:p="http://schemas.openxmlformats.org/presentationml/2006/main">
+  <p:tag name="KSO_WM_TAG_VERSION" val="1.0"/>
+  <p:tag name="KSO_WM_BEAUTIFY_FLAG" val="#wm#"/>
+  <p:tag name="KSO_WM_TEMPLATE_CATEGORY" val="custom"/>
+  <p:tag name="KSO_WM_TEMPLATE_INDEX" val="160147"/>
+  <p:tag name="KSO_WM_UNIT_TYPE" val="d"/>
+  <p:tag name="KSO_WM_UNIT_INDEX" val="1"/>
+  <p:tag name="KSO_WM_UNIT_ID" val="custom160147_4*d*1"/>
+  <p:tag name="KSO_WM_UNIT_CLEAR" val="0"/>
+  <p:tag name="KSO_WM_UNIT_LAYERLEVEL" val="1"/>
+  <p:tag name="KSO_WM_UNIT_VALUE" val="1500*1656"/>
+  <p:tag name="KSO_WM_UNIT_HIGHLIGHT" val="0"/>
+  <p:tag name="KSO_WM_UNIT_COMPATIBLE" val="0"/>
+</p:tagLst>
+</file>
+
+<file path=ppt/tags/tag260.xml><?xml version="1.0" encoding="utf-8"?>
 <p:tagLst xmlns:p="http://schemas.openxmlformats.org/presentationml/2006/main">
   <p:tag name="KSO_WM_TAG_VERSION" val="1.0"/>
   <p:tag name="KSO_WM_BEAUTIFY_FLAG" val="#wm#"/>
@@ -37220,7 +37462,7 @@
 </p:tagLst>
 </file>
 
-<file path=ppt/tags/tag259.xml><?xml version="1.0" encoding="utf-8"?>
+<file path=ppt/tags/tag261.xml><?xml version="1.0" encoding="utf-8"?>
 <p:tagLst xmlns:p="http://schemas.openxmlformats.org/presentationml/2006/main">
   <p:tag name="KSO_WM_TAG_VERSION" val="1.0"/>
   <p:tag name="KSO_WM_BEAUTIFY_FLAG" val="#wm#"/>
@@ -37235,7 +37477,320 @@
 </p:tagLst>
 </file>
 
-<file path=ppt/tags/tag26.xml><?xml version="1.0" encoding="utf-8"?>
+<file path=ppt/tags/tag262.xml><?xml version="1.0" encoding="utf-8"?>
+<p:tagLst xmlns:p="http://schemas.openxmlformats.org/presentationml/2006/main">
+  <p:tag name="KSO_WM_TAG_VERSION" val="1.0"/>
+  <p:tag name="KSO_WM_BEAUTIFY_FLAG" val="#wm#"/>
+  <p:tag name="KSO_WM_TEMPLATE_CATEGORY" val="custom"/>
+  <p:tag name="KSO_WM_TEMPLATE_INDEX" val="160147"/>
+  <p:tag name="KSO_WM_UNIT_TYPE" val="l_i"/>
+  <p:tag name="KSO_WM_UNIT_INDEX" val="1_3"/>
+  <p:tag name="KSO_WM_UNIT_ID" val="custom160147_21*l_i*1_3"/>
+  <p:tag name="KSO_WM_UNIT_CLEAR" val="1"/>
+  <p:tag name="KSO_WM_UNIT_LAYERLEVEL" val="1_1"/>
+  <p:tag name="KSO_WM_DIAGRAM_GROUP_CODE" val="l1-3"/>
+</p:tagLst>
+</file>
+
+<file path=ppt/tags/tag263.xml><?xml version="1.0" encoding="utf-8"?>
+<p:tagLst xmlns:p="http://schemas.openxmlformats.org/presentationml/2006/main">
+  <p:tag name="KSO_WM_TAG_VERSION" val="1.0"/>
+  <p:tag name="KSO_WM_BEAUTIFY_FLAG" val="#wm#"/>
+  <p:tag name="KSO_WM_TEMPLATE_CATEGORY" val="custom"/>
+  <p:tag name="KSO_WM_TEMPLATE_INDEX" val="160147"/>
+  <p:tag name="KSO_WM_UNIT_TYPE" val="l_h_a"/>
+  <p:tag name="KSO_WM_UNIT_INDEX" val="1_1_1"/>
+  <p:tag name="KSO_WM_UNIT_ID" val="custom160147_21*l_h_a*1_1_1"/>
+  <p:tag name="KSO_WM_UNIT_CLEAR" val="1"/>
+  <p:tag name="KSO_WM_UNIT_LAYERLEVEL" val="1_1_1"/>
+  <p:tag name="KSO_WM_UNIT_VALUE" val="8"/>
+  <p:tag name="KSO_WM_UNIT_HIGHLIGHT" val="0"/>
+  <p:tag name="KSO_WM_UNIT_COMPATIBLE" val="0"/>
+  <p:tag name="KSO_WM_UNIT_PRESET_TEXT_INDEX" val="3"/>
+  <p:tag name="KSO_WM_UNIT_PRESET_TEXT_LEN" val="5"/>
+  <p:tag name="KSO_WM_DIAGRAM_GROUP_CODE" val="l1-3"/>
+</p:tagLst>
+</file>
+
+<file path=ppt/tags/tag264.xml><?xml version="1.0" encoding="utf-8"?>
+<p:tagLst xmlns:p="http://schemas.openxmlformats.org/presentationml/2006/main">
+  <p:tag name="KSO_WM_TAG_VERSION" val="1.0"/>
+  <p:tag name="KSO_WM_BEAUTIFY_FLAG" val="#wm#"/>
+  <p:tag name="KSO_WM_UNIT_TYPE" val="i"/>
+  <p:tag name="KSO_WM_UNIT_ID" val="custom160147_21*i*11"/>
+  <p:tag name="KSO_WM_TEMPLATE_CATEGORY" val="custom"/>
+  <p:tag name="KSO_WM_TEMPLATE_INDEX" val="160147"/>
+  <p:tag name="KSO_WM_UNIT_INDEX" val="11"/>
+</p:tagLst>
+</file>
+
+<file path=ppt/tags/tag265.xml><?xml version="1.0" encoding="utf-8"?>
+<p:tagLst xmlns:p="http://schemas.openxmlformats.org/presentationml/2006/main">
+  <p:tag name="KSO_WM_TAG_VERSION" val="1.0"/>
+  <p:tag name="KSO_WM_BEAUTIFY_FLAG" val="#wm#"/>
+  <p:tag name="KSO_WM_TEMPLATE_CATEGORY" val="custom"/>
+  <p:tag name="KSO_WM_TEMPLATE_INDEX" val="160147"/>
+  <p:tag name="KSO_WM_UNIT_TYPE" val="l_i"/>
+  <p:tag name="KSO_WM_UNIT_INDEX" val="1_4"/>
+  <p:tag name="KSO_WM_UNIT_ID" val="custom160147_21*l_i*1_4"/>
+  <p:tag name="KSO_WM_UNIT_CLEAR" val="1"/>
+  <p:tag name="KSO_WM_UNIT_LAYERLEVEL" val="1_1"/>
+  <p:tag name="KSO_WM_DIAGRAM_GROUP_CODE" val="l1-3"/>
+</p:tagLst>
+</file>
+
+<file path=ppt/tags/tag266.xml><?xml version="1.0" encoding="utf-8"?>
+<p:tagLst xmlns:p="http://schemas.openxmlformats.org/presentationml/2006/main">
+  <p:tag name="KSO_WM_TAG_VERSION" val="1.0"/>
+  <p:tag name="KSO_WM_BEAUTIFY_FLAG" val="#wm#"/>
+  <p:tag name="KSO_WM_TEMPLATE_CATEGORY" val="custom"/>
+  <p:tag name="KSO_WM_TEMPLATE_INDEX" val="160147"/>
+  <p:tag name="KSO_WM_UNIT_TYPE" val="l_h_f"/>
+  <p:tag name="KSO_WM_UNIT_INDEX" val="1_3_1"/>
+  <p:tag name="KSO_WM_UNIT_ID" val="custom160147_21*l_h_f*1_3_1"/>
+  <p:tag name="KSO_WM_UNIT_CLEAR" val="1"/>
+  <p:tag name="KSO_WM_UNIT_LAYERLEVEL" val="1_1_1"/>
+  <p:tag name="KSO_WM_UNIT_VALUE" val="27"/>
+  <p:tag name="KSO_WM_UNIT_HIGHLIGHT" val="0"/>
+  <p:tag name="KSO_WM_UNIT_COMPATIBLE" val="0"/>
+  <p:tag name="KSO_WM_UNIT_PRESET_TEXT_INDEX" val="4"/>
+  <p:tag name="KSO_WM_UNIT_PRESET_TEXT_LEN" val="57"/>
+  <p:tag name="KSO_WM_DIAGRAM_GROUP_CODE" val="l1-3"/>
+</p:tagLst>
+</file>
+
+<file path=ppt/tags/tag267.xml><?xml version="1.0" encoding="utf-8"?>
+<p:tagLst xmlns:p="http://schemas.openxmlformats.org/presentationml/2006/main">
+  <p:tag name="KSO_WM_TAG_VERSION" val="1.0"/>
+  <p:tag name="KSO_WM_BEAUTIFY_FLAG" val="#wm#"/>
+  <p:tag name="KSO_WM_TEMPLATE_CATEGORY" val="custom"/>
+  <p:tag name="KSO_WM_TEMPLATE_INDEX" val="160147"/>
+  <p:tag name="KSO_WM_UNIT_TYPE" val="l_i"/>
+  <p:tag name="KSO_WM_UNIT_INDEX" val="1_5"/>
+  <p:tag name="KSO_WM_UNIT_ID" val="custom160147_21*l_i*1_5"/>
+  <p:tag name="KSO_WM_UNIT_CLEAR" val="1"/>
+  <p:tag name="KSO_WM_UNIT_LAYERLEVEL" val="1_1"/>
+  <p:tag name="KSO_WM_DIAGRAM_GROUP_CODE" val="l1-3"/>
+</p:tagLst>
+</file>
+
+<file path=ppt/tags/tag268.xml><?xml version="1.0" encoding="utf-8"?>
+<p:tagLst xmlns:p="http://schemas.openxmlformats.org/presentationml/2006/main">
+  <p:tag name="KSO_WM_TAG_VERSION" val="1.0"/>
+  <p:tag name="KSO_WM_BEAUTIFY_FLAG" val="#wm#"/>
+  <p:tag name="KSO_WM_TEMPLATE_CATEGORY" val="custom"/>
+  <p:tag name="KSO_WM_TEMPLATE_INDEX" val="160147"/>
+  <p:tag name="KSO_WM_UNIT_TYPE" val="l_i"/>
+  <p:tag name="KSO_WM_UNIT_INDEX" val="1_6"/>
+  <p:tag name="KSO_WM_UNIT_ID" val="custom160147_21*l_i*1_6"/>
+  <p:tag name="KSO_WM_UNIT_CLEAR" val="1"/>
+  <p:tag name="KSO_WM_UNIT_LAYERLEVEL" val="1_1"/>
+  <p:tag name="KSO_WM_DIAGRAM_GROUP_CODE" val="l1-3"/>
+</p:tagLst>
+</file>
+
+<file path=ppt/tags/tag269.xml><?xml version="1.0" encoding="utf-8"?>
+<p:tagLst xmlns:p="http://schemas.openxmlformats.org/presentationml/2006/main">
+  <p:tag name="KSO_WM_TAG_VERSION" val="1.0"/>
+  <p:tag name="KSO_WM_BEAUTIFY_FLAG" val="#wm#"/>
+  <p:tag name="KSO_WM_TEMPLATE_CATEGORY" val="custom"/>
+  <p:tag name="KSO_WM_TEMPLATE_INDEX" val="160147"/>
+  <p:tag name="KSO_WM_UNIT_TYPE" val="l_h_a"/>
+  <p:tag name="KSO_WM_UNIT_INDEX" val="1_3_1"/>
+  <p:tag name="KSO_WM_UNIT_ID" val="custom160147_21*l_h_a*1_3_1"/>
+  <p:tag name="KSO_WM_UNIT_CLEAR" val="1"/>
+  <p:tag name="KSO_WM_UNIT_LAYERLEVEL" val="1_1_1"/>
+  <p:tag name="KSO_WM_UNIT_VALUE" val="8"/>
+  <p:tag name="KSO_WM_UNIT_HIGHLIGHT" val="0"/>
+  <p:tag name="KSO_WM_UNIT_COMPATIBLE" val="0"/>
+  <p:tag name="KSO_WM_UNIT_PRESET_TEXT_INDEX" val="3"/>
+  <p:tag name="KSO_WM_UNIT_PRESET_TEXT_LEN" val="5"/>
+  <p:tag name="KSO_WM_DIAGRAM_GROUP_CODE" val="l1-3"/>
+</p:tagLst>
+</file>
+
+<file path=ppt/tags/tag27.xml><?xml version="1.0" encoding="utf-8"?>
+<p:tagLst xmlns:p="http://schemas.openxmlformats.org/presentationml/2006/main">
+  <p:tag name="KSO_WM_TAG_VERSION" val="1.0"/>
+  <p:tag name="KSO_WM_BEAUTIFY_FLAG" val="#wm#"/>
+  <p:tag name="KSO_WM_TEMPLATE_CATEGORY" val="custom"/>
+  <p:tag name="KSO_WM_TEMPLATE_INDEX" val="160147"/>
+  <p:tag name="KSO_WM_UNIT_TYPE" val="f"/>
+  <p:tag name="KSO_WM_UNIT_INDEX" val="1"/>
+  <p:tag name="KSO_WM_UNIT_ID" val="custom160147_4*f*1"/>
+  <p:tag name="KSO_WM_UNIT_CLEAR" val="1"/>
+  <p:tag name="KSO_WM_UNIT_LAYERLEVEL" val="1"/>
+  <p:tag name="KSO_WM_UNIT_VALUE" val="99"/>
+  <p:tag name="KSO_WM_UNIT_HIGHLIGHT" val="0"/>
+  <p:tag name="KSO_WM_UNIT_COMPATIBLE" val="0"/>
+  <p:tag name="KSO_WM_UNIT_PRESET_TEXT_INDEX" val="5"/>
+  <p:tag name="KSO_WM_UNIT_PRESET_TEXT_LEN" val="150"/>
+</p:tagLst>
+</file>
+
+<file path=ppt/tags/tag270.xml><?xml version="1.0" encoding="utf-8"?>
+<p:tagLst xmlns:p="http://schemas.openxmlformats.org/presentationml/2006/main">
+  <p:tag name="KSO_WM_TAG_VERSION" val="1.0"/>
+  <p:tag name="KSO_WM_BEAUTIFY_FLAG" val="#wm#"/>
+  <p:tag name="KSO_WM_UNIT_TYPE" val="i"/>
+  <p:tag name="KSO_WM_UNIT_ID" val="custom160147_21*i*22"/>
+  <p:tag name="KSO_WM_TEMPLATE_CATEGORY" val="custom"/>
+  <p:tag name="KSO_WM_TEMPLATE_INDEX" val="160147"/>
+  <p:tag name="KSO_WM_UNIT_INDEX" val="22"/>
+</p:tagLst>
+</file>
+
+<file path=ppt/tags/tag271.xml><?xml version="1.0" encoding="utf-8"?>
+<p:tagLst xmlns:p="http://schemas.openxmlformats.org/presentationml/2006/main">
+  <p:tag name="KSO_WM_TAG_VERSION" val="1.0"/>
+  <p:tag name="KSO_WM_BEAUTIFY_FLAG" val="#wm#"/>
+  <p:tag name="KSO_WM_TEMPLATE_CATEGORY" val="custom"/>
+  <p:tag name="KSO_WM_TEMPLATE_INDEX" val="160147"/>
+  <p:tag name="KSO_WM_UNIT_TYPE" val="l_i"/>
+  <p:tag name="KSO_WM_UNIT_INDEX" val="1_7"/>
+  <p:tag name="KSO_WM_UNIT_ID" val="custom160147_21*l_i*1_7"/>
+  <p:tag name="KSO_WM_UNIT_CLEAR" val="1"/>
+  <p:tag name="KSO_WM_UNIT_LAYERLEVEL" val="1_1"/>
+  <p:tag name="KSO_WM_DIAGRAM_GROUP_CODE" val="l1-3"/>
+</p:tagLst>
+</file>
+
+<file path=ppt/tags/tag272.xml><?xml version="1.0" encoding="utf-8"?>
+<p:tagLst xmlns:p="http://schemas.openxmlformats.org/presentationml/2006/main">
+  <p:tag name="KSO_WM_TAG_VERSION" val="1.0"/>
+  <p:tag name="KSO_WM_BEAUTIFY_FLAG" val="#wm#"/>
+  <p:tag name="KSO_WM_TEMPLATE_CATEGORY" val="custom"/>
+  <p:tag name="KSO_WM_TEMPLATE_INDEX" val="160147"/>
+  <p:tag name="KSO_WM_UNIT_TYPE" val="l_h_f"/>
+  <p:tag name="KSO_WM_UNIT_INDEX" val="1_2_1"/>
+  <p:tag name="KSO_WM_UNIT_ID" val="custom160147_21*l_h_f*1_2_1"/>
+  <p:tag name="KSO_WM_UNIT_CLEAR" val="1"/>
+  <p:tag name="KSO_WM_UNIT_LAYERLEVEL" val="1_1_1"/>
+  <p:tag name="KSO_WM_UNIT_VALUE" val="27"/>
+  <p:tag name="KSO_WM_UNIT_HIGHLIGHT" val="0"/>
+  <p:tag name="KSO_WM_UNIT_COMPATIBLE" val="0"/>
+  <p:tag name="KSO_WM_UNIT_PRESET_TEXT_INDEX" val="4"/>
+  <p:tag name="KSO_WM_UNIT_PRESET_TEXT_LEN" val="57"/>
+  <p:tag name="KSO_WM_DIAGRAM_GROUP_CODE" val="l1-3"/>
+</p:tagLst>
+</file>
+
+<file path=ppt/tags/tag273.xml><?xml version="1.0" encoding="utf-8"?>
+<p:tagLst xmlns:p="http://schemas.openxmlformats.org/presentationml/2006/main">
+  <p:tag name="KSO_WM_TAG_VERSION" val="1.0"/>
+  <p:tag name="KSO_WM_BEAUTIFY_FLAG" val="#wm#"/>
+  <p:tag name="KSO_WM_TEMPLATE_CATEGORY" val="custom"/>
+  <p:tag name="KSO_WM_TEMPLATE_INDEX" val="160147"/>
+  <p:tag name="KSO_WM_UNIT_TYPE" val="l_i"/>
+  <p:tag name="KSO_WM_UNIT_INDEX" val="1_8"/>
+  <p:tag name="KSO_WM_UNIT_ID" val="custom160147_21*l_i*1_8"/>
+  <p:tag name="KSO_WM_UNIT_CLEAR" val="1"/>
+  <p:tag name="KSO_WM_UNIT_LAYERLEVEL" val="1_1"/>
+  <p:tag name="KSO_WM_DIAGRAM_GROUP_CODE" val="l1-3"/>
+</p:tagLst>
+</file>
+
+<file path=ppt/tags/tag274.xml><?xml version="1.0" encoding="utf-8"?>
+<p:tagLst xmlns:p="http://schemas.openxmlformats.org/presentationml/2006/main">
+  <p:tag name="KSO_WM_TAG_VERSION" val="1.0"/>
+  <p:tag name="KSO_WM_BEAUTIFY_FLAG" val="#wm#"/>
+  <p:tag name="KSO_WM_TEMPLATE_CATEGORY" val="custom"/>
+  <p:tag name="KSO_WM_TEMPLATE_INDEX" val="160147"/>
+  <p:tag name="KSO_WM_UNIT_TYPE" val="l_i"/>
+  <p:tag name="KSO_WM_UNIT_INDEX" val="1_9"/>
+  <p:tag name="KSO_WM_UNIT_ID" val="custom160147_21*l_i*1_9"/>
+  <p:tag name="KSO_WM_UNIT_CLEAR" val="1"/>
+  <p:tag name="KSO_WM_UNIT_LAYERLEVEL" val="1_1"/>
+  <p:tag name="KSO_WM_DIAGRAM_GROUP_CODE" val="l1-3"/>
+</p:tagLst>
+</file>
+
+<file path=ppt/tags/tag275.xml><?xml version="1.0" encoding="utf-8"?>
+<p:tagLst xmlns:p="http://schemas.openxmlformats.org/presentationml/2006/main">
+  <p:tag name="KSO_WM_TAG_VERSION" val="1.0"/>
+  <p:tag name="KSO_WM_BEAUTIFY_FLAG" val="#wm#"/>
+  <p:tag name="KSO_WM_TEMPLATE_CATEGORY" val="custom"/>
+  <p:tag name="KSO_WM_TEMPLATE_INDEX" val="160147"/>
+  <p:tag name="KSO_WM_UNIT_TYPE" val="l_h_a"/>
+  <p:tag name="KSO_WM_UNIT_INDEX" val="1_2_1"/>
+  <p:tag name="KSO_WM_UNIT_ID" val="custom160147_21*l_h_a*1_2_1"/>
+  <p:tag name="KSO_WM_UNIT_CLEAR" val="1"/>
+  <p:tag name="KSO_WM_UNIT_LAYERLEVEL" val="1_1_1"/>
+  <p:tag name="KSO_WM_UNIT_VALUE" val="8"/>
+  <p:tag name="KSO_WM_UNIT_HIGHLIGHT" val="0"/>
+  <p:tag name="KSO_WM_UNIT_COMPATIBLE" val="0"/>
+  <p:tag name="KSO_WM_UNIT_PRESET_TEXT_INDEX" val="3"/>
+  <p:tag name="KSO_WM_UNIT_PRESET_TEXT_LEN" val="5"/>
+  <p:tag name="KSO_WM_DIAGRAM_GROUP_CODE" val="l1-3"/>
+</p:tagLst>
+</file>
+
+<file path=ppt/tags/tag276.xml><?xml version="1.0" encoding="utf-8"?>
+<p:tagLst xmlns:p="http://schemas.openxmlformats.org/presentationml/2006/main">
+  <p:tag name="KSO_WM_TAG_VERSION" val="1.0"/>
+  <p:tag name="KSO_WM_BEAUTIFY_FLAG" val="#wm#"/>
+  <p:tag name="KSO_WM_TEMPLATE_CATEGORY" val="custom"/>
+  <p:tag name="KSO_WM_TEMPLATE_INDEX" val="160147"/>
+  <p:tag name="KSO_WM_UNIT_TYPE" val="a"/>
+  <p:tag name="KSO_WM_UNIT_INDEX" val="1"/>
+  <p:tag name="KSO_WM_UNIT_ID" val="custom160147_21*a*1"/>
+  <p:tag name="KSO_WM_UNIT_CLEAR" val="1"/>
+  <p:tag name="KSO_WM_UNIT_LAYERLEVEL" val="1"/>
+  <p:tag name="KSO_WM_UNIT_VALUE" val="30"/>
+  <p:tag name="KSO_WM_UNIT_ISCONTENTSTITLE" val="0"/>
+  <p:tag name="KSO_WM_UNIT_HIGHLIGHT" val="0"/>
+  <p:tag name="KSO_WM_UNIT_COMPATIBLE" val="0"/>
+  <p:tag name="KSO_WM_UNIT_PRESET_TEXT_INDEX" val="3"/>
+  <p:tag name="KSO_WM_UNIT_PRESET_TEXT_LEN" val="24"/>
+</p:tagLst>
+</file>
+
+<file path=ppt/tags/tag277.xml><?xml version="1.0" encoding="utf-8"?>
+<p:tagLst xmlns:p="http://schemas.openxmlformats.org/presentationml/2006/main">
+  <p:tag name="KSO_WM_TEMPLATE_CATEGORY" val="custom"/>
+  <p:tag name="KSO_WM_TEMPLATE_INDEX" val="160147"/>
+  <p:tag name="KSO_WM_TAG_VERSION" val="1.0"/>
+  <p:tag name="KSO_WM_SLIDE_ID" val="custom160147_21"/>
+  <p:tag name="KSO_WM_SLIDE_INDEX" val="21"/>
+  <p:tag name="KSO_WM_SLIDE_ITEM_CNT" val="3"/>
+  <p:tag name="KSO_WM_SLIDE_LAYOUT" val="a_l"/>
+  <p:tag name="KSO_WM_SLIDE_LAYOUT_CNT" val="1_1"/>
+  <p:tag name="KSO_WM_SLIDE_TYPE" val="text"/>
+  <p:tag name="KSO_WM_BEAUTIFY_FLAG" val="#wm#"/>
+  <p:tag name="KSO_WM_SLIDE_POSITION" val="79*106"/>
+  <p:tag name="KSO_WM_SLIDE_SIZE" val="803*356"/>
+  <p:tag name="KSO_WM_DIAGRAM_GROUP_CODE" val="l1-3"/>
+</p:tagLst>
+</file>
+
+<file path=ppt/tags/tag278.xml><?xml version="1.0" encoding="utf-8"?>
+<p:tagLst xmlns:p="http://schemas.openxmlformats.org/presentationml/2006/main">
+  <p:tag name="KSO_WM_TAG_VERSION" val="1.0"/>
+  <p:tag name="KSO_WM_BEAUTIFY_FLAG" val="#wm#"/>
+  <p:tag name="KSO_WM_UNIT_TYPE" val="i"/>
+  <p:tag name="KSO_WM_UNIT_ID" val="custom160147_22*i*0"/>
+  <p:tag name="KSO_WM_TEMPLATE_CATEGORY" val="custom"/>
+  <p:tag name="KSO_WM_TEMPLATE_INDEX" val="160147"/>
+  <p:tag name="KSO_WM_UNIT_INDEX" val="0"/>
+</p:tagLst>
+</file>
+
+<file path=ppt/tags/tag279.xml><?xml version="1.0" encoding="utf-8"?>
+<p:tagLst xmlns:p="http://schemas.openxmlformats.org/presentationml/2006/main">
+  <p:tag name="KSO_WM_TAG_VERSION" val="1.0"/>
+  <p:tag name="KSO_WM_BEAUTIFY_FLAG" val="#wm#"/>
+  <p:tag name="KSO_WM_TEMPLATE_CATEGORY" val="custom"/>
+  <p:tag name="KSO_WM_TEMPLATE_INDEX" val="160147"/>
+  <p:tag name="KSO_WM_UNIT_TYPE" val="l_i"/>
+  <p:tag name="KSO_WM_UNIT_INDEX" val="1_1"/>
+  <p:tag name="KSO_WM_UNIT_ID" val="custom160147_22*l_i*1_1"/>
+  <p:tag name="KSO_WM_UNIT_CLEAR" val="1"/>
+  <p:tag name="KSO_WM_UNIT_LAYERLEVEL" val="1_1"/>
+  <p:tag name="KSO_WM_DIAGRAM_GROUP_CODE" val="l1-3"/>
+</p:tagLst>
+</file>
+
+<file path=ppt/tags/tag28.xml><?xml version="1.0" encoding="utf-8"?>
 <p:tagLst xmlns:p="http://schemas.openxmlformats.org/presentationml/2006/main">
   <p:tag name="KSO_WM_TAG_VERSION" val="1.0"/>
   <p:tag name="KSO_WM_BEAUTIFY_FLAG" val="#wm#"/>
@@ -37255,318 +37810,7 @@
 </p:tagLst>
 </file>
 
-<file path=ppt/tags/tag260.xml><?xml version="1.0" encoding="utf-8"?>
-<p:tagLst xmlns:p="http://schemas.openxmlformats.org/presentationml/2006/main">
-  <p:tag name="KSO_WM_TAG_VERSION" val="1.0"/>
-  <p:tag name="KSO_WM_BEAUTIFY_FLAG" val="#wm#"/>
-  <p:tag name="KSO_WM_TEMPLATE_CATEGORY" val="custom"/>
-  <p:tag name="KSO_WM_TEMPLATE_INDEX" val="160147"/>
-  <p:tag name="KSO_WM_UNIT_TYPE" val="l_i"/>
-  <p:tag name="KSO_WM_UNIT_INDEX" val="1_3"/>
-  <p:tag name="KSO_WM_UNIT_ID" val="custom160147_21*l_i*1_3"/>
-  <p:tag name="KSO_WM_UNIT_CLEAR" val="1"/>
-  <p:tag name="KSO_WM_UNIT_LAYERLEVEL" val="1_1"/>
-  <p:tag name="KSO_WM_DIAGRAM_GROUP_CODE" val="l1-3"/>
-</p:tagLst>
-</file>
-
-<file path=ppt/tags/tag261.xml><?xml version="1.0" encoding="utf-8"?>
-<p:tagLst xmlns:p="http://schemas.openxmlformats.org/presentationml/2006/main">
-  <p:tag name="KSO_WM_TAG_VERSION" val="1.0"/>
-  <p:tag name="KSO_WM_BEAUTIFY_FLAG" val="#wm#"/>
-  <p:tag name="KSO_WM_TEMPLATE_CATEGORY" val="custom"/>
-  <p:tag name="KSO_WM_TEMPLATE_INDEX" val="160147"/>
-  <p:tag name="KSO_WM_UNIT_TYPE" val="l_h_a"/>
-  <p:tag name="KSO_WM_UNIT_INDEX" val="1_1_1"/>
-  <p:tag name="KSO_WM_UNIT_ID" val="custom160147_21*l_h_a*1_1_1"/>
-  <p:tag name="KSO_WM_UNIT_CLEAR" val="1"/>
-  <p:tag name="KSO_WM_UNIT_LAYERLEVEL" val="1_1_1"/>
-  <p:tag name="KSO_WM_UNIT_VALUE" val="8"/>
-  <p:tag name="KSO_WM_UNIT_HIGHLIGHT" val="0"/>
-  <p:tag name="KSO_WM_UNIT_COMPATIBLE" val="0"/>
-  <p:tag name="KSO_WM_UNIT_PRESET_TEXT_INDEX" val="3"/>
-  <p:tag name="KSO_WM_UNIT_PRESET_TEXT_LEN" val="5"/>
-  <p:tag name="KSO_WM_DIAGRAM_GROUP_CODE" val="l1-3"/>
-</p:tagLst>
-</file>
-
-<file path=ppt/tags/tag262.xml><?xml version="1.0" encoding="utf-8"?>
-<p:tagLst xmlns:p="http://schemas.openxmlformats.org/presentationml/2006/main">
-  <p:tag name="KSO_WM_TAG_VERSION" val="1.0"/>
-  <p:tag name="KSO_WM_BEAUTIFY_FLAG" val="#wm#"/>
-  <p:tag name="KSO_WM_UNIT_TYPE" val="i"/>
-  <p:tag name="KSO_WM_UNIT_ID" val="custom160147_21*i*11"/>
-  <p:tag name="KSO_WM_TEMPLATE_CATEGORY" val="custom"/>
-  <p:tag name="KSO_WM_TEMPLATE_INDEX" val="160147"/>
-  <p:tag name="KSO_WM_UNIT_INDEX" val="11"/>
-</p:tagLst>
-</file>
-
-<file path=ppt/tags/tag263.xml><?xml version="1.0" encoding="utf-8"?>
-<p:tagLst xmlns:p="http://schemas.openxmlformats.org/presentationml/2006/main">
-  <p:tag name="KSO_WM_TAG_VERSION" val="1.0"/>
-  <p:tag name="KSO_WM_BEAUTIFY_FLAG" val="#wm#"/>
-  <p:tag name="KSO_WM_TEMPLATE_CATEGORY" val="custom"/>
-  <p:tag name="KSO_WM_TEMPLATE_INDEX" val="160147"/>
-  <p:tag name="KSO_WM_UNIT_TYPE" val="l_i"/>
-  <p:tag name="KSO_WM_UNIT_INDEX" val="1_4"/>
-  <p:tag name="KSO_WM_UNIT_ID" val="custom160147_21*l_i*1_4"/>
-  <p:tag name="KSO_WM_UNIT_CLEAR" val="1"/>
-  <p:tag name="KSO_WM_UNIT_LAYERLEVEL" val="1_1"/>
-  <p:tag name="KSO_WM_DIAGRAM_GROUP_CODE" val="l1-3"/>
-</p:tagLst>
-</file>
-
-<file path=ppt/tags/tag264.xml><?xml version="1.0" encoding="utf-8"?>
-<p:tagLst xmlns:p="http://schemas.openxmlformats.org/presentationml/2006/main">
-  <p:tag name="KSO_WM_TAG_VERSION" val="1.0"/>
-  <p:tag name="KSO_WM_BEAUTIFY_FLAG" val="#wm#"/>
-  <p:tag name="KSO_WM_TEMPLATE_CATEGORY" val="custom"/>
-  <p:tag name="KSO_WM_TEMPLATE_INDEX" val="160147"/>
-  <p:tag name="KSO_WM_UNIT_TYPE" val="l_h_f"/>
-  <p:tag name="KSO_WM_UNIT_INDEX" val="1_3_1"/>
-  <p:tag name="KSO_WM_UNIT_ID" val="custom160147_21*l_h_f*1_3_1"/>
-  <p:tag name="KSO_WM_UNIT_CLEAR" val="1"/>
-  <p:tag name="KSO_WM_UNIT_LAYERLEVEL" val="1_1_1"/>
-  <p:tag name="KSO_WM_UNIT_VALUE" val="27"/>
-  <p:tag name="KSO_WM_UNIT_HIGHLIGHT" val="0"/>
-  <p:tag name="KSO_WM_UNIT_COMPATIBLE" val="0"/>
-  <p:tag name="KSO_WM_UNIT_PRESET_TEXT_INDEX" val="4"/>
-  <p:tag name="KSO_WM_UNIT_PRESET_TEXT_LEN" val="57"/>
-  <p:tag name="KSO_WM_DIAGRAM_GROUP_CODE" val="l1-3"/>
-</p:tagLst>
-</file>
-
-<file path=ppt/tags/tag265.xml><?xml version="1.0" encoding="utf-8"?>
-<p:tagLst xmlns:p="http://schemas.openxmlformats.org/presentationml/2006/main">
-  <p:tag name="KSO_WM_TAG_VERSION" val="1.0"/>
-  <p:tag name="KSO_WM_BEAUTIFY_FLAG" val="#wm#"/>
-  <p:tag name="KSO_WM_TEMPLATE_CATEGORY" val="custom"/>
-  <p:tag name="KSO_WM_TEMPLATE_INDEX" val="160147"/>
-  <p:tag name="KSO_WM_UNIT_TYPE" val="l_i"/>
-  <p:tag name="KSO_WM_UNIT_INDEX" val="1_5"/>
-  <p:tag name="KSO_WM_UNIT_ID" val="custom160147_21*l_i*1_5"/>
-  <p:tag name="KSO_WM_UNIT_CLEAR" val="1"/>
-  <p:tag name="KSO_WM_UNIT_LAYERLEVEL" val="1_1"/>
-  <p:tag name="KSO_WM_DIAGRAM_GROUP_CODE" val="l1-3"/>
-</p:tagLst>
-</file>
-
-<file path=ppt/tags/tag266.xml><?xml version="1.0" encoding="utf-8"?>
-<p:tagLst xmlns:p="http://schemas.openxmlformats.org/presentationml/2006/main">
-  <p:tag name="KSO_WM_TAG_VERSION" val="1.0"/>
-  <p:tag name="KSO_WM_BEAUTIFY_FLAG" val="#wm#"/>
-  <p:tag name="KSO_WM_TEMPLATE_CATEGORY" val="custom"/>
-  <p:tag name="KSO_WM_TEMPLATE_INDEX" val="160147"/>
-  <p:tag name="KSO_WM_UNIT_TYPE" val="l_i"/>
-  <p:tag name="KSO_WM_UNIT_INDEX" val="1_6"/>
-  <p:tag name="KSO_WM_UNIT_ID" val="custom160147_21*l_i*1_6"/>
-  <p:tag name="KSO_WM_UNIT_CLEAR" val="1"/>
-  <p:tag name="KSO_WM_UNIT_LAYERLEVEL" val="1_1"/>
-  <p:tag name="KSO_WM_DIAGRAM_GROUP_CODE" val="l1-3"/>
-</p:tagLst>
-</file>
-
-<file path=ppt/tags/tag267.xml><?xml version="1.0" encoding="utf-8"?>
-<p:tagLst xmlns:p="http://schemas.openxmlformats.org/presentationml/2006/main">
-  <p:tag name="KSO_WM_TAG_VERSION" val="1.0"/>
-  <p:tag name="KSO_WM_BEAUTIFY_FLAG" val="#wm#"/>
-  <p:tag name="KSO_WM_TEMPLATE_CATEGORY" val="custom"/>
-  <p:tag name="KSO_WM_TEMPLATE_INDEX" val="160147"/>
-  <p:tag name="KSO_WM_UNIT_TYPE" val="l_h_a"/>
-  <p:tag name="KSO_WM_UNIT_INDEX" val="1_3_1"/>
-  <p:tag name="KSO_WM_UNIT_ID" val="custom160147_21*l_h_a*1_3_1"/>
-  <p:tag name="KSO_WM_UNIT_CLEAR" val="1"/>
-  <p:tag name="KSO_WM_UNIT_LAYERLEVEL" val="1_1_1"/>
-  <p:tag name="KSO_WM_UNIT_VALUE" val="8"/>
-  <p:tag name="KSO_WM_UNIT_HIGHLIGHT" val="0"/>
-  <p:tag name="KSO_WM_UNIT_COMPATIBLE" val="0"/>
-  <p:tag name="KSO_WM_UNIT_PRESET_TEXT_INDEX" val="3"/>
-  <p:tag name="KSO_WM_UNIT_PRESET_TEXT_LEN" val="5"/>
-  <p:tag name="KSO_WM_DIAGRAM_GROUP_CODE" val="l1-3"/>
-</p:tagLst>
-</file>
-
-<file path=ppt/tags/tag268.xml><?xml version="1.0" encoding="utf-8"?>
-<p:tagLst xmlns:p="http://schemas.openxmlformats.org/presentationml/2006/main">
-  <p:tag name="KSO_WM_TAG_VERSION" val="1.0"/>
-  <p:tag name="KSO_WM_BEAUTIFY_FLAG" val="#wm#"/>
-  <p:tag name="KSO_WM_UNIT_TYPE" val="i"/>
-  <p:tag name="KSO_WM_UNIT_ID" val="custom160147_21*i*22"/>
-  <p:tag name="KSO_WM_TEMPLATE_CATEGORY" val="custom"/>
-  <p:tag name="KSO_WM_TEMPLATE_INDEX" val="160147"/>
-  <p:tag name="KSO_WM_UNIT_INDEX" val="22"/>
-</p:tagLst>
-</file>
-
-<file path=ppt/tags/tag269.xml><?xml version="1.0" encoding="utf-8"?>
-<p:tagLst xmlns:p="http://schemas.openxmlformats.org/presentationml/2006/main">
-  <p:tag name="KSO_WM_TAG_VERSION" val="1.0"/>
-  <p:tag name="KSO_WM_BEAUTIFY_FLAG" val="#wm#"/>
-  <p:tag name="KSO_WM_TEMPLATE_CATEGORY" val="custom"/>
-  <p:tag name="KSO_WM_TEMPLATE_INDEX" val="160147"/>
-  <p:tag name="KSO_WM_UNIT_TYPE" val="l_i"/>
-  <p:tag name="KSO_WM_UNIT_INDEX" val="1_7"/>
-  <p:tag name="KSO_WM_UNIT_ID" val="custom160147_21*l_i*1_7"/>
-  <p:tag name="KSO_WM_UNIT_CLEAR" val="1"/>
-  <p:tag name="KSO_WM_UNIT_LAYERLEVEL" val="1_1"/>
-  <p:tag name="KSO_WM_DIAGRAM_GROUP_CODE" val="l1-3"/>
-</p:tagLst>
-</file>
-
-<file path=ppt/tags/tag27.xml><?xml version="1.0" encoding="utf-8"?>
-<p:tagLst xmlns:p="http://schemas.openxmlformats.org/presentationml/2006/main">
-  <p:tag name="KSO_WM_TEMPLATE_CATEGORY" val="custom"/>
-  <p:tag name="KSO_WM_TEMPLATE_INDEX" val="160147"/>
-  <p:tag name="KSO_WM_TAG_VERSION" val="1.0"/>
-  <p:tag name="KSO_WM_SLIDE_ID" val="custom160147_4"/>
-  <p:tag name="KSO_WM_SLIDE_INDEX" val="4"/>
-  <p:tag name="KSO_WM_SLIDE_ITEM_CNT" val="3"/>
-  <p:tag name="KSO_WM_SLIDE_LAYOUT" val="a_f_d"/>
-  <p:tag name="KSO_WM_SLIDE_LAYOUT_CNT" val="1_1_1"/>
-  <p:tag name="KSO_WM_SLIDE_TYPE" val="text"/>
-  <p:tag name="KSO_WM_BEAUTIFY_FLAG" val="#wm#"/>
-  <p:tag name="KSO_WM_SLIDE_POSITION" val="63*64"/>
-  <p:tag name="KSO_WM_SLIDE_SIZE" val="840*426"/>
-</p:tagLst>
-</file>
-
-<file path=ppt/tags/tag270.xml><?xml version="1.0" encoding="utf-8"?>
-<p:tagLst xmlns:p="http://schemas.openxmlformats.org/presentationml/2006/main">
-  <p:tag name="KSO_WM_TAG_VERSION" val="1.0"/>
-  <p:tag name="KSO_WM_BEAUTIFY_FLAG" val="#wm#"/>
-  <p:tag name="KSO_WM_TEMPLATE_CATEGORY" val="custom"/>
-  <p:tag name="KSO_WM_TEMPLATE_INDEX" val="160147"/>
-  <p:tag name="KSO_WM_UNIT_TYPE" val="l_h_f"/>
-  <p:tag name="KSO_WM_UNIT_INDEX" val="1_2_1"/>
-  <p:tag name="KSO_WM_UNIT_ID" val="custom160147_21*l_h_f*1_2_1"/>
-  <p:tag name="KSO_WM_UNIT_CLEAR" val="1"/>
-  <p:tag name="KSO_WM_UNIT_LAYERLEVEL" val="1_1_1"/>
-  <p:tag name="KSO_WM_UNIT_VALUE" val="27"/>
-  <p:tag name="KSO_WM_UNIT_HIGHLIGHT" val="0"/>
-  <p:tag name="KSO_WM_UNIT_COMPATIBLE" val="0"/>
-  <p:tag name="KSO_WM_UNIT_PRESET_TEXT_INDEX" val="4"/>
-  <p:tag name="KSO_WM_UNIT_PRESET_TEXT_LEN" val="57"/>
-  <p:tag name="KSO_WM_DIAGRAM_GROUP_CODE" val="l1-3"/>
-</p:tagLst>
-</file>
-
-<file path=ppt/tags/tag271.xml><?xml version="1.0" encoding="utf-8"?>
-<p:tagLst xmlns:p="http://schemas.openxmlformats.org/presentationml/2006/main">
-  <p:tag name="KSO_WM_TAG_VERSION" val="1.0"/>
-  <p:tag name="KSO_WM_BEAUTIFY_FLAG" val="#wm#"/>
-  <p:tag name="KSO_WM_TEMPLATE_CATEGORY" val="custom"/>
-  <p:tag name="KSO_WM_TEMPLATE_INDEX" val="160147"/>
-  <p:tag name="KSO_WM_UNIT_TYPE" val="l_i"/>
-  <p:tag name="KSO_WM_UNIT_INDEX" val="1_8"/>
-  <p:tag name="KSO_WM_UNIT_ID" val="custom160147_21*l_i*1_8"/>
-  <p:tag name="KSO_WM_UNIT_CLEAR" val="1"/>
-  <p:tag name="KSO_WM_UNIT_LAYERLEVEL" val="1_1"/>
-  <p:tag name="KSO_WM_DIAGRAM_GROUP_CODE" val="l1-3"/>
-</p:tagLst>
-</file>
-
-<file path=ppt/tags/tag272.xml><?xml version="1.0" encoding="utf-8"?>
-<p:tagLst xmlns:p="http://schemas.openxmlformats.org/presentationml/2006/main">
-  <p:tag name="KSO_WM_TAG_VERSION" val="1.0"/>
-  <p:tag name="KSO_WM_BEAUTIFY_FLAG" val="#wm#"/>
-  <p:tag name="KSO_WM_TEMPLATE_CATEGORY" val="custom"/>
-  <p:tag name="KSO_WM_TEMPLATE_INDEX" val="160147"/>
-  <p:tag name="KSO_WM_UNIT_TYPE" val="l_i"/>
-  <p:tag name="KSO_WM_UNIT_INDEX" val="1_9"/>
-  <p:tag name="KSO_WM_UNIT_ID" val="custom160147_21*l_i*1_9"/>
-  <p:tag name="KSO_WM_UNIT_CLEAR" val="1"/>
-  <p:tag name="KSO_WM_UNIT_LAYERLEVEL" val="1_1"/>
-  <p:tag name="KSO_WM_DIAGRAM_GROUP_CODE" val="l1-3"/>
-</p:tagLst>
-</file>
-
-<file path=ppt/tags/tag273.xml><?xml version="1.0" encoding="utf-8"?>
-<p:tagLst xmlns:p="http://schemas.openxmlformats.org/presentationml/2006/main">
-  <p:tag name="KSO_WM_TAG_VERSION" val="1.0"/>
-  <p:tag name="KSO_WM_BEAUTIFY_FLAG" val="#wm#"/>
-  <p:tag name="KSO_WM_TEMPLATE_CATEGORY" val="custom"/>
-  <p:tag name="KSO_WM_TEMPLATE_INDEX" val="160147"/>
-  <p:tag name="KSO_WM_UNIT_TYPE" val="l_h_a"/>
-  <p:tag name="KSO_WM_UNIT_INDEX" val="1_2_1"/>
-  <p:tag name="KSO_WM_UNIT_ID" val="custom160147_21*l_h_a*1_2_1"/>
-  <p:tag name="KSO_WM_UNIT_CLEAR" val="1"/>
-  <p:tag name="KSO_WM_UNIT_LAYERLEVEL" val="1_1_1"/>
-  <p:tag name="KSO_WM_UNIT_VALUE" val="8"/>
-  <p:tag name="KSO_WM_UNIT_HIGHLIGHT" val="0"/>
-  <p:tag name="KSO_WM_UNIT_COMPATIBLE" val="0"/>
-  <p:tag name="KSO_WM_UNIT_PRESET_TEXT_INDEX" val="3"/>
-  <p:tag name="KSO_WM_UNIT_PRESET_TEXT_LEN" val="5"/>
-  <p:tag name="KSO_WM_DIAGRAM_GROUP_CODE" val="l1-3"/>
-</p:tagLst>
-</file>
-
-<file path=ppt/tags/tag274.xml><?xml version="1.0" encoding="utf-8"?>
-<p:tagLst xmlns:p="http://schemas.openxmlformats.org/presentationml/2006/main">
-  <p:tag name="KSO_WM_TAG_VERSION" val="1.0"/>
-  <p:tag name="KSO_WM_BEAUTIFY_FLAG" val="#wm#"/>
-  <p:tag name="KSO_WM_TEMPLATE_CATEGORY" val="custom"/>
-  <p:tag name="KSO_WM_TEMPLATE_INDEX" val="160147"/>
-  <p:tag name="KSO_WM_UNIT_TYPE" val="a"/>
-  <p:tag name="KSO_WM_UNIT_INDEX" val="1"/>
-  <p:tag name="KSO_WM_UNIT_ID" val="custom160147_21*a*1"/>
-  <p:tag name="KSO_WM_UNIT_CLEAR" val="1"/>
-  <p:tag name="KSO_WM_UNIT_LAYERLEVEL" val="1"/>
-  <p:tag name="KSO_WM_UNIT_VALUE" val="30"/>
-  <p:tag name="KSO_WM_UNIT_ISCONTENTSTITLE" val="0"/>
-  <p:tag name="KSO_WM_UNIT_HIGHLIGHT" val="0"/>
-  <p:tag name="KSO_WM_UNIT_COMPATIBLE" val="0"/>
-  <p:tag name="KSO_WM_UNIT_PRESET_TEXT_INDEX" val="3"/>
-  <p:tag name="KSO_WM_UNIT_PRESET_TEXT_LEN" val="24"/>
-</p:tagLst>
-</file>
-
-<file path=ppt/tags/tag275.xml><?xml version="1.0" encoding="utf-8"?>
-<p:tagLst xmlns:p="http://schemas.openxmlformats.org/presentationml/2006/main">
-  <p:tag name="KSO_WM_TEMPLATE_CATEGORY" val="custom"/>
-  <p:tag name="KSO_WM_TEMPLATE_INDEX" val="160147"/>
-  <p:tag name="KSO_WM_TAG_VERSION" val="1.0"/>
-  <p:tag name="KSO_WM_SLIDE_ID" val="custom160147_21"/>
-  <p:tag name="KSO_WM_SLIDE_INDEX" val="21"/>
-  <p:tag name="KSO_WM_SLIDE_ITEM_CNT" val="3"/>
-  <p:tag name="KSO_WM_SLIDE_LAYOUT" val="a_l"/>
-  <p:tag name="KSO_WM_SLIDE_LAYOUT_CNT" val="1_1"/>
-  <p:tag name="KSO_WM_SLIDE_TYPE" val="text"/>
-  <p:tag name="KSO_WM_BEAUTIFY_FLAG" val="#wm#"/>
-  <p:tag name="KSO_WM_SLIDE_POSITION" val="79*106"/>
-  <p:tag name="KSO_WM_SLIDE_SIZE" val="803*356"/>
-  <p:tag name="KSO_WM_DIAGRAM_GROUP_CODE" val="l1-3"/>
-</p:tagLst>
-</file>
-
-<file path=ppt/tags/tag276.xml><?xml version="1.0" encoding="utf-8"?>
-<p:tagLst xmlns:p="http://schemas.openxmlformats.org/presentationml/2006/main">
-  <p:tag name="KSO_WM_TAG_VERSION" val="1.0"/>
-  <p:tag name="KSO_WM_BEAUTIFY_FLAG" val="#wm#"/>
-  <p:tag name="KSO_WM_UNIT_TYPE" val="i"/>
-  <p:tag name="KSO_WM_UNIT_ID" val="custom160147_22*i*0"/>
-  <p:tag name="KSO_WM_TEMPLATE_CATEGORY" val="custom"/>
-  <p:tag name="KSO_WM_TEMPLATE_INDEX" val="160147"/>
-  <p:tag name="KSO_WM_UNIT_INDEX" val="0"/>
-</p:tagLst>
-</file>
-
-<file path=ppt/tags/tag277.xml><?xml version="1.0" encoding="utf-8"?>
-<p:tagLst xmlns:p="http://schemas.openxmlformats.org/presentationml/2006/main">
-  <p:tag name="KSO_WM_TAG_VERSION" val="1.0"/>
-  <p:tag name="KSO_WM_BEAUTIFY_FLAG" val="#wm#"/>
-  <p:tag name="KSO_WM_TEMPLATE_CATEGORY" val="custom"/>
-  <p:tag name="KSO_WM_TEMPLATE_INDEX" val="160147"/>
-  <p:tag name="KSO_WM_UNIT_TYPE" val="l_i"/>
-  <p:tag name="KSO_WM_UNIT_INDEX" val="1_1"/>
-  <p:tag name="KSO_WM_UNIT_ID" val="custom160147_22*l_i*1_1"/>
-  <p:tag name="KSO_WM_UNIT_CLEAR" val="1"/>
-  <p:tag name="KSO_WM_UNIT_LAYERLEVEL" val="1_1"/>
-  <p:tag name="KSO_WM_DIAGRAM_GROUP_CODE" val="l1-3"/>
-</p:tagLst>
-</file>
-
-<file path=ppt/tags/tag278.xml><?xml version="1.0" encoding="utf-8"?>
+<file path=ppt/tags/tag280.xml><?xml version="1.0" encoding="utf-8"?>
 <p:tagLst xmlns:p="http://schemas.openxmlformats.org/presentationml/2006/main">
   <p:tag name="KSO_WM_TAG_VERSION" val="1.0"/>
   <p:tag name="KSO_WM_BEAUTIFY_FLAG" val="#wm#"/>
@@ -37586,7 +37830,7 @@
 </p:tagLst>
 </file>
 
-<file path=ppt/tags/tag279.xml><?xml version="1.0" encoding="utf-8"?>
+<file path=ppt/tags/tag281.xml><?xml version="1.0" encoding="utf-8"?>
 <p:tagLst xmlns:p="http://schemas.openxmlformats.org/presentationml/2006/main">
   <p:tag name="KSO_WM_TAG_VERSION" val="1.0"/>
   <p:tag name="KSO_WM_BEAUTIFY_FLAG" val="#wm#"/>
@@ -37601,24 +37845,7 @@
 </p:tagLst>
 </file>
 
-<file path=ppt/tags/tag28.xml><?xml version="1.0" encoding="utf-8"?>
-<p:tagLst xmlns:p="http://schemas.openxmlformats.org/presentationml/2006/main">
-  <p:tag name="KSO_WM_TAG_VERSION" val="1.0"/>
-  <p:tag name="KSO_WM_BEAUTIFY_FLAG" val="#wm#"/>
-  <p:tag name="KSO_WM_TEMPLATE_CATEGORY" val="custom"/>
-  <p:tag name="KSO_WM_TEMPLATE_INDEX" val="160147"/>
-  <p:tag name="KSO_WM_UNIT_TYPE" val="d"/>
-  <p:tag name="KSO_WM_UNIT_INDEX" val="1"/>
-  <p:tag name="KSO_WM_UNIT_ID" val="custom160147_5*d*1"/>
-  <p:tag name="KSO_WM_UNIT_CLEAR" val="0"/>
-  <p:tag name="KSO_WM_UNIT_LAYERLEVEL" val="1"/>
-  <p:tag name="KSO_WM_UNIT_VALUE" val="1261*2521"/>
-  <p:tag name="KSO_WM_UNIT_HIGHLIGHT" val="0"/>
-  <p:tag name="KSO_WM_UNIT_COMPATIBLE" val="0"/>
-</p:tagLst>
-</file>
-
-<file path=ppt/tags/tag280.xml><?xml version="1.0" encoding="utf-8"?>
+<file path=ppt/tags/tag282.xml><?xml version="1.0" encoding="utf-8"?>
 <p:tagLst xmlns:p="http://schemas.openxmlformats.org/presentationml/2006/main">
   <p:tag name="KSO_WM_TAG_VERSION" val="1.0"/>
   <p:tag name="KSO_WM_BEAUTIFY_FLAG" val="#wm#"/>
@@ -37633,7 +37860,7 @@
 </p:tagLst>
 </file>
 
-<file path=ppt/tags/tag281.xml><?xml version="1.0" encoding="utf-8"?>
+<file path=ppt/tags/tag283.xml><?xml version="1.0" encoding="utf-8"?>
 <p:tagLst xmlns:p="http://schemas.openxmlformats.org/presentationml/2006/main">
   <p:tag name="KSO_WM_TAG_VERSION" val="1.0"/>
   <p:tag name="KSO_WM_BEAUTIFY_FLAG" val="#wm#"/>
@@ -37653,7 +37880,7 @@
 </p:tagLst>
 </file>
 
-<file path=ppt/tags/tag282.xml><?xml version="1.0" encoding="utf-8"?>
+<file path=ppt/tags/tag284.xml><?xml version="1.0" encoding="utf-8"?>
 <p:tagLst xmlns:p="http://schemas.openxmlformats.org/presentationml/2006/main">
   <p:tag name="KSO_WM_TAG_VERSION" val="1.0"/>
   <p:tag name="KSO_WM_BEAUTIFY_FLAG" val="#wm#"/>
@@ -37665,7 +37892,7 @@
 </p:tagLst>
 </file>
 
-<file path=ppt/tags/tag283.xml><?xml version="1.0" encoding="utf-8"?>
+<file path=ppt/tags/tag285.xml><?xml version="1.0" encoding="utf-8"?>
 <p:tagLst xmlns:p="http://schemas.openxmlformats.org/presentationml/2006/main">
   <p:tag name="KSO_WM_TAG_VERSION" val="1.0"/>
   <p:tag name="KSO_WM_BEAUTIFY_FLAG" val="#wm#"/>
@@ -37680,7 +37907,7 @@
 </p:tagLst>
 </file>
 
-<file path=ppt/tags/tag284.xml><?xml version="1.0" encoding="utf-8"?>
+<file path=ppt/tags/tag286.xml><?xml version="1.0" encoding="utf-8"?>
 <p:tagLst xmlns:p="http://schemas.openxmlformats.org/presentationml/2006/main">
   <p:tag name="KSO_WM_TAG_VERSION" val="1.0"/>
   <p:tag name="KSO_WM_BEAUTIFY_FLAG" val="#wm#"/>
@@ -37700,7 +37927,7 @@
 </p:tagLst>
 </file>
 
-<file path=ppt/tags/tag285.xml><?xml version="1.0" encoding="utf-8"?>
+<file path=ppt/tags/tag287.xml><?xml version="1.0" encoding="utf-8"?>
 <p:tagLst xmlns:p="http://schemas.openxmlformats.org/presentationml/2006/main">
   <p:tag name="KSO_WM_TAG_VERSION" val="1.0"/>
   <p:tag name="KSO_WM_BEAUTIFY_FLAG" val="#wm#"/>
@@ -37715,7 +37942,7 @@
 </p:tagLst>
 </file>
 
-<file path=ppt/tags/tag286.xml><?xml version="1.0" encoding="utf-8"?>
+<file path=ppt/tags/tag288.xml><?xml version="1.0" encoding="utf-8"?>
 <p:tagLst xmlns:p="http://schemas.openxmlformats.org/presentationml/2006/main">
   <p:tag name="KSO_WM_TAG_VERSION" val="1.0"/>
   <p:tag name="KSO_WM_BEAUTIFY_FLAG" val="#wm#"/>
@@ -37730,7 +37957,7 @@
 </p:tagLst>
 </file>
 
-<file path=ppt/tags/tag287.xml><?xml version="1.0" encoding="utf-8"?>
+<file path=ppt/tags/tag289.xml><?xml version="1.0" encoding="utf-8"?>
 <p:tagLst xmlns:p="http://schemas.openxmlformats.org/presentationml/2006/main">
   <p:tag name="KSO_WM_TAG_VERSION" val="1.0"/>
   <p:tag name="KSO_WM_BEAUTIFY_FLAG" val="#wm#"/>
@@ -37750,7 +37977,24 @@
 </p:tagLst>
 </file>
 
-<file path=ppt/tags/tag288.xml><?xml version="1.0" encoding="utf-8"?>
+<file path=ppt/tags/tag29.xml><?xml version="1.0" encoding="utf-8"?>
+<p:tagLst xmlns:p="http://schemas.openxmlformats.org/presentationml/2006/main">
+  <p:tag name="KSO_WM_TEMPLATE_CATEGORY" val="custom"/>
+  <p:tag name="KSO_WM_TEMPLATE_INDEX" val="160147"/>
+  <p:tag name="KSO_WM_TAG_VERSION" val="1.0"/>
+  <p:tag name="KSO_WM_SLIDE_ID" val="custom160147_4"/>
+  <p:tag name="KSO_WM_SLIDE_INDEX" val="4"/>
+  <p:tag name="KSO_WM_SLIDE_ITEM_CNT" val="3"/>
+  <p:tag name="KSO_WM_SLIDE_LAYOUT" val="a_f_d"/>
+  <p:tag name="KSO_WM_SLIDE_LAYOUT_CNT" val="1_1_1"/>
+  <p:tag name="KSO_WM_SLIDE_TYPE" val="text"/>
+  <p:tag name="KSO_WM_BEAUTIFY_FLAG" val="#wm#"/>
+  <p:tag name="KSO_WM_SLIDE_POSITION" val="63*64"/>
+  <p:tag name="KSO_WM_SLIDE_SIZE" val="840*426"/>
+</p:tagLst>
+</file>
+
+<file path=ppt/tags/tag290.xml><?xml version="1.0" encoding="utf-8"?>
 <p:tagLst xmlns:p="http://schemas.openxmlformats.org/presentationml/2006/main">
   <p:tag name="KSO_WM_TAG_VERSION" val="1.0"/>
   <p:tag name="KSO_WM_BEAUTIFY_FLAG" val="#wm#"/>
@@ -37762,7 +38006,7 @@
 </p:tagLst>
 </file>
 
-<file path=ppt/tags/tag289.xml><?xml version="1.0" encoding="utf-8"?>
+<file path=ppt/tags/tag291.xml><?xml version="1.0" encoding="utf-8"?>
 <p:tagLst xmlns:p="http://schemas.openxmlformats.org/presentationml/2006/main">
   <p:tag name="KSO_WM_TAG_VERSION" val="1.0"/>
   <p:tag name="KSO_WM_BEAUTIFY_FLAG" val="#wm#"/>
@@ -37777,7 +38021,335 @@
 </p:tagLst>
 </file>
 
-<file path=ppt/tags/tag29.xml><?xml version="1.0" encoding="utf-8"?>
+<file path=ppt/tags/tag292.xml><?xml version="1.0" encoding="utf-8"?>
+<p:tagLst xmlns:p="http://schemas.openxmlformats.org/presentationml/2006/main">
+  <p:tag name="KSO_WM_TAG_VERSION" val="1.0"/>
+  <p:tag name="KSO_WM_BEAUTIFY_FLAG" val="#wm#"/>
+  <p:tag name="KSO_WM_TEMPLATE_CATEGORY" val="custom"/>
+  <p:tag name="KSO_WM_TEMPLATE_INDEX" val="160147"/>
+  <p:tag name="KSO_WM_UNIT_TYPE" val="l_h_f"/>
+  <p:tag name="KSO_WM_UNIT_INDEX" val="1_3_1"/>
+  <p:tag name="KSO_WM_UNIT_ID" val="custom160147_22*l_h_f*1_3_1"/>
+  <p:tag name="KSO_WM_UNIT_CLEAR" val="1"/>
+  <p:tag name="KSO_WM_UNIT_LAYERLEVEL" val="1_1_1"/>
+  <p:tag name="KSO_WM_UNIT_VALUE" val="27"/>
+  <p:tag name="KSO_WM_UNIT_HIGHLIGHT" val="0"/>
+  <p:tag name="KSO_WM_UNIT_COMPATIBLE" val="0"/>
+  <p:tag name="KSO_WM_UNIT_PRESET_TEXT_INDEX" val="4"/>
+  <p:tag name="KSO_WM_UNIT_PRESET_TEXT_LEN" val="57"/>
+  <p:tag name="KSO_WM_DIAGRAM_GROUP_CODE" val="l1-3"/>
+</p:tagLst>
+</file>
+
+<file path=ppt/tags/tag293.xml><?xml version="1.0" encoding="utf-8"?>
+<p:tagLst xmlns:p="http://schemas.openxmlformats.org/presentationml/2006/main">
+  <p:tag name="KSO_WM_TAG_VERSION" val="1.0"/>
+  <p:tag name="KSO_WM_BEAUTIFY_FLAG" val="#wm#"/>
+  <p:tag name="KSO_WM_TEMPLATE_CATEGORY" val="custom"/>
+  <p:tag name="KSO_WM_TEMPLATE_INDEX" val="160147"/>
+  <p:tag name="KSO_WM_UNIT_TYPE" val="l_i"/>
+  <p:tag name="KSO_WM_UNIT_INDEX" val="1_8"/>
+  <p:tag name="KSO_WM_UNIT_ID" val="custom160147_22*l_i*1_8"/>
+  <p:tag name="KSO_WM_UNIT_CLEAR" val="1"/>
+  <p:tag name="KSO_WM_UNIT_LAYERLEVEL" val="1_1"/>
+  <p:tag name="KSO_WM_DIAGRAM_GROUP_CODE" val="l1-3"/>
+</p:tagLst>
+</file>
+
+<file path=ppt/tags/tag294.xml><?xml version="1.0" encoding="utf-8"?>
+<p:tagLst xmlns:p="http://schemas.openxmlformats.org/presentationml/2006/main">
+  <p:tag name="KSO_WM_TAG_VERSION" val="1.0"/>
+  <p:tag name="KSO_WM_BEAUTIFY_FLAG" val="#wm#"/>
+  <p:tag name="KSO_WM_TEMPLATE_CATEGORY" val="custom"/>
+  <p:tag name="KSO_WM_TEMPLATE_INDEX" val="160147"/>
+  <p:tag name="KSO_WM_UNIT_TYPE" val="l_i"/>
+  <p:tag name="KSO_WM_UNIT_INDEX" val="1_9"/>
+  <p:tag name="KSO_WM_UNIT_ID" val="custom160147_22*l_i*1_9"/>
+  <p:tag name="KSO_WM_UNIT_CLEAR" val="1"/>
+  <p:tag name="KSO_WM_UNIT_LAYERLEVEL" val="1_1"/>
+  <p:tag name="KSO_WM_DIAGRAM_GROUP_CODE" val="l1-3"/>
+</p:tagLst>
+</file>
+
+<file path=ppt/tags/tag295.xml><?xml version="1.0" encoding="utf-8"?>
+<p:tagLst xmlns:p="http://schemas.openxmlformats.org/presentationml/2006/main">
+  <p:tag name="KSO_WM_TAG_VERSION" val="1.0"/>
+  <p:tag name="KSO_WM_BEAUTIFY_FLAG" val="#wm#"/>
+  <p:tag name="KSO_WM_TEMPLATE_CATEGORY" val="custom"/>
+  <p:tag name="KSO_WM_TEMPLATE_INDEX" val="160147"/>
+  <p:tag name="KSO_WM_UNIT_TYPE" val="l_h_a"/>
+  <p:tag name="KSO_WM_UNIT_INDEX" val="1_3_1"/>
+  <p:tag name="KSO_WM_UNIT_ID" val="custom160147_22*l_h_a*1_3_1"/>
+  <p:tag name="KSO_WM_UNIT_CLEAR" val="1"/>
+  <p:tag name="KSO_WM_UNIT_LAYERLEVEL" val="1_1_1"/>
+  <p:tag name="KSO_WM_UNIT_VALUE" val="8"/>
+  <p:tag name="KSO_WM_UNIT_HIGHLIGHT" val="0"/>
+  <p:tag name="KSO_WM_UNIT_COMPATIBLE" val="0"/>
+  <p:tag name="KSO_WM_UNIT_PRESET_TEXT_INDEX" val="3"/>
+  <p:tag name="KSO_WM_UNIT_PRESET_TEXT_LEN" val="5"/>
+  <p:tag name="KSO_WM_DIAGRAM_GROUP_CODE" val="l1-3"/>
+</p:tagLst>
+</file>
+
+<file path=ppt/tags/tag296.xml><?xml version="1.0" encoding="utf-8"?>
+<p:tagLst xmlns:p="http://schemas.openxmlformats.org/presentationml/2006/main">
+  <p:tag name="KSO_WM_TAG_VERSION" val="1.0"/>
+  <p:tag name="KSO_WM_BEAUTIFY_FLAG" val="#wm#"/>
+  <p:tag name="KSO_WM_UNIT_TYPE" val="i"/>
+  <p:tag name="KSO_WM_UNIT_ID" val="custom160147_22*i*33"/>
+  <p:tag name="KSO_WM_TEMPLATE_CATEGORY" val="custom"/>
+  <p:tag name="KSO_WM_TEMPLATE_INDEX" val="160147"/>
+  <p:tag name="KSO_WM_UNIT_INDEX" val="33"/>
+</p:tagLst>
+</file>
+
+<file path=ppt/tags/tag297.xml><?xml version="1.0" encoding="utf-8"?>
+<p:tagLst xmlns:p="http://schemas.openxmlformats.org/presentationml/2006/main">
+  <p:tag name="KSO_WM_TAG_VERSION" val="1.0"/>
+  <p:tag name="KSO_WM_BEAUTIFY_FLAG" val="#wm#"/>
+  <p:tag name="KSO_WM_TEMPLATE_CATEGORY" val="custom"/>
+  <p:tag name="KSO_WM_TEMPLATE_INDEX" val="160147"/>
+  <p:tag name="KSO_WM_UNIT_TYPE" val="l_i"/>
+  <p:tag name="KSO_WM_UNIT_INDEX" val="1_10"/>
+  <p:tag name="KSO_WM_UNIT_ID" val="custom160147_22*l_i*1_10"/>
+  <p:tag name="KSO_WM_UNIT_CLEAR" val="1"/>
+  <p:tag name="KSO_WM_UNIT_LAYERLEVEL" val="1_1"/>
+  <p:tag name="KSO_WM_DIAGRAM_GROUP_CODE" val="l1-3"/>
+</p:tagLst>
+</file>
+
+<file path=ppt/tags/tag298.xml><?xml version="1.0" encoding="utf-8"?>
+<p:tagLst xmlns:p="http://schemas.openxmlformats.org/presentationml/2006/main">
+  <p:tag name="KSO_WM_TAG_VERSION" val="1.0"/>
+  <p:tag name="KSO_WM_BEAUTIFY_FLAG" val="#wm#"/>
+  <p:tag name="KSO_WM_TEMPLATE_CATEGORY" val="custom"/>
+  <p:tag name="KSO_WM_TEMPLATE_INDEX" val="160147"/>
+  <p:tag name="KSO_WM_UNIT_TYPE" val="l_h_f"/>
+  <p:tag name="KSO_WM_UNIT_INDEX" val="1_4_1"/>
+  <p:tag name="KSO_WM_UNIT_ID" val="custom160147_22*l_h_f*1_4_1"/>
+  <p:tag name="KSO_WM_UNIT_CLEAR" val="1"/>
+  <p:tag name="KSO_WM_UNIT_LAYERLEVEL" val="1_1_1"/>
+  <p:tag name="KSO_WM_UNIT_VALUE" val="27"/>
+  <p:tag name="KSO_WM_UNIT_HIGHLIGHT" val="0"/>
+  <p:tag name="KSO_WM_UNIT_COMPATIBLE" val="0"/>
+  <p:tag name="KSO_WM_UNIT_PRESET_TEXT_INDEX" val="4"/>
+  <p:tag name="KSO_WM_UNIT_PRESET_TEXT_LEN" val="57"/>
+  <p:tag name="KSO_WM_DIAGRAM_GROUP_CODE" val="l1-3"/>
+</p:tagLst>
+</file>
+
+<file path=ppt/tags/tag299.xml><?xml version="1.0" encoding="utf-8"?>
+<p:tagLst xmlns:p="http://schemas.openxmlformats.org/presentationml/2006/main">
+  <p:tag name="KSO_WM_TAG_VERSION" val="1.0"/>
+  <p:tag name="KSO_WM_BEAUTIFY_FLAG" val="#wm#"/>
+  <p:tag name="KSO_WM_TEMPLATE_CATEGORY" val="custom"/>
+  <p:tag name="KSO_WM_TEMPLATE_INDEX" val="160147"/>
+  <p:tag name="KSO_WM_UNIT_TYPE" val="l_i"/>
+  <p:tag name="KSO_WM_UNIT_INDEX" val="1_11"/>
+  <p:tag name="KSO_WM_UNIT_ID" val="custom160147_22*l_i*1_11"/>
+  <p:tag name="KSO_WM_UNIT_CLEAR" val="1"/>
+  <p:tag name="KSO_WM_UNIT_LAYERLEVEL" val="1_1"/>
+  <p:tag name="KSO_WM_DIAGRAM_GROUP_CODE" val="l1-3"/>
+</p:tagLst>
+</file>
+
+<file path=ppt/tags/tag3.xml><?xml version="1.0" encoding="utf-8"?>
+<p:tagLst xmlns:p="http://schemas.openxmlformats.org/presentationml/2006/main">
+  <p:tag name="MH" val="20151013150709"/>
+  <p:tag name="MH_LIBRARY" val="CONTENTS"/>
+  <p:tag name="MH_TYPE" val="OTHERS"/>
+  <p:tag name="ID" val="553516"/>
+</p:tagLst>
+</file>
+
+<file path=ppt/tags/tag30.xml><?xml version="1.0" encoding="utf-8"?>
+<p:tagLst xmlns:p="http://schemas.openxmlformats.org/presentationml/2006/main">
+  <p:tag name="KSO_WM_TAG_VERSION" val="1.0"/>
+  <p:tag name="KSO_WM_BEAUTIFY_FLAG" val="#wm#"/>
+  <p:tag name="KSO_WM_TEMPLATE_CATEGORY" val="custom"/>
+  <p:tag name="KSO_WM_TEMPLATE_INDEX" val="160147"/>
+  <p:tag name="KSO_WM_UNIT_TYPE" val="d"/>
+  <p:tag name="KSO_WM_UNIT_INDEX" val="1"/>
+  <p:tag name="KSO_WM_UNIT_ID" val="custom160147_5*d*1"/>
+  <p:tag name="KSO_WM_UNIT_CLEAR" val="0"/>
+  <p:tag name="KSO_WM_UNIT_LAYERLEVEL" val="1"/>
+  <p:tag name="KSO_WM_UNIT_VALUE" val="1261*2521"/>
+  <p:tag name="KSO_WM_UNIT_HIGHLIGHT" val="0"/>
+  <p:tag name="KSO_WM_UNIT_COMPATIBLE" val="0"/>
+</p:tagLst>
+</file>
+
+<file path=ppt/tags/tag300.xml><?xml version="1.0" encoding="utf-8"?>
+<p:tagLst xmlns:p="http://schemas.openxmlformats.org/presentationml/2006/main">
+  <p:tag name="KSO_WM_TAG_VERSION" val="1.0"/>
+  <p:tag name="KSO_WM_BEAUTIFY_FLAG" val="#wm#"/>
+  <p:tag name="KSO_WM_TEMPLATE_CATEGORY" val="custom"/>
+  <p:tag name="KSO_WM_TEMPLATE_INDEX" val="160147"/>
+  <p:tag name="KSO_WM_UNIT_TYPE" val="l_i"/>
+  <p:tag name="KSO_WM_UNIT_INDEX" val="1_12"/>
+  <p:tag name="KSO_WM_UNIT_ID" val="custom160147_22*l_i*1_12"/>
+  <p:tag name="KSO_WM_UNIT_CLEAR" val="1"/>
+  <p:tag name="KSO_WM_UNIT_LAYERLEVEL" val="1_1"/>
+  <p:tag name="KSO_WM_DIAGRAM_GROUP_CODE" val="l1-3"/>
+</p:tagLst>
+</file>
+
+<file path=ppt/tags/tag301.xml><?xml version="1.0" encoding="utf-8"?>
+<p:tagLst xmlns:p="http://schemas.openxmlformats.org/presentationml/2006/main">
+  <p:tag name="KSO_WM_TAG_VERSION" val="1.0"/>
+  <p:tag name="KSO_WM_BEAUTIFY_FLAG" val="#wm#"/>
+  <p:tag name="KSO_WM_TEMPLATE_CATEGORY" val="custom"/>
+  <p:tag name="KSO_WM_TEMPLATE_INDEX" val="160147"/>
+  <p:tag name="KSO_WM_UNIT_TYPE" val="l_h_a"/>
+  <p:tag name="KSO_WM_UNIT_INDEX" val="1_4_1"/>
+  <p:tag name="KSO_WM_UNIT_ID" val="custom160147_22*l_h_a*1_4_1"/>
+  <p:tag name="KSO_WM_UNIT_CLEAR" val="1"/>
+  <p:tag name="KSO_WM_UNIT_LAYERLEVEL" val="1_1_1"/>
+  <p:tag name="KSO_WM_UNIT_VALUE" val="8"/>
+  <p:tag name="KSO_WM_UNIT_HIGHLIGHT" val="0"/>
+  <p:tag name="KSO_WM_UNIT_COMPATIBLE" val="0"/>
+  <p:tag name="KSO_WM_UNIT_PRESET_TEXT_INDEX" val="3"/>
+  <p:tag name="KSO_WM_UNIT_PRESET_TEXT_LEN" val="5"/>
+  <p:tag name="KSO_WM_DIAGRAM_GROUP_CODE" val="l1-3"/>
+</p:tagLst>
+</file>
+
+<file path=ppt/tags/tag302.xml><?xml version="1.0" encoding="utf-8"?>
+<p:tagLst xmlns:p="http://schemas.openxmlformats.org/presentationml/2006/main">
+  <p:tag name="KSO_WM_TAG_VERSION" val="1.0"/>
+  <p:tag name="KSO_WM_BEAUTIFY_FLAG" val="#wm#"/>
+  <p:tag name="KSO_WM_TEMPLATE_CATEGORY" val="custom"/>
+  <p:tag name="KSO_WM_TEMPLATE_INDEX" val="160147"/>
+  <p:tag name="KSO_WM_UNIT_TYPE" val="a"/>
+  <p:tag name="KSO_WM_UNIT_INDEX" val="1"/>
+  <p:tag name="KSO_WM_UNIT_ID" val="custom160147_22*a*1"/>
+  <p:tag name="KSO_WM_UNIT_CLEAR" val="1"/>
+  <p:tag name="KSO_WM_UNIT_LAYERLEVEL" val="1"/>
+  <p:tag name="KSO_WM_UNIT_VALUE" val="30"/>
+  <p:tag name="KSO_WM_UNIT_ISCONTENTSTITLE" val="0"/>
+  <p:tag name="KSO_WM_UNIT_HIGHLIGHT" val="0"/>
+  <p:tag name="KSO_WM_UNIT_COMPATIBLE" val="0"/>
+  <p:tag name="KSO_WM_UNIT_PRESET_TEXT_INDEX" val="3"/>
+  <p:tag name="KSO_WM_UNIT_PRESET_TEXT_LEN" val="24"/>
+</p:tagLst>
+</file>
+
+<file path=ppt/tags/tag303.xml><?xml version="1.0" encoding="utf-8"?>
+<p:tagLst xmlns:p="http://schemas.openxmlformats.org/presentationml/2006/main">
+  <p:tag name="KSO_WM_TEMPLATE_CATEGORY" val="custom"/>
+  <p:tag name="KSO_WM_TEMPLATE_INDEX" val="160147"/>
+  <p:tag name="KSO_WM_TAG_VERSION" val="1.0"/>
+  <p:tag name="KSO_WM_SLIDE_ID" val="custom160147_22"/>
+  <p:tag name="KSO_WM_SLIDE_INDEX" val="22"/>
+  <p:tag name="KSO_WM_SLIDE_ITEM_CNT" val="4"/>
+  <p:tag name="KSO_WM_SLIDE_LAYOUT" val="a_l"/>
+  <p:tag name="KSO_WM_SLIDE_LAYOUT_CNT" val="1_1"/>
+  <p:tag name="KSO_WM_SLIDE_TYPE" val="text"/>
+  <p:tag name="KSO_WM_BEAUTIFY_FLAG" val="#wm#"/>
+  <p:tag name="KSO_WM_SLIDE_POSITION" val="56*91"/>
+  <p:tag name="KSO_WM_SLIDE_SIZE" val="849*375"/>
+  <p:tag name="KSO_WM_DIAGRAM_GROUP_CODE" val="l1-3"/>
+</p:tagLst>
+</file>
+
+<file path=ppt/tags/tag304.xml><?xml version="1.0" encoding="utf-8"?>
+<p:tagLst xmlns:p="http://schemas.openxmlformats.org/presentationml/2006/main">
+  <p:tag name="KSO_WM_TAG_VERSION" val="1.0"/>
+  <p:tag name="KSO_WM_BEAUTIFY_FLAG" val="#wm#"/>
+  <p:tag name="KSO_WM_UNIT_TYPE" val="i"/>
+  <p:tag name="KSO_WM_UNIT_ID" val="custom160147_23*i*0"/>
+  <p:tag name="KSO_WM_TEMPLATE_CATEGORY" val="custom"/>
+  <p:tag name="KSO_WM_TEMPLATE_INDEX" val="160147"/>
+  <p:tag name="KSO_WM_UNIT_INDEX" val="0"/>
+</p:tagLst>
+</file>
+
+<file path=ppt/tags/tag305.xml><?xml version="1.0" encoding="utf-8"?>
+<p:tagLst xmlns:p="http://schemas.openxmlformats.org/presentationml/2006/main">
+  <p:tag name="KSO_WM_TAG_VERSION" val="1.0"/>
+  <p:tag name="KSO_WM_BEAUTIFY_FLAG" val="#wm#"/>
+  <p:tag name="KSO_WM_TEMPLATE_CATEGORY" val="custom"/>
+  <p:tag name="KSO_WM_TEMPLATE_INDEX" val="160147"/>
+  <p:tag name="KSO_WM_UNIT_TYPE" val="l_i"/>
+  <p:tag name="KSO_WM_UNIT_INDEX" val="1_1"/>
+  <p:tag name="KSO_WM_UNIT_ID" val="custom160147_23*l_i*1_1"/>
+  <p:tag name="KSO_WM_UNIT_CLEAR" val="1"/>
+  <p:tag name="KSO_WM_UNIT_LAYERLEVEL" val="1_1"/>
+  <p:tag name="KSO_WM_DIAGRAM_GROUP_CODE" val="l1-3"/>
+</p:tagLst>
+</file>
+
+<file path=ppt/tags/tag306.xml><?xml version="1.0" encoding="utf-8"?>
+<p:tagLst xmlns:p="http://schemas.openxmlformats.org/presentationml/2006/main">
+  <p:tag name="KSO_WM_TAG_VERSION" val="1.0"/>
+  <p:tag name="KSO_WM_BEAUTIFY_FLAG" val="#wm#"/>
+  <p:tag name="KSO_WM_TEMPLATE_CATEGORY" val="custom"/>
+  <p:tag name="KSO_WM_TEMPLATE_INDEX" val="160147"/>
+  <p:tag name="KSO_WM_UNIT_TYPE" val="l_h_f"/>
+  <p:tag name="KSO_WM_UNIT_INDEX" val="1_1_1"/>
+  <p:tag name="KSO_WM_UNIT_ID" val="custom160147_23*l_h_f*1_1_1"/>
+  <p:tag name="KSO_WM_UNIT_CLEAR" val="1"/>
+  <p:tag name="KSO_WM_UNIT_LAYERLEVEL" val="1_1_1"/>
+  <p:tag name="KSO_WM_UNIT_VALUE" val="27"/>
+  <p:tag name="KSO_WM_UNIT_HIGHLIGHT" val="0"/>
+  <p:tag name="KSO_WM_UNIT_COMPATIBLE" val="0"/>
+  <p:tag name="KSO_WM_UNIT_PRESET_TEXT_INDEX" val="4"/>
+  <p:tag name="KSO_WM_UNIT_PRESET_TEXT_LEN" val="57"/>
+  <p:tag name="KSO_WM_DIAGRAM_GROUP_CODE" val="l1-3"/>
+</p:tagLst>
+</file>
+
+<file path=ppt/tags/tag307.xml><?xml version="1.0" encoding="utf-8"?>
+<p:tagLst xmlns:p="http://schemas.openxmlformats.org/presentationml/2006/main">
+  <p:tag name="KSO_WM_TAG_VERSION" val="1.0"/>
+  <p:tag name="KSO_WM_BEAUTIFY_FLAG" val="#wm#"/>
+  <p:tag name="KSO_WM_TEMPLATE_CATEGORY" val="custom"/>
+  <p:tag name="KSO_WM_TEMPLATE_INDEX" val="160147"/>
+  <p:tag name="KSO_WM_UNIT_TYPE" val="l_i"/>
+  <p:tag name="KSO_WM_UNIT_INDEX" val="1_2"/>
+  <p:tag name="KSO_WM_UNIT_ID" val="custom160147_23*l_i*1_2"/>
+  <p:tag name="KSO_WM_UNIT_CLEAR" val="1"/>
+  <p:tag name="KSO_WM_UNIT_LAYERLEVEL" val="1_1"/>
+  <p:tag name="KSO_WM_DIAGRAM_GROUP_CODE" val="l1-3"/>
+</p:tagLst>
+</file>
+
+<file path=ppt/tags/tag308.xml><?xml version="1.0" encoding="utf-8"?>
+<p:tagLst xmlns:p="http://schemas.openxmlformats.org/presentationml/2006/main">
+  <p:tag name="KSO_WM_TAG_VERSION" val="1.0"/>
+  <p:tag name="KSO_WM_BEAUTIFY_FLAG" val="#wm#"/>
+  <p:tag name="KSO_WM_TEMPLATE_CATEGORY" val="custom"/>
+  <p:tag name="KSO_WM_TEMPLATE_INDEX" val="160147"/>
+  <p:tag name="KSO_WM_UNIT_TYPE" val="l_i"/>
+  <p:tag name="KSO_WM_UNIT_INDEX" val="1_3"/>
+  <p:tag name="KSO_WM_UNIT_ID" val="custom160147_23*l_i*1_3"/>
+  <p:tag name="KSO_WM_UNIT_CLEAR" val="1"/>
+  <p:tag name="KSO_WM_UNIT_LAYERLEVEL" val="1_1"/>
+  <p:tag name="KSO_WM_DIAGRAM_GROUP_CODE" val="l1-3"/>
+</p:tagLst>
+</file>
+
+<file path=ppt/tags/tag309.xml><?xml version="1.0" encoding="utf-8"?>
+<p:tagLst xmlns:p="http://schemas.openxmlformats.org/presentationml/2006/main">
+  <p:tag name="KSO_WM_TAG_VERSION" val="1.0"/>
+  <p:tag name="KSO_WM_BEAUTIFY_FLAG" val="#wm#"/>
+  <p:tag name="KSO_WM_TEMPLATE_CATEGORY" val="custom"/>
+  <p:tag name="KSO_WM_TEMPLATE_INDEX" val="160147"/>
+  <p:tag name="KSO_WM_UNIT_TYPE" val="l_h_a"/>
+  <p:tag name="KSO_WM_UNIT_INDEX" val="1_1_1"/>
+  <p:tag name="KSO_WM_UNIT_ID" val="custom160147_23*l_h_a*1_1_1"/>
+  <p:tag name="KSO_WM_UNIT_CLEAR" val="1"/>
+  <p:tag name="KSO_WM_UNIT_LAYERLEVEL" val="1_1_1"/>
+  <p:tag name="KSO_WM_UNIT_VALUE" val="8"/>
+  <p:tag name="KSO_WM_UNIT_HIGHLIGHT" val="0"/>
+  <p:tag name="KSO_WM_UNIT_COMPATIBLE" val="0"/>
+  <p:tag name="KSO_WM_UNIT_PRESET_TEXT_INDEX" val="3"/>
+  <p:tag name="KSO_WM_UNIT_PRESET_TEXT_LEN" val="5"/>
+  <p:tag name="KSO_WM_DIAGRAM_GROUP_CODE" val="l1-3"/>
+</p:tagLst>
+</file>
+
+<file path=ppt/tags/tag31.xml><?xml version="1.0" encoding="utf-8"?>
 <p:tagLst xmlns:p="http://schemas.openxmlformats.org/presentationml/2006/main">
   <p:tag name="KSO_WM_TAG_VERSION" val="1.0"/>
   <p:tag name="KSO_WM_BEAUTIFY_FLAG" val="#wm#"/>
@@ -37797,337 +38369,7 @@
 </p:tagLst>
 </file>
 
-<file path=ppt/tags/tag290.xml><?xml version="1.0" encoding="utf-8"?>
-<p:tagLst xmlns:p="http://schemas.openxmlformats.org/presentationml/2006/main">
-  <p:tag name="KSO_WM_TAG_VERSION" val="1.0"/>
-  <p:tag name="KSO_WM_BEAUTIFY_FLAG" val="#wm#"/>
-  <p:tag name="KSO_WM_TEMPLATE_CATEGORY" val="custom"/>
-  <p:tag name="KSO_WM_TEMPLATE_INDEX" val="160147"/>
-  <p:tag name="KSO_WM_UNIT_TYPE" val="l_h_f"/>
-  <p:tag name="KSO_WM_UNIT_INDEX" val="1_3_1"/>
-  <p:tag name="KSO_WM_UNIT_ID" val="custom160147_22*l_h_f*1_3_1"/>
-  <p:tag name="KSO_WM_UNIT_CLEAR" val="1"/>
-  <p:tag name="KSO_WM_UNIT_LAYERLEVEL" val="1_1_1"/>
-  <p:tag name="KSO_WM_UNIT_VALUE" val="27"/>
-  <p:tag name="KSO_WM_UNIT_HIGHLIGHT" val="0"/>
-  <p:tag name="KSO_WM_UNIT_COMPATIBLE" val="0"/>
-  <p:tag name="KSO_WM_UNIT_PRESET_TEXT_INDEX" val="4"/>
-  <p:tag name="KSO_WM_UNIT_PRESET_TEXT_LEN" val="57"/>
-  <p:tag name="KSO_WM_DIAGRAM_GROUP_CODE" val="l1-3"/>
-</p:tagLst>
-</file>
-
-<file path=ppt/tags/tag291.xml><?xml version="1.0" encoding="utf-8"?>
-<p:tagLst xmlns:p="http://schemas.openxmlformats.org/presentationml/2006/main">
-  <p:tag name="KSO_WM_TAG_VERSION" val="1.0"/>
-  <p:tag name="KSO_WM_BEAUTIFY_FLAG" val="#wm#"/>
-  <p:tag name="KSO_WM_TEMPLATE_CATEGORY" val="custom"/>
-  <p:tag name="KSO_WM_TEMPLATE_INDEX" val="160147"/>
-  <p:tag name="KSO_WM_UNIT_TYPE" val="l_i"/>
-  <p:tag name="KSO_WM_UNIT_INDEX" val="1_8"/>
-  <p:tag name="KSO_WM_UNIT_ID" val="custom160147_22*l_i*1_8"/>
-  <p:tag name="KSO_WM_UNIT_CLEAR" val="1"/>
-  <p:tag name="KSO_WM_UNIT_LAYERLEVEL" val="1_1"/>
-  <p:tag name="KSO_WM_DIAGRAM_GROUP_CODE" val="l1-3"/>
-</p:tagLst>
-</file>
-
-<file path=ppt/tags/tag292.xml><?xml version="1.0" encoding="utf-8"?>
-<p:tagLst xmlns:p="http://schemas.openxmlformats.org/presentationml/2006/main">
-  <p:tag name="KSO_WM_TAG_VERSION" val="1.0"/>
-  <p:tag name="KSO_WM_BEAUTIFY_FLAG" val="#wm#"/>
-  <p:tag name="KSO_WM_TEMPLATE_CATEGORY" val="custom"/>
-  <p:tag name="KSO_WM_TEMPLATE_INDEX" val="160147"/>
-  <p:tag name="KSO_WM_UNIT_TYPE" val="l_i"/>
-  <p:tag name="KSO_WM_UNIT_INDEX" val="1_9"/>
-  <p:tag name="KSO_WM_UNIT_ID" val="custom160147_22*l_i*1_9"/>
-  <p:tag name="KSO_WM_UNIT_CLEAR" val="1"/>
-  <p:tag name="KSO_WM_UNIT_LAYERLEVEL" val="1_1"/>
-  <p:tag name="KSO_WM_DIAGRAM_GROUP_CODE" val="l1-3"/>
-</p:tagLst>
-</file>
-
-<file path=ppt/tags/tag293.xml><?xml version="1.0" encoding="utf-8"?>
-<p:tagLst xmlns:p="http://schemas.openxmlformats.org/presentationml/2006/main">
-  <p:tag name="KSO_WM_TAG_VERSION" val="1.0"/>
-  <p:tag name="KSO_WM_BEAUTIFY_FLAG" val="#wm#"/>
-  <p:tag name="KSO_WM_TEMPLATE_CATEGORY" val="custom"/>
-  <p:tag name="KSO_WM_TEMPLATE_INDEX" val="160147"/>
-  <p:tag name="KSO_WM_UNIT_TYPE" val="l_h_a"/>
-  <p:tag name="KSO_WM_UNIT_INDEX" val="1_3_1"/>
-  <p:tag name="KSO_WM_UNIT_ID" val="custom160147_22*l_h_a*1_3_1"/>
-  <p:tag name="KSO_WM_UNIT_CLEAR" val="1"/>
-  <p:tag name="KSO_WM_UNIT_LAYERLEVEL" val="1_1_1"/>
-  <p:tag name="KSO_WM_UNIT_VALUE" val="8"/>
-  <p:tag name="KSO_WM_UNIT_HIGHLIGHT" val="0"/>
-  <p:tag name="KSO_WM_UNIT_COMPATIBLE" val="0"/>
-  <p:tag name="KSO_WM_UNIT_PRESET_TEXT_INDEX" val="3"/>
-  <p:tag name="KSO_WM_UNIT_PRESET_TEXT_LEN" val="5"/>
-  <p:tag name="KSO_WM_DIAGRAM_GROUP_CODE" val="l1-3"/>
-</p:tagLst>
-</file>
-
-<file path=ppt/tags/tag294.xml><?xml version="1.0" encoding="utf-8"?>
-<p:tagLst xmlns:p="http://schemas.openxmlformats.org/presentationml/2006/main">
-  <p:tag name="KSO_WM_TAG_VERSION" val="1.0"/>
-  <p:tag name="KSO_WM_BEAUTIFY_FLAG" val="#wm#"/>
-  <p:tag name="KSO_WM_UNIT_TYPE" val="i"/>
-  <p:tag name="KSO_WM_UNIT_ID" val="custom160147_22*i*33"/>
-  <p:tag name="KSO_WM_TEMPLATE_CATEGORY" val="custom"/>
-  <p:tag name="KSO_WM_TEMPLATE_INDEX" val="160147"/>
-  <p:tag name="KSO_WM_UNIT_INDEX" val="33"/>
-</p:tagLst>
-</file>
-
-<file path=ppt/tags/tag295.xml><?xml version="1.0" encoding="utf-8"?>
-<p:tagLst xmlns:p="http://schemas.openxmlformats.org/presentationml/2006/main">
-  <p:tag name="KSO_WM_TAG_VERSION" val="1.0"/>
-  <p:tag name="KSO_WM_BEAUTIFY_FLAG" val="#wm#"/>
-  <p:tag name="KSO_WM_TEMPLATE_CATEGORY" val="custom"/>
-  <p:tag name="KSO_WM_TEMPLATE_INDEX" val="160147"/>
-  <p:tag name="KSO_WM_UNIT_TYPE" val="l_i"/>
-  <p:tag name="KSO_WM_UNIT_INDEX" val="1_10"/>
-  <p:tag name="KSO_WM_UNIT_ID" val="custom160147_22*l_i*1_10"/>
-  <p:tag name="KSO_WM_UNIT_CLEAR" val="1"/>
-  <p:tag name="KSO_WM_UNIT_LAYERLEVEL" val="1_1"/>
-  <p:tag name="KSO_WM_DIAGRAM_GROUP_CODE" val="l1-3"/>
-</p:tagLst>
-</file>
-
-<file path=ppt/tags/tag296.xml><?xml version="1.0" encoding="utf-8"?>
-<p:tagLst xmlns:p="http://schemas.openxmlformats.org/presentationml/2006/main">
-  <p:tag name="KSO_WM_TAG_VERSION" val="1.0"/>
-  <p:tag name="KSO_WM_BEAUTIFY_FLAG" val="#wm#"/>
-  <p:tag name="KSO_WM_TEMPLATE_CATEGORY" val="custom"/>
-  <p:tag name="KSO_WM_TEMPLATE_INDEX" val="160147"/>
-  <p:tag name="KSO_WM_UNIT_TYPE" val="l_h_f"/>
-  <p:tag name="KSO_WM_UNIT_INDEX" val="1_4_1"/>
-  <p:tag name="KSO_WM_UNIT_ID" val="custom160147_22*l_h_f*1_4_1"/>
-  <p:tag name="KSO_WM_UNIT_CLEAR" val="1"/>
-  <p:tag name="KSO_WM_UNIT_LAYERLEVEL" val="1_1_1"/>
-  <p:tag name="KSO_WM_UNIT_VALUE" val="27"/>
-  <p:tag name="KSO_WM_UNIT_HIGHLIGHT" val="0"/>
-  <p:tag name="KSO_WM_UNIT_COMPATIBLE" val="0"/>
-  <p:tag name="KSO_WM_UNIT_PRESET_TEXT_INDEX" val="4"/>
-  <p:tag name="KSO_WM_UNIT_PRESET_TEXT_LEN" val="57"/>
-  <p:tag name="KSO_WM_DIAGRAM_GROUP_CODE" val="l1-3"/>
-</p:tagLst>
-</file>
-
-<file path=ppt/tags/tag297.xml><?xml version="1.0" encoding="utf-8"?>
-<p:tagLst xmlns:p="http://schemas.openxmlformats.org/presentationml/2006/main">
-  <p:tag name="KSO_WM_TAG_VERSION" val="1.0"/>
-  <p:tag name="KSO_WM_BEAUTIFY_FLAG" val="#wm#"/>
-  <p:tag name="KSO_WM_TEMPLATE_CATEGORY" val="custom"/>
-  <p:tag name="KSO_WM_TEMPLATE_INDEX" val="160147"/>
-  <p:tag name="KSO_WM_UNIT_TYPE" val="l_i"/>
-  <p:tag name="KSO_WM_UNIT_INDEX" val="1_11"/>
-  <p:tag name="KSO_WM_UNIT_ID" val="custom160147_22*l_i*1_11"/>
-  <p:tag name="KSO_WM_UNIT_CLEAR" val="1"/>
-  <p:tag name="KSO_WM_UNIT_LAYERLEVEL" val="1_1"/>
-  <p:tag name="KSO_WM_DIAGRAM_GROUP_CODE" val="l1-3"/>
-</p:tagLst>
-</file>
-
-<file path=ppt/tags/tag298.xml><?xml version="1.0" encoding="utf-8"?>
-<p:tagLst xmlns:p="http://schemas.openxmlformats.org/presentationml/2006/main">
-  <p:tag name="KSO_WM_TAG_VERSION" val="1.0"/>
-  <p:tag name="KSO_WM_BEAUTIFY_FLAG" val="#wm#"/>
-  <p:tag name="KSO_WM_TEMPLATE_CATEGORY" val="custom"/>
-  <p:tag name="KSO_WM_TEMPLATE_INDEX" val="160147"/>
-  <p:tag name="KSO_WM_UNIT_TYPE" val="l_i"/>
-  <p:tag name="KSO_WM_UNIT_INDEX" val="1_12"/>
-  <p:tag name="KSO_WM_UNIT_ID" val="custom160147_22*l_i*1_12"/>
-  <p:tag name="KSO_WM_UNIT_CLEAR" val="1"/>
-  <p:tag name="KSO_WM_UNIT_LAYERLEVEL" val="1_1"/>
-  <p:tag name="KSO_WM_DIAGRAM_GROUP_CODE" val="l1-3"/>
-</p:tagLst>
-</file>
-
-<file path=ppt/tags/tag299.xml><?xml version="1.0" encoding="utf-8"?>
-<p:tagLst xmlns:p="http://schemas.openxmlformats.org/presentationml/2006/main">
-  <p:tag name="KSO_WM_TAG_VERSION" val="1.0"/>
-  <p:tag name="KSO_WM_BEAUTIFY_FLAG" val="#wm#"/>
-  <p:tag name="KSO_WM_TEMPLATE_CATEGORY" val="custom"/>
-  <p:tag name="KSO_WM_TEMPLATE_INDEX" val="160147"/>
-  <p:tag name="KSO_WM_UNIT_TYPE" val="l_h_a"/>
-  <p:tag name="KSO_WM_UNIT_INDEX" val="1_4_1"/>
-  <p:tag name="KSO_WM_UNIT_ID" val="custom160147_22*l_h_a*1_4_1"/>
-  <p:tag name="KSO_WM_UNIT_CLEAR" val="1"/>
-  <p:tag name="KSO_WM_UNIT_LAYERLEVEL" val="1_1_1"/>
-  <p:tag name="KSO_WM_UNIT_VALUE" val="8"/>
-  <p:tag name="KSO_WM_UNIT_HIGHLIGHT" val="0"/>
-  <p:tag name="KSO_WM_UNIT_COMPATIBLE" val="0"/>
-  <p:tag name="KSO_WM_UNIT_PRESET_TEXT_INDEX" val="3"/>
-  <p:tag name="KSO_WM_UNIT_PRESET_TEXT_LEN" val="5"/>
-  <p:tag name="KSO_WM_DIAGRAM_GROUP_CODE" val="l1-3"/>
-</p:tagLst>
-</file>
-
-<file path=ppt/tags/tag3.xml><?xml version="1.0" encoding="utf-8"?>
-<p:tagLst xmlns:p="http://schemas.openxmlformats.org/presentationml/2006/main">
-  <p:tag name="MH" val="20151013150709"/>
-  <p:tag name="MH_LIBRARY" val="CONTENTS"/>
-  <p:tag name="MH_TYPE" val="OTHERS"/>
-  <p:tag name="ID" val="553516"/>
-</p:tagLst>
-</file>
-
-<file path=ppt/tags/tag30.xml><?xml version="1.0" encoding="utf-8"?>
-<p:tagLst xmlns:p="http://schemas.openxmlformats.org/presentationml/2006/main">
-  <p:tag name="KSO_WM_TAG_VERSION" val="1.0"/>
-  <p:tag name="KSO_WM_BEAUTIFY_FLAG" val="#wm#"/>
-  <p:tag name="KSO_WM_TEMPLATE_CATEGORY" val="custom"/>
-  <p:tag name="KSO_WM_TEMPLATE_INDEX" val="160147"/>
-  <p:tag name="KSO_WM_UNIT_TYPE" val="f"/>
-  <p:tag name="KSO_WM_UNIT_INDEX" val="1"/>
-  <p:tag name="KSO_WM_UNIT_ID" val="custom160147_5*f*1"/>
-  <p:tag name="KSO_WM_UNIT_CLEAR" val="1"/>
-  <p:tag name="KSO_WM_UNIT_LAYERLEVEL" val="1"/>
-  <p:tag name="KSO_WM_UNIT_VALUE" val="76"/>
-  <p:tag name="KSO_WM_UNIT_HIGHLIGHT" val="0"/>
-  <p:tag name="KSO_WM_UNIT_COMPATIBLE" val="0"/>
-  <p:tag name="KSO_WM_UNIT_PRESET_TEXT_INDEX" val="4"/>
-  <p:tag name="KSO_WM_UNIT_PRESET_TEXT_LEN" val="57"/>
-</p:tagLst>
-</file>
-
-<file path=ppt/tags/tag300.xml><?xml version="1.0" encoding="utf-8"?>
-<p:tagLst xmlns:p="http://schemas.openxmlformats.org/presentationml/2006/main">
-  <p:tag name="KSO_WM_TAG_VERSION" val="1.0"/>
-  <p:tag name="KSO_WM_BEAUTIFY_FLAG" val="#wm#"/>
-  <p:tag name="KSO_WM_TEMPLATE_CATEGORY" val="custom"/>
-  <p:tag name="KSO_WM_TEMPLATE_INDEX" val="160147"/>
-  <p:tag name="KSO_WM_UNIT_TYPE" val="a"/>
-  <p:tag name="KSO_WM_UNIT_INDEX" val="1"/>
-  <p:tag name="KSO_WM_UNIT_ID" val="custom160147_22*a*1"/>
-  <p:tag name="KSO_WM_UNIT_CLEAR" val="1"/>
-  <p:tag name="KSO_WM_UNIT_LAYERLEVEL" val="1"/>
-  <p:tag name="KSO_WM_UNIT_VALUE" val="30"/>
-  <p:tag name="KSO_WM_UNIT_ISCONTENTSTITLE" val="0"/>
-  <p:tag name="KSO_WM_UNIT_HIGHLIGHT" val="0"/>
-  <p:tag name="KSO_WM_UNIT_COMPATIBLE" val="0"/>
-  <p:tag name="KSO_WM_UNIT_PRESET_TEXT_INDEX" val="3"/>
-  <p:tag name="KSO_WM_UNIT_PRESET_TEXT_LEN" val="24"/>
-</p:tagLst>
-</file>
-
-<file path=ppt/tags/tag301.xml><?xml version="1.0" encoding="utf-8"?>
-<p:tagLst xmlns:p="http://schemas.openxmlformats.org/presentationml/2006/main">
-  <p:tag name="KSO_WM_TEMPLATE_CATEGORY" val="custom"/>
-  <p:tag name="KSO_WM_TEMPLATE_INDEX" val="160147"/>
-  <p:tag name="KSO_WM_TAG_VERSION" val="1.0"/>
-  <p:tag name="KSO_WM_SLIDE_ID" val="custom160147_22"/>
-  <p:tag name="KSO_WM_SLIDE_INDEX" val="22"/>
-  <p:tag name="KSO_WM_SLIDE_ITEM_CNT" val="4"/>
-  <p:tag name="KSO_WM_SLIDE_LAYOUT" val="a_l"/>
-  <p:tag name="KSO_WM_SLIDE_LAYOUT_CNT" val="1_1"/>
-  <p:tag name="KSO_WM_SLIDE_TYPE" val="text"/>
-  <p:tag name="KSO_WM_BEAUTIFY_FLAG" val="#wm#"/>
-  <p:tag name="KSO_WM_SLIDE_POSITION" val="56*91"/>
-  <p:tag name="KSO_WM_SLIDE_SIZE" val="849*375"/>
-  <p:tag name="KSO_WM_DIAGRAM_GROUP_CODE" val="l1-3"/>
-</p:tagLst>
-</file>
-
-<file path=ppt/tags/tag302.xml><?xml version="1.0" encoding="utf-8"?>
-<p:tagLst xmlns:p="http://schemas.openxmlformats.org/presentationml/2006/main">
-  <p:tag name="KSO_WM_TAG_VERSION" val="1.0"/>
-  <p:tag name="KSO_WM_BEAUTIFY_FLAG" val="#wm#"/>
-  <p:tag name="KSO_WM_UNIT_TYPE" val="i"/>
-  <p:tag name="KSO_WM_UNIT_ID" val="custom160147_23*i*0"/>
-  <p:tag name="KSO_WM_TEMPLATE_CATEGORY" val="custom"/>
-  <p:tag name="KSO_WM_TEMPLATE_INDEX" val="160147"/>
-  <p:tag name="KSO_WM_UNIT_INDEX" val="0"/>
-</p:tagLst>
-</file>
-
-<file path=ppt/tags/tag303.xml><?xml version="1.0" encoding="utf-8"?>
-<p:tagLst xmlns:p="http://schemas.openxmlformats.org/presentationml/2006/main">
-  <p:tag name="KSO_WM_TAG_VERSION" val="1.0"/>
-  <p:tag name="KSO_WM_BEAUTIFY_FLAG" val="#wm#"/>
-  <p:tag name="KSO_WM_TEMPLATE_CATEGORY" val="custom"/>
-  <p:tag name="KSO_WM_TEMPLATE_INDEX" val="160147"/>
-  <p:tag name="KSO_WM_UNIT_TYPE" val="l_i"/>
-  <p:tag name="KSO_WM_UNIT_INDEX" val="1_1"/>
-  <p:tag name="KSO_WM_UNIT_ID" val="custom160147_23*l_i*1_1"/>
-  <p:tag name="KSO_WM_UNIT_CLEAR" val="1"/>
-  <p:tag name="KSO_WM_UNIT_LAYERLEVEL" val="1_1"/>
-  <p:tag name="KSO_WM_DIAGRAM_GROUP_CODE" val="l1-3"/>
-</p:tagLst>
-</file>
-
-<file path=ppt/tags/tag304.xml><?xml version="1.0" encoding="utf-8"?>
-<p:tagLst xmlns:p="http://schemas.openxmlformats.org/presentationml/2006/main">
-  <p:tag name="KSO_WM_TAG_VERSION" val="1.0"/>
-  <p:tag name="KSO_WM_BEAUTIFY_FLAG" val="#wm#"/>
-  <p:tag name="KSO_WM_TEMPLATE_CATEGORY" val="custom"/>
-  <p:tag name="KSO_WM_TEMPLATE_INDEX" val="160147"/>
-  <p:tag name="KSO_WM_UNIT_TYPE" val="l_h_f"/>
-  <p:tag name="KSO_WM_UNIT_INDEX" val="1_1_1"/>
-  <p:tag name="KSO_WM_UNIT_ID" val="custom160147_23*l_h_f*1_1_1"/>
-  <p:tag name="KSO_WM_UNIT_CLEAR" val="1"/>
-  <p:tag name="KSO_WM_UNIT_LAYERLEVEL" val="1_1_1"/>
-  <p:tag name="KSO_WM_UNIT_VALUE" val="27"/>
-  <p:tag name="KSO_WM_UNIT_HIGHLIGHT" val="0"/>
-  <p:tag name="KSO_WM_UNIT_COMPATIBLE" val="0"/>
-  <p:tag name="KSO_WM_UNIT_PRESET_TEXT_INDEX" val="4"/>
-  <p:tag name="KSO_WM_UNIT_PRESET_TEXT_LEN" val="57"/>
-  <p:tag name="KSO_WM_DIAGRAM_GROUP_CODE" val="l1-3"/>
-</p:tagLst>
-</file>
-
-<file path=ppt/tags/tag305.xml><?xml version="1.0" encoding="utf-8"?>
-<p:tagLst xmlns:p="http://schemas.openxmlformats.org/presentationml/2006/main">
-  <p:tag name="KSO_WM_TAG_VERSION" val="1.0"/>
-  <p:tag name="KSO_WM_BEAUTIFY_FLAG" val="#wm#"/>
-  <p:tag name="KSO_WM_TEMPLATE_CATEGORY" val="custom"/>
-  <p:tag name="KSO_WM_TEMPLATE_INDEX" val="160147"/>
-  <p:tag name="KSO_WM_UNIT_TYPE" val="l_i"/>
-  <p:tag name="KSO_WM_UNIT_INDEX" val="1_2"/>
-  <p:tag name="KSO_WM_UNIT_ID" val="custom160147_23*l_i*1_2"/>
-  <p:tag name="KSO_WM_UNIT_CLEAR" val="1"/>
-  <p:tag name="KSO_WM_UNIT_LAYERLEVEL" val="1_1"/>
-  <p:tag name="KSO_WM_DIAGRAM_GROUP_CODE" val="l1-3"/>
-</p:tagLst>
-</file>
-
-<file path=ppt/tags/tag306.xml><?xml version="1.0" encoding="utf-8"?>
-<p:tagLst xmlns:p="http://schemas.openxmlformats.org/presentationml/2006/main">
-  <p:tag name="KSO_WM_TAG_VERSION" val="1.0"/>
-  <p:tag name="KSO_WM_BEAUTIFY_FLAG" val="#wm#"/>
-  <p:tag name="KSO_WM_TEMPLATE_CATEGORY" val="custom"/>
-  <p:tag name="KSO_WM_TEMPLATE_INDEX" val="160147"/>
-  <p:tag name="KSO_WM_UNIT_TYPE" val="l_i"/>
-  <p:tag name="KSO_WM_UNIT_INDEX" val="1_3"/>
-  <p:tag name="KSO_WM_UNIT_ID" val="custom160147_23*l_i*1_3"/>
-  <p:tag name="KSO_WM_UNIT_CLEAR" val="1"/>
-  <p:tag name="KSO_WM_UNIT_LAYERLEVEL" val="1_1"/>
-  <p:tag name="KSO_WM_DIAGRAM_GROUP_CODE" val="l1-3"/>
-</p:tagLst>
-</file>
-
-<file path=ppt/tags/tag307.xml><?xml version="1.0" encoding="utf-8"?>
-<p:tagLst xmlns:p="http://schemas.openxmlformats.org/presentationml/2006/main">
-  <p:tag name="KSO_WM_TAG_VERSION" val="1.0"/>
-  <p:tag name="KSO_WM_BEAUTIFY_FLAG" val="#wm#"/>
-  <p:tag name="KSO_WM_TEMPLATE_CATEGORY" val="custom"/>
-  <p:tag name="KSO_WM_TEMPLATE_INDEX" val="160147"/>
-  <p:tag name="KSO_WM_UNIT_TYPE" val="l_h_a"/>
-  <p:tag name="KSO_WM_UNIT_INDEX" val="1_1_1"/>
-  <p:tag name="KSO_WM_UNIT_ID" val="custom160147_23*l_h_a*1_1_1"/>
-  <p:tag name="KSO_WM_UNIT_CLEAR" val="1"/>
-  <p:tag name="KSO_WM_UNIT_LAYERLEVEL" val="1_1_1"/>
-  <p:tag name="KSO_WM_UNIT_VALUE" val="8"/>
-  <p:tag name="KSO_WM_UNIT_HIGHLIGHT" val="0"/>
-  <p:tag name="KSO_WM_UNIT_COMPATIBLE" val="0"/>
-  <p:tag name="KSO_WM_UNIT_PRESET_TEXT_INDEX" val="3"/>
-  <p:tag name="KSO_WM_UNIT_PRESET_TEXT_LEN" val="5"/>
-  <p:tag name="KSO_WM_DIAGRAM_GROUP_CODE" val="l1-3"/>
-</p:tagLst>
-</file>
-
-<file path=ppt/tags/tag308.xml><?xml version="1.0" encoding="utf-8"?>
+<file path=ppt/tags/tag310.xml><?xml version="1.0" encoding="utf-8"?>
 <p:tagLst xmlns:p="http://schemas.openxmlformats.org/presentationml/2006/main">
   <p:tag name="KSO_WM_TAG_VERSION" val="1.0"/>
   <p:tag name="KSO_WM_BEAUTIFY_FLAG" val="#wm#"/>
@@ -38139,7 +38381,7 @@
 </p:tagLst>
 </file>
 
-<file path=ppt/tags/tag309.xml><?xml version="1.0" encoding="utf-8"?>
+<file path=ppt/tags/tag311.xml><?xml version="1.0" encoding="utf-8"?>
 <p:tagLst xmlns:p="http://schemas.openxmlformats.org/presentationml/2006/main">
   <p:tag name="KSO_WM_TAG_VERSION" val="1.0"/>
   <p:tag name="KSO_WM_BEAUTIFY_FLAG" val="#wm#"/>
@@ -38154,24 +38396,7 @@
 </p:tagLst>
 </file>
 
-<file path=ppt/tags/tag31.xml><?xml version="1.0" encoding="utf-8"?>
-<p:tagLst xmlns:p="http://schemas.openxmlformats.org/presentationml/2006/main">
-  <p:tag name="KSO_WM_TEMPLATE_CATEGORY" val="custom"/>
-  <p:tag name="KSO_WM_TEMPLATE_INDEX" val="160147"/>
-  <p:tag name="KSO_WM_TAG_VERSION" val="1.0"/>
-  <p:tag name="KSO_WM_SLIDE_ID" val="custom160147_5"/>
-  <p:tag name="KSO_WM_SLIDE_INDEX" val="5"/>
-  <p:tag name="KSO_WM_SLIDE_ITEM_CNT" val="3"/>
-  <p:tag name="KSO_WM_SLIDE_LAYOUT" val="a_f_d"/>
-  <p:tag name="KSO_WM_SLIDE_LAYOUT_CNT" val="1_1_1"/>
-  <p:tag name="KSO_WM_SLIDE_TYPE" val="text"/>
-  <p:tag name="KSO_WM_BEAUTIFY_FLAG" val="#wm#"/>
-  <p:tag name="KSO_WM_SLIDE_POSITION" val="122*104"/>
-  <p:tag name="KSO_WM_SLIDE_SIZE" val="715*418"/>
-</p:tagLst>
-</file>
-
-<file path=ppt/tags/tag310.xml><?xml version="1.0" encoding="utf-8"?>
+<file path=ppt/tags/tag312.xml><?xml version="1.0" encoding="utf-8"?>
 <p:tagLst xmlns:p="http://schemas.openxmlformats.org/presentationml/2006/main">
   <p:tag name="KSO_WM_TAG_VERSION" val="1.0"/>
   <p:tag name="KSO_WM_BEAUTIFY_FLAG" val="#wm#"/>
@@ -38191,7 +38416,7 @@
 </p:tagLst>
 </file>
 
-<file path=ppt/tags/tag311.xml><?xml version="1.0" encoding="utf-8"?>
+<file path=ppt/tags/tag313.xml><?xml version="1.0" encoding="utf-8"?>
 <p:tagLst xmlns:p="http://schemas.openxmlformats.org/presentationml/2006/main">
   <p:tag name="KSO_WM_TAG_VERSION" val="1.0"/>
   <p:tag name="KSO_WM_BEAUTIFY_FLAG" val="#wm#"/>
@@ -38206,7 +38431,7 @@
 </p:tagLst>
 </file>
 
-<file path=ppt/tags/tag312.xml><?xml version="1.0" encoding="utf-8"?>
+<file path=ppt/tags/tag314.xml><?xml version="1.0" encoding="utf-8"?>
 <p:tagLst xmlns:p="http://schemas.openxmlformats.org/presentationml/2006/main">
   <p:tag name="KSO_WM_TAG_VERSION" val="1.0"/>
   <p:tag name="KSO_WM_BEAUTIFY_FLAG" val="#wm#"/>
@@ -38221,7 +38446,7 @@
 </p:tagLst>
 </file>
 
-<file path=ppt/tags/tag313.xml><?xml version="1.0" encoding="utf-8"?>
+<file path=ppt/tags/tag315.xml><?xml version="1.0" encoding="utf-8"?>
 <p:tagLst xmlns:p="http://schemas.openxmlformats.org/presentationml/2006/main">
   <p:tag name="KSO_WM_TAG_VERSION" val="1.0"/>
   <p:tag name="KSO_WM_BEAUTIFY_FLAG" val="#wm#"/>
@@ -38241,7 +38466,7 @@
 </p:tagLst>
 </file>
 
-<file path=ppt/tags/tag314.xml><?xml version="1.0" encoding="utf-8"?>
+<file path=ppt/tags/tag316.xml><?xml version="1.0" encoding="utf-8"?>
 <p:tagLst xmlns:p="http://schemas.openxmlformats.org/presentationml/2006/main">
   <p:tag name="KSO_WM_TAG_VERSION" val="1.0"/>
   <p:tag name="KSO_WM_BEAUTIFY_FLAG" val="#wm#"/>
@@ -38253,7 +38478,7 @@
 </p:tagLst>
 </file>
 
-<file path=ppt/tags/tag315.xml><?xml version="1.0" encoding="utf-8"?>
+<file path=ppt/tags/tag317.xml><?xml version="1.0" encoding="utf-8"?>
 <p:tagLst xmlns:p="http://schemas.openxmlformats.org/presentationml/2006/main">
   <p:tag name="KSO_WM_TAG_VERSION" val="1.0"/>
   <p:tag name="KSO_WM_BEAUTIFY_FLAG" val="#wm#"/>
@@ -38268,7 +38493,7 @@
 </p:tagLst>
 </file>
 
-<file path=ppt/tags/tag316.xml><?xml version="1.0" encoding="utf-8"?>
+<file path=ppt/tags/tag318.xml><?xml version="1.0" encoding="utf-8"?>
 <p:tagLst xmlns:p="http://schemas.openxmlformats.org/presentationml/2006/main">
   <p:tag name="KSO_WM_TAG_VERSION" val="1.0"/>
   <p:tag name="KSO_WM_BEAUTIFY_FLAG" val="#wm#"/>
@@ -38288,7 +38513,7 @@
 </p:tagLst>
 </file>
 
-<file path=ppt/tags/tag317.xml><?xml version="1.0" encoding="utf-8"?>
+<file path=ppt/tags/tag319.xml><?xml version="1.0" encoding="utf-8"?>
 <p:tagLst xmlns:p="http://schemas.openxmlformats.org/presentationml/2006/main">
   <p:tag name="KSO_WM_TAG_VERSION" val="1.0"/>
   <p:tag name="KSO_WM_BEAUTIFY_FLAG" val="#wm#"/>
@@ -38303,7 +38528,26 @@
 </p:tagLst>
 </file>
 
-<file path=ppt/tags/tag318.xml><?xml version="1.0" encoding="utf-8"?>
+<file path=ppt/tags/tag32.xml><?xml version="1.0" encoding="utf-8"?>
+<p:tagLst xmlns:p="http://schemas.openxmlformats.org/presentationml/2006/main">
+  <p:tag name="KSO_WM_TAG_VERSION" val="1.0"/>
+  <p:tag name="KSO_WM_BEAUTIFY_FLAG" val="#wm#"/>
+  <p:tag name="KSO_WM_TEMPLATE_CATEGORY" val="custom"/>
+  <p:tag name="KSO_WM_TEMPLATE_INDEX" val="160147"/>
+  <p:tag name="KSO_WM_UNIT_TYPE" val="f"/>
+  <p:tag name="KSO_WM_UNIT_INDEX" val="1"/>
+  <p:tag name="KSO_WM_UNIT_ID" val="custom160147_5*f*1"/>
+  <p:tag name="KSO_WM_UNIT_CLEAR" val="1"/>
+  <p:tag name="KSO_WM_UNIT_LAYERLEVEL" val="1"/>
+  <p:tag name="KSO_WM_UNIT_VALUE" val="76"/>
+  <p:tag name="KSO_WM_UNIT_HIGHLIGHT" val="0"/>
+  <p:tag name="KSO_WM_UNIT_COMPATIBLE" val="0"/>
+  <p:tag name="KSO_WM_UNIT_PRESET_TEXT_INDEX" val="4"/>
+  <p:tag name="KSO_WM_UNIT_PRESET_TEXT_LEN" val="57"/>
+</p:tagLst>
+</file>
+
+<file path=ppt/tags/tag320.xml><?xml version="1.0" encoding="utf-8"?>
 <p:tagLst xmlns:p="http://schemas.openxmlformats.org/presentationml/2006/main">
   <p:tag name="KSO_WM_TAG_VERSION" val="1.0"/>
   <p:tag name="KSO_WM_BEAUTIFY_FLAG" val="#wm#"/>
@@ -38318,7 +38562,7 @@
 </p:tagLst>
 </file>
 
-<file path=ppt/tags/tag319.xml><?xml version="1.0" encoding="utf-8"?>
+<file path=ppt/tags/tag321.xml><?xml version="1.0" encoding="utf-8"?>
 <p:tagLst xmlns:p="http://schemas.openxmlformats.org/presentationml/2006/main">
   <p:tag name="KSO_WM_TAG_VERSION" val="1.0"/>
   <p:tag name="KSO_WM_BEAUTIFY_FLAG" val="#wm#"/>
@@ -38338,19 +38582,7 @@
 </p:tagLst>
 </file>
 
-<file path=ppt/tags/tag32.xml><?xml version="1.0" encoding="utf-8"?>
-<p:tagLst xmlns:p="http://schemas.openxmlformats.org/presentationml/2006/main">
-  <p:tag name="KSO_WM_TAG_VERSION" val="1.0"/>
-  <p:tag name="KSO_WM_BEAUTIFY_FLAG" val="#wm#"/>
-  <p:tag name="KSO_WM_UNIT_TYPE" val="i"/>
-  <p:tag name="KSO_WM_UNIT_ID" val="custom160147_6*i*0"/>
-  <p:tag name="KSO_WM_TEMPLATE_CATEGORY" val="custom"/>
-  <p:tag name="KSO_WM_TEMPLATE_INDEX" val="160147"/>
-  <p:tag name="KSO_WM_UNIT_INDEX" val="0"/>
-</p:tagLst>
-</file>
-
-<file path=ppt/tags/tag320.xml><?xml version="1.0" encoding="utf-8"?>
+<file path=ppt/tags/tag322.xml><?xml version="1.0" encoding="utf-8"?>
 <p:tagLst xmlns:p="http://schemas.openxmlformats.org/presentationml/2006/main">
   <p:tag name="KSO_WM_TAG_VERSION" val="1.0"/>
   <p:tag name="KSO_WM_BEAUTIFY_FLAG" val="#wm#"/>
@@ -38362,7 +38594,7 @@
 </p:tagLst>
 </file>
 
-<file path=ppt/tags/tag321.xml><?xml version="1.0" encoding="utf-8"?>
+<file path=ppt/tags/tag323.xml><?xml version="1.0" encoding="utf-8"?>
 <p:tagLst xmlns:p="http://schemas.openxmlformats.org/presentationml/2006/main">
   <p:tag name="KSO_WM_TAG_VERSION" val="1.0"/>
   <p:tag name="KSO_WM_BEAUTIFY_FLAG" val="#wm#"/>
@@ -38377,7 +38609,7 @@
 </p:tagLst>
 </file>
 
-<file path=ppt/tags/tag322.xml><?xml version="1.0" encoding="utf-8"?>
+<file path=ppt/tags/tag324.xml><?xml version="1.0" encoding="utf-8"?>
 <p:tagLst xmlns:p="http://schemas.openxmlformats.org/presentationml/2006/main">
   <p:tag name="KSO_WM_TAG_VERSION" val="1.0"/>
   <p:tag name="KSO_WM_BEAUTIFY_FLAG" val="#wm#"/>
@@ -38397,7 +38629,7 @@
 </p:tagLst>
 </file>
 
-<file path=ppt/tags/tag323.xml><?xml version="1.0" encoding="utf-8"?>
+<file path=ppt/tags/tag325.xml><?xml version="1.0" encoding="utf-8"?>
 <p:tagLst xmlns:p="http://schemas.openxmlformats.org/presentationml/2006/main">
   <p:tag name="KSO_WM_TAG_VERSION" val="1.0"/>
   <p:tag name="KSO_WM_BEAUTIFY_FLAG" val="#wm#"/>
@@ -38412,7 +38644,7 @@
 </p:tagLst>
 </file>
 
-<file path=ppt/tags/tag324.xml><?xml version="1.0" encoding="utf-8"?>
+<file path=ppt/tags/tag326.xml><?xml version="1.0" encoding="utf-8"?>
 <p:tagLst xmlns:p="http://schemas.openxmlformats.org/presentationml/2006/main">
   <p:tag name="KSO_WM_TAG_VERSION" val="1.0"/>
   <p:tag name="KSO_WM_BEAUTIFY_FLAG" val="#wm#"/>
@@ -38427,7 +38659,7 @@
 </p:tagLst>
 </file>
 
-<file path=ppt/tags/tag325.xml><?xml version="1.0" encoding="utf-8"?>
+<file path=ppt/tags/tag327.xml><?xml version="1.0" encoding="utf-8"?>
 <p:tagLst xmlns:p="http://schemas.openxmlformats.org/presentationml/2006/main">
   <p:tag name="KSO_WM_TAG_VERSION" val="1.0"/>
   <p:tag name="KSO_WM_BEAUTIFY_FLAG" val="#wm#"/>
@@ -38447,7 +38679,7 @@
 </p:tagLst>
 </file>
 
-<file path=ppt/tags/tag326.xml><?xml version="1.0" encoding="utf-8"?>
+<file path=ppt/tags/tag328.xml><?xml version="1.0" encoding="utf-8"?>
 <p:tagLst xmlns:p="http://schemas.openxmlformats.org/presentationml/2006/main">
   <p:tag name="KSO_WM_TAG_VERSION" val="1.0"/>
   <p:tag name="KSO_WM_BEAUTIFY_FLAG" val="#wm#"/>
@@ -38459,7 +38691,7 @@
 </p:tagLst>
 </file>
 
-<file path=ppt/tags/tag327.xml><?xml version="1.0" encoding="utf-8"?>
+<file path=ppt/tags/tag329.xml><?xml version="1.0" encoding="utf-8"?>
 <p:tagLst xmlns:p="http://schemas.openxmlformats.org/presentationml/2006/main">
   <p:tag name="KSO_WM_TAG_VERSION" val="1.0"/>
   <p:tag name="KSO_WM_BEAUTIFY_FLAG" val="#wm#"/>
@@ -38474,7 +38706,24 @@
 </p:tagLst>
 </file>
 
-<file path=ppt/tags/tag328.xml><?xml version="1.0" encoding="utf-8"?>
+<file path=ppt/tags/tag33.xml><?xml version="1.0" encoding="utf-8"?>
+<p:tagLst xmlns:p="http://schemas.openxmlformats.org/presentationml/2006/main">
+  <p:tag name="KSO_WM_TEMPLATE_CATEGORY" val="custom"/>
+  <p:tag name="KSO_WM_TEMPLATE_INDEX" val="160147"/>
+  <p:tag name="KSO_WM_TAG_VERSION" val="1.0"/>
+  <p:tag name="KSO_WM_SLIDE_ID" val="custom160147_5"/>
+  <p:tag name="KSO_WM_SLIDE_INDEX" val="5"/>
+  <p:tag name="KSO_WM_SLIDE_ITEM_CNT" val="3"/>
+  <p:tag name="KSO_WM_SLIDE_LAYOUT" val="a_f_d"/>
+  <p:tag name="KSO_WM_SLIDE_LAYOUT_CNT" val="1_1_1"/>
+  <p:tag name="KSO_WM_SLIDE_TYPE" val="text"/>
+  <p:tag name="KSO_WM_BEAUTIFY_FLAG" val="#wm#"/>
+  <p:tag name="KSO_WM_SLIDE_POSITION" val="122*104"/>
+  <p:tag name="KSO_WM_SLIDE_SIZE" val="715*418"/>
+</p:tagLst>
+</file>
+
+<file path=ppt/tags/tag330.xml><?xml version="1.0" encoding="utf-8"?>
 <p:tagLst xmlns:p="http://schemas.openxmlformats.org/presentationml/2006/main">
   <p:tag name="KSO_WM_TAG_VERSION" val="1.0"/>
   <p:tag name="KSO_WM_BEAUTIFY_FLAG" val="#wm#"/>
@@ -38494,7 +38743,7 @@
 </p:tagLst>
 </file>
 
-<file path=ppt/tags/tag329.xml><?xml version="1.0" encoding="utf-8"?>
+<file path=ppt/tags/tag331.xml><?xml version="1.0" encoding="utf-8"?>
 <p:tagLst xmlns:p="http://schemas.openxmlformats.org/presentationml/2006/main">
   <p:tag name="KSO_WM_TAG_VERSION" val="1.0"/>
   <p:tag name="KSO_WM_BEAUTIFY_FLAG" val="#wm#"/>
@@ -38509,7 +38758,313 @@
 </p:tagLst>
 </file>
 
-<file path=ppt/tags/tag33.xml><?xml version="1.0" encoding="utf-8"?>
+<file path=ppt/tags/tag332.xml><?xml version="1.0" encoding="utf-8"?>
+<p:tagLst xmlns:p="http://schemas.openxmlformats.org/presentationml/2006/main">
+  <p:tag name="KSO_WM_TAG_VERSION" val="1.0"/>
+  <p:tag name="KSO_WM_BEAUTIFY_FLAG" val="#wm#"/>
+  <p:tag name="KSO_WM_TEMPLATE_CATEGORY" val="custom"/>
+  <p:tag name="KSO_WM_TEMPLATE_INDEX" val="160147"/>
+  <p:tag name="KSO_WM_UNIT_TYPE" val="l_i"/>
+  <p:tag name="KSO_WM_UNIT_INDEX" val="1_15"/>
+  <p:tag name="KSO_WM_UNIT_ID" val="custom160147_23*l_i*1_15"/>
+  <p:tag name="KSO_WM_UNIT_CLEAR" val="1"/>
+  <p:tag name="KSO_WM_UNIT_LAYERLEVEL" val="1_1"/>
+  <p:tag name="KSO_WM_DIAGRAM_GROUP_CODE" val="l1-3"/>
+</p:tagLst>
+</file>
+
+<file path=ppt/tags/tag333.xml><?xml version="1.0" encoding="utf-8"?>
+<p:tagLst xmlns:p="http://schemas.openxmlformats.org/presentationml/2006/main">
+  <p:tag name="KSO_WM_TAG_VERSION" val="1.0"/>
+  <p:tag name="KSO_WM_BEAUTIFY_FLAG" val="#wm#"/>
+  <p:tag name="KSO_WM_TEMPLATE_CATEGORY" val="custom"/>
+  <p:tag name="KSO_WM_TEMPLATE_INDEX" val="160147"/>
+  <p:tag name="KSO_WM_UNIT_TYPE" val="l_h_a"/>
+  <p:tag name="KSO_WM_UNIT_INDEX" val="1_5_1"/>
+  <p:tag name="KSO_WM_UNIT_ID" val="custom160147_23*l_h_a*1_5_1"/>
+  <p:tag name="KSO_WM_UNIT_CLEAR" val="1"/>
+  <p:tag name="KSO_WM_UNIT_LAYERLEVEL" val="1_1_1"/>
+  <p:tag name="KSO_WM_UNIT_VALUE" val="8"/>
+  <p:tag name="KSO_WM_UNIT_HIGHLIGHT" val="0"/>
+  <p:tag name="KSO_WM_UNIT_COMPATIBLE" val="0"/>
+  <p:tag name="KSO_WM_UNIT_PRESET_TEXT_INDEX" val="3"/>
+  <p:tag name="KSO_WM_UNIT_PRESET_TEXT_LEN" val="5"/>
+  <p:tag name="KSO_WM_DIAGRAM_GROUP_CODE" val="l1-3"/>
+</p:tagLst>
+</file>
+
+<file path=ppt/tags/tag334.xml><?xml version="1.0" encoding="utf-8"?>
+<p:tagLst xmlns:p="http://schemas.openxmlformats.org/presentationml/2006/main">
+  <p:tag name="KSO_WM_TAG_VERSION" val="1.0"/>
+  <p:tag name="KSO_WM_BEAUTIFY_FLAG" val="#wm#"/>
+  <p:tag name="KSO_WM_TEMPLATE_CATEGORY" val="custom"/>
+  <p:tag name="KSO_WM_TEMPLATE_INDEX" val="160147"/>
+  <p:tag name="KSO_WM_UNIT_TYPE" val="a"/>
+  <p:tag name="KSO_WM_UNIT_INDEX" val="1"/>
+  <p:tag name="KSO_WM_UNIT_ID" val="custom160147_23*a*1"/>
+  <p:tag name="KSO_WM_UNIT_CLEAR" val="1"/>
+  <p:tag name="KSO_WM_UNIT_LAYERLEVEL" val="1"/>
+  <p:tag name="KSO_WM_UNIT_VALUE" val="30"/>
+  <p:tag name="KSO_WM_UNIT_ISCONTENTSTITLE" val="0"/>
+  <p:tag name="KSO_WM_UNIT_HIGHLIGHT" val="0"/>
+  <p:tag name="KSO_WM_UNIT_COMPATIBLE" val="0"/>
+  <p:tag name="KSO_WM_UNIT_PRESET_TEXT_INDEX" val="3"/>
+  <p:tag name="KSO_WM_UNIT_PRESET_TEXT_LEN" val="24"/>
+</p:tagLst>
+</file>
+
+<file path=ppt/tags/tag335.xml><?xml version="1.0" encoding="utf-8"?>
+<p:tagLst xmlns:p="http://schemas.openxmlformats.org/presentationml/2006/main">
+  <p:tag name="KSO_WM_TEMPLATE_CATEGORY" val="custom"/>
+  <p:tag name="KSO_WM_TEMPLATE_INDEX" val="160147"/>
+  <p:tag name="KSO_WM_TAG_VERSION" val="1.0"/>
+  <p:tag name="KSO_WM_SLIDE_ID" val="custom160147_23"/>
+  <p:tag name="KSO_WM_SLIDE_INDEX" val="23"/>
+  <p:tag name="KSO_WM_SLIDE_ITEM_CNT" val="5"/>
+  <p:tag name="KSO_WM_SLIDE_LAYOUT" val="a_l"/>
+  <p:tag name="KSO_WM_SLIDE_LAYOUT_CNT" val="1_1"/>
+  <p:tag name="KSO_WM_SLIDE_TYPE" val="text"/>
+  <p:tag name="KSO_WM_BEAUTIFY_FLAG" val="#wm#"/>
+  <p:tag name="KSO_WM_SLIDE_POSITION" val="58*85"/>
+  <p:tag name="KSO_WM_SLIDE_SIZE" val="845*437"/>
+  <p:tag name="KSO_WM_DIAGRAM_GROUP_CODE" val="l1-3"/>
+</p:tagLst>
+</file>
+
+<file path=ppt/tags/tag336.xml><?xml version="1.0" encoding="utf-8"?>
+<p:tagLst xmlns:p="http://schemas.openxmlformats.org/presentationml/2006/main">
+  <p:tag name="KSO_WM_TAG_VERSION" val="1.0"/>
+  <p:tag name="KSO_WM_BEAUTIFY_FLAG" val="#wm#"/>
+  <p:tag name="KSO_WM_UNIT_TYPE" val="i"/>
+  <p:tag name="KSO_WM_UNIT_ID" val="custom160147_24*i*0"/>
+  <p:tag name="KSO_WM_TEMPLATE_CATEGORY" val="custom"/>
+  <p:tag name="KSO_WM_TEMPLATE_INDEX" val="160147"/>
+  <p:tag name="KSO_WM_UNIT_INDEX" val="0"/>
+</p:tagLst>
+</file>
+
+<file path=ppt/tags/tag337.xml><?xml version="1.0" encoding="utf-8"?>
+<p:tagLst xmlns:p="http://schemas.openxmlformats.org/presentationml/2006/main">
+  <p:tag name="KSO_WM_TAG_VERSION" val="1.0"/>
+  <p:tag name="KSO_WM_BEAUTIFY_FLAG" val="#wm#"/>
+  <p:tag name="KSO_WM_TEMPLATE_CATEGORY" val="custom"/>
+  <p:tag name="KSO_WM_TEMPLATE_INDEX" val="160147"/>
+  <p:tag name="KSO_WM_UNIT_TYPE" val="l_i"/>
+  <p:tag name="KSO_WM_UNIT_INDEX" val="1_1"/>
+  <p:tag name="KSO_WM_UNIT_ID" val="custom160147_24*l_i*1_1"/>
+  <p:tag name="KSO_WM_UNIT_CLEAR" val="1"/>
+  <p:tag name="KSO_WM_UNIT_LAYERLEVEL" val="1_1"/>
+  <p:tag name="KSO_WM_DIAGRAM_GROUP_CODE" val="l1-3"/>
+</p:tagLst>
+</file>
+
+<file path=ppt/tags/tag338.xml><?xml version="1.0" encoding="utf-8"?>
+<p:tagLst xmlns:p="http://schemas.openxmlformats.org/presentationml/2006/main">
+  <p:tag name="KSO_WM_TAG_VERSION" val="1.0"/>
+  <p:tag name="KSO_WM_BEAUTIFY_FLAG" val="#wm#"/>
+  <p:tag name="KSO_WM_TEMPLATE_CATEGORY" val="custom"/>
+  <p:tag name="KSO_WM_TEMPLATE_INDEX" val="160147"/>
+  <p:tag name="KSO_WM_UNIT_TYPE" val="l_h_f"/>
+  <p:tag name="KSO_WM_UNIT_INDEX" val="1_1_1"/>
+  <p:tag name="KSO_WM_UNIT_ID" val="custom160147_24*l_h_f*1_1_1"/>
+  <p:tag name="KSO_WM_UNIT_CLEAR" val="1"/>
+  <p:tag name="KSO_WM_UNIT_LAYERLEVEL" val="1_1_1"/>
+  <p:tag name="KSO_WM_UNIT_VALUE" val="27"/>
+  <p:tag name="KSO_WM_UNIT_HIGHLIGHT" val="0"/>
+  <p:tag name="KSO_WM_UNIT_COMPATIBLE" val="0"/>
+  <p:tag name="KSO_WM_UNIT_PRESET_TEXT_INDEX" val="4"/>
+  <p:tag name="KSO_WM_UNIT_PRESET_TEXT_LEN" val="57"/>
+  <p:tag name="KSO_WM_DIAGRAM_GROUP_CODE" val="l1-3"/>
+</p:tagLst>
+</file>
+
+<file path=ppt/tags/tag339.xml><?xml version="1.0" encoding="utf-8"?>
+<p:tagLst xmlns:p="http://schemas.openxmlformats.org/presentationml/2006/main">
+  <p:tag name="KSO_WM_TAG_VERSION" val="1.0"/>
+  <p:tag name="KSO_WM_BEAUTIFY_FLAG" val="#wm#"/>
+  <p:tag name="KSO_WM_TEMPLATE_CATEGORY" val="custom"/>
+  <p:tag name="KSO_WM_TEMPLATE_INDEX" val="160147"/>
+  <p:tag name="KSO_WM_UNIT_TYPE" val="l_i"/>
+  <p:tag name="KSO_WM_UNIT_INDEX" val="1_2"/>
+  <p:tag name="KSO_WM_UNIT_ID" val="custom160147_24*l_i*1_2"/>
+  <p:tag name="KSO_WM_UNIT_CLEAR" val="1"/>
+  <p:tag name="KSO_WM_UNIT_LAYERLEVEL" val="1_1"/>
+  <p:tag name="KSO_WM_DIAGRAM_GROUP_CODE" val="l1-3"/>
+</p:tagLst>
+</file>
+
+<file path=ppt/tags/tag34.xml><?xml version="1.0" encoding="utf-8"?>
+<p:tagLst xmlns:p="http://schemas.openxmlformats.org/presentationml/2006/main">
+  <p:tag name="KSO_WM_TAG_VERSION" val="1.0"/>
+  <p:tag name="KSO_WM_BEAUTIFY_FLAG" val="#wm#"/>
+  <p:tag name="KSO_WM_UNIT_TYPE" val="i"/>
+  <p:tag name="KSO_WM_UNIT_ID" val="custom160147_6*i*0"/>
+  <p:tag name="KSO_WM_TEMPLATE_CATEGORY" val="custom"/>
+  <p:tag name="KSO_WM_TEMPLATE_INDEX" val="160147"/>
+  <p:tag name="KSO_WM_UNIT_INDEX" val="0"/>
+</p:tagLst>
+</file>
+
+<file path=ppt/tags/tag340.xml><?xml version="1.0" encoding="utf-8"?>
+<p:tagLst xmlns:p="http://schemas.openxmlformats.org/presentationml/2006/main">
+  <p:tag name="KSO_WM_TAG_VERSION" val="1.0"/>
+  <p:tag name="KSO_WM_BEAUTIFY_FLAG" val="#wm#"/>
+  <p:tag name="KSO_WM_TEMPLATE_CATEGORY" val="custom"/>
+  <p:tag name="KSO_WM_TEMPLATE_INDEX" val="160147"/>
+  <p:tag name="KSO_WM_UNIT_TYPE" val="l_i"/>
+  <p:tag name="KSO_WM_UNIT_INDEX" val="1_3"/>
+  <p:tag name="KSO_WM_UNIT_ID" val="custom160147_24*l_i*1_3"/>
+  <p:tag name="KSO_WM_UNIT_CLEAR" val="1"/>
+  <p:tag name="KSO_WM_UNIT_LAYERLEVEL" val="1_1"/>
+  <p:tag name="KSO_WM_DIAGRAM_GROUP_CODE" val="l1-3"/>
+</p:tagLst>
+</file>
+
+<file path=ppt/tags/tag341.xml><?xml version="1.0" encoding="utf-8"?>
+<p:tagLst xmlns:p="http://schemas.openxmlformats.org/presentationml/2006/main">
+  <p:tag name="KSO_WM_TAG_VERSION" val="1.0"/>
+  <p:tag name="KSO_WM_BEAUTIFY_FLAG" val="#wm#"/>
+  <p:tag name="KSO_WM_TEMPLATE_CATEGORY" val="custom"/>
+  <p:tag name="KSO_WM_TEMPLATE_INDEX" val="160147"/>
+  <p:tag name="KSO_WM_UNIT_TYPE" val="l_h_a"/>
+  <p:tag name="KSO_WM_UNIT_INDEX" val="1_1_1"/>
+  <p:tag name="KSO_WM_UNIT_ID" val="custom160147_24*l_h_a*1_1_1"/>
+  <p:tag name="KSO_WM_UNIT_CLEAR" val="1"/>
+  <p:tag name="KSO_WM_UNIT_LAYERLEVEL" val="1_1_1"/>
+  <p:tag name="KSO_WM_UNIT_VALUE" val="8"/>
+  <p:tag name="KSO_WM_UNIT_HIGHLIGHT" val="0"/>
+  <p:tag name="KSO_WM_UNIT_COMPATIBLE" val="0"/>
+  <p:tag name="KSO_WM_UNIT_PRESET_TEXT_INDEX" val="3"/>
+  <p:tag name="KSO_WM_UNIT_PRESET_TEXT_LEN" val="5"/>
+  <p:tag name="KSO_WM_DIAGRAM_GROUP_CODE" val="l1-3"/>
+</p:tagLst>
+</file>
+
+<file path=ppt/tags/tag342.xml><?xml version="1.0" encoding="utf-8"?>
+<p:tagLst xmlns:p="http://schemas.openxmlformats.org/presentationml/2006/main">
+  <p:tag name="KSO_WM_TAG_VERSION" val="1.0"/>
+  <p:tag name="KSO_WM_BEAUTIFY_FLAG" val="#wm#"/>
+  <p:tag name="KSO_WM_UNIT_TYPE" val="i"/>
+  <p:tag name="KSO_WM_UNIT_ID" val="custom160147_24*i*11"/>
+  <p:tag name="KSO_WM_TEMPLATE_CATEGORY" val="custom"/>
+  <p:tag name="KSO_WM_TEMPLATE_INDEX" val="160147"/>
+  <p:tag name="KSO_WM_UNIT_INDEX" val="11"/>
+</p:tagLst>
+</file>
+
+<file path=ppt/tags/tag343.xml><?xml version="1.0" encoding="utf-8"?>
+<p:tagLst xmlns:p="http://schemas.openxmlformats.org/presentationml/2006/main">
+  <p:tag name="KSO_WM_TAG_VERSION" val="1.0"/>
+  <p:tag name="KSO_WM_BEAUTIFY_FLAG" val="#wm#"/>
+  <p:tag name="KSO_WM_TEMPLATE_CATEGORY" val="custom"/>
+  <p:tag name="KSO_WM_TEMPLATE_INDEX" val="160147"/>
+  <p:tag name="KSO_WM_UNIT_TYPE" val="l_i"/>
+  <p:tag name="KSO_WM_UNIT_INDEX" val="1_4"/>
+  <p:tag name="KSO_WM_UNIT_ID" val="custom160147_24*l_i*1_4"/>
+  <p:tag name="KSO_WM_UNIT_CLEAR" val="1"/>
+  <p:tag name="KSO_WM_UNIT_LAYERLEVEL" val="1_1"/>
+  <p:tag name="KSO_WM_DIAGRAM_GROUP_CODE" val="l1-3"/>
+</p:tagLst>
+</file>
+
+<file path=ppt/tags/tag344.xml><?xml version="1.0" encoding="utf-8"?>
+<p:tagLst xmlns:p="http://schemas.openxmlformats.org/presentationml/2006/main">
+  <p:tag name="KSO_WM_TAG_VERSION" val="1.0"/>
+  <p:tag name="KSO_WM_BEAUTIFY_FLAG" val="#wm#"/>
+  <p:tag name="KSO_WM_TEMPLATE_CATEGORY" val="custom"/>
+  <p:tag name="KSO_WM_TEMPLATE_INDEX" val="160147"/>
+  <p:tag name="KSO_WM_UNIT_TYPE" val="l_h_f"/>
+  <p:tag name="KSO_WM_UNIT_INDEX" val="1_2_1"/>
+  <p:tag name="KSO_WM_UNIT_ID" val="custom160147_24*l_h_f*1_2_1"/>
+  <p:tag name="KSO_WM_UNIT_CLEAR" val="1"/>
+  <p:tag name="KSO_WM_UNIT_LAYERLEVEL" val="1_1_1"/>
+  <p:tag name="KSO_WM_UNIT_VALUE" val="27"/>
+  <p:tag name="KSO_WM_UNIT_HIGHLIGHT" val="0"/>
+  <p:tag name="KSO_WM_UNIT_COMPATIBLE" val="0"/>
+  <p:tag name="KSO_WM_UNIT_PRESET_TEXT_INDEX" val="4"/>
+  <p:tag name="KSO_WM_UNIT_PRESET_TEXT_LEN" val="57"/>
+  <p:tag name="KSO_WM_DIAGRAM_GROUP_CODE" val="l1-3"/>
+</p:tagLst>
+</file>
+
+<file path=ppt/tags/tag345.xml><?xml version="1.0" encoding="utf-8"?>
+<p:tagLst xmlns:p="http://schemas.openxmlformats.org/presentationml/2006/main">
+  <p:tag name="KSO_WM_TAG_VERSION" val="1.0"/>
+  <p:tag name="KSO_WM_BEAUTIFY_FLAG" val="#wm#"/>
+  <p:tag name="KSO_WM_TEMPLATE_CATEGORY" val="custom"/>
+  <p:tag name="KSO_WM_TEMPLATE_INDEX" val="160147"/>
+  <p:tag name="KSO_WM_UNIT_TYPE" val="l_i"/>
+  <p:tag name="KSO_WM_UNIT_INDEX" val="1_5"/>
+  <p:tag name="KSO_WM_UNIT_ID" val="custom160147_24*l_i*1_5"/>
+  <p:tag name="KSO_WM_UNIT_CLEAR" val="1"/>
+  <p:tag name="KSO_WM_UNIT_LAYERLEVEL" val="1_1"/>
+  <p:tag name="KSO_WM_DIAGRAM_GROUP_CODE" val="l1-3"/>
+</p:tagLst>
+</file>
+
+<file path=ppt/tags/tag346.xml><?xml version="1.0" encoding="utf-8"?>
+<p:tagLst xmlns:p="http://schemas.openxmlformats.org/presentationml/2006/main">
+  <p:tag name="KSO_WM_TAG_VERSION" val="1.0"/>
+  <p:tag name="KSO_WM_BEAUTIFY_FLAG" val="#wm#"/>
+  <p:tag name="KSO_WM_TEMPLATE_CATEGORY" val="custom"/>
+  <p:tag name="KSO_WM_TEMPLATE_INDEX" val="160147"/>
+  <p:tag name="KSO_WM_UNIT_TYPE" val="l_i"/>
+  <p:tag name="KSO_WM_UNIT_INDEX" val="1_6"/>
+  <p:tag name="KSO_WM_UNIT_ID" val="custom160147_24*l_i*1_6"/>
+  <p:tag name="KSO_WM_UNIT_CLEAR" val="1"/>
+  <p:tag name="KSO_WM_UNIT_LAYERLEVEL" val="1_1"/>
+  <p:tag name="KSO_WM_DIAGRAM_GROUP_CODE" val="l1-3"/>
+</p:tagLst>
+</file>
+
+<file path=ppt/tags/tag347.xml><?xml version="1.0" encoding="utf-8"?>
+<p:tagLst xmlns:p="http://schemas.openxmlformats.org/presentationml/2006/main">
+  <p:tag name="KSO_WM_TAG_VERSION" val="1.0"/>
+  <p:tag name="KSO_WM_BEAUTIFY_FLAG" val="#wm#"/>
+  <p:tag name="KSO_WM_TEMPLATE_CATEGORY" val="custom"/>
+  <p:tag name="KSO_WM_TEMPLATE_INDEX" val="160147"/>
+  <p:tag name="KSO_WM_UNIT_TYPE" val="l_h_a"/>
+  <p:tag name="KSO_WM_UNIT_INDEX" val="1_2_1"/>
+  <p:tag name="KSO_WM_UNIT_ID" val="custom160147_24*l_h_a*1_2_1"/>
+  <p:tag name="KSO_WM_UNIT_CLEAR" val="1"/>
+  <p:tag name="KSO_WM_UNIT_LAYERLEVEL" val="1_1_1"/>
+  <p:tag name="KSO_WM_UNIT_VALUE" val="8"/>
+  <p:tag name="KSO_WM_UNIT_HIGHLIGHT" val="0"/>
+  <p:tag name="KSO_WM_UNIT_COMPATIBLE" val="0"/>
+  <p:tag name="KSO_WM_UNIT_PRESET_TEXT_INDEX" val="3"/>
+  <p:tag name="KSO_WM_UNIT_PRESET_TEXT_LEN" val="5"/>
+  <p:tag name="KSO_WM_DIAGRAM_GROUP_CODE" val="l1-3"/>
+</p:tagLst>
+</file>
+
+<file path=ppt/tags/tag348.xml><?xml version="1.0" encoding="utf-8"?>
+<p:tagLst xmlns:p="http://schemas.openxmlformats.org/presentationml/2006/main">
+  <p:tag name="KSO_WM_TAG_VERSION" val="1.0"/>
+  <p:tag name="KSO_WM_BEAUTIFY_FLAG" val="#wm#"/>
+  <p:tag name="KSO_WM_UNIT_TYPE" val="i"/>
+  <p:tag name="KSO_WM_UNIT_ID" val="custom160147_24*i*22"/>
+  <p:tag name="KSO_WM_TEMPLATE_CATEGORY" val="custom"/>
+  <p:tag name="KSO_WM_TEMPLATE_INDEX" val="160147"/>
+  <p:tag name="KSO_WM_UNIT_INDEX" val="22"/>
+</p:tagLst>
+</file>
+
+<file path=ppt/tags/tag349.xml><?xml version="1.0" encoding="utf-8"?>
+<p:tagLst xmlns:p="http://schemas.openxmlformats.org/presentationml/2006/main">
+  <p:tag name="KSO_WM_TAG_VERSION" val="1.0"/>
+  <p:tag name="KSO_WM_BEAUTIFY_FLAG" val="#wm#"/>
+  <p:tag name="KSO_WM_TEMPLATE_CATEGORY" val="custom"/>
+  <p:tag name="KSO_WM_TEMPLATE_INDEX" val="160147"/>
+  <p:tag name="KSO_WM_UNIT_TYPE" val="l_i"/>
+  <p:tag name="KSO_WM_UNIT_INDEX" val="1_7"/>
+  <p:tag name="KSO_WM_UNIT_ID" val="custom160147_24*l_i*1_7"/>
+  <p:tag name="KSO_WM_UNIT_CLEAR" val="1"/>
+  <p:tag name="KSO_WM_UNIT_LAYERLEVEL" val="1_1"/>
+  <p:tag name="KSO_WM_DIAGRAM_GROUP_CODE" val="l1-3"/>
+</p:tagLst>
+</file>
+
+<file path=ppt/tags/tag35.xml><?xml version="1.0" encoding="utf-8"?>
 <p:tagLst xmlns:p="http://schemas.openxmlformats.org/presentationml/2006/main">
   <p:tag name="KSO_WM_TAG_VERSION" val="1.0"/>
   <p:tag name="KSO_WM_BEAUTIFY_FLAG" val="#wm#"/>
@@ -38534,30 +39089,65 @@
 </p:tagLst>
 </file>
 
-<file path=ppt/tags/tag330.xml><?xml version="1.0" encoding="utf-8"?>
+<file path=ppt/tags/tag350.xml><?xml version="1.0" encoding="utf-8"?>
+<p:tagLst xmlns:p="http://schemas.openxmlformats.org/presentationml/2006/main">
+  <p:tag name="KSO_WM_TAG_VERSION" val="1.0"/>
+  <p:tag name="KSO_WM_BEAUTIFY_FLAG" val="#wm#"/>
+  <p:tag name="KSO_WM_TEMPLATE_CATEGORY" val="custom"/>
+  <p:tag name="KSO_WM_TEMPLATE_INDEX" val="160147"/>
+  <p:tag name="KSO_WM_UNIT_TYPE" val="l_h_f"/>
+  <p:tag name="KSO_WM_UNIT_INDEX" val="1_3_1"/>
+  <p:tag name="KSO_WM_UNIT_ID" val="custom160147_24*l_h_f*1_3_1"/>
+  <p:tag name="KSO_WM_UNIT_CLEAR" val="1"/>
+  <p:tag name="KSO_WM_UNIT_LAYERLEVEL" val="1_1_1"/>
+  <p:tag name="KSO_WM_UNIT_VALUE" val="27"/>
+  <p:tag name="KSO_WM_UNIT_HIGHLIGHT" val="0"/>
+  <p:tag name="KSO_WM_UNIT_COMPATIBLE" val="0"/>
+  <p:tag name="KSO_WM_UNIT_PRESET_TEXT_INDEX" val="4"/>
+  <p:tag name="KSO_WM_UNIT_PRESET_TEXT_LEN" val="57"/>
+  <p:tag name="KSO_WM_DIAGRAM_GROUP_CODE" val="l1-3"/>
+</p:tagLst>
+</file>
+
+<file path=ppt/tags/tag351.xml><?xml version="1.0" encoding="utf-8"?>
 <p:tagLst xmlns:p="http://schemas.openxmlformats.org/presentationml/2006/main">
   <p:tag name="KSO_WM_TAG_VERSION" val="1.0"/>
   <p:tag name="KSO_WM_BEAUTIFY_FLAG" val="#wm#"/>
   <p:tag name="KSO_WM_TEMPLATE_CATEGORY" val="custom"/>
   <p:tag name="KSO_WM_TEMPLATE_INDEX" val="160147"/>
   <p:tag name="KSO_WM_UNIT_TYPE" val="l_i"/>
-  <p:tag name="KSO_WM_UNIT_INDEX" val="1_15"/>
-  <p:tag name="KSO_WM_UNIT_ID" val="custom160147_23*l_i*1_15"/>
+  <p:tag name="KSO_WM_UNIT_INDEX" val="1_8"/>
+  <p:tag name="KSO_WM_UNIT_ID" val="custom160147_24*l_i*1_8"/>
   <p:tag name="KSO_WM_UNIT_CLEAR" val="1"/>
   <p:tag name="KSO_WM_UNIT_LAYERLEVEL" val="1_1"/>
   <p:tag name="KSO_WM_DIAGRAM_GROUP_CODE" val="l1-3"/>
 </p:tagLst>
 </file>
 
-<file path=ppt/tags/tag331.xml><?xml version="1.0" encoding="utf-8"?>
+<file path=ppt/tags/tag352.xml><?xml version="1.0" encoding="utf-8"?>
+<p:tagLst xmlns:p="http://schemas.openxmlformats.org/presentationml/2006/main">
+  <p:tag name="KSO_WM_TAG_VERSION" val="1.0"/>
+  <p:tag name="KSO_WM_BEAUTIFY_FLAG" val="#wm#"/>
+  <p:tag name="KSO_WM_TEMPLATE_CATEGORY" val="custom"/>
+  <p:tag name="KSO_WM_TEMPLATE_INDEX" val="160147"/>
+  <p:tag name="KSO_WM_UNIT_TYPE" val="l_i"/>
+  <p:tag name="KSO_WM_UNIT_INDEX" val="1_9"/>
+  <p:tag name="KSO_WM_UNIT_ID" val="custom160147_24*l_i*1_9"/>
+  <p:tag name="KSO_WM_UNIT_CLEAR" val="1"/>
+  <p:tag name="KSO_WM_UNIT_LAYERLEVEL" val="1_1"/>
+  <p:tag name="KSO_WM_DIAGRAM_GROUP_CODE" val="l1-3"/>
+</p:tagLst>
+</file>
+
+<file path=ppt/tags/tag353.xml><?xml version="1.0" encoding="utf-8"?>
 <p:tagLst xmlns:p="http://schemas.openxmlformats.org/presentationml/2006/main">
   <p:tag name="KSO_WM_TAG_VERSION" val="1.0"/>
   <p:tag name="KSO_WM_BEAUTIFY_FLAG" val="#wm#"/>
   <p:tag name="KSO_WM_TEMPLATE_CATEGORY" val="custom"/>
   <p:tag name="KSO_WM_TEMPLATE_INDEX" val="160147"/>
   <p:tag name="KSO_WM_UNIT_TYPE" val="l_h_a"/>
-  <p:tag name="KSO_WM_UNIT_INDEX" val="1_5_1"/>
-  <p:tag name="KSO_WM_UNIT_ID" val="custom160147_23*l_h_a*1_5_1"/>
+  <p:tag name="KSO_WM_UNIT_INDEX" val="1_3_1"/>
+  <p:tag name="KSO_WM_UNIT_ID" val="custom160147_24*l_h_a*1_3_1"/>
   <p:tag name="KSO_WM_UNIT_CLEAR" val="1"/>
   <p:tag name="KSO_WM_UNIT_LAYERLEVEL" val="1_1_1"/>
   <p:tag name="KSO_WM_UNIT_VALUE" val="8"/>
@@ -38569,80 +39159,42 @@
 </p:tagLst>
 </file>
 
-<file path=ppt/tags/tag332.xml><?xml version="1.0" encoding="utf-8"?>
-<p:tagLst xmlns:p="http://schemas.openxmlformats.org/presentationml/2006/main">
-  <p:tag name="KSO_WM_TAG_VERSION" val="1.0"/>
-  <p:tag name="KSO_WM_BEAUTIFY_FLAG" val="#wm#"/>
-  <p:tag name="KSO_WM_TEMPLATE_CATEGORY" val="custom"/>
-  <p:tag name="KSO_WM_TEMPLATE_INDEX" val="160147"/>
-  <p:tag name="KSO_WM_UNIT_TYPE" val="a"/>
-  <p:tag name="KSO_WM_UNIT_INDEX" val="1"/>
-  <p:tag name="KSO_WM_UNIT_ID" val="custom160147_23*a*1"/>
-  <p:tag name="KSO_WM_UNIT_CLEAR" val="1"/>
-  <p:tag name="KSO_WM_UNIT_LAYERLEVEL" val="1"/>
-  <p:tag name="KSO_WM_UNIT_VALUE" val="30"/>
-  <p:tag name="KSO_WM_UNIT_ISCONTENTSTITLE" val="0"/>
-  <p:tag name="KSO_WM_UNIT_HIGHLIGHT" val="0"/>
-  <p:tag name="KSO_WM_UNIT_COMPATIBLE" val="0"/>
-  <p:tag name="KSO_WM_UNIT_PRESET_TEXT_INDEX" val="3"/>
-  <p:tag name="KSO_WM_UNIT_PRESET_TEXT_LEN" val="24"/>
-</p:tagLst>
-</file>
-
-<file path=ppt/tags/tag333.xml><?xml version="1.0" encoding="utf-8"?>
-<p:tagLst xmlns:p="http://schemas.openxmlformats.org/presentationml/2006/main">
-  <p:tag name="KSO_WM_TEMPLATE_CATEGORY" val="custom"/>
-  <p:tag name="KSO_WM_TEMPLATE_INDEX" val="160147"/>
-  <p:tag name="KSO_WM_TAG_VERSION" val="1.0"/>
-  <p:tag name="KSO_WM_SLIDE_ID" val="custom160147_23"/>
-  <p:tag name="KSO_WM_SLIDE_INDEX" val="23"/>
-  <p:tag name="KSO_WM_SLIDE_ITEM_CNT" val="5"/>
-  <p:tag name="KSO_WM_SLIDE_LAYOUT" val="a_l"/>
-  <p:tag name="KSO_WM_SLIDE_LAYOUT_CNT" val="1_1"/>
-  <p:tag name="KSO_WM_SLIDE_TYPE" val="text"/>
-  <p:tag name="KSO_WM_BEAUTIFY_FLAG" val="#wm#"/>
-  <p:tag name="KSO_WM_SLIDE_POSITION" val="58*85"/>
-  <p:tag name="KSO_WM_SLIDE_SIZE" val="845*437"/>
-  <p:tag name="KSO_WM_DIAGRAM_GROUP_CODE" val="l1-3"/>
-</p:tagLst>
-</file>
-
-<file path=ppt/tags/tag334.xml><?xml version="1.0" encoding="utf-8"?>
+<file path=ppt/tags/tag354.xml><?xml version="1.0" encoding="utf-8"?>
 <p:tagLst xmlns:p="http://schemas.openxmlformats.org/presentationml/2006/main">
   <p:tag name="KSO_WM_TAG_VERSION" val="1.0"/>
   <p:tag name="KSO_WM_BEAUTIFY_FLAG" val="#wm#"/>
   <p:tag name="KSO_WM_UNIT_TYPE" val="i"/>
-  <p:tag name="KSO_WM_UNIT_ID" val="custom160147_24*i*0"/>
+  <p:tag name="KSO_WM_UNIT_ID" val="custom160147_24*i*33"/>
   <p:tag name="KSO_WM_TEMPLATE_CATEGORY" val="custom"/>
   <p:tag name="KSO_WM_TEMPLATE_INDEX" val="160147"/>
-  <p:tag name="KSO_WM_UNIT_INDEX" val="0"/>
+  <p:tag name="KSO_WM_UNIT_INDEX" val="33"/>
 </p:tagLst>
 </file>
 
-<file path=ppt/tags/tag335.xml><?xml version="1.0" encoding="utf-8"?>
+<file path=ppt/tags/tag355.xml><?xml version="1.0" encoding="utf-8"?>
 <p:tagLst xmlns:p="http://schemas.openxmlformats.org/presentationml/2006/main">
   <p:tag name="KSO_WM_TAG_VERSION" val="1.0"/>
   <p:tag name="KSO_WM_BEAUTIFY_FLAG" val="#wm#"/>
   <p:tag name="KSO_WM_TEMPLATE_CATEGORY" val="custom"/>
   <p:tag name="KSO_WM_TEMPLATE_INDEX" val="160147"/>
   <p:tag name="KSO_WM_UNIT_TYPE" val="l_i"/>
-  <p:tag name="KSO_WM_UNIT_INDEX" val="1_1"/>
-  <p:tag name="KSO_WM_UNIT_ID" val="custom160147_24*l_i*1_1"/>
+  <p:tag name="KSO_WM_UNIT_INDEX" val="1_10"/>
+  <p:tag name="KSO_WM_UNIT_ID" val="custom160147_24*l_i*1_10"/>
   <p:tag name="KSO_WM_UNIT_CLEAR" val="1"/>
   <p:tag name="KSO_WM_UNIT_LAYERLEVEL" val="1_1"/>
   <p:tag name="KSO_WM_DIAGRAM_GROUP_CODE" val="l1-3"/>
 </p:tagLst>
 </file>
 
-<file path=ppt/tags/tag336.xml><?xml version="1.0" encoding="utf-8"?>
+<file path=ppt/tags/tag356.xml><?xml version="1.0" encoding="utf-8"?>
 <p:tagLst xmlns:p="http://schemas.openxmlformats.org/presentationml/2006/main">
   <p:tag name="KSO_WM_TAG_VERSION" val="1.0"/>
   <p:tag name="KSO_WM_BEAUTIFY_FLAG" val="#wm#"/>
   <p:tag name="KSO_WM_TEMPLATE_CATEGORY" val="custom"/>
   <p:tag name="KSO_WM_TEMPLATE_INDEX" val="160147"/>
   <p:tag name="KSO_WM_UNIT_TYPE" val="l_h_f"/>
-  <p:tag name="KSO_WM_UNIT_INDEX" val="1_1_1"/>
-  <p:tag name="KSO_WM_UNIT_ID" val="custom160147_24*l_h_f*1_1_1"/>
+  <p:tag name="KSO_WM_UNIT_INDEX" val="1_4_1"/>
+  <p:tag name="KSO_WM_UNIT_ID" val="custom160147_24*l_h_f*1_4_1"/>
   <p:tag name="KSO_WM_UNIT_CLEAR" val="1"/>
   <p:tag name="KSO_WM_UNIT_LAYERLEVEL" val="1_1_1"/>
   <p:tag name="KSO_WM_UNIT_VALUE" val="27"/>
@@ -38654,45 +39206,45 @@
 </p:tagLst>
 </file>
 
-<file path=ppt/tags/tag337.xml><?xml version="1.0" encoding="utf-8"?>
+<file path=ppt/tags/tag357.xml><?xml version="1.0" encoding="utf-8"?>
 <p:tagLst xmlns:p="http://schemas.openxmlformats.org/presentationml/2006/main">
   <p:tag name="KSO_WM_TAG_VERSION" val="1.0"/>
   <p:tag name="KSO_WM_BEAUTIFY_FLAG" val="#wm#"/>
   <p:tag name="KSO_WM_TEMPLATE_CATEGORY" val="custom"/>
   <p:tag name="KSO_WM_TEMPLATE_INDEX" val="160147"/>
   <p:tag name="KSO_WM_UNIT_TYPE" val="l_i"/>
-  <p:tag name="KSO_WM_UNIT_INDEX" val="1_2"/>
-  <p:tag name="KSO_WM_UNIT_ID" val="custom160147_24*l_i*1_2"/>
+  <p:tag name="KSO_WM_UNIT_INDEX" val="1_11"/>
+  <p:tag name="KSO_WM_UNIT_ID" val="custom160147_24*l_i*1_11"/>
   <p:tag name="KSO_WM_UNIT_CLEAR" val="1"/>
   <p:tag name="KSO_WM_UNIT_LAYERLEVEL" val="1_1"/>
   <p:tag name="KSO_WM_DIAGRAM_GROUP_CODE" val="l1-3"/>
 </p:tagLst>
 </file>
 
-<file path=ppt/tags/tag338.xml><?xml version="1.0" encoding="utf-8"?>
+<file path=ppt/tags/tag358.xml><?xml version="1.0" encoding="utf-8"?>
 <p:tagLst xmlns:p="http://schemas.openxmlformats.org/presentationml/2006/main">
   <p:tag name="KSO_WM_TAG_VERSION" val="1.0"/>
   <p:tag name="KSO_WM_BEAUTIFY_FLAG" val="#wm#"/>
   <p:tag name="KSO_WM_TEMPLATE_CATEGORY" val="custom"/>
   <p:tag name="KSO_WM_TEMPLATE_INDEX" val="160147"/>
   <p:tag name="KSO_WM_UNIT_TYPE" val="l_i"/>
-  <p:tag name="KSO_WM_UNIT_INDEX" val="1_3"/>
-  <p:tag name="KSO_WM_UNIT_ID" val="custom160147_24*l_i*1_3"/>
+  <p:tag name="KSO_WM_UNIT_INDEX" val="1_12"/>
+  <p:tag name="KSO_WM_UNIT_ID" val="custom160147_24*l_i*1_12"/>
   <p:tag name="KSO_WM_UNIT_CLEAR" val="1"/>
   <p:tag name="KSO_WM_UNIT_LAYERLEVEL" val="1_1"/>
   <p:tag name="KSO_WM_DIAGRAM_GROUP_CODE" val="l1-3"/>
 </p:tagLst>
 </file>
 
-<file path=ppt/tags/tag339.xml><?xml version="1.0" encoding="utf-8"?>
+<file path=ppt/tags/tag359.xml><?xml version="1.0" encoding="utf-8"?>
 <p:tagLst xmlns:p="http://schemas.openxmlformats.org/presentationml/2006/main">
   <p:tag name="KSO_WM_TAG_VERSION" val="1.0"/>
   <p:tag name="KSO_WM_BEAUTIFY_FLAG" val="#wm#"/>
   <p:tag name="KSO_WM_TEMPLATE_CATEGORY" val="custom"/>
   <p:tag name="KSO_WM_TEMPLATE_INDEX" val="160147"/>
   <p:tag name="KSO_WM_UNIT_TYPE" val="l_h_a"/>
-  <p:tag name="KSO_WM_UNIT_INDEX" val="1_1_1"/>
-  <p:tag name="KSO_WM_UNIT_ID" val="custom160147_24*l_h_a*1_1_1"/>
+  <p:tag name="KSO_WM_UNIT_INDEX" val="1_4_1"/>
+  <p:tag name="KSO_WM_UNIT_ID" val="custom160147_24*l_h_a*1_4_1"/>
   <p:tag name="KSO_WM_UNIT_CLEAR" val="1"/>
   <p:tag name="KSO_WM_UNIT_LAYERLEVEL" val="1_1_1"/>
   <p:tag name="KSO_WM_UNIT_VALUE" val="8"/>
@@ -38704,7 +39256,7 @@
 </p:tagLst>
 </file>
 
-<file path=ppt/tags/tag34.xml><?xml version="1.0" encoding="utf-8"?>
+<file path=ppt/tags/tag36.xml><?xml version="1.0" encoding="utf-8"?>
 <p:tagLst xmlns:p="http://schemas.openxmlformats.org/presentationml/2006/main">
   <p:tag name="KSO_WM_TAG_VERSION" val="1.0"/>
   <p:tag name="KSO_WM_BEAUTIFY_FLAG" val="#wm#"/>
@@ -38724,42 +39276,42 @@
 </p:tagLst>
 </file>
 
-<file path=ppt/tags/tag340.xml><?xml version="1.0" encoding="utf-8"?>
+<file path=ppt/tags/tag360.xml><?xml version="1.0" encoding="utf-8"?>
 <p:tagLst xmlns:p="http://schemas.openxmlformats.org/presentationml/2006/main">
   <p:tag name="KSO_WM_TAG_VERSION" val="1.0"/>
   <p:tag name="KSO_WM_BEAUTIFY_FLAG" val="#wm#"/>
   <p:tag name="KSO_WM_UNIT_TYPE" val="i"/>
-  <p:tag name="KSO_WM_UNIT_ID" val="custom160147_24*i*11"/>
+  <p:tag name="KSO_WM_UNIT_ID" val="custom160147_24*i*44"/>
   <p:tag name="KSO_WM_TEMPLATE_CATEGORY" val="custom"/>
   <p:tag name="KSO_WM_TEMPLATE_INDEX" val="160147"/>
-  <p:tag name="KSO_WM_UNIT_INDEX" val="11"/>
+  <p:tag name="KSO_WM_UNIT_INDEX" val="44"/>
 </p:tagLst>
 </file>
 
-<file path=ppt/tags/tag341.xml><?xml version="1.0" encoding="utf-8"?>
+<file path=ppt/tags/tag361.xml><?xml version="1.0" encoding="utf-8"?>
 <p:tagLst xmlns:p="http://schemas.openxmlformats.org/presentationml/2006/main">
   <p:tag name="KSO_WM_TAG_VERSION" val="1.0"/>
   <p:tag name="KSO_WM_BEAUTIFY_FLAG" val="#wm#"/>
   <p:tag name="KSO_WM_TEMPLATE_CATEGORY" val="custom"/>
   <p:tag name="KSO_WM_TEMPLATE_INDEX" val="160147"/>
   <p:tag name="KSO_WM_UNIT_TYPE" val="l_i"/>
-  <p:tag name="KSO_WM_UNIT_INDEX" val="1_4"/>
-  <p:tag name="KSO_WM_UNIT_ID" val="custom160147_24*l_i*1_4"/>
+  <p:tag name="KSO_WM_UNIT_INDEX" val="1_13"/>
+  <p:tag name="KSO_WM_UNIT_ID" val="custom160147_24*l_i*1_13"/>
   <p:tag name="KSO_WM_UNIT_CLEAR" val="1"/>
   <p:tag name="KSO_WM_UNIT_LAYERLEVEL" val="1_1"/>
   <p:tag name="KSO_WM_DIAGRAM_GROUP_CODE" val="l1-3"/>
 </p:tagLst>
 </file>
 
-<file path=ppt/tags/tag342.xml><?xml version="1.0" encoding="utf-8"?>
+<file path=ppt/tags/tag362.xml><?xml version="1.0" encoding="utf-8"?>
 <p:tagLst xmlns:p="http://schemas.openxmlformats.org/presentationml/2006/main">
   <p:tag name="KSO_WM_TAG_VERSION" val="1.0"/>
   <p:tag name="KSO_WM_BEAUTIFY_FLAG" val="#wm#"/>
   <p:tag name="KSO_WM_TEMPLATE_CATEGORY" val="custom"/>
   <p:tag name="KSO_WM_TEMPLATE_INDEX" val="160147"/>
   <p:tag name="KSO_WM_UNIT_TYPE" val="l_h_f"/>
-  <p:tag name="KSO_WM_UNIT_INDEX" val="1_2_1"/>
-  <p:tag name="KSO_WM_UNIT_ID" val="custom160147_24*l_h_f*1_2_1"/>
+  <p:tag name="KSO_WM_UNIT_INDEX" val="1_5_1"/>
+  <p:tag name="KSO_WM_UNIT_ID" val="custom160147_24*l_h_f*1_5_1"/>
   <p:tag name="KSO_WM_UNIT_CLEAR" val="1"/>
   <p:tag name="KSO_WM_UNIT_LAYERLEVEL" val="1_1_1"/>
   <p:tag name="KSO_WM_UNIT_VALUE" val="27"/>
@@ -38771,45 +39323,45 @@
 </p:tagLst>
 </file>
 
-<file path=ppt/tags/tag343.xml><?xml version="1.0" encoding="utf-8"?>
+<file path=ppt/tags/tag363.xml><?xml version="1.0" encoding="utf-8"?>
 <p:tagLst xmlns:p="http://schemas.openxmlformats.org/presentationml/2006/main">
   <p:tag name="KSO_WM_TAG_VERSION" val="1.0"/>
   <p:tag name="KSO_WM_BEAUTIFY_FLAG" val="#wm#"/>
   <p:tag name="KSO_WM_TEMPLATE_CATEGORY" val="custom"/>
   <p:tag name="KSO_WM_TEMPLATE_INDEX" val="160147"/>
   <p:tag name="KSO_WM_UNIT_TYPE" val="l_i"/>
-  <p:tag name="KSO_WM_UNIT_INDEX" val="1_5"/>
-  <p:tag name="KSO_WM_UNIT_ID" val="custom160147_24*l_i*1_5"/>
+  <p:tag name="KSO_WM_UNIT_INDEX" val="1_14"/>
+  <p:tag name="KSO_WM_UNIT_ID" val="custom160147_24*l_i*1_14"/>
   <p:tag name="KSO_WM_UNIT_CLEAR" val="1"/>
   <p:tag name="KSO_WM_UNIT_LAYERLEVEL" val="1_1"/>
   <p:tag name="KSO_WM_DIAGRAM_GROUP_CODE" val="l1-3"/>
 </p:tagLst>
 </file>
 
-<file path=ppt/tags/tag344.xml><?xml version="1.0" encoding="utf-8"?>
+<file path=ppt/tags/tag364.xml><?xml version="1.0" encoding="utf-8"?>
 <p:tagLst xmlns:p="http://schemas.openxmlformats.org/presentationml/2006/main">
   <p:tag name="KSO_WM_TAG_VERSION" val="1.0"/>
   <p:tag name="KSO_WM_BEAUTIFY_FLAG" val="#wm#"/>
   <p:tag name="KSO_WM_TEMPLATE_CATEGORY" val="custom"/>
   <p:tag name="KSO_WM_TEMPLATE_INDEX" val="160147"/>
   <p:tag name="KSO_WM_UNIT_TYPE" val="l_i"/>
-  <p:tag name="KSO_WM_UNIT_INDEX" val="1_6"/>
-  <p:tag name="KSO_WM_UNIT_ID" val="custom160147_24*l_i*1_6"/>
+  <p:tag name="KSO_WM_UNIT_INDEX" val="1_15"/>
+  <p:tag name="KSO_WM_UNIT_ID" val="custom160147_24*l_i*1_15"/>
   <p:tag name="KSO_WM_UNIT_CLEAR" val="1"/>
   <p:tag name="KSO_WM_UNIT_LAYERLEVEL" val="1_1"/>
   <p:tag name="KSO_WM_DIAGRAM_GROUP_CODE" val="l1-3"/>
 </p:tagLst>
 </file>
 
-<file path=ppt/tags/tag345.xml><?xml version="1.0" encoding="utf-8"?>
+<file path=ppt/tags/tag365.xml><?xml version="1.0" encoding="utf-8"?>
 <p:tagLst xmlns:p="http://schemas.openxmlformats.org/presentationml/2006/main">
   <p:tag name="KSO_WM_TAG_VERSION" val="1.0"/>
   <p:tag name="KSO_WM_BEAUTIFY_FLAG" val="#wm#"/>
   <p:tag name="KSO_WM_TEMPLATE_CATEGORY" val="custom"/>
   <p:tag name="KSO_WM_TEMPLATE_INDEX" val="160147"/>
   <p:tag name="KSO_WM_UNIT_TYPE" val="l_h_a"/>
-  <p:tag name="KSO_WM_UNIT_INDEX" val="1_2_1"/>
-  <p:tag name="KSO_WM_UNIT_ID" val="custom160147_24*l_h_a*1_2_1"/>
+  <p:tag name="KSO_WM_UNIT_INDEX" val="1_5_1"/>
+  <p:tag name="KSO_WM_UNIT_ID" val="custom160147_24*l_h_a*1_5_1"/>
   <p:tag name="KSO_WM_UNIT_CLEAR" val="1"/>
   <p:tag name="KSO_WM_UNIT_LAYERLEVEL" val="1_1_1"/>
   <p:tag name="KSO_WM_UNIT_VALUE" val="8"/>
@@ -38821,42 +39373,42 @@
 </p:tagLst>
 </file>
 
-<file path=ppt/tags/tag346.xml><?xml version="1.0" encoding="utf-8"?>
+<file path=ppt/tags/tag366.xml><?xml version="1.0" encoding="utf-8"?>
 <p:tagLst xmlns:p="http://schemas.openxmlformats.org/presentationml/2006/main">
   <p:tag name="KSO_WM_TAG_VERSION" val="1.0"/>
   <p:tag name="KSO_WM_BEAUTIFY_FLAG" val="#wm#"/>
   <p:tag name="KSO_WM_UNIT_TYPE" val="i"/>
-  <p:tag name="KSO_WM_UNIT_ID" val="custom160147_24*i*22"/>
+  <p:tag name="KSO_WM_UNIT_ID" val="custom160147_24*i*55"/>
   <p:tag name="KSO_WM_TEMPLATE_CATEGORY" val="custom"/>
   <p:tag name="KSO_WM_TEMPLATE_INDEX" val="160147"/>
-  <p:tag name="KSO_WM_UNIT_INDEX" val="22"/>
+  <p:tag name="KSO_WM_UNIT_INDEX" val="55"/>
 </p:tagLst>
 </file>
 
-<file path=ppt/tags/tag347.xml><?xml version="1.0" encoding="utf-8"?>
+<file path=ppt/tags/tag367.xml><?xml version="1.0" encoding="utf-8"?>
 <p:tagLst xmlns:p="http://schemas.openxmlformats.org/presentationml/2006/main">
   <p:tag name="KSO_WM_TAG_VERSION" val="1.0"/>
   <p:tag name="KSO_WM_BEAUTIFY_FLAG" val="#wm#"/>
   <p:tag name="KSO_WM_TEMPLATE_CATEGORY" val="custom"/>
   <p:tag name="KSO_WM_TEMPLATE_INDEX" val="160147"/>
   <p:tag name="KSO_WM_UNIT_TYPE" val="l_i"/>
-  <p:tag name="KSO_WM_UNIT_INDEX" val="1_7"/>
-  <p:tag name="KSO_WM_UNIT_ID" val="custom160147_24*l_i*1_7"/>
+  <p:tag name="KSO_WM_UNIT_INDEX" val="1_16"/>
+  <p:tag name="KSO_WM_UNIT_ID" val="custom160147_24*l_i*1_16"/>
   <p:tag name="KSO_WM_UNIT_CLEAR" val="1"/>
   <p:tag name="KSO_WM_UNIT_LAYERLEVEL" val="1_1"/>
   <p:tag name="KSO_WM_DIAGRAM_GROUP_CODE" val="l1-3"/>
 </p:tagLst>
 </file>
 
-<file path=ppt/tags/tag348.xml><?xml version="1.0" encoding="utf-8"?>
+<file path=ppt/tags/tag368.xml><?xml version="1.0" encoding="utf-8"?>
 <p:tagLst xmlns:p="http://schemas.openxmlformats.org/presentationml/2006/main">
   <p:tag name="KSO_WM_TAG_VERSION" val="1.0"/>
   <p:tag name="KSO_WM_BEAUTIFY_FLAG" val="#wm#"/>
   <p:tag name="KSO_WM_TEMPLATE_CATEGORY" val="custom"/>
   <p:tag name="KSO_WM_TEMPLATE_INDEX" val="160147"/>
   <p:tag name="KSO_WM_UNIT_TYPE" val="l_h_f"/>
-  <p:tag name="KSO_WM_UNIT_INDEX" val="1_3_1"/>
-  <p:tag name="KSO_WM_UNIT_ID" val="custom160147_24*l_h_f*1_3_1"/>
+  <p:tag name="KSO_WM_UNIT_INDEX" val="1_6_1"/>
+  <p:tag name="KSO_WM_UNIT_ID" val="custom160147_24*l_h_f*1_6_1"/>
   <p:tag name="KSO_WM_UNIT_CLEAR" val="1"/>
   <p:tag name="KSO_WM_UNIT_LAYERLEVEL" val="1_1_1"/>
   <p:tag name="KSO_WM_UNIT_VALUE" val="27"/>
@@ -38868,22 +39420,22 @@
 </p:tagLst>
 </file>
 
-<file path=ppt/tags/tag349.xml><?xml version="1.0" encoding="utf-8"?>
+<file path=ppt/tags/tag369.xml><?xml version="1.0" encoding="utf-8"?>
 <p:tagLst xmlns:p="http://schemas.openxmlformats.org/presentationml/2006/main">
   <p:tag name="KSO_WM_TAG_VERSION" val="1.0"/>
   <p:tag name="KSO_WM_BEAUTIFY_FLAG" val="#wm#"/>
   <p:tag name="KSO_WM_TEMPLATE_CATEGORY" val="custom"/>
   <p:tag name="KSO_WM_TEMPLATE_INDEX" val="160147"/>
   <p:tag name="KSO_WM_UNIT_TYPE" val="l_i"/>
-  <p:tag name="KSO_WM_UNIT_INDEX" val="1_8"/>
-  <p:tag name="KSO_WM_UNIT_ID" val="custom160147_24*l_i*1_8"/>
+  <p:tag name="KSO_WM_UNIT_INDEX" val="1_17"/>
+  <p:tag name="KSO_WM_UNIT_ID" val="custom160147_24*l_i*1_17"/>
   <p:tag name="KSO_WM_UNIT_CLEAR" val="1"/>
   <p:tag name="KSO_WM_UNIT_LAYERLEVEL" val="1_1"/>
   <p:tag name="KSO_WM_DIAGRAM_GROUP_CODE" val="l1-3"/>
 </p:tagLst>
 </file>
 
-<file path=ppt/tags/tag35.xml><?xml version="1.0" encoding="utf-8"?>
+<file path=ppt/tags/tag37.xml><?xml version="1.0" encoding="utf-8"?>
 <p:tagLst xmlns:p="http://schemas.openxmlformats.org/presentationml/2006/main">
   <p:tag name="KSO_WM_TAG_VERSION" val="1.0"/>
   <p:tag name="KSO_WM_BEAUTIFY_FLAG" val="#wm#"/>
@@ -38902,30 +39454,30 @@
 </p:tagLst>
 </file>
 
-<file path=ppt/tags/tag350.xml><?xml version="1.0" encoding="utf-8"?>
+<file path=ppt/tags/tag370.xml><?xml version="1.0" encoding="utf-8"?>
 <p:tagLst xmlns:p="http://schemas.openxmlformats.org/presentationml/2006/main">
   <p:tag name="KSO_WM_TAG_VERSION" val="1.0"/>
   <p:tag name="KSO_WM_BEAUTIFY_FLAG" val="#wm#"/>
   <p:tag name="KSO_WM_TEMPLATE_CATEGORY" val="custom"/>
   <p:tag name="KSO_WM_TEMPLATE_INDEX" val="160147"/>
   <p:tag name="KSO_WM_UNIT_TYPE" val="l_i"/>
-  <p:tag name="KSO_WM_UNIT_INDEX" val="1_9"/>
-  <p:tag name="KSO_WM_UNIT_ID" val="custom160147_24*l_i*1_9"/>
+  <p:tag name="KSO_WM_UNIT_INDEX" val="1_18"/>
+  <p:tag name="KSO_WM_UNIT_ID" val="custom160147_24*l_i*1_18"/>
   <p:tag name="KSO_WM_UNIT_CLEAR" val="1"/>
   <p:tag name="KSO_WM_UNIT_LAYERLEVEL" val="1_1"/>
   <p:tag name="KSO_WM_DIAGRAM_GROUP_CODE" val="l1-3"/>
 </p:tagLst>
 </file>
 
-<file path=ppt/tags/tag351.xml><?xml version="1.0" encoding="utf-8"?>
+<file path=ppt/tags/tag371.xml><?xml version="1.0" encoding="utf-8"?>
 <p:tagLst xmlns:p="http://schemas.openxmlformats.org/presentationml/2006/main">
   <p:tag name="KSO_WM_TAG_VERSION" val="1.0"/>
   <p:tag name="KSO_WM_BEAUTIFY_FLAG" val="#wm#"/>
   <p:tag name="KSO_WM_TEMPLATE_CATEGORY" val="custom"/>
   <p:tag name="KSO_WM_TEMPLATE_INDEX" val="160147"/>
   <p:tag name="KSO_WM_UNIT_TYPE" val="l_h_a"/>
-  <p:tag name="KSO_WM_UNIT_INDEX" val="1_3_1"/>
-  <p:tag name="KSO_WM_UNIT_ID" val="custom160147_24*l_h_a*1_3_1"/>
+  <p:tag name="KSO_WM_UNIT_INDEX" val="1_6_1"/>
+  <p:tag name="KSO_WM_UNIT_ID" val="custom160147_24*l_h_a*1_6_1"/>
   <p:tag name="KSO_WM_UNIT_CLEAR" val="1"/>
   <p:tag name="KSO_WM_UNIT_LAYERLEVEL" val="1_1_1"/>
   <p:tag name="KSO_WM_UNIT_VALUE" val="8"/>
@@ -38937,131 +39489,142 @@
 </p:tagLst>
 </file>
 
-<file path=ppt/tags/tag352.xml><?xml version="1.0" encoding="utf-8"?>
-<p:tagLst xmlns:p="http://schemas.openxmlformats.org/presentationml/2006/main">
-  <p:tag name="KSO_WM_TAG_VERSION" val="1.0"/>
-  <p:tag name="KSO_WM_BEAUTIFY_FLAG" val="#wm#"/>
-  <p:tag name="KSO_WM_UNIT_TYPE" val="i"/>
-  <p:tag name="KSO_WM_UNIT_ID" val="custom160147_24*i*33"/>
-  <p:tag name="KSO_WM_TEMPLATE_CATEGORY" val="custom"/>
-  <p:tag name="KSO_WM_TEMPLATE_INDEX" val="160147"/>
-  <p:tag name="KSO_WM_UNIT_INDEX" val="33"/>
-</p:tagLst>
-</file>
-
-<file path=ppt/tags/tag353.xml><?xml version="1.0" encoding="utf-8"?>
+<file path=ppt/tags/tag372.xml><?xml version="1.0" encoding="utf-8"?>
 <p:tagLst xmlns:p="http://schemas.openxmlformats.org/presentationml/2006/main">
   <p:tag name="KSO_WM_TAG_VERSION" val="1.0"/>
   <p:tag name="KSO_WM_BEAUTIFY_FLAG" val="#wm#"/>
   <p:tag name="KSO_WM_TEMPLATE_CATEGORY" val="custom"/>
   <p:tag name="KSO_WM_TEMPLATE_INDEX" val="160147"/>
-  <p:tag name="KSO_WM_UNIT_TYPE" val="l_i"/>
-  <p:tag name="KSO_WM_UNIT_INDEX" val="1_10"/>
-  <p:tag name="KSO_WM_UNIT_ID" val="custom160147_24*l_i*1_10"/>
+  <p:tag name="KSO_WM_UNIT_TYPE" val="a"/>
+  <p:tag name="KSO_WM_UNIT_INDEX" val="1"/>
+  <p:tag name="KSO_WM_UNIT_ID" val="custom160147_24*a*1"/>
   <p:tag name="KSO_WM_UNIT_CLEAR" val="1"/>
-  <p:tag name="KSO_WM_UNIT_LAYERLEVEL" val="1_1"/>
+  <p:tag name="KSO_WM_UNIT_LAYERLEVEL" val="1"/>
+  <p:tag name="KSO_WM_UNIT_VALUE" val="30"/>
+  <p:tag name="KSO_WM_UNIT_ISCONTENTSTITLE" val="0"/>
+  <p:tag name="KSO_WM_UNIT_HIGHLIGHT" val="0"/>
+  <p:tag name="KSO_WM_UNIT_COMPATIBLE" val="0"/>
+  <p:tag name="KSO_WM_UNIT_PRESET_TEXT_INDEX" val="3"/>
+  <p:tag name="KSO_WM_UNIT_PRESET_TEXT_LEN" val="24"/>
+</p:tagLst>
+</file>
+
+<file path=ppt/tags/tag373.xml><?xml version="1.0" encoding="utf-8"?>
+<p:tagLst xmlns:p="http://schemas.openxmlformats.org/presentationml/2006/main">
+  <p:tag name="KSO_WM_TEMPLATE_CATEGORY" val="custom"/>
+  <p:tag name="KSO_WM_TEMPLATE_INDEX" val="160147"/>
+  <p:tag name="KSO_WM_TAG_VERSION" val="1.0"/>
+  <p:tag name="KSO_WM_SLIDE_ID" val="custom160147_24"/>
+  <p:tag name="KSO_WM_SLIDE_INDEX" val="24"/>
+  <p:tag name="KSO_WM_SLIDE_ITEM_CNT" val="6"/>
+  <p:tag name="KSO_WM_SLIDE_LAYOUT" val="a_l"/>
+  <p:tag name="KSO_WM_SLIDE_LAYOUT_CNT" val="1_1"/>
+  <p:tag name="KSO_WM_SLIDE_TYPE" val="text"/>
+  <p:tag name="KSO_WM_BEAUTIFY_FLAG" val="#wm#"/>
+  <p:tag name="KSO_WM_SLIDE_POSITION" val="61*91"/>
+  <p:tag name="KSO_WM_SLIDE_SIZE" val="864*437"/>
   <p:tag name="KSO_WM_DIAGRAM_GROUP_CODE" val="l1-3"/>
 </p:tagLst>
 </file>
 
-<file path=ppt/tags/tag354.xml><?xml version="1.0" encoding="utf-8"?>
+<file path=ppt/tags/tag374.xml><?xml version="1.0" encoding="utf-8"?>
 <p:tagLst xmlns:p="http://schemas.openxmlformats.org/presentationml/2006/main">
   <p:tag name="KSO_WM_TAG_VERSION" val="1.0"/>
   <p:tag name="KSO_WM_BEAUTIFY_FLAG" val="#wm#"/>
   <p:tag name="KSO_WM_TEMPLATE_CATEGORY" val="custom"/>
   <p:tag name="KSO_WM_TEMPLATE_INDEX" val="160147"/>
-  <p:tag name="KSO_WM_UNIT_TYPE" val="l_h_f"/>
-  <p:tag name="KSO_WM_UNIT_INDEX" val="1_4_1"/>
-  <p:tag name="KSO_WM_UNIT_ID" val="custom160147_24*l_h_f*1_4_1"/>
+  <p:tag name="KSO_WM_UNIT_TYPE" val="a"/>
+  <p:tag name="KSO_WM_UNIT_INDEX" val="1"/>
+  <p:tag name="KSO_WM_UNIT_ID" val="custom160147_25*a*1"/>
   <p:tag name="KSO_WM_UNIT_CLEAR" val="1"/>
-  <p:tag name="KSO_WM_UNIT_LAYERLEVEL" val="1_1_1"/>
-  <p:tag name="KSO_WM_UNIT_VALUE" val="27"/>
+  <p:tag name="KSO_WM_UNIT_LAYERLEVEL" val="1"/>
+  <p:tag name="KSO_WM_UNIT_VALUE" val="30"/>
+  <p:tag name="KSO_WM_UNIT_ISCONTENTSTITLE" val="0"/>
   <p:tag name="KSO_WM_UNIT_HIGHLIGHT" val="0"/>
   <p:tag name="KSO_WM_UNIT_COMPATIBLE" val="0"/>
-  <p:tag name="KSO_WM_UNIT_PRESET_TEXT_INDEX" val="4"/>
-  <p:tag name="KSO_WM_UNIT_PRESET_TEXT_LEN" val="57"/>
-  <p:tag name="KSO_WM_DIAGRAM_GROUP_CODE" val="l1-3"/>
+  <p:tag name="KSO_WM_UNIT_PRESET_TEXT_INDEX" val="3"/>
+  <p:tag name="KSO_WM_UNIT_PRESET_TEXT_LEN" val="24"/>
 </p:tagLst>
 </file>
 
-<file path=ppt/tags/tag355.xml><?xml version="1.0" encoding="utf-8"?>
+<file path=ppt/tags/tag375.xml><?xml version="1.0" encoding="utf-8"?>
 <p:tagLst xmlns:p="http://schemas.openxmlformats.org/presentationml/2006/main">
   <p:tag name="KSO_WM_TAG_VERSION" val="1.0"/>
   <p:tag name="KSO_WM_BEAUTIFY_FLAG" val="#wm#"/>
   <p:tag name="KSO_WM_TEMPLATE_CATEGORY" val="custom"/>
   <p:tag name="KSO_WM_TEMPLATE_INDEX" val="160147"/>
-  <p:tag name="KSO_WM_UNIT_TYPE" val="l_i"/>
-  <p:tag name="KSO_WM_UNIT_INDEX" val="1_11"/>
-  <p:tag name="KSO_WM_UNIT_ID" val="custom160147_24*l_i*1_11"/>
-  <p:tag name="KSO_WM_UNIT_CLEAR" val="1"/>
-  <p:tag name="KSO_WM_UNIT_LAYERLEVEL" val="1_1"/>
-  <p:tag name="KSO_WM_DIAGRAM_GROUP_CODE" val="l1-3"/>
+  <p:tag name="KSO_WM_UNIT_TYPE" val="d"/>
+  <p:tag name="KSO_WM_UNIT_INDEX" val="1"/>
+  <p:tag name="KSO_WM_UNIT_ID" val="custom160147_25*d*1"/>
+  <p:tag name="KSO_WM_UNIT_CLEAR" val="0"/>
+  <p:tag name="KSO_WM_UNIT_LAYERLEVEL" val="1"/>
+  <p:tag name="KSO_WM_UNIT_VALUE" val="1095*2315"/>
+  <p:tag name="KSO_WM_UNIT_HIGHLIGHT" val="0"/>
+  <p:tag name="KSO_WM_UNIT_COMPATIBLE" val="0"/>
 </p:tagLst>
 </file>
 
-<file path=ppt/tags/tag356.xml><?xml version="1.0" encoding="utf-8"?>
+<file path=ppt/tags/tag376.xml><?xml version="1.0" encoding="utf-8"?>
 <p:tagLst xmlns:p="http://schemas.openxmlformats.org/presentationml/2006/main">
   <p:tag name="KSO_WM_TAG_VERSION" val="1.0"/>
   <p:tag name="KSO_WM_BEAUTIFY_FLAG" val="#wm#"/>
   <p:tag name="KSO_WM_TEMPLATE_CATEGORY" val="custom"/>
   <p:tag name="KSO_WM_TEMPLATE_INDEX" val="160147"/>
-  <p:tag name="KSO_WM_UNIT_TYPE" val="l_i"/>
-  <p:tag name="KSO_WM_UNIT_INDEX" val="1_12"/>
-  <p:tag name="KSO_WM_UNIT_ID" val="custom160147_24*l_i*1_12"/>
+  <p:tag name="KSO_WM_UNIT_TYPE" val="f"/>
+  <p:tag name="KSO_WM_UNIT_INDEX" val="1"/>
+  <p:tag name="KSO_WM_UNIT_ID" val="custom160147_25*f*1"/>
   <p:tag name="KSO_WM_UNIT_CLEAR" val="1"/>
-  <p:tag name="KSO_WM_UNIT_LAYERLEVEL" val="1_1"/>
-  <p:tag name="KSO_WM_DIAGRAM_GROUP_CODE" val="l1-3"/>
-</p:tagLst>
-</file>
-
-<file path=ppt/tags/tag357.xml><?xml version="1.0" encoding="utf-8"?>
-<p:tagLst xmlns:p="http://schemas.openxmlformats.org/presentationml/2006/main">
-  <p:tag name="KSO_WM_TAG_VERSION" val="1.0"/>
-  <p:tag name="KSO_WM_BEAUTIFY_FLAG" val="#wm#"/>
-  <p:tag name="KSO_WM_TEMPLATE_CATEGORY" val="custom"/>
-  <p:tag name="KSO_WM_TEMPLATE_INDEX" val="160147"/>
-  <p:tag name="KSO_WM_UNIT_TYPE" val="l_h_a"/>
-  <p:tag name="KSO_WM_UNIT_INDEX" val="1_4_1"/>
-  <p:tag name="KSO_WM_UNIT_ID" val="custom160147_24*l_h_a*1_4_1"/>
-  <p:tag name="KSO_WM_UNIT_CLEAR" val="1"/>
-  <p:tag name="KSO_WM_UNIT_LAYERLEVEL" val="1_1_1"/>
-  <p:tag name="KSO_WM_UNIT_VALUE" val="8"/>
+  <p:tag name="KSO_WM_UNIT_LAYERLEVEL" val="1"/>
+  <p:tag name="KSO_WM_UNIT_VALUE" val="111"/>
   <p:tag name="KSO_WM_UNIT_HIGHLIGHT" val="0"/>
   <p:tag name="KSO_WM_UNIT_COMPATIBLE" val="0"/>
-  <p:tag name="KSO_WM_UNIT_PRESET_TEXT_INDEX" val="3"/>
-  <p:tag name="KSO_WM_UNIT_PRESET_TEXT_LEN" val="5"/>
-  <p:tag name="KSO_WM_DIAGRAM_GROUP_CODE" val="l1-3"/>
+  <p:tag name="KSO_WM_UNIT_PRESET_TEXT_INDEX" val="5"/>
+  <p:tag name="KSO_WM_UNIT_PRESET_TEXT_LEN" val="232"/>
 </p:tagLst>
 </file>
 
-<file path=ppt/tags/tag358.xml><?xml version="1.0" encoding="utf-8"?>
+<file path=ppt/tags/tag377.xml><?xml version="1.0" encoding="utf-8"?>
 <p:tagLst xmlns:p="http://schemas.openxmlformats.org/presentationml/2006/main">
   <p:tag name="KSO_WM_TAG_VERSION" val="1.0"/>
   <p:tag name="KSO_WM_BEAUTIFY_FLAG" val="#wm#"/>
   <p:tag name="KSO_WM_UNIT_TYPE" val="i"/>
-  <p:tag name="KSO_WM_UNIT_ID" val="custom160147_24*i*44"/>
+  <p:tag name="KSO_WM_UNIT_ID" val="custom160147_25*i*3"/>
   <p:tag name="KSO_WM_TEMPLATE_CATEGORY" val="custom"/>
   <p:tag name="KSO_WM_TEMPLATE_INDEX" val="160147"/>
-  <p:tag name="KSO_WM_UNIT_INDEX" val="44"/>
+  <p:tag name="KSO_WM_UNIT_INDEX" val="3"/>
 </p:tagLst>
 </file>
 
-<file path=ppt/tags/tag359.xml><?xml version="1.0" encoding="utf-8"?>
+<file path=ppt/tags/tag378.xml><?xml version="1.0" encoding="utf-8"?>
 <p:tagLst xmlns:p="http://schemas.openxmlformats.org/presentationml/2006/main">
   <p:tag name="KSO_WM_TAG_VERSION" val="1.0"/>
   <p:tag name="KSO_WM_BEAUTIFY_FLAG" val="#wm#"/>
+  <p:tag name="KSO_WM_UNIT_TYPE" val="i"/>
+  <p:tag name="KSO_WM_UNIT_ID" val="custom160147_25*i*4"/>
   <p:tag name="KSO_WM_TEMPLATE_CATEGORY" val="custom"/>
   <p:tag name="KSO_WM_TEMPLATE_INDEX" val="160147"/>
-  <p:tag name="KSO_WM_UNIT_TYPE" val="l_i"/>
-  <p:tag name="KSO_WM_UNIT_INDEX" val="1_13"/>
-  <p:tag name="KSO_WM_UNIT_ID" val="custom160147_24*l_i*1_13"/>
-  <p:tag name="KSO_WM_UNIT_CLEAR" val="1"/>
-  <p:tag name="KSO_WM_UNIT_LAYERLEVEL" val="1_1"/>
-  <p:tag name="KSO_WM_DIAGRAM_GROUP_CODE" val="l1-3"/>
+  <p:tag name="KSO_WM_UNIT_INDEX" val="4"/>
 </p:tagLst>
 </file>
 
-<file path=ppt/tags/tag36.xml><?xml version="1.0" encoding="utf-8"?>
+<file path=ppt/tags/tag379.xml><?xml version="1.0" encoding="utf-8"?>
+<p:tagLst xmlns:p="http://schemas.openxmlformats.org/presentationml/2006/main">
+  <p:tag name="KSO_WM_TEMPLATE_CATEGORY" val="custom"/>
+  <p:tag name="KSO_WM_TEMPLATE_INDEX" val="160147"/>
+  <p:tag name="KSO_WM_TAG_VERSION" val="1.0"/>
+  <p:tag name="KSO_WM_SLIDE_ID" val="custom160147_25"/>
+  <p:tag name="KSO_WM_SLIDE_INDEX" val="25"/>
+  <p:tag name="KSO_WM_SLIDE_ITEM_CNT" val="2"/>
+  <p:tag name="KSO_WM_SLIDE_LAYOUT" val="a_f_d"/>
+  <p:tag name="KSO_WM_SLIDE_LAYOUT_CNT" val="1_1_1"/>
+  <p:tag name="KSO_WM_SLIDE_TYPE" val="text"/>
+  <p:tag name="KSO_WM_BEAUTIFY_FLAG" val="#wm#"/>
+  <p:tag name="KSO_WM_SLIDE_POSITION" val="134*82"/>
+  <p:tag name="KSO_WM_SLIDE_SIZE" val="690*419"/>
+</p:tagLst>
+</file>
+
+<file path=ppt/tags/tag38.xml><?xml version="1.0" encoding="utf-8"?>
 <p:tagLst xmlns:p="http://schemas.openxmlformats.org/presentationml/2006/main">
   <p:tag name="KSO_WM_TAG_VERSION" val="1.0"/>
   <p:tag name="KSO_WM_BEAUTIFY_FLAG" val="#wm#"/>
@@ -39085,325 +39648,7 @@
 </p:tagLst>
 </file>
 
-<file path=ppt/tags/tag360.xml><?xml version="1.0" encoding="utf-8"?>
-<p:tagLst xmlns:p="http://schemas.openxmlformats.org/presentationml/2006/main">
-  <p:tag name="KSO_WM_TAG_VERSION" val="1.0"/>
-  <p:tag name="KSO_WM_BEAUTIFY_FLAG" val="#wm#"/>
-  <p:tag name="KSO_WM_TEMPLATE_CATEGORY" val="custom"/>
-  <p:tag name="KSO_WM_TEMPLATE_INDEX" val="160147"/>
-  <p:tag name="KSO_WM_UNIT_TYPE" val="l_h_f"/>
-  <p:tag name="KSO_WM_UNIT_INDEX" val="1_5_1"/>
-  <p:tag name="KSO_WM_UNIT_ID" val="custom160147_24*l_h_f*1_5_1"/>
-  <p:tag name="KSO_WM_UNIT_CLEAR" val="1"/>
-  <p:tag name="KSO_WM_UNIT_LAYERLEVEL" val="1_1_1"/>
-  <p:tag name="KSO_WM_UNIT_VALUE" val="27"/>
-  <p:tag name="KSO_WM_UNIT_HIGHLIGHT" val="0"/>
-  <p:tag name="KSO_WM_UNIT_COMPATIBLE" val="0"/>
-  <p:tag name="KSO_WM_UNIT_PRESET_TEXT_INDEX" val="4"/>
-  <p:tag name="KSO_WM_UNIT_PRESET_TEXT_LEN" val="57"/>
-  <p:tag name="KSO_WM_DIAGRAM_GROUP_CODE" val="l1-3"/>
-</p:tagLst>
-</file>
-
-<file path=ppt/tags/tag361.xml><?xml version="1.0" encoding="utf-8"?>
-<p:tagLst xmlns:p="http://schemas.openxmlformats.org/presentationml/2006/main">
-  <p:tag name="KSO_WM_TAG_VERSION" val="1.0"/>
-  <p:tag name="KSO_WM_BEAUTIFY_FLAG" val="#wm#"/>
-  <p:tag name="KSO_WM_TEMPLATE_CATEGORY" val="custom"/>
-  <p:tag name="KSO_WM_TEMPLATE_INDEX" val="160147"/>
-  <p:tag name="KSO_WM_UNIT_TYPE" val="l_i"/>
-  <p:tag name="KSO_WM_UNIT_INDEX" val="1_14"/>
-  <p:tag name="KSO_WM_UNIT_ID" val="custom160147_24*l_i*1_14"/>
-  <p:tag name="KSO_WM_UNIT_CLEAR" val="1"/>
-  <p:tag name="KSO_WM_UNIT_LAYERLEVEL" val="1_1"/>
-  <p:tag name="KSO_WM_DIAGRAM_GROUP_CODE" val="l1-3"/>
-</p:tagLst>
-</file>
-
-<file path=ppt/tags/tag362.xml><?xml version="1.0" encoding="utf-8"?>
-<p:tagLst xmlns:p="http://schemas.openxmlformats.org/presentationml/2006/main">
-  <p:tag name="KSO_WM_TAG_VERSION" val="1.0"/>
-  <p:tag name="KSO_WM_BEAUTIFY_FLAG" val="#wm#"/>
-  <p:tag name="KSO_WM_TEMPLATE_CATEGORY" val="custom"/>
-  <p:tag name="KSO_WM_TEMPLATE_INDEX" val="160147"/>
-  <p:tag name="KSO_WM_UNIT_TYPE" val="l_i"/>
-  <p:tag name="KSO_WM_UNIT_INDEX" val="1_15"/>
-  <p:tag name="KSO_WM_UNIT_ID" val="custom160147_24*l_i*1_15"/>
-  <p:tag name="KSO_WM_UNIT_CLEAR" val="1"/>
-  <p:tag name="KSO_WM_UNIT_LAYERLEVEL" val="1_1"/>
-  <p:tag name="KSO_WM_DIAGRAM_GROUP_CODE" val="l1-3"/>
-</p:tagLst>
-</file>
-
-<file path=ppt/tags/tag363.xml><?xml version="1.0" encoding="utf-8"?>
-<p:tagLst xmlns:p="http://schemas.openxmlformats.org/presentationml/2006/main">
-  <p:tag name="KSO_WM_TAG_VERSION" val="1.0"/>
-  <p:tag name="KSO_WM_BEAUTIFY_FLAG" val="#wm#"/>
-  <p:tag name="KSO_WM_TEMPLATE_CATEGORY" val="custom"/>
-  <p:tag name="KSO_WM_TEMPLATE_INDEX" val="160147"/>
-  <p:tag name="KSO_WM_UNIT_TYPE" val="l_h_a"/>
-  <p:tag name="KSO_WM_UNIT_INDEX" val="1_5_1"/>
-  <p:tag name="KSO_WM_UNIT_ID" val="custom160147_24*l_h_a*1_5_1"/>
-  <p:tag name="KSO_WM_UNIT_CLEAR" val="1"/>
-  <p:tag name="KSO_WM_UNIT_LAYERLEVEL" val="1_1_1"/>
-  <p:tag name="KSO_WM_UNIT_VALUE" val="8"/>
-  <p:tag name="KSO_WM_UNIT_HIGHLIGHT" val="0"/>
-  <p:tag name="KSO_WM_UNIT_COMPATIBLE" val="0"/>
-  <p:tag name="KSO_WM_UNIT_PRESET_TEXT_INDEX" val="3"/>
-  <p:tag name="KSO_WM_UNIT_PRESET_TEXT_LEN" val="5"/>
-  <p:tag name="KSO_WM_DIAGRAM_GROUP_CODE" val="l1-3"/>
-</p:tagLst>
-</file>
-
-<file path=ppt/tags/tag364.xml><?xml version="1.0" encoding="utf-8"?>
-<p:tagLst xmlns:p="http://schemas.openxmlformats.org/presentationml/2006/main">
-  <p:tag name="KSO_WM_TAG_VERSION" val="1.0"/>
-  <p:tag name="KSO_WM_BEAUTIFY_FLAG" val="#wm#"/>
-  <p:tag name="KSO_WM_UNIT_TYPE" val="i"/>
-  <p:tag name="KSO_WM_UNIT_ID" val="custom160147_24*i*55"/>
-  <p:tag name="KSO_WM_TEMPLATE_CATEGORY" val="custom"/>
-  <p:tag name="KSO_WM_TEMPLATE_INDEX" val="160147"/>
-  <p:tag name="KSO_WM_UNIT_INDEX" val="55"/>
-</p:tagLst>
-</file>
-
-<file path=ppt/tags/tag365.xml><?xml version="1.0" encoding="utf-8"?>
-<p:tagLst xmlns:p="http://schemas.openxmlformats.org/presentationml/2006/main">
-  <p:tag name="KSO_WM_TAG_VERSION" val="1.0"/>
-  <p:tag name="KSO_WM_BEAUTIFY_FLAG" val="#wm#"/>
-  <p:tag name="KSO_WM_TEMPLATE_CATEGORY" val="custom"/>
-  <p:tag name="KSO_WM_TEMPLATE_INDEX" val="160147"/>
-  <p:tag name="KSO_WM_UNIT_TYPE" val="l_i"/>
-  <p:tag name="KSO_WM_UNIT_INDEX" val="1_16"/>
-  <p:tag name="KSO_WM_UNIT_ID" val="custom160147_24*l_i*1_16"/>
-  <p:tag name="KSO_WM_UNIT_CLEAR" val="1"/>
-  <p:tag name="KSO_WM_UNIT_LAYERLEVEL" val="1_1"/>
-  <p:tag name="KSO_WM_DIAGRAM_GROUP_CODE" val="l1-3"/>
-</p:tagLst>
-</file>
-
-<file path=ppt/tags/tag366.xml><?xml version="1.0" encoding="utf-8"?>
-<p:tagLst xmlns:p="http://schemas.openxmlformats.org/presentationml/2006/main">
-  <p:tag name="KSO_WM_TAG_VERSION" val="1.0"/>
-  <p:tag name="KSO_WM_BEAUTIFY_FLAG" val="#wm#"/>
-  <p:tag name="KSO_WM_TEMPLATE_CATEGORY" val="custom"/>
-  <p:tag name="KSO_WM_TEMPLATE_INDEX" val="160147"/>
-  <p:tag name="KSO_WM_UNIT_TYPE" val="l_h_f"/>
-  <p:tag name="KSO_WM_UNIT_INDEX" val="1_6_1"/>
-  <p:tag name="KSO_WM_UNIT_ID" val="custom160147_24*l_h_f*1_6_1"/>
-  <p:tag name="KSO_WM_UNIT_CLEAR" val="1"/>
-  <p:tag name="KSO_WM_UNIT_LAYERLEVEL" val="1_1_1"/>
-  <p:tag name="KSO_WM_UNIT_VALUE" val="27"/>
-  <p:tag name="KSO_WM_UNIT_HIGHLIGHT" val="0"/>
-  <p:tag name="KSO_WM_UNIT_COMPATIBLE" val="0"/>
-  <p:tag name="KSO_WM_UNIT_PRESET_TEXT_INDEX" val="4"/>
-  <p:tag name="KSO_WM_UNIT_PRESET_TEXT_LEN" val="57"/>
-  <p:tag name="KSO_WM_DIAGRAM_GROUP_CODE" val="l1-3"/>
-</p:tagLst>
-</file>
-
-<file path=ppt/tags/tag367.xml><?xml version="1.0" encoding="utf-8"?>
-<p:tagLst xmlns:p="http://schemas.openxmlformats.org/presentationml/2006/main">
-  <p:tag name="KSO_WM_TAG_VERSION" val="1.0"/>
-  <p:tag name="KSO_WM_BEAUTIFY_FLAG" val="#wm#"/>
-  <p:tag name="KSO_WM_TEMPLATE_CATEGORY" val="custom"/>
-  <p:tag name="KSO_WM_TEMPLATE_INDEX" val="160147"/>
-  <p:tag name="KSO_WM_UNIT_TYPE" val="l_i"/>
-  <p:tag name="KSO_WM_UNIT_INDEX" val="1_17"/>
-  <p:tag name="KSO_WM_UNIT_ID" val="custom160147_24*l_i*1_17"/>
-  <p:tag name="KSO_WM_UNIT_CLEAR" val="1"/>
-  <p:tag name="KSO_WM_UNIT_LAYERLEVEL" val="1_1"/>
-  <p:tag name="KSO_WM_DIAGRAM_GROUP_CODE" val="l1-3"/>
-</p:tagLst>
-</file>
-
-<file path=ppt/tags/tag368.xml><?xml version="1.0" encoding="utf-8"?>
-<p:tagLst xmlns:p="http://schemas.openxmlformats.org/presentationml/2006/main">
-  <p:tag name="KSO_WM_TAG_VERSION" val="1.0"/>
-  <p:tag name="KSO_WM_BEAUTIFY_FLAG" val="#wm#"/>
-  <p:tag name="KSO_WM_TEMPLATE_CATEGORY" val="custom"/>
-  <p:tag name="KSO_WM_TEMPLATE_INDEX" val="160147"/>
-  <p:tag name="KSO_WM_UNIT_TYPE" val="l_i"/>
-  <p:tag name="KSO_WM_UNIT_INDEX" val="1_18"/>
-  <p:tag name="KSO_WM_UNIT_ID" val="custom160147_24*l_i*1_18"/>
-  <p:tag name="KSO_WM_UNIT_CLEAR" val="1"/>
-  <p:tag name="KSO_WM_UNIT_LAYERLEVEL" val="1_1"/>
-  <p:tag name="KSO_WM_DIAGRAM_GROUP_CODE" val="l1-3"/>
-</p:tagLst>
-</file>
-
-<file path=ppt/tags/tag369.xml><?xml version="1.0" encoding="utf-8"?>
-<p:tagLst xmlns:p="http://schemas.openxmlformats.org/presentationml/2006/main">
-  <p:tag name="KSO_WM_TAG_VERSION" val="1.0"/>
-  <p:tag name="KSO_WM_BEAUTIFY_FLAG" val="#wm#"/>
-  <p:tag name="KSO_WM_TEMPLATE_CATEGORY" val="custom"/>
-  <p:tag name="KSO_WM_TEMPLATE_INDEX" val="160147"/>
-  <p:tag name="KSO_WM_UNIT_TYPE" val="l_h_a"/>
-  <p:tag name="KSO_WM_UNIT_INDEX" val="1_6_1"/>
-  <p:tag name="KSO_WM_UNIT_ID" val="custom160147_24*l_h_a*1_6_1"/>
-  <p:tag name="KSO_WM_UNIT_CLEAR" val="1"/>
-  <p:tag name="KSO_WM_UNIT_LAYERLEVEL" val="1_1_1"/>
-  <p:tag name="KSO_WM_UNIT_VALUE" val="8"/>
-  <p:tag name="KSO_WM_UNIT_HIGHLIGHT" val="0"/>
-  <p:tag name="KSO_WM_UNIT_COMPATIBLE" val="0"/>
-  <p:tag name="KSO_WM_UNIT_PRESET_TEXT_INDEX" val="3"/>
-  <p:tag name="KSO_WM_UNIT_PRESET_TEXT_LEN" val="5"/>
-  <p:tag name="KSO_WM_DIAGRAM_GROUP_CODE" val="l1-3"/>
-</p:tagLst>
-</file>
-
-<file path=ppt/tags/tag37.xml><?xml version="1.0" encoding="utf-8"?>
-<p:tagLst xmlns:p="http://schemas.openxmlformats.org/presentationml/2006/main">
-  <p:tag name="MH" val="20151013150709"/>
-  <p:tag name="MH_LIBRARY" val="CONTENTS"/>
-  <p:tag name="MH_TYPE" val="OTHERS"/>
-  <p:tag name="ID" val="553516"/>
-  <p:tag name="KSO_WM_TAG_VERSION" val="1.0"/>
-  <p:tag name="KSO_WM_BEAUTIFY_FLAG" val="#wm#"/>
-  <p:tag name="KSO_WM_UNIT_TYPE" val="i"/>
-  <p:tag name="KSO_WM_UNIT_ID" val="custom160147_6*i*8"/>
-  <p:tag name="KSO_WM_TEMPLATE_CATEGORY" val="custom"/>
-  <p:tag name="KSO_WM_TEMPLATE_INDEX" val="160147"/>
-  <p:tag name="KSO_WM_UNIT_INDEX" val="8"/>
-</p:tagLst>
-</file>
-
-<file path=ppt/tags/tag370.xml><?xml version="1.0" encoding="utf-8"?>
-<p:tagLst xmlns:p="http://schemas.openxmlformats.org/presentationml/2006/main">
-  <p:tag name="KSO_WM_TAG_VERSION" val="1.0"/>
-  <p:tag name="KSO_WM_BEAUTIFY_FLAG" val="#wm#"/>
-  <p:tag name="KSO_WM_TEMPLATE_CATEGORY" val="custom"/>
-  <p:tag name="KSO_WM_TEMPLATE_INDEX" val="160147"/>
-  <p:tag name="KSO_WM_UNIT_TYPE" val="a"/>
-  <p:tag name="KSO_WM_UNIT_INDEX" val="1"/>
-  <p:tag name="KSO_WM_UNIT_ID" val="custom160147_24*a*1"/>
-  <p:tag name="KSO_WM_UNIT_CLEAR" val="1"/>
-  <p:tag name="KSO_WM_UNIT_LAYERLEVEL" val="1"/>
-  <p:tag name="KSO_WM_UNIT_VALUE" val="30"/>
-  <p:tag name="KSO_WM_UNIT_ISCONTENTSTITLE" val="0"/>
-  <p:tag name="KSO_WM_UNIT_HIGHLIGHT" val="0"/>
-  <p:tag name="KSO_WM_UNIT_COMPATIBLE" val="0"/>
-  <p:tag name="KSO_WM_UNIT_PRESET_TEXT_INDEX" val="3"/>
-  <p:tag name="KSO_WM_UNIT_PRESET_TEXT_LEN" val="24"/>
-</p:tagLst>
-</file>
-
-<file path=ppt/tags/tag371.xml><?xml version="1.0" encoding="utf-8"?>
-<p:tagLst xmlns:p="http://schemas.openxmlformats.org/presentationml/2006/main">
-  <p:tag name="KSO_WM_TEMPLATE_CATEGORY" val="custom"/>
-  <p:tag name="KSO_WM_TEMPLATE_INDEX" val="160147"/>
-  <p:tag name="KSO_WM_TAG_VERSION" val="1.0"/>
-  <p:tag name="KSO_WM_SLIDE_ID" val="custom160147_24"/>
-  <p:tag name="KSO_WM_SLIDE_INDEX" val="24"/>
-  <p:tag name="KSO_WM_SLIDE_ITEM_CNT" val="6"/>
-  <p:tag name="KSO_WM_SLIDE_LAYOUT" val="a_l"/>
-  <p:tag name="KSO_WM_SLIDE_LAYOUT_CNT" val="1_1"/>
-  <p:tag name="KSO_WM_SLIDE_TYPE" val="text"/>
-  <p:tag name="KSO_WM_BEAUTIFY_FLAG" val="#wm#"/>
-  <p:tag name="KSO_WM_SLIDE_POSITION" val="61*91"/>
-  <p:tag name="KSO_WM_SLIDE_SIZE" val="864*437"/>
-  <p:tag name="KSO_WM_DIAGRAM_GROUP_CODE" val="l1-3"/>
-</p:tagLst>
-</file>
-
-<file path=ppt/tags/tag372.xml><?xml version="1.0" encoding="utf-8"?>
-<p:tagLst xmlns:p="http://schemas.openxmlformats.org/presentationml/2006/main">
-  <p:tag name="KSO_WM_TAG_VERSION" val="1.0"/>
-  <p:tag name="KSO_WM_BEAUTIFY_FLAG" val="#wm#"/>
-  <p:tag name="KSO_WM_TEMPLATE_CATEGORY" val="custom"/>
-  <p:tag name="KSO_WM_TEMPLATE_INDEX" val="160147"/>
-  <p:tag name="KSO_WM_UNIT_TYPE" val="a"/>
-  <p:tag name="KSO_WM_UNIT_INDEX" val="1"/>
-  <p:tag name="KSO_WM_UNIT_ID" val="custom160147_25*a*1"/>
-  <p:tag name="KSO_WM_UNIT_CLEAR" val="1"/>
-  <p:tag name="KSO_WM_UNIT_LAYERLEVEL" val="1"/>
-  <p:tag name="KSO_WM_UNIT_VALUE" val="30"/>
-  <p:tag name="KSO_WM_UNIT_ISCONTENTSTITLE" val="0"/>
-  <p:tag name="KSO_WM_UNIT_HIGHLIGHT" val="0"/>
-  <p:tag name="KSO_WM_UNIT_COMPATIBLE" val="0"/>
-  <p:tag name="KSO_WM_UNIT_PRESET_TEXT_INDEX" val="3"/>
-  <p:tag name="KSO_WM_UNIT_PRESET_TEXT_LEN" val="24"/>
-</p:tagLst>
-</file>
-
-<file path=ppt/tags/tag373.xml><?xml version="1.0" encoding="utf-8"?>
-<p:tagLst xmlns:p="http://schemas.openxmlformats.org/presentationml/2006/main">
-  <p:tag name="KSO_WM_TAG_VERSION" val="1.0"/>
-  <p:tag name="KSO_WM_BEAUTIFY_FLAG" val="#wm#"/>
-  <p:tag name="KSO_WM_TEMPLATE_CATEGORY" val="custom"/>
-  <p:tag name="KSO_WM_TEMPLATE_INDEX" val="160147"/>
-  <p:tag name="KSO_WM_UNIT_TYPE" val="d"/>
-  <p:tag name="KSO_WM_UNIT_INDEX" val="1"/>
-  <p:tag name="KSO_WM_UNIT_ID" val="custom160147_25*d*1"/>
-  <p:tag name="KSO_WM_UNIT_CLEAR" val="0"/>
-  <p:tag name="KSO_WM_UNIT_LAYERLEVEL" val="1"/>
-  <p:tag name="KSO_WM_UNIT_VALUE" val="1095*2315"/>
-  <p:tag name="KSO_WM_UNIT_HIGHLIGHT" val="0"/>
-  <p:tag name="KSO_WM_UNIT_COMPATIBLE" val="0"/>
-</p:tagLst>
-</file>
-
-<file path=ppt/tags/tag374.xml><?xml version="1.0" encoding="utf-8"?>
-<p:tagLst xmlns:p="http://schemas.openxmlformats.org/presentationml/2006/main">
-  <p:tag name="KSO_WM_TAG_VERSION" val="1.0"/>
-  <p:tag name="KSO_WM_BEAUTIFY_FLAG" val="#wm#"/>
-  <p:tag name="KSO_WM_TEMPLATE_CATEGORY" val="custom"/>
-  <p:tag name="KSO_WM_TEMPLATE_INDEX" val="160147"/>
-  <p:tag name="KSO_WM_UNIT_TYPE" val="f"/>
-  <p:tag name="KSO_WM_UNIT_INDEX" val="1"/>
-  <p:tag name="KSO_WM_UNIT_ID" val="custom160147_25*f*1"/>
-  <p:tag name="KSO_WM_UNIT_CLEAR" val="1"/>
-  <p:tag name="KSO_WM_UNIT_LAYERLEVEL" val="1"/>
-  <p:tag name="KSO_WM_UNIT_VALUE" val="111"/>
-  <p:tag name="KSO_WM_UNIT_HIGHLIGHT" val="0"/>
-  <p:tag name="KSO_WM_UNIT_COMPATIBLE" val="0"/>
-  <p:tag name="KSO_WM_UNIT_PRESET_TEXT_INDEX" val="5"/>
-  <p:tag name="KSO_WM_UNIT_PRESET_TEXT_LEN" val="232"/>
-</p:tagLst>
-</file>
-
-<file path=ppt/tags/tag375.xml><?xml version="1.0" encoding="utf-8"?>
-<p:tagLst xmlns:p="http://schemas.openxmlformats.org/presentationml/2006/main">
-  <p:tag name="KSO_WM_TAG_VERSION" val="1.0"/>
-  <p:tag name="KSO_WM_BEAUTIFY_FLAG" val="#wm#"/>
-  <p:tag name="KSO_WM_UNIT_TYPE" val="i"/>
-  <p:tag name="KSO_WM_UNIT_ID" val="custom160147_25*i*3"/>
-  <p:tag name="KSO_WM_TEMPLATE_CATEGORY" val="custom"/>
-  <p:tag name="KSO_WM_TEMPLATE_INDEX" val="160147"/>
-  <p:tag name="KSO_WM_UNIT_INDEX" val="3"/>
-</p:tagLst>
-</file>
-
-<file path=ppt/tags/tag376.xml><?xml version="1.0" encoding="utf-8"?>
-<p:tagLst xmlns:p="http://schemas.openxmlformats.org/presentationml/2006/main">
-  <p:tag name="KSO_WM_TAG_VERSION" val="1.0"/>
-  <p:tag name="KSO_WM_BEAUTIFY_FLAG" val="#wm#"/>
-  <p:tag name="KSO_WM_UNIT_TYPE" val="i"/>
-  <p:tag name="KSO_WM_UNIT_ID" val="custom160147_25*i*4"/>
-  <p:tag name="KSO_WM_TEMPLATE_CATEGORY" val="custom"/>
-  <p:tag name="KSO_WM_TEMPLATE_INDEX" val="160147"/>
-  <p:tag name="KSO_WM_UNIT_INDEX" val="4"/>
-</p:tagLst>
-</file>
-
-<file path=ppt/tags/tag377.xml><?xml version="1.0" encoding="utf-8"?>
-<p:tagLst xmlns:p="http://schemas.openxmlformats.org/presentationml/2006/main">
-  <p:tag name="KSO_WM_TEMPLATE_CATEGORY" val="custom"/>
-  <p:tag name="KSO_WM_TEMPLATE_INDEX" val="160147"/>
-  <p:tag name="KSO_WM_TAG_VERSION" val="1.0"/>
-  <p:tag name="KSO_WM_SLIDE_ID" val="custom160147_25"/>
-  <p:tag name="KSO_WM_SLIDE_INDEX" val="25"/>
-  <p:tag name="KSO_WM_SLIDE_ITEM_CNT" val="2"/>
-  <p:tag name="KSO_WM_SLIDE_LAYOUT" val="a_f_d"/>
-  <p:tag name="KSO_WM_SLIDE_LAYOUT_CNT" val="1_1_1"/>
-  <p:tag name="KSO_WM_SLIDE_TYPE" val="text"/>
-  <p:tag name="KSO_WM_BEAUTIFY_FLAG" val="#wm#"/>
-  <p:tag name="KSO_WM_SLIDE_POSITION" val="134*82"/>
-  <p:tag name="KSO_WM_SLIDE_SIZE" val="690*419"/>
-</p:tagLst>
-</file>
-
-<file path=ppt/tags/tag378.xml><?xml version="1.0" encoding="utf-8"?>
+<file path=ppt/tags/tag380.xml><?xml version="1.0" encoding="utf-8"?>
 <p:tagLst xmlns:p="http://schemas.openxmlformats.org/presentationml/2006/main">
   <p:tag name="KSO_WM_TAG_VERSION" val="1.0"/>
   <p:tag name="KSO_WM_BEAUTIFY_FLAG" val="#wm#"/>
@@ -39420,7 +39665,7 @@
 </p:tagLst>
 </file>
 
-<file path=ppt/tags/tag379.xml><?xml version="1.0" encoding="utf-8"?>
+<file path=ppt/tags/tag381.xml><?xml version="1.0" encoding="utf-8"?>
 <p:tagLst xmlns:p="http://schemas.openxmlformats.org/presentationml/2006/main">
   <p:tag name="KSO_WM_TAG_VERSION" val="1.0"/>
   <p:tag name="KSO_WM_BEAUTIFY_FLAG" val="#wm#"/>
@@ -39437,28 +39682,7 @@
 </p:tagLst>
 </file>
 
-<file path=ppt/tags/tag38.xml><?xml version="1.0" encoding="utf-8"?>
-<p:tagLst xmlns:p="http://schemas.openxmlformats.org/presentationml/2006/main">
-  <p:tag name="MH" val="20151013150709"/>
-  <p:tag name="MH_LIBRARY" val="CONTENTS"/>
-  <p:tag name="MH_AUTOCOLOR" val="TRUE"/>
-  <p:tag name="MH_TYPE" val="CONTENTS"/>
-  <p:tag name="ID" val="553516"/>
-  <p:tag name="KSO_WM_TEMPLATE_CATEGORY" val="custom"/>
-  <p:tag name="KSO_WM_TEMPLATE_INDEX" val="160147"/>
-  <p:tag name="KSO_WM_TAG_VERSION" val="1.0"/>
-  <p:tag name="KSO_WM_SLIDE_ID" val="custom160147_6"/>
-  <p:tag name="KSO_WM_SLIDE_INDEX" val="6"/>
-  <p:tag name="KSO_WM_SLIDE_ITEM_CNT" val="1"/>
-  <p:tag name="KSO_WM_SLIDE_LAYOUT" val="a_l"/>
-  <p:tag name="KSO_WM_SLIDE_LAYOUT_CNT" val="1_1"/>
-  <p:tag name="KSO_WM_SLIDE_TYPE" val="contents"/>
-  <p:tag name="KSO_WM_BEAUTIFY_FLAG" val="#wm#"/>
-  <p:tag name="KSO_WM_DIAGRAM_GROUP_CODE" val="l1-1"/>
-</p:tagLst>
-</file>
-
-<file path=ppt/tags/tag380.xml><?xml version="1.0" encoding="utf-8"?>
+<file path=ppt/tags/tag382.xml><?xml version="1.0" encoding="utf-8"?>
 <p:tagLst xmlns:p="http://schemas.openxmlformats.org/presentationml/2006/main">
   <p:tag name="KSO_WM_TAG_VERSION" val="1.0"/>
   <p:tag name="KSO_WM_BEAUTIFY_FLAG" val="#wm#"/>
@@ -39470,7 +39694,7 @@
 </p:tagLst>
 </file>
 
-<file path=ppt/tags/tag381.xml><?xml version="1.0" encoding="utf-8"?>
+<file path=ppt/tags/tag383.xml><?xml version="1.0" encoding="utf-8"?>
 <p:tagLst xmlns:p="http://schemas.openxmlformats.org/presentationml/2006/main">
   <p:tag name="KSO_WM_TAG_VERSION" val="1.0"/>
   <p:tag name="KSO_WM_BEAUTIFY_FLAG" val="#wm#"/>
@@ -39482,7 +39706,7 @@
 </p:tagLst>
 </file>
 
-<file path=ppt/tags/tag382.xml><?xml version="1.0" encoding="utf-8"?>
+<file path=ppt/tags/tag384.xml><?xml version="1.0" encoding="utf-8"?>
 <p:tagLst xmlns:p="http://schemas.openxmlformats.org/presentationml/2006/main">
   <p:tag name="KSO_WM_TAG_VERSION" val="1.0"/>
   <p:tag name="KSO_WM_BEAUTIFY_FLAG" val="#wm#"/>
@@ -39501,7 +39725,7 @@
 </p:tagLst>
 </file>
 
-<file path=ppt/tags/tag383.xml><?xml version="1.0" encoding="utf-8"?>
+<file path=ppt/tags/tag385.xml><?xml version="1.0" encoding="utf-8"?>
 <p:tagLst xmlns:p="http://schemas.openxmlformats.org/presentationml/2006/main">
   <p:tag name="KSO_WM_TAG_VERSION" val="1.0"/>
   <p:tag name="KSO_WM_BEAUTIFY_FLAG" val="#wm#"/>
@@ -39513,7 +39737,7 @@
 </p:tagLst>
 </file>
 
-<file path=ppt/tags/tag384.xml><?xml version="1.0" encoding="utf-8"?>
+<file path=ppt/tags/tag386.xml><?xml version="1.0" encoding="utf-8"?>
 <p:tagLst xmlns:p="http://schemas.openxmlformats.org/presentationml/2006/main">
   <p:tag name="KSO_WM_TAG_VERSION" val="1.0"/>
   <p:tag name="KSO_WM_BEAUTIFY_FLAG" val="#wm#"/>
@@ -39525,7 +39749,7 @@
 </p:tagLst>
 </file>
 
-<file path=ppt/tags/tag385.xml><?xml version="1.0" encoding="utf-8"?>
+<file path=ppt/tags/tag387.xml><?xml version="1.0" encoding="utf-8"?>
 <p:tagLst xmlns:p="http://schemas.openxmlformats.org/presentationml/2006/main">
   <p:tag name="KSO_WM_TAG_VERSION" val="1.0"/>
   <p:tag name="KSO_WM_BEAUTIFY_FLAG" val="#wm#"/>
@@ -39545,7 +39769,7 @@
 </p:tagLst>
 </file>
 
-<file path=ppt/tags/tag386.xml><?xml version="1.0" encoding="utf-8"?>
+<file path=ppt/tags/tag388.xml><?xml version="1.0" encoding="utf-8"?>
 <p:tagLst xmlns:p="http://schemas.openxmlformats.org/presentationml/2006/main">
   <p:tag name="KSO_WM_TEMPLATE_CATEGORY" val="custom"/>
   <p:tag name="KSO_WM_TEMPLATE_INDEX" val="160147"/>
@@ -39562,7 +39786,7 @@
 </p:tagLst>
 </file>
 
-<file path=ppt/tags/tag387.xml><?xml version="1.0" encoding="utf-8"?>
+<file path=ppt/tags/tag389.xml><?xml version="1.0" encoding="utf-8"?>
 <p:tagLst xmlns:p="http://schemas.openxmlformats.org/presentationml/2006/main">
   <p:tag name="KSO_WM_TAG_VERSION" val="1.0"/>
   <p:tag name="KSO_WM_BEAUTIFY_FLAG" val="#wm#"/>
@@ -39584,7 +39808,23 @@
 </p:tagLst>
 </file>
 
-<file path=ppt/tags/tag388.xml><?xml version="1.0" encoding="utf-8"?>
+<file path=ppt/tags/tag39.xml><?xml version="1.0" encoding="utf-8"?>
+<p:tagLst xmlns:p="http://schemas.openxmlformats.org/presentationml/2006/main">
+  <p:tag name="MH" val="20151013150709"/>
+  <p:tag name="MH_LIBRARY" val="CONTENTS"/>
+  <p:tag name="MH_TYPE" val="OTHERS"/>
+  <p:tag name="ID" val="553516"/>
+  <p:tag name="KSO_WM_TAG_VERSION" val="1.0"/>
+  <p:tag name="KSO_WM_BEAUTIFY_FLAG" val="#wm#"/>
+  <p:tag name="KSO_WM_UNIT_TYPE" val="i"/>
+  <p:tag name="KSO_WM_UNIT_ID" val="custom160147_6*i*8"/>
+  <p:tag name="KSO_WM_TEMPLATE_CATEGORY" val="custom"/>
+  <p:tag name="KSO_WM_TEMPLATE_INDEX" val="160147"/>
+  <p:tag name="KSO_WM_UNIT_INDEX" val="8"/>
+</p:tagLst>
+</file>
+
+<file path=ppt/tags/tag390.xml><?xml version="1.0" encoding="utf-8"?>
 <p:tagLst xmlns:p="http://schemas.openxmlformats.org/presentationml/2006/main">
   <p:tag name="MH" val="20151013153927"/>
   <p:tag name="MH_LIBRARY" val="GRAPHIC"/>
@@ -39599,7 +39839,7 @@
 </p:tagLst>
 </file>
 
-<file path=ppt/tags/tag389.xml><?xml version="1.0" encoding="utf-8"?>
+<file path=ppt/tags/tag391.xml><?xml version="1.0" encoding="utf-8"?>
 <p:tagLst xmlns:p="http://schemas.openxmlformats.org/presentationml/2006/main">
   <p:tag name="MH" val="20151013153927"/>
   <p:tag name="MH_LIBRARY" val="GRAPHIC"/>
@@ -39614,19 +39854,7 @@
 </p:tagLst>
 </file>
 
-<file path=ppt/tags/tag39.xml><?xml version="1.0" encoding="utf-8"?>
-<p:tagLst xmlns:p="http://schemas.openxmlformats.org/presentationml/2006/main">
-  <p:tag name="KSO_WM_TAG_VERSION" val="1.0"/>
-  <p:tag name="KSO_WM_BEAUTIFY_FLAG" val="#wm#"/>
-  <p:tag name="KSO_WM_UNIT_TYPE" val="i"/>
-  <p:tag name="KSO_WM_UNIT_ID" val="custom160147_7*i*0"/>
-  <p:tag name="KSO_WM_TEMPLATE_CATEGORY" val="custom"/>
-  <p:tag name="KSO_WM_TEMPLATE_INDEX" val="160147"/>
-  <p:tag name="KSO_WM_UNIT_INDEX" val="0"/>
-</p:tagLst>
-</file>
-
-<file path=ppt/tags/tag390.xml><?xml version="1.0" encoding="utf-8"?>
+<file path=ppt/tags/tag392.xml><?xml version="1.0" encoding="utf-8"?>
 <p:tagLst xmlns:p="http://schemas.openxmlformats.org/presentationml/2006/main">
   <p:tag name="MH" val="20151013153927"/>
   <p:tag name="MH_LIBRARY" val="GRAPHIC"/>
@@ -39641,7 +39869,7 @@
 </p:tagLst>
 </file>
 
-<file path=ppt/tags/tag391.xml><?xml version="1.0" encoding="utf-8"?>
+<file path=ppt/tags/tag393.xml><?xml version="1.0" encoding="utf-8"?>
 <p:tagLst xmlns:p="http://schemas.openxmlformats.org/presentationml/2006/main">
   <p:tag name="MH" val="20151013153927"/>
   <p:tag name="MH_LIBRARY" val="GRAPHIC"/>
@@ -39656,7 +39884,7 @@
 </p:tagLst>
 </file>
 
-<file path=ppt/tags/tag392.xml><?xml version="1.0" encoding="utf-8"?>
+<file path=ppt/tags/tag394.xml><?xml version="1.0" encoding="utf-8"?>
 <p:tagLst xmlns:p="http://schemas.openxmlformats.org/presentationml/2006/main">
   <p:tag name="MH" val="20151013153927"/>
   <p:tag name="MH_LIBRARY" val="GRAPHIC"/>
@@ -39671,7 +39899,7 @@
 </p:tagLst>
 </file>
 
-<file path=ppt/tags/tag393.xml><?xml version="1.0" encoding="utf-8"?>
+<file path=ppt/tags/tag395.xml><?xml version="1.0" encoding="utf-8"?>
 <p:tagLst xmlns:p="http://schemas.openxmlformats.org/presentationml/2006/main">
   <p:tag name="MH" val="20151013153927"/>
   <p:tag name="MH_LIBRARY" val="GRAPHIC"/>
@@ -39686,7 +39914,7 @@
 </p:tagLst>
 </file>
 
-<file path=ppt/tags/tag394.xml><?xml version="1.0" encoding="utf-8"?>
+<file path=ppt/tags/tag396.xml><?xml version="1.0" encoding="utf-8"?>
 <p:tagLst xmlns:p="http://schemas.openxmlformats.org/presentationml/2006/main">
   <p:tag name="MH" val="20151013153927"/>
   <p:tag name="MH_LIBRARY" val="GRAPHIC"/>
@@ -39701,7 +39929,7 @@
 </p:tagLst>
 </file>
 
-<file path=ppt/tags/tag395.xml><?xml version="1.0" encoding="utf-8"?>
+<file path=ppt/tags/tag397.xml><?xml version="1.0" encoding="utf-8"?>
 <p:tagLst xmlns:p="http://schemas.openxmlformats.org/presentationml/2006/main">
   <p:tag name="MH" val="20151013153927"/>
   <p:tag name="MH_LIBRARY" val="GRAPHIC"/>
@@ -39729,6 +39957,39 @@
 </file>
 
 <file path=ppt/tags/tag40.xml><?xml version="1.0" encoding="utf-8"?>
+<p:tagLst xmlns:p="http://schemas.openxmlformats.org/presentationml/2006/main">
+  <p:tag name="MH" val="20151013150709"/>
+  <p:tag name="MH_LIBRARY" val="CONTENTS"/>
+  <p:tag name="MH_AUTOCOLOR" val="TRUE"/>
+  <p:tag name="MH_TYPE" val="CONTENTS"/>
+  <p:tag name="ID" val="553516"/>
+  <p:tag name="KSO_WM_TEMPLATE_CATEGORY" val="custom"/>
+  <p:tag name="KSO_WM_TEMPLATE_INDEX" val="160147"/>
+  <p:tag name="KSO_WM_TAG_VERSION" val="1.0"/>
+  <p:tag name="KSO_WM_SLIDE_ID" val="custom160147_6"/>
+  <p:tag name="KSO_WM_SLIDE_INDEX" val="6"/>
+  <p:tag name="KSO_WM_SLIDE_ITEM_CNT" val="1"/>
+  <p:tag name="KSO_WM_SLIDE_LAYOUT" val="a_l"/>
+  <p:tag name="KSO_WM_SLIDE_LAYOUT_CNT" val="1_1"/>
+  <p:tag name="KSO_WM_SLIDE_TYPE" val="contents"/>
+  <p:tag name="KSO_WM_BEAUTIFY_FLAG" val="#wm#"/>
+  <p:tag name="KSO_WM_DIAGRAM_GROUP_CODE" val="l1-1"/>
+</p:tagLst>
+</file>
+
+<file path=ppt/tags/tag41.xml><?xml version="1.0" encoding="utf-8"?>
+<p:tagLst xmlns:p="http://schemas.openxmlformats.org/presentationml/2006/main">
+  <p:tag name="KSO_WM_TAG_VERSION" val="1.0"/>
+  <p:tag name="KSO_WM_BEAUTIFY_FLAG" val="#wm#"/>
+  <p:tag name="KSO_WM_UNIT_TYPE" val="i"/>
+  <p:tag name="KSO_WM_UNIT_ID" val="custom160147_7*i*0"/>
+  <p:tag name="KSO_WM_TEMPLATE_CATEGORY" val="custom"/>
+  <p:tag name="KSO_WM_TEMPLATE_INDEX" val="160147"/>
+  <p:tag name="KSO_WM_UNIT_INDEX" val="0"/>
+</p:tagLst>
+</file>
+
+<file path=ppt/tags/tag42.xml><?xml version="1.0" encoding="utf-8"?>
 <p:tagLst xmlns:p="http://schemas.openxmlformats.org/presentationml/2006/main">
   <p:tag name="KSO_WM_TAG_VERSION" val="1.0"/>
   <p:tag name="KSO_WM_BEAUTIFY_FLAG" val="#wm#"/>
@@ -39753,7 +40014,7 @@
 </p:tagLst>
 </file>
 
-<file path=ppt/tags/tag41.xml><?xml version="1.0" encoding="utf-8"?>
+<file path=ppt/tags/tag43.xml><?xml version="1.0" encoding="utf-8"?>
 <p:tagLst xmlns:p="http://schemas.openxmlformats.org/presentationml/2006/main">
   <p:tag name="KSO_WM_TAG_VERSION" val="1.0"/>
   <p:tag name="KSO_WM_BEAUTIFY_FLAG" val="#wm#"/>
@@ -39773,7 +40034,7 @@
 </p:tagLst>
 </file>
 
-<file path=ppt/tags/tag42.xml><?xml version="1.0" encoding="utf-8"?>
+<file path=ppt/tags/tag44.xml><?xml version="1.0" encoding="utf-8"?>
 <p:tagLst xmlns:p="http://schemas.openxmlformats.org/presentationml/2006/main">
   <p:tag name="KSO_WM_TAG_VERSION" val="1.0"/>
   <p:tag name="KSO_WM_BEAUTIFY_FLAG" val="#wm#"/>
@@ -39792,7 +40053,7 @@
 </p:tagLst>
 </file>
 
-<file path=ppt/tags/tag43.xml><?xml version="1.0" encoding="utf-8"?>
+<file path=ppt/tags/tag45.xml><?xml version="1.0" encoding="utf-8"?>
 <p:tagLst xmlns:p="http://schemas.openxmlformats.org/presentationml/2006/main">
   <p:tag name="KSO_WM_TAG_VERSION" val="1.0"/>
   <p:tag name="KSO_WM_BEAUTIFY_FLAG" val="#wm#"/>
@@ -39804,7 +40065,7 @@
 </p:tagLst>
 </file>
 
-<file path=ppt/tags/tag44.xml><?xml version="1.0" encoding="utf-8"?>
+<file path=ppt/tags/tag46.xml><?xml version="1.0" encoding="utf-8"?>
 <p:tagLst xmlns:p="http://schemas.openxmlformats.org/presentationml/2006/main">
   <p:tag name="KSO_WM_TAG_VERSION" val="1.0"/>
   <p:tag name="KSO_WM_BEAUTIFY_FLAG" val="#wm#"/>
@@ -39829,7 +40090,7 @@
 </p:tagLst>
 </file>
 
-<file path=ppt/tags/tag45.xml><?xml version="1.0" encoding="utf-8"?>
+<file path=ppt/tags/tag47.xml><?xml version="1.0" encoding="utf-8"?>
 <p:tagLst xmlns:p="http://schemas.openxmlformats.org/presentationml/2006/main">
   <p:tag name="KSO_WM_TAG_VERSION" val="1.0"/>
   <p:tag name="KSO_WM_BEAUTIFY_FLAG" val="#wm#"/>
@@ -39849,7 +40110,7 @@
 </p:tagLst>
 </file>
 
-<file path=ppt/tags/tag46.xml><?xml version="1.0" encoding="utf-8"?>
+<file path=ppt/tags/tag48.xml><?xml version="1.0" encoding="utf-8"?>
 <p:tagLst xmlns:p="http://schemas.openxmlformats.org/presentationml/2006/main">
   <p:tag name="KSO_WM_TAG_VERSION" val="1.0"/>
   <p:tag name="KSO_WM_BEAUTIFY_FLAG" val="#wm#"/>
@@ -39868,7 +40129,7 @@
 </p:tagLst>
 </file>
 
-<file path=ppt/tags/tag47.xml><?xml version="1.0" encoding="utf-8"?>
+<file path=ppt/tags/tag49.xml><?xml version="1.0" encoding="utf-8"?>
 <p:tagLst xmlns:p="http://schemas.openxmlformats.org/presentationml/2006/main">
   <p:tag name="KSO_WM_TAG_VERSION" val="1.0"/>
   <p:tag name="KSO_WM_BEAUTIFY_FLAG" val="#wm#"/>
@@ -39892,7 +40153,15 @@
 </p:tagLst>
 </file>
 
-<file path=ppt/tags/tag48.xml><?xml version="1.0" encoding="utf-8"?>
+<file path=ppt/tags/tag5.xml><?xml version="1.0" encoding="utf-8"?>
+<p:tagLst xmlns:p="http://schemas.openxmlformats.org/presentationml/2006/main">
+  <p:tag name="KSO_WM_TAG_VERSION" val="1.0"/>
+  <p:tag name="KSO_WM_TEMPLATE_CATEGORY" val="custom"/>
+  <p:tag name="KSO_WM_TEMPLATE_INDEX" val="160147"/>
+</p:tagLst>
+</file>
+
+<file path=ppt/tags/tag50.xml><?xml version="1.0" encoding="utf-8"?>
 <p:tagLst xmlns:p="http://schemas.openxmlformats.org/presentationml/2006/main">
   <p:tag name="MH" val="20151013150709"/>
   <p:tag name="MH_LIBRARY" val="CONTENTS"/>
@@ -39908,7 +40177,7 @@
 </p:tagLst>
 </file>
 
-<file path=ppt/tags/tag49.xml><?xml version="1.0" encoding="utf-8"?>
+<file path=ppt/tags/tag51.xml><?xml version="1.0" encoding="utf-8"?>
 <p:tagLst xmlns:p="http://schemas.openxmlformats.org/presentationml/2006/main">
   <p:tag name="MH" val="20151013150709"/>
   <p:tag name="MH_LIBRARY" val="CONTENTS"/>
@@ -39929,15 +40198,7 @@
 </p:tagLst>
 </file>
 
-<file path=ppt/tags/tag5.xml><?xml version="1.0" encoding="utf-8"?>
-<p:tagLst xmlns:p="http://schemas.openxmlformats.org/presentationml/2006/main">
-  <p:tag name="KSO_WM_TAG_VERSION" val="1.0"/>
-  <p:tag name="KSO_WM_TEMPLATE_CATEGORY" val="custom"/>
-  <p:tag name="KSO_WM_TEMPLATE_INDEX" val="160147"/>
-</p:tagLst>
-</file>
-
-<file path=ppt/tags/tag50.xml><?xml version="1.0" encoding="utf-8"?>
+<file path=ppt/tags/tag52.xml><?xml version="1.0" encoding="utf-8"?>
 <p:tagLst xmlns:p="http://schemas.openxmlformats.org/presentationml/2006/main">
   <p:tag name="KSO_WM_TAG_VERSION" val="1.0"/>
   <p:tag name="KSO_WM_BEAUTIFY_FLAG" val="#wm#"/>
@@ -39949,7 +40210,7 @@
 </p:tagLst>
 </file>
 
-<file path=ppt/tags/tag51.xml><?xml version="1.0" encoding="utf-8"?>
+<file path=ppt/tags/tag53.xml><?xml version="1.0" encoding="utf-8"?>
 <p:tagLst xmlns:p="http://schemas.openxmlformats.org/presentationml/2006/main">
   <p:tag name="KSO_WM_TAG_VERSION" val="1.0"/>
   <p:tag name="KSO_WM_BEAUTIFY_FLAG" val="#wm#"/>
@@ -39974,7 +40235,7 @@
 </p:tagLst>
 </file>
 
-<file path=ppt/tags/tag52.xml><?xml version="1.0" encoding="utf-8"?>
+<file path=ppt/tags/tag54.xml><?xml version="1.0" encoding="utf-8"?>
 <p:tagLst xmlns:p="http://schemas.openxmlformats.org/presentationml/2006/main">
   <p:tag name="KSO_WM_TAG_VERSION" val="1.0"/>
   <p:tag name="KSO_WM_BEAUTIFY_FLAG" val="#wm#"/>
@@ -39994,7 +40255,7 @@
 </p:tagLst>
 </file>
 
-<file path=ppt/tags/tag53.xml><?xml version="1.0" encoding="utf-8"?>
+<file path=ppt/tags/tag55.xml><?xml version="1.0" encoding="utf-8"?>
 <p:tagLst xmlns:p="http://schemas.openxmlformats.org/presentationml/2006/main">
   <p:tag name="KSO_WM_TAG_VERSION" val="1.0"/>
   <p:tag name="KSO_WM_BEAUTIFY_FLAG" val="#wm#"/>
@@ -40013,7 +40274,7 @@
 </p:tagLst>
 </file>
 
-<file path=ppt/tags/tag54.xml><?xml version="1.0" encoding="utf-8"?>
+<file path=ppt/tags/tag56.xml><?xml version="1.0" encoding="utf-8"?>
 <p:tagLst xmlns:p="http://schemas.openxmlformats.org/presentationml/2006/main">
   <p:tag name="KSO_WM_TAG_VERSION" val="1.0"/>
   <p:tag name="KSO_WM_BEAUTIFY_FLAG" val="#wm#"/>
@@ -40025,7 +40286,7 @@
 </p:tagLst>
 </file>
 
-<file path=ppt/tags/tag55.xml><?xml version="1.0" encoding="utf-8"?>
+<file path=ppt/tags/tag57.xml><?xml version="1.0" encoding="utf-8"?>
 <p:tagLst xmlns:p="http://schemas.openxmlformats.org/presentationml/2006/main">
   <p:tag name="KSO_WM_TAG_VERSION" val="1.0"/>
   <p:tag name="KSO_WM_BEAUTIFY_FLAG" val="#wm#"/>
@@ -40050,7 +40311,7 @@
 </p:tagLst>
 </file>
 
-<file path=ppt/tags/tag56.xml><?xml version="1.0" encoding="utf-8"?>
+<file path=ppt/tags/tag58.xml><?xml version="1.0" encoding="utf-8"?>
 <p:tagLst xmlns:p="http://schemas.openxmlformats.org/presentationml/2006/main">
   <p:tag name="KSO_WM_TAG_VERSION" val="1.0"/>
   <p:tag name="KSO_WM_BEAUTIFY_FLAG" val="#wm#"/>
@@ -40070,7 +40331,7 @@
 </p:tagLst>
 </file>
 
-<file path=ppt/tags/tag57.xml><?xml version="1.0" encoding="utf-8"?>
+<file path=ppt/tags/tag59.xml><?xml version="1.0" encoding="utf-8"?>
 <p:tagLst xmlns:p="http://schemas.openxmlformats.org/presentationml/2006/main">
   <p:tag name="KSO_WM_TAG_VERSION" val="1.0"/>
   <p:tag name="KSO_WM_BEAUTIFY_FLAG" val="#wm#"/>
@@ -40089,7 +40350,15 @@
 </p:tagLst>
 </file>
 
-<file path=ppt/tags/tag58.xml><?xml version="1.0" encoding="utf-8"?>
+<file path=ppt/tags/tag6.xml><?xml version="1.0" encoding="utf-8"?>
+<p:tagLst xmlns:p="http://schemas.openxmlformats.org/presentationml/2006/main">
+  <p:tag name="KSO_WM_TAG_VERSION" val="1.0"/>
+  <p:tag name="KSO_WM_TEMPLATE_CATEGORY" val="custom"/>
+  <p:tag name="KSO_WM_TEMPLATE_INDEX" val="160147"/>
+</p:tagLst>
+</file>
+
+<file path=ppt/tags/tag60.xml><?xml version="1.0" encoding="utf-8"?>
 <p:tagLst xmlns:p="http://schemas.openxmlformats.org/presentationml/2006/main">
   <p:tag name="KSO_WM_TAG_VERSION" val="1.0"/>
   <p:tag name="KSO_WM_BEAUTIFY_FLAG" val="#wm#"/>
@@ -40101,7 +40370,7 @@
 </p:tagLst>
 </file>
 
-<file path=ppt/tags/tag59.xml><?xml version="1.0" encoding="utf-8"?>
+<file path=ppt/tags/tag61.xml><?xml version="1.0" encoding="utf-8"?>
 <p:tagLst xmlns:p="http://schemas.openxmlformats.org/presentationml/2006/main">
   <p:tag name="KSO_WM_TAG_VERSION" val="1.0"/>
   <p:tag name="KSO_WM_BEAUTIFY_FLAG" val="#wm#"/>
@@ -40126,15 +40395,7 @@
 </p:tagLst>
 </file>
 
-<file path=ppt/tags/tag6.xml><?xml version="1.0" encoding="utf-8"?>
-<p:tagLst xmlns:p="http://schemas.openxmlformats.org/presentationml/2006/main">
-  <p:tag name="KSO_WM_TAG_VERSION" val="1.0"/>
-  <p:tag name="KSO_WM_TEMPLATE_CATEGORY" val="custom"/>
-  <p:tag name="KSO_WM_TEMPLATE_INDEX" val="160147"/>
-</p:tagLst>
-</file>
-
-<file path=ppt/tags/tag60.xml><?xml version="1.0" encoding="utf-8"?>
+<file path=ppt/tags/tag62.xml><?xml version="1.0" encoding="utf-8"?>
 <p:tagLst xmlns:p="http://schemas.openxmlformats.org/presentationml/2006/main">
   <p:tag name="KSO_WM_TAG_VERSION" val="1.0"/>
   <p:tag name="KSO_WM_BEAUTIFY_FLAG" val="#wm#"/>
@@ -40154,7 +40415,7 @@
 </p:tagLst>
 </file>
 
-<file path=ppt/tags/tag61.xml><?xml version="1.0" encoding="utf-8"?>
+<file path=ppt/tags/tag63.xml><?xml version="1.0" encoding="utf-8"?>
 <p:tagLst xmlns:p="http://schemas.openxmlformats.org/presentationml/2006/main">
   <p:tag name="KSO_WM_TAG_VERSION" val="1.0"/>
   <p:tag name="KSO_WM_BEAUTIFY_FLAG" val="#wm#"/>
@@ -40173,7 +40434,7 @@
 </p:tagLst>
 </file>
 
-<file path=ppt/tags/tag62.xml><?xml version="1.0" encoding="utf-8"?>
+<file path=ppt/tags/tag64.xml><?xml version="1.0" encoding="utf-8"?>
 <p:tagLst xmlns:p="http://schemas.openxmlformats.org/presentationml/2006/main">
   <p:tag name="KSO_WM_TAG_VERSION" val="1.0"/>
   <p:tag name="KSO_WM_BEAUTIFY_FLAG" val="#wm#"/>
@@ -40197,7 +40458,7 @@
 </p:tagLst>
 </file>
 
-<file path=ppt/tags/tag63.xml><?xml version="1.0" encoding="utf-8"?>
+<file path=ppt/tags/tag65.xml><?xml version="1.0" encoding="utf-8"?>
 <p:tagLst xmlns:p="http://schemas.openxmlformats.org/presentationml/2006/main">
   <p:tag name="MH" val="20151013150709"/>
   <p:tag name="MH_LIBRARY" val="CONTENTS"/>
@@ -40213,7 +40474,7 @@
 </p:tagLst>
 </file>
 
-<file path=ppt/tags/tag64.xml><?xml version="1.0" encoding="utf-8"?>
+<file path=ppt/tags/tag66.xml><?xml version="1.0" encoding="utf-8"?>
 <p:tagLst xmlns:p="http://schemas.openxmlformats.org/presentationml/2006/main">
   <p:tag name="MH" val="20151013150709"/>
   <p:tag name="MH_LIBRARY" val="CONTENTS"/>
@@ -40234,7 +40495,7 @@
 </p:tagLst>
 </file>
 
-<file path=ppt/tags/tag65.xml><?xml version="1.0" encoding="utf-8"?>
+<file path=ppt/tags/tag67.xml><?xml version="1.0" encoding="utf-8"?>
 <p:tagLst xmlns:p="http://schemas.openxmlformats.org/presentationml/2006/main">
   <p:tag name="KSO_WM_TAG_VERSION" val="1.0"/>
   <p:tag name="KSO_WM_BEAUTIFY_FLAG" val="#wm#"/>
@@ -40246,7 +40507,7 @@
 </p:tagLst>
 </file>
 
-<file path=ppt/tags/tag66.xml><?xml version="1.0" encoding="utf-8"?>
+<file path=ppt/tags/tag68.xml><?xml version="1.0" encoding="utf-8"?>
 <p:tagLst xmlns:p="http://schemas.openxmlformats.org/presentationml/2006/main">
   <p:tag name="KSO_WM_TAG_VERSION" val="1.0"/>
   <p:tag name="KSO_WM_BEAUTIFY_FLAG" val="#wm#"/>
@@ -40271,7 +40532,7 @@
 </p:tagLst>
 </file>
 
-<file path=ppt/tags/tag67.xml><?xml version="1.0" encoding="utf-8"?>
+<file path=ppt/tags/tag69.xml><?xml version="1.0" encoding="utf-8"?>
 <p:tagLst xmlns:p="http://schemas.openxmlformats.org/presentationml/2006/main">
   <p:tag name="KSO_WM_TAG_VERSION" val="1.0"/>
   <p:tag name="KSO_WM_BEAUTIFY_FLAG" val="#wm#"/>
@@ -40288,37 +40549,6 @@
   <p:tag name="KSO_WM_UNIT_CLEAR" val="1"/>
   <p:tag name="KSO_WM_UNIT_LAYERLEVEL" val="1_1"/>
   <p:tag name="KSO_WM_DIAGRAM_GROUP_CODE" val="l1-1"/>
-</p:tagLst>
-</file>
-
-<file path=ppt/tags/tag68.xml><?xml version="1.0" encoding="utf-8"?>
-<p:tagLst xmlns:p="http://schemas.openxmlformats.org/presentationml/2006/main">
-  <p:tag name="KSO_WM_TAG_VERSION" val="1.0"/>
-  <p:tag name="KSO_WM_BEAUTIFY_FLAG" val="#wm#"/>
-  <p:tag name="KSO_WM_TEMPLATE_CATEGORY" val="custom"/>
-  <p:tag name="KSO_WM_TEMPLATE_INDEX" val="160147"/>
-  <p:tag name="MH" val="20151013150709"/>
-  <p:tag name="MH_LIBRARY" val="CONTENTS"/>
-  <p:tag name="MH_TYPE" val="OTHERS"/>
-  <p:tag name="ID" val="553516"/>
-  <p:tag name="KSO_WM_UNIT_TYPE" val="l_i"/>
-  <p:tag name="KSO_WM_UNIT_INDEX" val="1_2"/>
-  <p:tag name="KSO_WM_UNIT_ID" val="custom160147_9*l_i*1_2"/>
-  <p:tag name="KSO_WM_UNIT_CLEAR" val="1"/>
-  <p:tag name="KSO_WM_UNIT_LAYERLEVEL" val="1_1"/>
-  <p:tag name="KSO_WM_DIAGRAM_GROUP_CODE" val="l1-1"/>
-</p:tagLst>
-</file>
-
-<file path=ppt/tags/tag69.xml><?xml version="1.0" encoding="utf-8"?>
-<p:tagLst xmlns:p="http://schemas.openxmlformats.org/presentationml/2006/main">
-  <p:tag name="KSO_WM_TAG_VERSION" val="1.0"/>
-  <p:tag name="KSO_WM_BEAUTIFY_FLAG" val="#wm#"/>
-  <p:tag name="KSO_WM_UNIT_TYPE" val="i"/>
-  <p:tag name="KSO_WM_UNIT_ID" val="custom160147_9*i*7"/>
-  <p:tag name="KSO_WM_TEMPLATE_CATEGORY" val="custom"/>
-  <p:tag name="KSO_WM_TEMPLATE_INDEX" val="160147"/>
-  <p:tag name="KSO_WM_UNIT_INDEX" val="7"/>
 </p:tagLst>
 </file>
 
@@ -40343,6 +40573,37 @@
 </file>
 
 <file path=ppt/tags/tag70.xml><?xml version="1.0" encoding="utf-8"?>
+<p:tagLst xmlns:p="http://schemas.openxmlformats.org/presentationml/2006/main">
+  <p:tag name="KSO_WM_TAG_VERSION" val="1.0"/>
+  <p:tag name="KSO_WM_BEAUTIFY_FLAG" val="#wm#"/>
+  <p:tag name="KSO_WM_TEMPLATE_CATEGORY" val="custom"/>
+  <p:tag name="KSO_WM_TEMPLATE_INDEX" val="160147"/>
+  <p:tag name="MH" val="20151013150709"/>
+  <p:tag name="MH_LIBRARY" val="CONTENTS"/>
+  <p:tag name="MH_TYPE" val="OTHERS"/>
+  <p:tag name="ID" val="553516"/>
+  <p:tag name="KSO_WM_UNIT_TYPE" val="l_i"/>
+  <p:tag name="KSO_WM_UNIT_INDEX" val="1_2"/>
+  <p:tag name="KSO_WM_UNIT_ID" val="custom160147_9*l_i*1_2"/>
+  <p:tag name="KSO_WM_UNIT_CLEAR" val="1"/>
+  <p:tag name="KSO_WM_UNIT_LAYERLEVEL" val="1_1"/>
+  <p:tag name="KSO_WM_DIAGRAM_GROUP_CODE" val="l1-1"/>
+</p:tagLst>
+</file>
+
+<file path=ppt/tags/tag71.xml><?xml version="1.0" encoding="utf-8"?>
+<p:tagLst xmlns:p="http://schemas.openxmlformats.org/presentationml/2006/main">
+  <p:tag name="KSO_WM_TAG_VERSION" val="1.0"/>
+  <p:tag name="KSO_WM_BEAUTIFY_FLAG" val="#wm#"/>
+  <p:tag name="KSO_WM_UNIT_TYPE" val="i"/>
+  <p:tag name="KSO_WM_UNIT_ID" val="custom160147_9*i*7"/>
+  <p:tag name="KSO_WM_TEMPLATE_CATEGORY" val="custom"/>
+  <p:tag name="KSO_WM_TEMPLATE_INDEX" val="160147"/>
+  <p:tag name="KSO_WM_UNIT_INDEX" val="7"/>
+</p:tagLst>
+</file>
+
+<file path=ppt/tags/tag72.xml><?xml version="1.0" encoding="utf-8"?>
 <p:tagLst xmlns:p="http://schemas.openxmlformats.org/presentationml/2006/main">
   <p:tag name="KSO_WM_TAG_VERSION" val="1.0"/>
   <p:tag name="KSO_WM_BEAUTIFY_FLAG" val="#wm#"/>
@@ -40367,7 +40628,7 @@
 </p:tagLst>
 </file>
 
-<file path=ppt/tags/tag71.xml><?xml version="1.0" encoding="utf-8"?>
+<file path=ppt/tags/tag73.xml><?xml version="1.0" encoding="utf-8"?>
 <p:tagLst xmlns:p="http://schemas.openxmlformats.org/presentationml/2006/main">
   <p:tag name="KSO_WM_TAG_VERSION" val="1.0"/>
   <p:tag name="KSO_WM_BEAUTIFY_FLAG" val="#wm#"/>
@@ -40387,7 +40648,7 @@
 </p:tagLst>
 </file>
 
-<file path=ppt/tags/tag72.xml><?xml version="1.0" encoding="utf-8"?>
+<file path=ppt/tags/tag74.xml><?xml version="1.0" encoding="utf-8"?>
 <p:tagLst xmlns:p="http://schemas.openxmlformats.org/presentationml/2006/main">
   <p:tag name="KSO_WM_TAG_VERSION" val="1.0"/>
   <p:tag name="KSO_WM_BEAUTIFY_FLAG" val="#wm#"/>
@@ -40406,7 +40667,7 @@
 </p:tagLst>
 </file>
 
-<file path=ppt/tags/tag73.xml><?xml version="1.0" encoding="utf-8"?>
+<file path=ppt/tags/tag75.xml><?xml version="1.0" encoding="utf-8"?>
 <p:tagLst xmlns:p="http://schemas.openxmlformats.org/presentationml/2006/main">
   <p:tag name="KSO_WM_TAG_VERSION" val="1.0"/>
   <p:tag name="KSO_WM_BEAUTIFY_FLAG" val="#wm#"/>
@@ -40418,7 +40679,7 @@
 </p:tagLst>
 </file>
 
-<file path=ppt/tags/tag74.xml><?xml version="1.0" encoding="utf-8"?>
+<file path=ppt/tags/tag76.xml><?xml version="1.0" encoding="utf-8"?>
 <p:tagLst xmlns:p="http://schemas.openxmlformats.org/presentationml/2006/main">
   <p:tag name="KSO_WM_TAG_VERSION" val="1.0"/>
   <p:tag name="KSO_WM_BEAUTIFY_FLAG" val="#wm#"/>
@@ -40443,7 +40704,7 @@
 </p:tagLst>
 </file>
 
-<file path=ppt/tags/tag75.xml><?xml version="1.0" encoding="utf-8"?>
+<file path=ppt/tags/tag77.xml><?xml version="1.0" encoding="utf-8"?>
 <p:tagLst xmlns:p="http://schemas.openxmlformats.org/presentationml/2006/main">
   <p:tag name="KSO_WM_TAG_VERSION" val="1.0"/>
   <p:tag name="KSO_WM_BEAUTIFY_FLAG" val="#wm#"/>
@@ -40463,7 +40724,7 @@
 </p:tagLst>
 </file>
 
-<file path=ppt/tags/tag76.xml><?xml version="1.0" encoding="utf-8"?>
+<file path=ppt/tags/tag78.xml><?xml version="1.0" encoding="utf-8"?>
 <p:tagLst xmlns:p="http://schemas.openxmlformats.org/presentationml/2006/main">
   <p:tag name="KSO_WM_TAG_VERSION" val="1.0"/>
   <p:tag name="KSO_WM_BEAUTIFY_FLAG" val="#wm#"/>
@@ -40482,7 +40743,7 @@
 </p:tagLst>
 </file>
 
-<file path=ppt/tags/tag77.xml><?xml version="1.0" encoding="utf-8"?>
+<file path=ppt/tags/tag79.xml><?xml version="1.0" encoding="utf-8"?>
 <p:tagLst xmlns:p="http://schemas.openxmlformats.org/presentationml/2006/main">
   <p:tag name="KSO_WM_TAG_VERSION" val="1.0"/>
   <p:tag name="KSO_WM_BEAUTIFY_FLAG" val="#wm#"/>
@@ -40494,7 +40755,27 @@
 </p:tagLst>
 </file>
 
-<file path=ppt/tags/tag78.xml><?xml version="1.0" encoding="utf-8"?>
+<file path=ppt/tags/tag8.xml><?xml version="1.0" encoding="utf-8"?>
+<p:tagLst xmlns:p="http://schemas.openxmlformats.org/presentationml/2006/main">
+  <p:tag name="KSO_WM_TAG_VERSION" val="1.0"/>
+  <p:tag name="KSO_WM_BEAUTIFY_FLAG" val="#wm#"/>
+  <p:tag name="KSO_WM_TEMPLATE_CATEGORY" val="custom"/>
+  <p:tag name="KSO_WM_TEMPLATE_INDEX" val="160147"/>
+  <p:tag name="KSO_WM_UNIT_TYPE" val="b"/>
+  <p:tag name="KSO_WM_UNIT_INDEX" val="1"/>
+  <p:tag name="KSO_WM_UNIT_ID" val="custom160147_1*b*1"/>
+  <p:tag name="KSO_WM_UNIT_CLEAR" val="1"/>
+  <p:tag name="KSO_WM_UNIT_LAYERLEVEL" val="1"/>
+  <p:tag name="KSO_WM_UNIT_VALUE" val="29"/>
+  <p:tag name="KSO_WM_UNIT_ISCONTENTSTITLE" val="0"/>
+  <p:tag name="KSO_WM_UNIT_HIGHLIGHT" val="0"/>
+  <p:tag name="KSO_WM_UNIT_COMPATIBLE" val="0"/>
+  <p:tag name="KSO_WM_UNIT_PRESET_TEXT_INDEX" val="3"/>
+  <p:tag name="KSO_WM_UNIT_PRESET_TEXT_LEN" val="17"/>
+</p:tagLst>
+</file>
+
+<file path=ppt/tags/tag80.xml><?xml version="1.0" encoding="utf-8"?>
 <p:tagLst xmlns:p="http://schemas.openxmlformats.org/presentationml/2006/main">
   <p:tag name="KSO_WM_TAG_VERSION" val="1.0"/>
   <p:tag name="KSO_WM_BEAUTIFY_FLAG" val="#wm#"/>
@@ -40519,7 +40800,7 @@
 </p:tagLst>
 </file>
 
-<file path=ppt/tags/tag79.xml><?xml version="1.0" encoding="utf-8"?>
+<file path=ppt/tags/tag81.xml><?xml version="1.0" encoding="utf-8"?>
 <p:tagLst xmlns:p="http://schemas.openxmlformats.org/presentationml/2006/main">
   <p:tag name="KSO_WM_TAG_VERSION" val="1.0"/>
   <p:tag name="KSO_WM_BEAUTIFY_FLAG" val="#wm#"/>
@@ -40539,27 +40820,7 @@
 </p:tagLst>
 </file>
 
-<file path=ppt/tags/tag8.xml><?xml version="1.0" encoding="utf-8"?>
-<p:tagLst xmlns:p="http://schemas.openxmlformats.org/presentationml/2006/main">
-  <p:tag name="KSO_WM_TAG_VERSION" val="1.0"/>
-  <p:tag name="KSO_WM_BEAUTIFY_FLAG" val="#wm#"/>
-  <p:tag name="KSO_WM_TEMPLATE_CATEGORY" val="custom"/>
-  <p:tag name="KSO_WM_TEMPLATE_INDEX" val="160147"/>
-  <p:tag name="KSO_WM_UNIT_TYPE" val="b"/>
-  <p:tag name="KSO_WM_UNIT_INDEX" val="1"/>
-  <p:tag name="KSO_WM_UNIT_ID" val="custom160147_1*b*1"/>
-  <p:tag name="KSO_WM_UNIT_CLEAR" val="1"/>
-  <p:tag name="KSO_WM_UNIT_LAYERLEVEL" val="1"/>
-  <p:tag name="KSO_WM_UNIT_VALUE" val="29"/>
-  <p:tag name="KSO_WM_UNIT_ISCONTENTSTITLE" val="0"/>
-  <p:tag name="KSO_WM_UNIT_HIGHLIGHT" val="0"/>
-  <p:tag name="KSO_WM_UNIT_COMPATIBLE" val="0"/>
-  <p:tag name="KSO_WM_UNIT_PRESET_TEXT_INDEX" val="3"/>
-  <p:tag name="KSO_WM_UNIT_PRESET_TEXT_LEN" val="17"/>
-</p:tagLst>
-</file>
-
-<file path=ppt/tags/tag80.xml><?xml version="1.0" encoding="utf-8"?>
+<file path=ppt/tags/tag82.xml><?xml version="1.0" encoding="utf-8"?>
 <p:tagLst xmlns:p="http://schemas.openxmlformats.org/presentationml/2006/main">
   <p:tag name="KSO_WM_TAG_VERSION" val="1.0"/>
   <p:tag name="KSO_WM_BEAUTIFY_FLAG" val="#wm#"/>
@@ -40578,7 +40839,7 @@
 </p:tagLst>
 </file>
 
-<file path=ppt/tags/tag81.xml><?xml version="1.0" encoding="utf-8"?>
+<file path=ppt/tags/tag83.xml><?xml version="1.0" encoding="utf-8"?>
 <p:tagLst xmlns:p="http://schemas.openxmlformats.org/presentationml/2006/main">
   <p:tag name="KSO_WM_TAG_VERSION" val="1.0"/>
   <p:tag name="KSO_WM_BEAUTIFY_FLAG" val="#wm#"/>
@@ -40602,7 +40863,7 @@
 </p:tagLst>
 </file>
 
-<file path=ppt/tags/tag82.xml><?xml version="1.0" encoding="utf-8"?>
+<file path=ppt/tags/tag84.xml><?xml version="1.0" encoding="utf-8"?>
 <p:tagLst xmlns:p="http://schemas.openxmlformats.org/presentationml/2006/main">
   <p:tag name="MH" val="20151013150709"/>
   <p:tag name="MH_LIBRARY" val="CONTENTS"/>
@@ -40618,7 +40879,7 @@
 </p:tagLst>
 </file>
 
-<file path=ppt/tags/tag83.xml><?xml version="1.0" encoding="utf-8"?>
+<file path=ppt/tags/tag85.xml><?xml version="1.0" encoding="utf-8"?>
 <p:tagLst xmlns:p="http://schemas.openxmlformats.org/presentationml/2006/main">
   <p:tag name="MH" val="20151013150709"/>
   <p:tag name="MH_LIBRARY" val="CONTENTS"/>
@@ -40639,7 +40900,7 @@
 </p:tagLst>
 </file>
 
-<file path=ppt/tags/tag84.xml><?xml version="1.0" encoding="utf-8"?>
+<file path=ppt/tags/tag86.xml><?xml version="1.0" encoding="utf-8"?>
 <p:tagLst xmlns:p="http://schemas.openxmlformats.org/presentationml/2006/main">
   <p:tag name="KSO_WM_TAG_VERSION" val="1.0"/>
   <p:tag name="KSO_WM_BEAUTIFY_FLAG" val="#wm#"/>
@@ -40651,7 +40912,7 @@
 </p:tagLst>
 </file>
 
-<file path=ppt/tags/tag85.xml><?xml version="1.0" encoding="utf-8"?>
+<file path=ppt/tags/tag87.xml><?xml version="1.0" encoding="utf-8"?>
 <p:tagLst xmlns:p="http://schemas.openxmlformats.org/presentationml/2006/main">
   <p:tag name="KSO_WM_TAG_VERSION" val="1.0"/>
   <p:tag name="KSO_WM_BEAUTIFY_FLAG" val="#wm#"/>
@@ -40676,7 +40937,7 @@
 </p:tagLst>
 </file>
 
-<file path=ppt/tags/tag86.xml><?xml version="1.0" encoding="utf-8"?>
+<file path=ppt/tags/tag88.xml><?xml version="1.0" encoding="utf-8"?>
 <p:tagLst xmlns:p="http://schemas.openxmlformats.org/presentationml/2006/main">
   <p:tag name="KSO_WM_TAG_VERSION" val="1.0"/>
   <p:tag name="KSO_WM_BEAUTIFY_FLAG" val="#wm#"/>
@@ -40696,7 +40957,7 @@
 </p:tagLst>
 </file>
 
-<file path=ppt/tags/tag87.xml><?xml version="1.0" encoding="utf-8"?>
+<file path=ppt/tags/tag89.xml><?xml version="1.0" encoding="utf-8"?>
 <p:tagLst xmlns:p="http://schemas.openxmlformats.org/presentationml/2006/main">
   <p:tag name="KSO_WM_TAG_VERSION" val="1.0"/>
   <p:tag name="KSO_WM_BEAUTIFY_FLAG" val="#wm#"/>
@@ -40715,7 +40976,23 @@
 </p:tagLst>
 </file>
 
-<file path=ppt/tags/tag88.xml><?xml version="1.0" encoding="utf-8"?>
+<file path=ppt/tags/tag9.xml><?xml version="1.0" encoding="utf-8"?>
+<p:tagLst xmlns:p="http://schemas.openxmlformats.org/presentationml/2006/main">
+  <p:tag name="KSO_WM_TEMPLATE_THUMBS_INDEX" val="1、4、5、9、12、15、20、25、26、27"/>
+  <p:tag name="KSO_WM_TEMPLATE_CATEGORY" val="custom"/>
+  <p:tag name="KSO_WM_TEMPLATE_INDEX" val="160147"/>
+  <p:tag name="KSO_WM_TAG_VERSION" val="1.0"/>
+  <p:tag name="KSO_WM_SLIDE_ID" val="custom160147_1"/>
+  <p:tag name="KSO_WM_SLIDE_INDEX" val="1"/>
+  <p:tag name="KSO_WM_SLIDE_ITEM_CNT" val="2"/>
+  <p:tag name="KSO_WM_SLIDE_LAYOUT" val="a_b"/>
+  <p:tag name="KSO_WM_SLIDE_LAYOUT_CNT" val="1_1"/>
+  <p:tag name="KSO_WM_SLIDE_TYPE" val="title"/>
+  <p:tag name="KSO_WM_BEAUTIFY_FLAG" val="#wm#"/>
+</p:tagLst>
+</file>
+
+<file path=ppt/tags/tag90.xml><?xml version="1.0" encoding="utf-8"?>
 <p:tagLst xmlns:p="http://schemas.openxmlformats.org/presentationml/2006/main">
   <p:tag name="KSO_WM_TAG_VERSION" val="1.0"/>
   <p:tag name="KSO_WM_BEAUTIFY_FLAG" val="#wm#"/>
@@ -40727,7 +41004,7 @@
 </p:tagLst>
 </file>
 
-<file path=ppt/tags/tag89.xml><?xml version="1.0" encoding="utf-8"?>
+<file path=ppt/tags/tag91.xml><?xml version="1.0" encoding="utf-8"?>
 <p:tagLst xmlns:p="http://schemas.openxmlformats.org/presentationml/2006/main">
   <p:tag name="KSO_WM_TAG_VERSION" val="1.0"/>
   <p:tag name="KSO_WM_BEAUTIFY_FLAG" val="#wm#"/>
@@ -40752,23 +41029,7 @@
 </p:tagLst>
 </file>
 
-<file path=ppt/tags/tag9.xml><?xml version="1.0" encoding="utf-8"?>
-<p:tagLst xmlns:p="http://schemas.openxmlformats.org/presentationml/2006/main">
-  <p:tag name="KSO_WM_TEMPLATE_THUMBS_INDEX" val="1、4、5、9、12、15、20、25、26、27"/>
-  <p:tag name="KSO_WM_TEMPLATE_CATEGORY" val="custom"/>
-  <p:tag name="KSO_WM_TEMPLATE_INDEX" val="160147"/>
-  <p:tag name="KSO_WM_TAG_VERSION" val="1.0"/>
-  <p:tag name="KSO_WM_SLIDE_ID" val="custom160147_1"/>
-  <p:tag name="KSO_WM_SLIDE_INDEX" val="1"/>
-  <p:tag name="KSO_WM_SLIDE_ITEM_CNT" val="2"/>
-  <p:tag name="KSO_WM_SLIDE_LAYOUT" val="a_b"/>
-  <p:tag name="KSO_WM_SLIDE_LAYOUT_CNT" val="1_1"/>
-  <p:tag name="KSO_WM_SLIDE_TYPE" val="title"/>
-  <p:tag name="KSO_WM_BEAUTIFY_FLAG" val="#wm#"/>
-</p:tagLst>
-</file>
-
-<file path=ppt/tags/tag90.xml><?xml version="1.0" encoding="utf-8"?>
+<file path=ppt/tags/tag92.xml><?xml version="1.0" encoding="utf-8"?>
 <p:tagLst xmlns:p="http://schemas.openxmlformats.org/presentationml/2006/main">
   <p:tag name="KSO_WM_TAG_VERSION" val="1.0"/>
   <p:tag name="KSO_WM_BEAUTIFY_FLAG" val="#wm#"/>
@@ -40788,7 +41049,7 @@
 </p:tagLst>
 </file>
 
-<file path=ppt/tags/tag91.xml><?xml version="1.0" encoding="utf-8"?>
+<file path=ppt/tags/tag93.xml><?xml version="1.0" encoding="utf-8"?>
 <p:tagLst xmlns:p="http://schemas.openxmlformats.org/presentationml/2006/main">
   <p:tag name="KSO_WM_TAG_VERSION" val="1.0"/>
   <p:tag name="KSO_WM_BEAUTIFY_FLAG" val="#wm#"/>
@@ -40807,7 +41068,7 @@
 </p:tagLst>
 </file>
 
-<file path=ppt/tags/tag92.xml><?xml version="1.0" encoding="utf-8"?>
+<file path=ppt/tags/tag94.xml><?xml version="1.0" encoding="utf-8"?>
 <p:tagLst xmlns:p="http://schemas.openxmlformats.org/presentationml/2006/main">
   <p:tag name="KSO_WM_TAG_VERSION" val="1.0"/>
   <p:tag name="KSO_WM_BEAUTIFY_FLAG" val="#wm#"/>
@@ -40819,7 +41080,7 @@
 </p:tagLst>
 </file>
 
-<file path=ppt/tags/tag93.xml><?xml version="1.0" encoding="utf-8"?>
+<file path=ppt/tags/tag95.xml><?xml version="1.0" encoding="utf-8"?>
 <p:tagLst xmlns:p="http://schemas.openxmlformats.org/presentationml/2006/main">
   <p:tag name="KSO_WM_TAG_VERSION" val="1.0"/>
   <p:tag name="KSO_WM_BEAUTIFY_FLAG" val="#wm#"/>
@@ -40844,7 +41105,7 @@
 </p:tagLst>
 </file>
 
-<file path=ppt/tags/tag94.xml><?xml version="1.0" encoding="utf-8"?>
+<file path=ppt/tags/tag96.xml><?xml version="1.0" encoding="utf-8"?>
 <p:tagLst xmlns:p="http://schemas.openxmlformats.org/presentationml/2006/main">
   <p:tag name="KSO_WM_TAG_VERSION" val="1.0"/>
   <p:tag name="KSO_WM_BEAUTIFY_FLAG" val="#wm#"/>
@@ -40864,7 +41125,7 @@
 </p:tagLst>
 </file>
 
-<file path=ppt/tags/tag95.xml><?xml version="1.0" encoding="utf-8"?>
+<file path=ppt/tags/tag97.xml><?xml version="1.0" encoding="utf-8"?>
 <p:tagLst xmlns:p="http://schemas.openxmlformats.org/presentationml/2006/main">
   <p:tag name="KSO_WM_TAG_VERSION" val="1.0"/>
   <p:tag name="KSO_WM_BEAUTIFY_FLAG" val="#wm#"/>
@@ -40883,7 +41144,7 @@
 </p:tagLst>
 </file>
 
-<file path=ppt/tags/tag96.xml><?xml version="1.0" encoding="utf-8"?>
+<file path=ppt/tags/tag98.xml><?xml version="1.0" encoding="utf-8"?>
 <p:tagLst xmlns:p="http://schemas.openxmlformats.org/presentationml/2006/main">
   <p:tag name="KSO_WM_TAG_VERSION" val="1.0"/>
   <p:tag name="KSO_WM_BEAUTIFY_FLAG" val="#wm#"/>
@@ -40895,7 +41156,7 @@
 </p:tagLst>
 </file>
 
-<file path=ppt/tags/tag97.xml><?xml version="1.0" encoding="utf-8"?>
+<file path=ppt/tags/tag99.xml><?xml version="1.0" encoding="utf-8"?>
 <p:tagLst xmlns:p="http://schemas.openxmlformats.org/presentationml/2006/main">
   <p:tag name="KSO_WM_TAG_VERSION" val="1.0"/>
   <p:tag name="KSO_WM_BEAUTIFY_FLAG" val="#wm#"/>
@@ -40916,45 +41177,6 @@
   <p:tag name="KSO_WM_UNIT_COMPATIBLE" val="0"/>
   <p:tag name="KSO_WM_UNIT_PRESET_TEXT_INDEX" val="3"/>
   <p:tag name="KSO_WM_UNIT_PRESET_TEXT_LEN" val="24"/>
-  <p:tag name="KSO_WM_DIAGRAM_GROUP_CODE" val="l1-1"/>
-</p:tagLst>
-</file>
-
-<file path=ppt/tags/tag98.xml><?xml version="1.0" encoding="utf-8"?>
-<p:tagLst xmlns:p="http://schemas.openxmlformats.org/presentationml/2006/main">
-  <p:tag name="KSO_WM_TAG_VERSION" val="1.0"/>
-  <p:tag name="KSO_WM_BEAUTIFY_FLAG" val="#wm#"/>
-  <p:tag name="KSO_WM_TEMPLATE_CATEGORY" val="custom"/>
-  <p:tag name="KSO_WM_TEMPLATE_INDEX" val="160147"/>
-  <p:tag name="MH" val="20151013150709"/>
-  <p:tag name="MH_LIBRARY" val="CONTENTS"/>
-  <p:tag name="MH_TYPE" val="NUMBER"/>
-  <p:tag name="ID" val="553516"/>
-  <p:tag name="MH_ORDER" val="4"/>
-  <p:tag name="KSO_WM_UNIT_TYPE" val="l_i"/>
-  <p:tag name="KSO_WM_UNIT_INDEX" val="1_7"/>
-  <p:tag name="KSO_WM_UNIT_ID" val="custom160147_10*l_i*1_7"/>
-  <p:tag name="KSO_WM_UNIT_CLEAR" val="1"/>
-  <p:tag name="KSO_WM_UNIT_LAYERLEVEL" val="1_1"/>
-  <p:tag name="KSO_WM_DIAGRAM_GROUP_CODE" val="l1-1"/>
-</p:tagLst>
-</file>
-
-<file path=ppt/tags/tag99.xml><?xml version="1.0" encoding="utf-8"?>
-<p:tagLst xmlns:p="http://schemas.openxmlformats.org/presentationml/2006/main">
-  <p:tag name="KSO_WM_TAG_VERSION" val="1.0"/>
-  <p:tag name="KSO_WM_BEAUTIFY_FLAG" val="#wm#"/>
-  <p:tag name="KSO_WM_TEMPLATE_CATEGORY" val="custom"/>
-  <p:tag name="KSO_WM_TEMPLATE_INDEX" val="160147"/>
-  <p:tag name="MH" val="20151013150709"/>
-  <p:tag name="MH_LIBRARY" val="CONTENTS"/>
-  <p:tag name="MH_TYPE" val="OTHERS"/>
-  <p:tag name="ID" val="553516"/>
-  <p:tag name="KSO_WM_UNIT_TYPE" val="l_i"/>
-  <p:tag name="KSO_WM_UNIT_INDEX" val="1_8"/>
-  <p:tag name="KSO_WM_UNIT_ID" val="custom160147_10*l_i*1_8"/>
-  <p:tag name="KSO_WM_UNIT_CLEAR" val="1"/>
-  <p:tag name="KSO_WM_UNIT_LAYERLEVEL" val="1_1"/>
   <p:tag name="KSO_WM_DIAGRAM_GROUP_CODE" val="l1-1"/>
 </p:tagLst>
 </file>
